--- a/doc/2014_Nov_04.pptx
+++ b/doc/2014_Nov_04.pptx
@@ -5,7 +5,7 @@
     <p:sldMasterId id="2147483648" r:id="rId1"/>
   </p:sldMasterIdLst>
   <p:notesMasterIdLst>
-    <p:notesMasterId r:id="rId15"/>
+    <p:notesMasterId r:id="rId26"/>
   </p:notesMasterIdLst>
   <p:sldIdLst>
     <p:sldId id="256" r:id="rId2"/>
@@ -15,12 +15,23 @@
     <p:sldId id="265" r:id="rId6"/>
     <p:sldId id="263" r:id="rId7"/>
     <p:sldId id="261" r:id="rId8"/>
-    <p:sldId id="262" r:id="rId9"/>
-    <p:sldId id="259" r:id="rId10"/>
-    <p:sldId id="269" r:id="rId11"/>
-    <p:sldId id="270" r:id="rId12"/>
-    <p:sldId id="266" r:id="rId13"/>
-    <p:sldId id="267" r:id="rId14"/>
+    <p:sldId id="271" r:id="rId9"/>
+    <p:sldId id="272" r:id="rId10"/>
+    <p:sldId id="273" r:id="rId11"/>
+    <p:sldId id="259" r:id="rId12"/>
+    <p:sldId id="269" r:id="rId13"/>
+    <p:sldId id="275" r:id="rId14"/>
+    <p:sldId id="274" r:id="rId15"/>
+    <p:sldId id="276" r:id="rId16"/>
+    <p:sldId id="277" r:id="rId17"/>
+    <p:sldId id="270" r:id="rId18"/>
+    <p:sldId id="266" r:id="rId19"/>
+    <p:sldId id="278" r:id="rId20"/>
+    <p:sldId id="280" r:id="rId21"/>
+    <p:sldId id="281" r:id="rId22"/>
+    <p:sldId id="282" r:id="rId23"/>
+    <p:sldId id="267" r:id="rId24"/>
+    <p:sldId id="279" r:id="rId25"/>
   </p:sldIdLst>
   <p:sldSz cx="9144000" cy="6858000" type="screen4x3"/>
   <p:notesSz cx="6858000" cy="9144000"/>
@@ -204,7 +215,7 @@
           <a:p>
             <a:fld id="{6C4F5159-5F9A-40D9-9FA8-29356E4B5129}" type="datetimeFigureOut">
               <a:rPr lang="en-US" smtClean="0"/>
-              <a:t>11/3/2014</a:t>
+              <a:t>11/3/14</a:t>
             </a:fld>
             <a:endParaRPr lang="en-US"/>
           </a:p>
@@ -730,7 +741,6 @@
               <a:rPr lang="en-US" dirty="0" smtClean="0"/>
               <a:t>NUS, Singapore</a:t>
             </a:r>
-            <a:endParaRPr lang="en-US" dirty="0" smtClean="0"/>
           </a:p>
         </p:txBody>
       </p:sp>
@@ -742,7 +752,7 @@
   <p:timing>
     <p:tnLst>
       <p:par>
-        <p:cTn id="1" dur="indefinite" restart="never" nodeType="tmRoot"/>
+        <p:cTn xmlns:p14="http://schemas.microsoft.com/office/powerpoint/2010/main" id="1" dur="indefinite" restart="never" nodeType="tmRoot"/>
       </p:par>
     </p:tnLst>
   </p:timing>
@@ -3646,7 +3656,6 @@
               <a:rPr lang="en-US" dirty="0" smtClean="0"/>
               <a:t>NUS, Singapore</a:t>
             </a:r>
-            <a:endParaRPr lang="en-US" dirty="0" smtClean="0"/>
           </a:p>
         </p:txBody>
       </p:sp>
@@ -3663,7 +3672,7 @@
   <p:timing>
     <p:tnLst>
       <p:par>
-        <p:cTn id="1" dur="indefinite" restart="never" nodeType="tmRoot"/>
+        <p:cTn xmlns:p14="http://schemas.microsoft.com/office/powerpoint/2010/main" id="1" dur="indefinite" restart="never" nodeType="tmRoot"/>
       </p:par>
     </p:tnLst>
   </p:timing>
@@ -3704,61 +3713,188 @@
           <a:p>
             <a:r>
               <a:rPr lang="en-US" dirty="0" smtClean="0"/>
-              <a:t>Features</a:t>
+              <a:t>Class Imbalance</a:t>
             </a:r>
             <a:endParaRPr lang="en-US" dirty="0"/>
           </a:p>
         </p:txBody>
       </p:sp>
-      <p:sp>
-        <p:nvSpPr>
-          <p:cNvPr id="3" name="Content Placeholder 2"/>
-          <p:cNvSpPr>
-            <a:spLocks noGrp="1"/>
-          </p:cNvSpPr>
+      <p:graphicFrame>
+        <p:nvGraphicFramePr>
+          <p:cNvPr id="7" name="Content Placeholder 6"/>
+          <p:cNvGraphicFramePr>
+            <a:graphicFrameLocks noGrp="1"/>
+          </p:cNvGraphicFramePr>
           <p:nvPr>
             <p:ph idx="1"/>
-          </p:nvPr>
-        </p:nvSpPr>
-        <p:spPr/>
-        <p:txBody>
-          <a:bodyPr>
-            <a:normAutofit/>
-          </a:bodyPr>
-          <a:lstStyle/>
-          <a:p>
-            <a:r>
-              <a:rPr lang="en-US" sz="3000" dirty="0" smtClean="0">
-                <a:latin typeface="Helvetica" panose="020B0604020202020204" pitchFamily="34" charset="0"/>
-                <a:cs typeface="Helvetica" panose="020B0604020202020204" pitchFamily="34" charset="0"/>
-              </a:rPr>
-              <a:t>Binary</a:t>
-            </a:r>
-          </a:p>
-          <a:p>
-            <a:r>
-              <a:rPr lang="en-US" sz="3000" dirty="0" smtClean="0">
-                <a:latin typeface="Helvetica" panose="020B0604020202020204" pitchFamily="34" charset="0"/>
-                <a:cs typeface="Helvetica" panose="020B0604020202020204" pitchFamily="34" charset="0"/>
-              </a:rPr>
-              <a:t>Categorical</a:t>
-            </a:r>
-          </a:p>
-          <a:p>
-            <a:r>
-              <a:rPr lang="en-US" sz="3000" dirty="0" smtClean="0">
-                <a:latin typeface="Helvetica" panose="020B0604020202020204" pitchFamily="34" charset="0"/>
-                <a:cs typeface="Helvetica" panose="020B0604020202020204" pitchFamily="34" charset="0"/>
-              </a:rPr>
-              <a:t>Numeric</a:t>
-            </a:r>
-            <a:endParaRPr lang="en-US" sz="3000" dirty="0">
-              <a:latin typeface="Helvetica" panose="020B0604020202020204" pitchFamily="34" charset="0"/>
-              <a:cs typeface="Helvetica" panose="020B0604020202020204" pitchFamily="34" charset="0"/>
-            </a:endParaRPr>
-          </a:p>
-        </p:txBody>
-      </p:sp>
+            <p:extLst>
+              <p:ext uri="{D42A27DB-BD31-4B8C-83A1-F6EECF244321}">
+                <p14:modId xmlns:p14="http://schemas.microsoft.com/office/powerpoint/2010/main" val="1622543864"/>
+              </p:ext>
+            </p:extLst>
+          </p:nvPr>
+        </p:nvGraphicFramePr>
+        <p:xfrm>
+          <a:off x="457200" y="2662936"/>
+          <a:ext cx="8229600" cy="918464"/>
+        </p:xfrm>
+        <a:graphic>
+          <a:graphicData uri="http://schemas.openxmlformats.org/drawingml/2006/table">
+            <a:tbl>
+              <a:tblPr firstRow="1" bandRow="1">
+                <a:tableStyleId>{5940675A-B579-460E-94D1-54222C63F5DA}</a:tableStyleId>
+              </a:tblPr>
+              <a:tblGrid>
+                <a:gridCol w="4114800"/>
+                <a:gridCol w="4114800"/>
+              </a:tblGrid>
+              <a:tr h="370840">
+                <a:tc>
+                  <a:txBody>
+                    <a:bodyPr/>
+                    <a:lstStyle/>
+                    <a:p>
+                      <a:pPr>
+                        <a:lnSpc>
+                          <a:spcPct val="115000"/>
+                        </a:lnSpc>
+                        <a:spcAft>
+                          <a:spcPts val="0"/>
+                        </a:spcAft>
+                      </a:pPr>
+                      <a:r>
+                        <a:rPr lang="en-US" sz="1200" dirty="0">
+                          <a:effectLst/>
+                        </a:rPr>
+                        <a:t>Positive instances	(exciting)	</a:t>
+                      </a:r>
+                      <a:endParaRPr lang="en-US" sz="1100" dirty="0">
+                        <a:solidFill>
+                          <a:srgbClr val="000000"/>
+                        </a:solidFill>
+                        <a:effectLst/>
+                        <a:latin typeface="Arial"/>
+                        <a:ea typeface="Arial"/>
+                        <a:cs typeface="Arial"/>
+                      </a:endParaRPr>
+                    </a:p>
+                  </a:txBody>
+                  <a:tcPr marL="63500" marR="63500" marT="63500" marB="63500"/>
+                </a:tc>
+                <a:tc>
+                  <a:txBody>
+                    <a:bodyPr/>
+                    <a:lstStyle/>
+                    <a:p>
+                      <a:pPr>
+                        <a:lnSpc>
+                          <a:spcPct val="115000"/>
+                        </a:lnSpc>
+                        <a:spcAft>
+                          <a:spcPts val="0"/>
+                        </a:spcAft>
+                      </a:pPr>
+                      <a:r>
+                        <a:rPr lang="en-US" sz="1200">
+                          <a:effectLst/>
+                        </a:rPr>
+                        <a:t> 18,670 (~ 9%)</a:t>
+                      </a:r>
+                      <a:endParaRPr lang="en-US" sz="1100">
+                        <a:solidFill>
+                          <a:srgbClr val="000000"/>
+                        </a:solidFill>
+                        <a:effectLst/>
+                        <a:latin typeface="Arial"/>
+                        <a:ea typeface="Arial"/>
+                        <a:cs typeface="Arial"/>
+                      </a:endParaRPr>
+                    </a:p>
+                  </a:txBody>
+                  <a:tcPr marL="63500" marR="63500" marT="63500" marB="63500"/>
+                </a:tc>
+              </a:tr>
+              <a:tr h="370840">
+                <a:tc>
+                  <a:txBody>
+                    <a:bodyPr/>
+                    <a:lstStyle/>
+                    <a:p>
+                      <a:pPr>
+                        <a:lnSpc>
+                          <a:spcPct val="115000"/>
+                        </a:lnSpc>
+                        <a:spcAft>
+                          <a:spcPts val="0"/>
+                        </a:spcAft>
+                      </a:pPr>
+                      <a:r>
+                        <a:rPr lang="en-US" sz="1200" dirty="0">
+                          <a:effectLst/>
+                        </a:rPr>
+                        <a:t>Negative instances </a:t>
+                      </a:r>
+                      <a:br>
+                        <a:rPr lang="en-US" sz="1200" dirty="0">
+                          <a:effectLst/>
+                        </a:rPr>
+                      </a:br>
+                      <a:r>
+                        <a:rPr lang="en-US" sz="1200" dirty="0">
+                          <a:effectLst/>
+                        </a:rPr>
+                        <a:t>(not exciting)</a:t>
+                      </a:r>
+                      <a:endParaRPr lang="en-US" sz="1100" dirty="0">
+                        <a:solidFill>
+                          <a:srgbClr val="000000"/>
+                        </a:solidFill>
+                        <a:effectLst/>
+                        <a:latin typeface="Arial"/>
+                        <a:ea typeface="Arial"/>
+                        <a:cs typeface="Arial"/>
+                      </a:endParaRPr>
+                    </a:p>
+                  </a:txBody>
+                  <a:tcPr marL="63500" marR="63500" marT="63500" marB="63500"/>
+                </a:tc>
+                <a:tc>
+                  <a:txBody>
+                    <a:bodyPr/>
+                    <a:lstStyle/>
+                    <a:p>
+                      <a:pPr>
+                        <a:lnSpc>
+                          <a:spcPct val="115000"/>
+                        </a:lnSpc>
+                        <a:spcAft>
+                          <a:spcPts val="0"/>
+                        </a:spcAft>
+                      </a:pPr>
+                      <a:r>
+                        <a:rPr lang="en-US" sz="1200" dirty="0">
+                          <a:effectLst/>
+                        </a:rPr>
+                        <a:t>178,100 (~ 91%)</a:t>
+                      </a:r>
+                      <a:endParaRPr lang="en-US" sz="1100" dirty="0">
+                        <a:solidFill>
+                          <a:srgbClr val="000000"/>
+                        </a:solidFill>
+                        <a:effectLst/>
+                        <a:latin typeface="Arial"/>
+                        <a:ea typeface="Arial"/>
+                        <a:cs typeface="Arial"/>
+                      </a:endParaRPr>
+                    </a:p>
+                  </a:txBody>
+                  <a:tcPr marL="63500" marR="63500" marT="63500" marB="63500"/>
+                </a:tc>
+              </a:tr>
+            </a:tbl>
+          </a:graphicData>
+        </a:graphic>
+      </p:graphicFrame>
       <p:sp>
         <p:nvSpPr>
           <p:cNvPr id="4" name="Date Placeholder 3"/>
@@ -3832,20 +3968,13 @@
     </p:spTree>
     <p:extLst>
       <p:ext uri="{BB962C8B-B14F-4D97-AF65-F5344CB8AC3E}">
-        <p14:creationId xmlns:p14="http://schemas.microsoft.com/office/powerpoint/2010/main" val="1216486764"/>
+        <p14:creationId xmlns:p14="http://schemas.microsoft.com/office/powerpoint/2010/main" val="1688763854"/>
       </p:ext>
     </p:extLst>
   </p:cSld>
   <p:clrMapOvr>
     <a:masterClrMapping/>
   </p:clrMapOvr>
-  <p:timing>
-    <p:tnLst>
-      <p:par>
-        <p:cTn id="1" dur="indefinite" restart="never" nodeType="tmRoot"/>
-      </p:par>
-    </p:tnLst>
-  </p:timing>
 </p:sld>
 </file>
 
@@ -3883,7 +4012,7 @@
           <a:p>
             <a:r>
               <a:rPr lang="en-US" dirty="0" smtClean="0"/>
-              <a:t>Learning Algorithm: Max-Ent</a:t>
+              <a:t>Outline</a:t>
             </a:r>
             <a:endParaRPr lang="en-US" dirty="0"/>
           </a:p>
@@ -3901,32 +4030,113 @@
         </p:nvSpPr>
         <p:spPr/>
         <p:txBody>
-          <a:bodyPr/>
-          <a:lstStyle/>
-          <a:p>
-            <a:r>
-              <a:rPr lang="en-US" dirty="0" err="1" smtClean="0"/>
-              <a:t>a.k.a</a:t>
-            </a:r>
-            <a:r>
-              <a:rPr lang="en-US" dirty="0" smtClean="0"/>
-              <a:t> Logistic regression (</a:t>
-            </a:r>
-            <a:r>
-              <a:rPr lang="en-US" dirty="0" err="1" smtClean="0"/>
-              <a:t>Logit</a:t>
-            </a:r>
-            <a:r>
-              <a:rPr lang="en-US" dirty="0" smtClean="0"/>
-              <a:t>)</a:t>
-            </a:r>
-            <a:endParaRPr lang="en-US" dirty="0"/>
-          </a:p>
-        </p:txBody>
-      </p:sp>
-      <p:sp>
-        <p:nvSpPr>
-          <p:cNvPr id="4" name="Date Placeholder 3"/>
+          <a:bodyPr>
+            <a:normAutofit/>
+          </a:bodyPr>
+          <a:lstStyle/>
+          <a:p>
+            <a:r>
+              <a:rPr lang="en-US" sz="3000" dirty="0" smtClean="0">
+                <a:solidFill>
+                  <a:schemeClr val="bg1">
+                    <a:lumMod val="50000"/>
+                  </a:schemeClr>
+                </a:solidFill>
+                <a:latin typeface="Helvetica" panose="020B0604020202020204" pitchFamily="34" charset="0"/>
+                <a:cs typeface="Helvetica" panose="020B0604020202020204" pitchFamily="34" charset="0"/>
+              </a:rPr>
+              <a:t>Problem Statement</a:t>
+            </a:r>
+          </a:p>
+          <a:p>
+            <a:r>
+              <a:rPr lang="en-US" sz="3000" dirty="0" smtClean="0">
+                <a:solidFill>
+                  <a:schemeClr val="bg1">
+                    <a:lumMod val="50000"/>
+                  </a:schemeClr>
+                </a:solidFill>
+                <a:latin typeface="Helvetica" panose="020B0604020202020204" pitchFamily="34" charset="0"/>
+                <a:cs typeface="Helvetica" panose="020B0604020202020204" pitchFamily="34" charset="0"/>
+              </a:rPr>
+              <a:t>Data</a:t>
+            </a:r>
+          </a:p>
+          <a:p>
+            <a:r>
+              <a:rPr lang="en-US" sz="3000" dirty="0" smtClean="0">
+                <a:solidFill>
+                  <a:schemeClr val="bg1">
+                    <a:lumMod val="50000"/>
+                  </a:schemeClr>
+                </a:solidFill>
+                <a:latin typeface="Helvetica" panose="020B0604020202020204" pitchFamily="34" charset="0"/>
+                <a:cs typeface="Helvetica" panose="020B0604020202020204" pitchFamily="34" charset="0"/>
+              </a:rPr>
+              <a:t>Data preprocessing</a:t>
+            </a:r>
+          </a:p>
+          <a:p>
+            <a:r>
+              <a:rPr lang="en-US" sz="3000" dirty="0" smtClean="0">
+                <a:latin typeface="Helvetica" panose="020B0604020202020204" pitchFamily="34" charset="0"/>
+                <a:cs typeface="Helvetica" panose="020B0604020202020204" pitchFamily="34" charset="0"/>
+              </a:rPr>
+              <a:t>Predictive Model</a:t>
+            </a:r>
+          </a:p>
+          <a:p>
+            <a:pPr lvl="1"/>
+            <a:r>
+              <a:rPr lang="en-US" sz="2600" dirty="0" smtClean="0">
+                <a:latin typeface="Helvetica" panose="020B0604020202020204" pitchFamily="34" charset="0"/>
+                <a:cs typeface="Helvetica" panose="020B0604020202020204" pitchFamily="34" charset="0"/>
+              </a:rPr>
+              <a:t>Features</a:t>
+            </a:r>
+          </a:p>
+          <a:p>
+            <a:pPr lvl="1"/>
+            <a:r>
+              <a:rPr lang="en-US" sz="2600" dirty="0" smtClean="0">
+                <a:latin typeface="Helvetica" panose="020B0604020202020204" pitchFamily="34" charset="0"/>
+                <a:cs typeface="Helvetica" panose="020B0604020202020204" pitchFamily="34" charset="0"/>
+              </a:rPr>
+              <a:t>Learning algorithm: Max-Ent</a:t>
+            </a:r>
+          </a:p>
+          <a:p>
+            <a:r>
+              <a:rPr lang="en-US" sz="3000" dirty="0" smtClean="0">
+                <a:latin typeface="Helvetica" panose="020B0604020202020204" pitchFamily="34" charset="0"/>
+                <a:cs typeface="Helvetica" panose="020B0604020202020204" pitchFamily="34" charset="0"/>
+              </a:rPr>
+              <a:t>Experiments and Results</a:t>
+            </a:r>
+          </a:p>
+          <a:p>
+            <a:r>
+              <a:rPr lang="en-US" sz="3000" dirty="0" smtClean="0">
+                <a:latin typeface="Helvetica" panose="020B0604020202020204" pitchFamily="34" charset="0"/>
+                <a:cs typeface="Helvetica" panose="020B0604020202020204" pitchFamily="34" charset="0"/>
+              </a:rPr>
+              <a:t>Conclusions</a:t>
+            </a:r>
+          </a:p>
+          <a:p>
+            <a:endParaRPr lang="en-US" dirty="0" smtClean="0"/>
+          </a:p>
+          <a:p>
+            <a:endParaRPr lang="en-US" dirty="0" smtClean="0"/>
+          </a:p>
+          <a:p>
+            <a:endParaRPr lang="en-US" dirty="0" smtClean="0"/>
+          </a:p>
+        </p:txBody>
+      </p:sp>
+      <p:sp>
+        <p:nvSpPr>
+          <p:cNvPr id="5" name="Date Placeholder 4"/>
           <p:cNvSpPr>
             <a:spLocks noGrp="1"/>
           </p:cNvSpPr>
@@ -3939,7 +4149,7 @@
           <a:bodyPr/>
           <a:lstStyle/>
           <a:p>
-            <a:fld id="{67982E54-CFC6-46DC-BEF3-B3681CD4B600}" type="datetime3">
+            <a:fld id="{28AC1232-105D-4AA5-B548-5832548E2317}" type="datetime3">
               <a:rPr lang="en-US" smtClean="0"/>
               <a:t>3 November 2014</a:t>
             </a:fld>
@@ -3949,7 +4159,7 @@
       </p:sp>
       <p:sp>
         <p:nvSpPr>
-          <p:cNvPr id="5" name="Footer Placeholder 4"/>
+          <p:cNvPr id="6" name="Footer Placeholder 5"/>
           <p:cNvSpPr>
             <a:spLocks noGrp="1"/>
           </p:cNvSpPr>
@@ -3972,7 +4182,7 @@
       </p:sp>
       <p:sp>
         <p:nvSpPr>
-          <p:cNvPr id="6" name="Slide Number Placeholder 5"/>
+          <p:cNvPr id="7" name="Slide Number Placeholder 6"/>
           <p:cNvSpPr>
             <a:spLocks noGrp="1"/>
           </p:cNvSpPr>
@@ -3994,6 +4204,2312 @@
           </a:p>
         </p:txBody>
       </p:sp>
+    </p:spTree>
+    <p:extLst>
+      <p:ext uri="{BB962C8B-B14F-4D97-AF65-F5344CB8AC3E}">
+        <p14:creationId xmlns:p14="http://schemas.microsoft.com/office/powerpoint/2010/main" val="2142217672"/>
+      </p:ext>
+    </p:extLst>
+  </p:cSld>
+  <p:clrMapOvr>
+    <a:masterClrMapping/>
+  </p:clrMapOvr>
+  <p:timing>
+    <p:tnLst>
+      <p:par>
+        <p:cTn xmlns:p14="http://schemas.microsoft.com/office/powerpoint/2010/main" id="1" dur="indefinite" restart="never" nodeType="tmRoot"/>
+      </p:par>
+    </p:tnLst>
+  </p:timing>
+</p:sld>
+</file>
+
+<file path=ppt/slides/slide12.xml><?xml version="1.0" encoding="utf-8"?>
+<p:sld xmlns:a="http://schemas.openxmlformats.org/drawingml/2006/main" xmlns:r="http://schemas.openxmlformats.org/officeDocument/2006/relationships" xmlns:p="http://schemas.openxmlformats.org/presentationml/2006/main">
+  <p:cSld>
+    <p:spTree>
+      <p:nvGrpSpPr>
+        <p:cNvPr id="1" name=""/>
+        <p:cNvGrpSpPr/>
+        <p:nvPr/>
+      </p:nvGrpSpPr>
+      <p:grpSpPr>
+        <a:xfrm>
+          <a:off x="0" y="0"/>
+          <a:ext cx="0" cy="0"/>
+          <a:chOff x="0" y="0"/>
+          <a:chExt cx="0" cy="0"/>
+        </a:xfrm>
+      </p:grpSpPr>
+      <p:sp>
+        <p:nvSpPr>
+          <p:cNvPr id="2" name="Title 1"/>
+          <p:cNvSpPr>
+            <a:spLocks noGrp="1"/>
+          </p:cNvSpPr>
+          <p:nvPr>
+            <p:ph type="title"/>
+          </p:nvPr>
+        </p:nvSpPr>
+        <p:spPr/>
+        <p:txBody>
+          <a:bodyPr/>
+          <a:lstStyle/>
+          <a:p>
+            <a:r>
+              <a:rPr lang="en-US" dirty="0" smtClean="0"/>
+              <a:t>Binary Features</a:t>
+            </a:r>
+            <a:endParaRPr lang="en-US" dirty="0"/>
+          </a:p>
+        </p:txBody>
+      </p:sp>
+      <p:sp>
+        <p:nvSpPr>
+          <p:cNvPr id="3" name="Content Placeholder 2"/>
+          <p:cNvSpPr>
+            <a:spLocks noGrp="1"/>
+          </p:cNvSpPr>
+          <p:nvPr>
+            <p:ph idx="1"/>
+          </p:nvPr>
+        </p:nvSpPr>
+        <p:spPr/>
+        <p:txBody>
+          <a:bodyPr>
+            <a:normAutofit/>
+          </a:bodyPr>
+          <a:lstStyle/>
+          <a:p>
+            <a:pPr marL="0" indent="0">
+              <a:buNone/>
+            </a:pPr>
+            <a:endParaRPr lang="en-US" sz="3000" dirty="0" smtClean="0">
+              <a:latin typeface="Helvetica" panose="020B0604020202020204" pitchFamily="34" charset="0"/>
+              <a:cs typeface="Helvetica" panose="020B0604020202020204" pitchFamily="34" charset="0"/>
+            </a:endParaRPr>
+          </a:p>
+          <a:p>
+            <a:pPr lvl="1"/>
+            <a:endParaRPr lang="en-US" sz="1800" dirty="0" smtClean="0">
+              <a:latin typeface="Helvetica" panose="020B0604020202020204" pitchFamily="34" charset="0"/>
+              <a:cs typeface="Helvetica" panose="020B0604020202020204" pitchFamily="34" charset="0"/>
+            </a:endParaRPr>
+          </a:p>
+          <a:p>
+            <a:pPr lvl="1"/>
+            <a:endParaRPr lang="en-US" sz="1800" dirty="0">
+              <a:latin typeface="Helvetica" panose="020B0604020202020204" pitchFamily="34" charset="0"/>
+              <a:cs typeface="Helvetica" panose="020B0604020202020204" pitchFamily="34" charset="0"/>
+            </a:endParaRPr>
+          </a:p>
+          <a:p>
+            <a:pPr lvl="1"/>
+            <a:endParaRPr lang="en-US" sz="1800" dirty="0" smtClean="0">
+              <a:latin typeface="Helvetica" panose="020B0604020202020204" pitchFamily="34" charset="0"/>
+              <a:cs typeface="Helvetica" panose="020B0604020202020204" pitchFamily="34" charset="0"/>
+            </a:endParaRPr>
+          </a:p>
+          <a:p>
+            <a:pPr lvl="1"/>
+            <a:endParaRPr lang="en-US" sz="1800" dirty="0">
+              <a:latin typeface="Helvetica" panose="020B0604020202020204" pitchFamily="34" charset="0"/>
+              <a:cs typeface="Helvetica" panose="020B0604020202020204" pitchFamily="34" charset="0"/>
+            </a:endParaRPr>
+          </a:p>
+          <a:p>
+            <a:pPr lvl="1"/>
+            <a:endParaRPr lang="en-US" sz="1800" dirty="0" smtClean="0">
+              <a:latin typeface="Helvetica" panose="020B0604020202020204" pitchFamily="34" charset="0"/>
+              <a:cs typeface="Helvetica" panose="020B0604020202020204" pitchFamily="34" charset="0"/>
+            </a:endParaRPr>
+          </a:p>
+          <a:p>
+            <a:pPr lvl="1"/>
+            <a:endParaRPr lang="en-US" sz="1800" dirty="0">
+              <a:latin typeface="Helvetica" panose="020B0604020202020204" pitchFamily="34" charset="0"/>
+              <a:cs typeface="Helvetica" panose="020B0604020202020204" pitchFamily="34" charset="0"/>
+            </a:endParaRPr>
+          </a:p>
+          <a:p>
+            <a:pPr lvl="1"/>
+            <a:endParaRPr lang="en-US" sz="1800" dirty="0" smtClean="0">
+              <a:latin typeface="Helvetica" panose="020B0604020202020204" pitchFamily="34" charset="0"/>
+              <a:cs typeface="Helvetica" panose="020B0604020202020204" pitchFamily="34" charset="0"/>
+            </a:endParaRPr>
+          </a:p>
+          <a:p>
+            <a:pPr lvl="1"/>
+            <a:endParaRPr lang="en-US" sz="1800" dirty="0">
+              <a:latin typeface="Helvetica" panose="020B0604020202020204" pitchFamily="34" charset="0"/>
+              <a:cs typeface="Helvetica" panose="020B0604020202020204" pitchFamily="34" charset="0"/>
+            </a:endParaRPr>
+          </a:p>
+        </p:txBody>
+      </p:sp>
+      <p:sp>
+        <p:nvSpPr>
+          <p:cNvPr id="4" name="Date Placeholder 3"/>
+          <p:cNvSpPr>
+            <a:spLocks noGrp="1"/>
+          </p:cNvSpPr>
+          <p:nvPr>
+            <p:ph type="dt" sz="half" idx="10"/>
+          </p:nvPr>
+        </p:nvSpPr>
+        <p:spPr/>
+        <p:txBody>
+          <a:bodyPr/>
+          <a:lstStyle/>
+          <a:p>
+            <a:fld id="{67982E54-CFC6-46DC-BEF3-B3681CD4B600}" type="datetime3">
+              <a:rPr lang="en-US" smtClean="0"/>
+              <a:t>3 November 2014</a:t>
+            </a:fld>
+            <a:endParaRPr lang="en-US"/>
+          </a:p>
+        </p:txBody>
+      </p:sp>
+      <p:sp>
+        <p:nvSpPr>
+          <p:cNvPr id="5" name="Footer Placeholder 4"/>
+          <p:cNvSpPr>
+            <a:spLocks noGrp="1"/>
+          </p:cNvSpPr>
+          <p:nvPr>
+            <p:ph type="ftr" sz="quarter" idx="11"/>
+          </p:nvPr>
+        </p:nvSpPr>
+        <p:spPr/>
+        <p:txBody>
+          <a:bodyPr/>
+          <a:lstStyle/>
+          <a:p>
+            <a:r>
+              <a:rPr lang="en-US" smtClean="0"/>
+              <a:t>CS 5228 - Knowledge Discovery &amp; Data Mining</a:t>
+            </a:r>
+            <a:endParaRPr lang="en-US"/>
+          </a:p>
+        </p:txBody>
+      </p:sp>
+      <p:sp>
+        <p:nvSpPr>
+          <p:cNvPr id="6" name="Slide Number Placeholder 5"/>
+          <p:cNvSpPr>
+            <a:spLocks noGrp="1"/>
+          </p:cNvSpPr>
+          <p:nvPr>
+            <p:ph type="sldNum" sz="quarter" idx="12"/>
+          </p:nvPr>
+        </p:nvSpPr>
+        <p:spPr/>
+        <p:txBody>
+          <a:bodyPr/>
+          <a:lstStyle/>
+          <a:p>
+            <a:fld id="{B6F15528-21DE-4FAA-801E-634DDDAF4B2B}" type="slidenum">
+              <a:rPr lang="en-US" smtClean="0"/>
+              <a:pPr/>
+              <a:t>12</a:t>
+            </a:fld>
+            <a:endParaRPr lang="en-US"/>
+          </a:p>
+        </p:txBody>
+      </p:sp>
+      <p:graphicFrame>
+        <p:nvGraphicFramePr>
+          <p:cNvPr id="7" name="Table 6"/>
+          <p:cNvGraphicFramePr>
+            <a:graphicFrameLocks noGrp="1"/>
+          </p:cNvGraphicFramePr>
+          <p:nvPr>
+            <p:extLst>
+              <p:ext uri="{D42A27DB-BD31-4B8C-83A1-F6EECF244321}">
+                <p14:modId xmlns:p14="http://schemas.microsoft.com/office/powerpoint/2010/main" val="300050639"/>
+              </p:ext>
+            </p:extLst>
+          </p:nvPr>
+        </p:nvGraphicFramePr>
+        <p:xfrm>
+          <a:off x="2057400" y="1752603"/>
+          <a:ext cx="5295900" cy="4038597"/>
+        </p:xfrm>
+        <a:graphic>
+          <a:graphicData uri="http://schemas.openxmlformats.org/drawingml/2006/table">
+            <a:tbl>
+              <a:tblPr/>
+              <a:tblGrid>
+                <a:gridCol w="4773515"/>
+                <a:gridCol w="522385"/>
+              </a:tblGrid>
+              <a:tr h="448733">
+                <a:tc>
+                  <a:txBody>
+                    <a:bodyPr/>
+                    <a:lstStyle/>
+                    <a:p>
+                      <a:pPr algn="l" fontAlgn="b"/>
+                      <a:r>
+                        <a:rPr lang="en-US" sz="1800" b="0" i="0" u="none" strike="noStrike" dirty="0" err="1">
+                          <a:solidFill>
+                            <a:srgbClr val="000000"/>
+                          </a:solidFill>
+                          <a:effectLst/>
+                          <a:latin typeface="Arial"/>
+                        </a:rPr>
+                        <a:t>school_charter</a:t>
+                      </a:r>
+                      <a:r>
+                        <a:rPr lang="en-US" sz="1800" b="0" i="0" u="none" strike="noStrike" dirty="0">
+                          <a:solidFill>
+                            <a:srgbClr val="000000"/>
+                          </a:solidFill>
+                          <a:effectLst/>
+                          <a:latin typeface="Arial"/>
+                        </a:rPr>
+                        <a:t> </a:t>
+                      </a:r>
+                    </a:p>
+                  </a:txBody>
+                  <a:tcPr marL="12700" marR="12700" marT="12700" marB="0" anchor="b">
+                    <a:lnL w="6350" cap="flat" cmpd="sng" algn="ctr">
+                      <a:solidFill>
+                        <a:srgbClr val="000000"/>
+                      </a:solidFill>
+                      <a:prstDash val="solid"/>
+                      <a:round/>
+                      <a:headEnd type="none" w="med" len="med"/>
+                      <a:tailEnd type="none" w="med" len="med"/>
+                    </a:lnL>
+                    <a:lnR w="6350" cap="flat" cmpd="sng" algn="ctr">
+                      <a:solidFill>
+                        <a:srgbClr val="000000"/>
+                      </a:solidFill>
+                      <a:prstDash val="solid"/>
+                      <a:round/>
+                      <a:headEnd type="none" w="med" len="med"/>
+                      <a:tailEnd type="none" w="med" len="med"/>
+                    </a:lnR>
+                    <a:lnT w="6350" cap="flat" cmpd="sng" algn="ctr">
+                      <a:solidFill>
+                        <a:srgbClr val="000000"/>
+                      </a:solidFill>
+                      <a:prstDash val="solid"/>
+                      <a:round/>
+                      <a:headEnd type="none" w="med" len="med"/>
+                      <a:tailEnd type="none" w="med" len="med"/>
+                    </a:lnT>
+                    <a:lnB w="6350" cap="flat" cmpd="sng" algn="ctr">
+                      <a:solidFill>
+                        <a:srgbClr val="000000"/>
+                      </a:solidFill>
+                      <a:prstDash val="solid"/>
+                      <a:round/>
+                      <a:headEnd type="none" w="med" len="med"/>
+                      <a:tailEnd type="none" w="med" len="med"/>
+                    </a:lnB>
+                  </a:tcPr>
+                </a:tc>
+                <a:tc>
+                  <a:txBody>
+                    <a:bodyPr/>
+                    <a:lstStyle/>
+                    <a:p>
+                      <a:pPr algn="ctr" fontAlgn="b"/>
+                      <a:r>
+                        <a:rPr lang="en-US" sz="1800" b="0" i="0" u="none" strike="noStrike" dirty="0">
+                          <a:solidFill>
+                            <a:srgbClr val="FF0000"/>
+                          </a:solidFill>
+                          <a:effectLst/>
+                          <a:latin typeface="Calibri"/>
+                        </a:rPr>
+                        <a:t>N</a:t>
+                      </a:r>
+                    </a:p>
+                  </a:txBody>
+                  <a:tcPr marL="12700" marR="12700" marT="12700" marB="0" anchor="b">
+                    <a:lnL w="6350" cap="flat" cmpd="sng" algn="ctr">
+                      <a:solidFill>
+                        <a:srgbClr val="000000"/>
+                      </a:solidFill>
+                      <a:prstDash val="solid"/>
+                      <a:round/>
+                      <a:headEnd type="none" w="med" len="med"/>
+                      <a:tailEnd type="none" w="med" len="med"/>
+                    </a:lnL>
+                    <a:lnR w="6350" cap="flat" cmpd="sng" algn="ctr">
+                      <a:solidFill>
+                        <a:srgbClr val="000000"/>
+                      </a:solidFill>
+                      <a:prstDash val="solid"/>
+                      <a:round/>
+                      <a:headEnd type="none" w="med" len="med"/>
+                      <a:tailEnd type="none" w="med" len="med"/>
+                    </a:lnR>
+                    <a:lnT w="6350" cap="flat" cmpd="sng" algn="ctr">
+                      <a:solidFill>
+                        <a:srgbClr val="000000"/>
+                      </a:solidFill>
+                      <a:prstDash val="solid"/>
+                      <a:round/>
+                      <a:headEnd type="none" w="med" len="med"/>
+                      <a:tailEnd type="none" w="med" len="med"/>
+                    </a:lnT>
+                    <a:lnB w="6350" cap="flat" cmpd="sng" algn="ctr">
+                      <a:solidFill>
+                        <a:srgbClr val="000000"/>
+                      </a:solidFill>
+                      <a:prstDash val="solid"/>
+                      <a:round/>
+                      <a:headEnd type="none" w="med" len="med"/>
+                      <a:tailEnd type="none" w="med" len="med"/>
+                    </a:lnB>
+                  </a:tcPr>
+                </a:tc>
+              </a:tr>
+              <a:tr h="448733">
+                <a:tc>
+                  <a:txBody>
+                    <a:bodyPr/>
+                    <a:lstStyle/>
+                    <a:p>
+                      <a:pPr algn="l" fontAlgn="b"/>
+                      <a:r>
+                        <a:rPr lang="en-US" sz="1800" b="0" i="0" u="none" strike="noStrike">
+                          <a:solidFill>
+                            <a:srgbClr val="000000"/>
+                          </a:solidFill>
+                          <a:effectLst/>
+                          <a:latin typeface="Arial"/>
+                        </a:rPr>
+                        <a:t>school_magnet </a:t>
+                      </a:r>
+                    </a:p>
+                  </a:txBody>
+                  <a:tcPr marL="12700" marR="12700" marT="12700" marB="0" anchor="b">
+                    <a:lnL w="6350" cap="flat" cmpd="sng" algn="ctr">
+                      <a:solidFill>
+                        <a:srgbClr val="000000"/>
+                      </a:solidFill>
+                      <a:prstDash val="solid"/>
+                      <a:round/>
+                      <a:headEnd type="none" w="med" len="med"/>
+                      <a:tailEnd type="none" w="med" len="med"/>
+                    </a:lnL>
+                    <a:lnR w="6350" cap="flat" cmpd="sng" algn="ctr">
+                      <a:solidFill>
+                        <a:srgbClr val="000000"/>
+                      </a:solidFill>
+                      <a:prstDash val="solid"/>
+                      <a:round/>
+                      <a:headEnd type="none" w="med" len="med"/>
+                      <a:tailEnd type="none" w="med" len="med"/>
+                    </a:lnR>
+                    <a:lnT w="6350" cap="flat" cmpd="sng" algn="ctr">
+                      <a:solidFill>
+                        <a:srgbClr val="000000"/>
+                      </a:solidFill>
+                      <a:prstDash val="solid"/>
+                      <a:round/>
+                      <a:headEnd type="none" w="med" len="med"/>
+                      <a:tailEnd type="none" w="med" len="med"/>
+                    </a:lnT>
+                    <a:lnB w="6350" cap="flat" cmpd="sng" algn="ctr">
+                      <a:solidFill>
+                        <a:srgbClr val="000000"/>
+                      </a:solidFill>
+                      <a:prstDash val="solid"/>
+                      <a:round/>
+                      <a:headEnd type="none" w="med" len="med"/>
+                      <a:tailEnd type="none" w="med" len="med"/>
+                    </a:lnB>
+                  </a:tcPr>
+                </a:tc>
+                <a:tc>
+                  <a:txBody>
+                    <a:bodyPr/>
+                    <a:lstStyle/>
+                    <a:p>
+                      <a:pPr algn="ctr" fontAlgn="b"/>
+                      <a:r>
+                        <a:rPr lang="en-US" sz="1800" b="0" i="0" u="none" strike="noStrike">
+                          <a:solidFill>
+                            <a:srgbClr val="00D71C"/>
+                          </a:solidFill>
+                          <a:effectLst/>
+                          <a:latin typeface="Calibri"/>
+                        </a:rPr>
+                        <a:t>Y</a:t>
+                      </a:r>
+                    </a:p>
+                  </a:txBody>
+                  <a:tcPr marL="12700" marR="12700" marT="12700" marB="0" anchor="b">
+                    <a:lnL w="6350" cap="flat" cmpd="sng" algn="ctr">
+                      <a:solidFill>
+                        <a:srgbClr val="000000"/>
+                      </a:solidFill>
+                      <a:prstDash val="solid"/>
+                      <a:round/>
+                      <a:headEnd type="none" w="med" len="med"/>
+                      <a:tailEnd type="none" w="med" len="med"/>
+                    </a:lnL>
+                    <a:lnR w="6350" cap="flat" cmpd="sng" algn="ctr">
+                      <a:solidFill>
+                        <a:srgbClr val="000000"/>
+                      </a:solidFill>
+                      <a:prstDash val="solid"/>
+                      <a:round/>
+                      <a:headEnd type="none" w="med" len="med"/>
+                      <a:tailEnd type="none" w="med" len="med"/>
+                    </a:lnR>
+                    <a:lnT w="6350" cap="flat" cmpd="sng" algn="ctr">
+                      <a:solidFill>
+                        <a:srgbClr val="000000"/>
+                      </a:solidFill>
+                      <a:prstDash val="solid"/>
+                      <a:round/>
+                      <a:headEnd type="none" w="med" len="med"/>
+                      <a:tailEnd type="none" w="med" len="med"/>
+                    </a:lnT>
+                    <a:lnB w="6350" cap="flat" cmpd="sng" algn="ctr">
+                      <a:solidFill>
+                        <a:srgbClr val="000000"/>
+                      </a:solidFill>
+                      <a:prstDash val="solid"/>
+                      <a:round/>
+                      <a:headEnd type="none" w="med" len="med"/>
+                      <a:tailEnd type="none" w="med" len="med"/>
+                    </a:lnB>
+                  </a:tcPr>
+                </a:tc>
+              </a:tr>
+              <a:tr h="448733">
+                <a:tc>
+                  <a:txBody>
+                    <a:bodyPr/>
+                    <a:lstStyle/>
+                    <a:p>
+                      <a:pPr algn="l" fontAlgn="b"/>
+                      <a:r>
+                        <a:rPr lang="en-US" sz="1800" b="0" i="0" u="none" strike="noStrike">
+                          <a:solidFill>
+                            <a:srgbClr val="000000"/>
+                          </a:solidFill>
+                          <a:effectLst/>
+                          <a:latin typeface="Arial"/>
+                        </a:rPr>
+                        <a:t>school_year_round </a:t>
+                      </a:r>
+                    </a:p>
+                  </a:txBody>
+                  <a:tcPr marL="12700" marR="12700" marT="12700" marB="0" anchor="b">
+                    <a:lnL w="6350" cap="flat" cmpd="sng" algn="ctr">
+                      <a:solidFill>
+                        <a:srgbClr val="000000"/>
+                      </a:solidFill>
+                      <a:prstDash val="solid"/>
+                      <a:round/>
+                      <a:headEnd type="none" w="med" len="med"/>
+                      <a:tailEnd type="none" w="med" len="med"/>
+                    </a:lnL>
+                    <a:lnR w="6350" cap="flat" cmpd="sng" algn="ctr">
+                      <a:solidFill>
+                        <a:srgbClr val="000000"/>
+                      </a:solidFill>
+                      <a:prstDash val="solid"/>
+                      <a:round/>
+                      <a:headEnd type="none" w="med" len="med"/>
+                      <a:tailEnd type="none" w="med" len="med"/>
+                    </a:lnR>
+                    <a:lnT w="6350" cap="flat" cmpd="sng" algn="ctr">
+                      <a:solidFill>
+                        <a:srgbClr val="000000"/>
+                      </a:solidFill>
+                      <a:prstDash val="solid"/>
+                      <a:round/>
+                      <a:headEnd type="none" w="med" len="med"/>
+                      <a:tailEnd type="none" w="med" len="med"/>
+                    </a:lnT>
+                    <a:lnB w="6350" cap="flat" cmpd="sng" algn="ctr">
+                      <a:solidFill>
+                        <a:srgbClr val="000000"/>
+                      </a:solidFill>
+                      <a:prstDash val="solid"/>
+                      <a:round/>
+                      <a:headEnd type="none" w="med" len="med"/>
+                      <a:tailEnd type="none" w="med" len="med"/>
+                    </a:lnB>
+                  </a:tcPr>
+                </a:tc>
+                <a:tc>
+                  <a:txBody>
+                    <a:bodyPr/>
+                    <a:lstStyle/>
+                    <a:p>
+                      <a:pPr algn="ctr" fontAlgn="b"/>
+                      <a:r>
+                        <a:rPr lang="en-US" sz="1800" b="0" i="0" u="none" strike="noStrike">
+                          <a:solidFill>
+                            <a:srgbClr val="00D71C"/>
+                          </a:solidFill>
+                          <a:effectLst/>
+                          <a:latin typeface="Calibri"/>
+                        </a:rPr>
+                        <a:t>Y</a:t>
+                      </a:r>
+                    </a:p>
+                  </a:txBody>
+                  <a:tcPr marL="12700" marR="12700" marT="12700" marB="0" anchor="b">
+                    <a:lnL w="6350" cap="flat" cmpd="sng" algn="ctr">
+                      <a:solidFill>
+                        <a:srgbClr val="000000"/>
+                      </a:solidFill>
+                      <a:prstDash val="solid"/>
+                      <a:round/>
+                      <a:headEnd type="none" w="med" len="med"/>
+                      <a:tailEnd type="none" w="med" len="med"/>
+                    </a:lnL>
+                    <a:lnR w="6350" cap="flat" cmpd="sng" algn="ctr">
+                      <a:solidFill>
+                        <a:srgbClr val="000000"/>
+                      </a:solidFill>
+                      <a:prstDash val="solid"/>
+                      <a:round/>
+                      <a:headEnd type="none" w="med" len="med"/>
+                      <a:tailEnd type="none" w="med" len="med"/>
+                    </a:lnR>
+                    <a:lnT w="6350" cap="flat" cmpd="sng" algn="ctr">
+                      <a:solidFill>
+                        <a:srgbClr val="000000"/>
+                      </a:solidFill>
+                      <a:prstDash val="solid"/>
+                      <a:round/>
+                      <a:headEnd type="none" w="med" len="med"/>
+                      <a:tailEnd type="none" w="med" len="med"/>
+                    </a:lnT>
+                    <a:lnB w="6350" cap="flat" cmpd="sng" algn="ctr">
+                      <a:solidFill>
+                        <a:srgbClr val="000000"/>
+                      </a:solidFill>
+                      <a:prstDash val="solid"/>
+                      <a:round/>
+                      <a:headEnd type="none" w="med" len="med"/>
+                      <a:tailEnd type="none" w="med" len="med"/>
+                    </a:lnB>
+                  </a:tcPr>
+                </a:tc>
+              </a:tr>
+              <a:tr h="448733">
+                <a:tc>
+                  <a:txBody>
+                    <a:bodyPr/>
+                    <a:lstStyle/>
+                    <a:p>
+                      <a:pPr algn="l" fontAlgn="b"/>
+                      <a:r>
+                        <a:rPr lang="en-US" sz="1800" b="0" i="0" u="none" strike="noStrike">
+                          <a:solidFill>
+                            <a:srgbClr val="000000"/>
+                          </a:solidFill>
+                          <a:effectLst/>
+                          <a:latin typeface="Arial"/>
+                        </a:rPr>
+                        <a:t>school_nlns </a:t>
+                      </a:r>
+                    </a:p>
+                  </a:txBody>
+                  <a:tcPr marL="12700" marR="12700" marT="12700" marB="0" anchor="b">
+                    <a:lnL w="6350" cap="flat" cmpd="sng" algn="ctr">
+                      <a:solidFill>
+                        <a:srgbClr val="000000"/>
+                      </a:solidFill>
+                      <a:prstDash val="solid"/>
+                      <a:round/>
+                      <a:headEnd type="none" w="med" len="med"/>
+                      <a:tailEnd type="none" w="med" len="med"/>
+                    </a:lnL>
+                    <a:lnR w="6350" cap="flat" cmpd="sng" algn="ctr">
+                      <a:solidFill>
+                        <a:srgbClr val="000000"/>
+                      </a:solidFill>
+                      <a:prstDash val="solid"/>
+                      <a:round/>
+                      <a:headEnd type="none" w="med" len="med"/>
+                      <a:tailEnd type="none" w="med" len="med"/>
+                    </a:lnR>
+                    <a:lnT w="6350" cap="flat" cmpd="sng" algn="ctr">
+                      <a:solidFill>
+                        <a:srgbClr val="000000"/>
+                      </a:solidFill>
+                      <a:prstDash val="solid"/>
+                      <a:round/>
+                      <a:headEnd type="none" w="med" len="med"/>
+                      <a:tailEnd type="none" w="med" len="med"/>
+                    </a:lnT>
+                    <a:lnB w="6350" cap="flat" cmpd="sng" algn="ctr">
+                      <a:solidFill>
+                        <a:srgbClr val="000000"/>
+                      </a:solidFill>
+                      <a:prstDash val="solid"/>
+                      <a:round/>
+                      <a:headEnd type="none" w="med" len="med"/>
+                      <a:tailEnd type="none" w="med" len="med"/>
+                    </a:lnB>
+                  </a:tcPr>
+                </a:tc>
+                <a:tc>
+                  <a:txBody>
+                    <a:bodyPr/>
+                    <a:lstStyle/>
+                    <a:p>
+                      <a:pPr algn="ctr" fontAlgn="b"/>
+                      <a:r>
+                        <a:rPr lang="en-US" sz="1800" b="0" i="0" u="none" strike="noStrike">
+                          <a:solidFill>
+                            <a:srgbClr val="FF0000"/>
+                          </a:solidFill>
+                          <a:effectLst/>
+                          <a:latin typeface="Calibri"/>
+                        </a:rPr>
+                        <a:t>N</a:t>
+                      </a:r>
+                    </a:p>
+                  </a:txBody>
+                  <a:tcPr marL="12700" marR="12700" marT="12700" marB="0" anchor="b">
+                    <a:lnL w="6350" cap="flat" cmpd="sng" algn="ctr">
+                      <a:solidFill>
+                        <a:srgbClr val="000000"/>
+                      </a:solidFill>
+                      <a:prstDash val="solid"/>
+                      <a:round/>
+                      <a:headEnd type="none" w="med" len="med"/>
+                      <a:tailEnd type="none" w="med" len="med"/>
+                    </a:lnL>
+                    <a:lnR w="6350" cap="flat" cmpd="sng" algn="ctr">
+                      <a:solidFill>
+                        <a:srgbClr val="000000"/>
+                      </a:solidFill>
+                      <a:prstDash val="solid"/>
+                      <a:round/>
+                      <a:headEnd type="none" w="med" len="med"/>
+                      <a:tailEnd type="none" w="med" len="med"/>
+                    </a:lnR>
+                    <a:lnT w="6350" cap="flat" cmpd="sng" algn="ctr">
+                      <a:solidFill>
+                        <a:srgbClr val="000000"/>
+                      </a:solidFill>
+                      <a:prstDash val="solid"/>
+                      <a:round/>
+                      <a:headEnd type="none" w="med" len="med"/>
+                      <a:tailEnd type="none" w="med" len="med"/>
+                    </a:lnT>
+                    <a:lnB w="6350" cap="flat" cmpd="sng" algn="ctr">
+                      <a:solidFill>
+                        <a:srgbClr val="000000"/>
+                      </a:solidFill>
+                      <a:prstDash val="solid"/>
+                      <a:round/>
+                      <a:headEnd type="none" w="med" len="med"/>
+                      <a:tailEnd type="none" w="med" len="med"/>
+                    </a:lnB>
+                  </a:tcPr>
+                </a:tc>
+              </a:tr>
+              <a:tr h="448733">
+                <a:tc>
+                  <a:txBody>
+                    <a:bodyPr/>
+                    <a:lstStyle/>
+                    <a:p>
+                      <a:pPr algn="l" fontAlgn="b"/>
+                      <a:r>
+                        <a:rPr lang="en-US" sz="1800" b="0" i="0" u="none" strike="noStrike">
+                          <a:solidFill>
+                            <a:srgbClr val="000000"/>
+                          </a:solidFill>
+                          <a:effectLst/>
+                          <a:latin typeface="Arial"/>
+                        </a:rPr>
+                        <a:t>school_kipp </a:t>
+                      </a:r>
+                    </a:p>
+                  </a:txBody>
+                  <a:tcPr marL="12700" marR="12700" marT="12700" marB="0" anchor="b">
+                    <a:lnL w="6350" cap="flat" cmpd="sng" algn="ctr">
+                      <a:solidFill>
+                        <a:srgbClr val="000000"/>
+                      </a:solidFill>
+                      <a:prstDash val="solid"/>
+                      <a:round/>
+                      <a:headEnd type="none" w="med" len="med"/>
+                      <a:tailEnd type="none" w="med" len="med"/>
+                    </a:lnL>
+                    <a:lnR w="6350" cap="flat" cmpd="sng" algn="ctr">
+                      <a:solidFill>
+                        <a:srgbClr val="000000"/>
+                      </a:solidFill>
+                      <a:prstDash val="solid"/>
+                      <a:round/>
+                      <a:headEnd type="none" w="med" len="med"/>
+                      <a:tailEnd type="none" w="med" len="med"/>
+                    </a:lnR>
+                    <a:lnT w="6350" cap="flat" cmpd="sng" algn="ctr">
+                      <a:solidFill>
+                        <a:srgbClr val="000000"/>
+                      </a:solidFill>
+                      <a:prstDash val="solid"/>
+                      <a:round/>
+                      <a:headEnd type="none" w="med" len="med"/>
+                      <a:tailEnd type="none" w="med" len="med"/>
+                    </a:lnT>
+                    <a:lnB w="6350" cap="flat" cmpd="sng" algn="ctr">
+                      <a:solidFill>
+                        <a:srgbClr val="000000"/>
+                      </a:solidFill>
+                      <a:prstDash val="solid"/>
+                      <a:round/>
+                      <a:headEnd type="none" w="med" len="med"/>
+                      <a:tailEnd type="none" w="med" len="med"/>
+                    </a:lnB>
+                  </a:tcPr>
+                </a:tc>
+                <a:tc>
+                  <a:txBody>
+                    <a:bodyPr/>
+                    <a:lstStyle/>
+                    <a:p>
+                      <a:pPr algn="ctr" fontAlgn="b"/>
+                      <a:r>
+                        <a:rPr lang="en-US" sz="1800" b="0" i="0" u="none" strike="noStrike">
+                          <a:solidFill>
+                            <a:srgbClr val="00D71C"/>
+                          </a:solidFill>
+                          <a:effectLst/>
+                          <a:latin typeface="Calibri"/>
+                        </a:rPr>
+                        <a:t>Y</a:t>
+                      </a:r>
+                    </a:p>
+                  </a:txBody>
+                  <a:tcPr marL="12700" marR="12700" marT="12700" marB="0" anchor="b">
+                    <a:lnL w="6350" cap="flat" cmpd="sng" algn="ctr">
+                      <a:solidFill>
+                        <a:srgbClr val="000000"/>
+                      </a:solidFill>
+                      <a:prstDash val="solid"/>
+                      <a:round/>
+                      <a:headEnd type="none" w="med" len="med"/>
+                      <a:tailEnd type="none" w="med" len="med"/>
+                    </a:lnL>
+                    <a:lnR w="6350" cap="flat" cmpd="sng" algn="ctr">
+                      <a:solidFill>
+                        <a:srgbClr val="000000"/>
+                      </a:solidFill>
+                      <a:prstDash val="solid"/>
+                      <a:round/>
+                      <a:headEnd type="none" w="med" len="med"/>
+                      <a:tailEnd type="none" w="med" len="med"/>
+                    </a:lnR>
+                    <a:lnT w="6350" cap="flat" cmpd="sng" algn="ctr">
+                      <a:solidFill>
+                        <a:srgbClr val="000000"/>
+                      </a:solidFill>
+                      <a:prstDash val="solid"/>
+                      <a:round/>
+                      <a:headEnd type="none" w="med" len="med"/>
+                      <a:tailEnd type="none" w="med" len="med"/>
+                    </a:lnT>
+                    <a:lnB w="6350" cap="flat" cmpd="sng" algn="ctr">
+                      <a:solidFill>
+                        <a:srgbClr val="000000"/>
+                      </a:solidFill>
+                      <a:prstDash val="solid"/>
+                      <a:round/>
+                      <a:headEnd type="none" w="med" len="med"/>
+                      <a:tailEnd type="none" w="med" len="med"/>
+                    </a:lnB>
+                  </a:tcPr>
+                </a:tc>
+              </a:tr>
+              <a:tr h="448733">
+                <a:tc>
+                  <a:txBody>
+                    <a:bodyPr/>
+                    <a:lstStyle/>
+                    <a:p>
+                      <a:pPr algn="l" fontAlgn="b"/>
+                      <a:r>
+                        <a:rPr lang="en-US" sz="1800" b="0" i="0" u="none" strike="noStrike" dirty="0" err="1">
+                          <a:solidFill>
+                            <a:srgbClr val="000000"/>
+                          </a:solidFill>
+                          <a:effectLst/>
+                          <a:latin typeface="Arial"/>
+                        </a:rPr>
+                        <a:t>school_charter_ready_promise</a:t>
+                      </a:r>
+                      <a:r>
+                        <a:rPr lang="en-US" sz="1800" b="0" i="0" u="none" strike="noStrike" dirty="0">
+                          <a:solidFill>
+                            <a:srgbClr val="000000"/>
+                          </a:solidFill>
+                          <a:effectLst/>
+                          <a:latin typeface="Arial"/>
+                        </a:rPr>
+                        <a:t> </a:t>
+                      </a:r>
+                    </a:p>
+                  </a:txBody>
+                  <a:tcPr marL="12700" marR="12700" marT="12700" marB="0" anchor="b">
+                    <a:lnL w="6350" cap="flat" cmpd="sng" algn="ctr">
+                      <a:solidFill>
+                        <a:srgbClr val="000000"/>
+                      </a:solidFill>
+                      <a:prstDash val="solid"/>
+                      <a:round/>
+                      <a:headEnd type="none" w="med" len="med"/>
+                      <a:tailEnd type="none" w="med" len="med"/>
+                    </a:lnL>
+                    <a:lnR w="6350" cap="flat" cmpd="sng" algn="ctr">
+                      <a:solidFill>
+                        <a:srgbClr val="000000"/>
+                      </a:solidFill>
+                      <a:prstDash val="solid"/>
+                      <a:round/>
+                      <a:headEnd type="none" w="med" len="med"/>
+                      <a:tailEnd type="none" w="med" len="med"/>
+                    </a:lnR>
+                    <a:lnT w="6350" cap="flat" cmpd="sng" algn="ctr">
+                      <a:solidFill>
+                        <a:srgbClr val="000000"/>
+                      </a:solidFill>
+                      <a:prstDash val="solid"/>
+                      <a:round/>
+                      <a:headEnd type="none" w="med" len="med"/>
+                      <a:tailEnd type="none" w="med" len="med"/>
+                    </a:lnT>
+                    <a:lnB w="6350" cap="flat" cmpd="sng" algn="ctr">
+                      <a:solidFill>
+                        <a:srgbClr val="000000"/>
+                      </a:solidFill>
+                      <a:prstDash val="solid"/>
+                      <a:round/>
+                      <a:headEnd type="none" w="med" len="med"/>
+                      <a:tailEnd type="none" w="med" len="med"/>
+                    </a:lnB>
+                  </a:tcPr>
+                </a:tc>
+                <a:tc>
+                  <a:txBody>
+                    <a:bodyPr/>
+                    <a:lstStyle/>
+                    <a:p>
+                      <a:pPr algn="ctr" fontAlgn="b"/>
+                      <a:r>
+                        <a:rPr lang="en-US" sz="1800" b="0" i="0" u="none" strike="noStrike">
+                          <a:solidFill>
+                            <a:srgbClr val="00D71C"/>
+                          </a:solidFill>
+                          <a:effectLst/>
+                          <a:latin typeface="Calibri"/>
+                        </a:rPr>
+                        <a:t>Y</a:t>
+                      </a:r>
+                    </a:p>
+                  </a:txBody>
+                  <a:tcPr marL="12700" marR="12700" marT="12700" marB="0" anchor="b">
+                    <a:lnL w="6350" cap="flat" cmpd="sng" algn="ctr">
+                      <a:solidFill>
+                        <a:srgbClr val="000000"/>
+                      </a:solidFill>
+                      <a:prstDash val="solid"/>
+                      <a:round/>
+                      <a:headEnd type="none" w="med" len="med"/>
+                      <a:tailEnd type="none" w="med" len="med"/>
+                    </a:lnL>
+                    <a:lnR w="6350" cap="flat" cmpd="sng" algn="ctr">
+                      <a:solidFill>
+                        <a:srgbClr val="000000"/>
+                      </a:solidFill>
+                      <a:prstDash val="solid"/>
+                      <a:round/>
+                      <a:headEnd type="none" w="med" len="med"/>
+                      <a:tailEnd type="none" w="med" len="med"/>
+                    </a:lnR>
+                    <a:lnT w="6350" cap="flat" cmpd="sng" algn="ctr">
+                      <a:solidFill>
+                        <a:srgbClr val="000000"/>
+                      </a:solidFill>
+                      <a:prstDash val="solid"/>
+                      <a:round/>
+                      <a:headEnd type="none" w="med" len="med"/>
+                      <a:tailEnd type="none" w="med" len="med"/>
+                    </a:lnT>
+                    <a:lnB w="6350" cap="flat" cmpd="sng" algn="ctr">
+                      <a:solidFill>
+                        <a:srgbClr val="000000"/>
+                      </a:solidFill>
+                      <a:prstDash val="solid"/>
+                      <a:round/>
+                      <a:headEnd type="none" w="med" len="med"/>
+                      <a:tailEnd type="none" w="med" len="med"/>
+                    </a:lnB>
+                  </a:tcPr>
+                </a:tc>
+              </a:tr>
+              <a:tr h="448733">
+                <a:tc>
+                  <a:txBody>
+                    <a:bodyPr/>
+                    <a:lstStyle/>
+                    <a:p>
+                      <a:pPr algn="l" fontAlgn="b"/>
+                      <a:r>
+                        <a:rPr lang="en-US" sz="1800" b="0" i="0" u="none" strike="noStrike">
+                          <a:solidFill>
+                            <a:srgbClr val="000000"/>
+                          </a:solidFill>
+                          <a:effectLst/>
+                          <a:latin typeface="Arial"/>
+                        </a:rPr>
+                        <a:t>teacher_teach_for_america </a:t>
+                      </a:r>
+                    </a:p>
+                  </a:txBody>
+                  <a:tcPr marL="12700" marR="12700" marT="12700" marB="0" anchor="b">
+                    <a:lnL w="6350" cap="flat" cmpd="sng" algn="ctr">
+                      <a:solidFill>
+                        <a:srgbClr val="000000"/>
+                      </a:solidFill>
+                      <a:prstDash val="solid"/>
+                      <a:round/>
+                      <a:headEnd type="none" w="med" len="med"/>
+                      <a:tailEnd type="none" w="med" len="med"/>
+                    </a:lnL>
+                    <a:lnR w="6350" cap="flat" cmpd="sng" algn="ctr">
+                      <a:solidFill>
+                        <a:srgbClr val="000000"/>
+                      </a:solidFill>
+                      <a:prstDash val="solid"/>
+                      <a:round/>
+                      <a:headEnd type="none" w="med" len="med"/>
+                      <a:tailEnd type="none" w="med" len="med"/>
+                    </a:lnR>
+                    <a:lnT w="6350" cap="flat" cmpd="sng" algn="ctr">
+                      <a:solidFill>
+                        <a:srgbClr val="000000"/>
+                      </a:solidFill>
+                      <a:prstDash val="solid"/>
+                      <a:round/>
+                      <a:headEnd type="none" w="med" len="med"/>
+                      <a:tailEnd type="none" w="med" len="med"/>
+                    </a:lnT>
+                    <a:lnB w="6350" cap="flat" cmpd="sng" algn="ctr">
+                      <a:solidFill>
+                        <a:srgbClr val="000000"/>
+                      </a:solidFill>
+                      <a:prstDash val="solid"/>
+                      <a:round/>
+                      <a:headEnd type="none" w="med" len="med"/>
+                      <a:tailEnd type="none" w="med" len="med"/>
+                    </a:lnB>
+                  </a:tcPr>
+                </a:tc>
+                <a:tc>
+                  <a:txBody>
+                    <a:bodyPr/>
+                    <a:lstStyle/>
+                    <a:p>
+                      <a:pPr algn="ctr" fontAlgn="b"/>
+                      <a:r>
+                        <a:rPr lang="en-US" sz="1800" b="0" i="0" u="none" strike="noStrike">
+                          <a:solidFill>
+                            <a:srgbClr val="00D71C"/>
+                          </a:solidFill>
+                          <a:effectLst/>
+                          <a:latin typeface="Calibri"/>
+                        </a:rPr>
+                        <a:t>Y</a:t>
+                      </a:r>
+                    </a:p>
+                  </a:txBody>
+                  <a:tcPr marL="12700" marR="12700" marT="12700" marB="0" anchor="b">
+                    <a:lnL w="6350" cap="flat" cmpd="sng" algn="ctr">
+                      <a:solidFill>
+                        <a:srgbClr val="000000"/>
+                      </a:solidFill>
+                      <a:prstDash val="solid"/>
+                      <a:round/>
+                      <a:headEnd type="none" w="med" len="med"/>
+                      <a:tailEnd type="none" w="med" len="med"/>
+                    </a:lnL>
+                    <a:lnR w="6350" cap="flat" cmpd="sng" algn="ctr">
+                      <a:solidFill>
+                        <a:srgbClr val="000000"/>
+                      </a:solidFill>
+                      <a:prstDash val="solid"/>
+                      <a:round/>
+                      <a:headEnd type="none" w="med" len="med"/>
+                      <a:tailEnd type="none" w="med" len="med"/>
+                    </a:lnR>
+                    <a:lnT w="6350" cap="flat" cmpd="sng" algn="ctr">
+                      <a:solidFill>
+                        <a:srgbClr val="000000"/>
+                      </a:solidFill>
+                      <a:prstDash val="solid"/>
+                      <a:round/>
+                      <a:headEnd type="none" w="med" len="med"/>
+                      <a:tailEnd type="none" w="med" len="med"/>
+                    </a:lnT>
+                    <a:lnB w="6350" cap="flat" cmpd="sng" algn="ctr">
+                      <a:solidFill>
+                        <a:srgbClr val="000000"/>
+                      </a:solidFill>
+                      <a:prstDash val="solid"/>
+                      <a:round/>
+                      <a:headEnd type="none" w="med" len="med"/>
+                      <a:tailEnd type="none" w="med" len="med"/>
+                    </a:lnB>
+                  </a:tcPr>
+                </a:tc>
+              </a:tr>
+              <a:tr h="448733">
+                <a:tc>
+                  <a:txBody>
+                    <a:bodyPr/>
+                    <a:lstStyle/>
+                    <a:p>
+                      <a:pPr algn="l" fontAlgn="b"/>
+                      <a:r>
+                        <a:rPr lang="en-US" sz="1800" b="0" i="0" u="none" strike="noStrike">
+                          <a:solidFill>
+                            <a:srgbClr val="000000"/>
+                          </a:solidFill>
+                          <a:effectLst/>
+                          <a:latin typeface="Arial"/>
+                        </a:rPr>
+                        <a:t>teacher_ny_teaching_fellow </a:t>
+                      </a:r>
+                    </a:p>
+                  </a:txBody>
+                  <a:tcPr marL="12700" marR="12700" marT="12700" marB="0" anchor="b">
+                    <a:lnL w="6350" cap="flat" cmpd="sng" algn="ctr">
+                      <a:solidFill>
+                        <a:srgbClr val="000000"/>
+                      </a:solidFill>
+                      <a:prstDash val="solid"/>
+                      <a:round/>
+                      <a:headEnd type="none" w="med" len="med"/>
+                      <a:tailEnd type="none" w="med" len="med"/>
+                    </a:lnL>
+                    <a:lnR w="6350" cap="flat" cmpd="sng" algn="ctr">
+                      <a:solidFill>
+                        <a:srgbClr val="000000"/>
+                      </a:solidFill>
+                      <a:prstDash val="solid"/>
+                      <a:round/>
+                      <a:headEnd type="none" w="med" len="med"/>
+                      <a:tailEnd type="none" w="med" len="med"/>
+                    </a:lnR>
+                    <a:lnT w="6350" cap="flat" cmpd="sng" algn="ctr">
+                      <a:solidFill>
+                        <a:srgbClr val="000000"/>
+                      </a:solidFill>
+                      <a:prstDash val="solid"/>
+                      <a:round/>
+                      <a:headEnd type="none" w="med" len="med"/>
+                      <a:tailEnd type="none" w="med" len="med"/>
+                    </a:lnT>
+                    <a:lnB w="6350" cap="flat" cmpd="sng" algn="ctr">
+                      <a:solidFill>
+                        <a:srgbClr val="000000"/>
+                      </a:solidFill>
+                      <a:prstDash val="solid"/>
+                      <a:round/>
+                      <a:headEnd type="none" w="med" len="med"/>
+                      <a:tailEnd type="none" w="med" len="med"/>
+                    </a:lnB>
+                  </a:tcPr>
+                </a:tc>
+                <a:tc>
+                  <a:txBody>
+                    <a:bodyPr/>
+                    <a:lstStyle/>
+                    <a:p>
+                      <a:pPr algn="ctr" fontAlgn="b"/>
+                      <a:r>
+                        <a:rPr lang="en-US" sz="1800" b="0" i="0" u="none" strike="noStrike">
+                          <a:solidFill>
+                            <a:srgbClr val="FF0000"/>
+                          </a:solidFill>
+                          <a:effectLst/>
+                          <a:latin typeface="Calibri"/>
+                        </a:rPr>
+                        <a:t>N</a:t>
+                      </a:r>
+                    </a:p>
+                  </a:txBody>
+                  <a:tcPr marL="12700" marR="12700" marT="12700" marB="0" anchor="b">
+                    <a:lnL w="6350" cap="flat" cmpd="sng" algn="ctr">
+                      <a:solidFill>
+                        <a:srgbClr val="000000"/>
+                      </a:solidFill>
+                      <a:prstDash val="solid"/>
+                      <a:round/>
+                      <a:headEnd type="none" w="med" len="med"/>
+                      <a:tailEnd type="none" w="med" len="med"/>
+                    </a:lnL>
+                    <a:lnR w="6350" cap="flat" cmpd="sng" algn="ctr">
+                      <a:solidFill>
+                        <a:srgbClr val="000000"/>
+                      </a:solidFill>
+                      <a:prstDash val="solid"/>
+                      <a:round/>
+                      <a:headEnd type="none" w="med" len="med"/>
+                      <a:tailEnd type="none" w="med" len="med"/>
+                    </a:lnR>
+                    <a:lnT w="6350" cap="flat" cmpd="sng" algn="ctr">
+                      <a:solidFill>
+                        <a:srgbClr val="000000"/>
+                      </a:solidFill>
+                      <a:prstDash val="solid"/>
+                      <a:round/>
+                      <a:headEnd type="none" w="med" len="med"/>
+                      <a:tailEnd type="none" w="med" len="med"/>
+                    </a:lnT>
+                    <a:lnB w="6350" cap="flat" cmpd="sng" algn="ctr">
+                      <a:solidFill>
+                        <a:srgbClr val="000000"/>
+                      </a:solidFill>
+                      <a:prstDash val="solid"/>
+                      <a:round/>
+                      <a:headEnd type="none" w="med" len="med"/>
+                      <a:tailEnd type="none" w="med" len="med"/>
+                    </a:lnB>
+                  </a:tcPr>
+                </a:tc>
+              </a:tr>
+              <a:tr h="448733">
+                <a:tc>
+                  <a:txBody>
+                    <a:bodyPr/>
+                    <a:lstStyle/>
+                    <a:p>
+                      <a:pPr algn="l" fontAlgn="b"/>
+                      <a:r>
+                        <a:rPr lang="en-US" sz="1800" b="0" i="0" u="none" strike="noStrike" dirty="0" err="1">
+                          <a:solidFill>
+                            <a:srgbClr val="000000"/>
+                          </a:solidFill>
+                          <a:effectLst/>
+                          <a:latin typeface="Arial"/>
+                        </a:rPr>
+                        <a:t>eligible_double_your_impact_match</a:t>
+                      </a:r>
+                      <a:r>
+                        <a:rPr lang="en-US" sz="1800" b="0" i="0" u="none" strike="noStrike" dirty="0">
+                          <a:solidFill>
+                            <a:srgbClr val="000000"/>
+                          </a:solidFill>
+                          <a:effectLst/>
+                          <a:latin typeface="Arial"/>
+                        </a:rPr>
+                        <a:t> </a:t>
+                      </a:r>
+                    </a:p>
+                  </a:txBody>
+                  <a:tcPr marL="12700" marR="12700" marT="12700" marB="0" anchor="b">
+                    <a:lnL w="6350" cap="flat" cmpd="sng" algn="ctr">
+                      <a:solidFill>
+                        <a:srgbClr val="000000"/>
+                      </a:solidFill>
+                      <a:prstDash val="solid"/>
+                      <a:round/>
+                      <a:headEnd type="none" w="med" len="med"/>
+                      <a:tailEnd type="none" w="med" len="med"/>
+                    </a:lnL>
+                    <a:lnR w="6350" cap="flat" cmpd="sng" algn="ctr">
+                      <a:solidFill>
+                        <a:srgbClr val="000000"/>
+                      </a:solidFill>
+                      <a:prstDash val="solid"/>
+                      <a:round/>
+                      <a:headEnd type="none" w="med" len="med"/>
+                      <a:tailEnd type="none" w="med" len="med"/>
+                    </a:lnR>
+                    <a:lnT w="6350" cap="flat" cmpd="sng" algn="ctr">
+                      <a:solidFill>
+                        <a:srgbClr val="000000"/>
+                      </a:solidFill>
+                      <a:prstDash val="solid"/>
+                      <a:round/>
+                      <a:headEnd type="none" w="med" len="med"/>
+                      <a:tailEnd type="none" w="med" len="med"/>
+                    </a:lnT>
+                    <a:lnB w="6350" cap="flat" cmpd="sng" algn="ctr">
+                      <a:solidFill>
+                        <a:srgbClr val="000000"/>
+                      </a:solidFill>
+                      <a:prstDash val="solid"/>
+                      <a:round/>
+                      <a:headEnd type="none" w="med" len="med"/>
+                      <a:tailEnd type="none" w="med" len="med"/>
+                    </a:lnB>
+                  </a:tcPr>
+                </a:tc>
+                <a:tc>
+                  <a:txBody>
+                    <a:bodyPr/>
+                    <a:lstStyle/>
+                    <a:p>
+                      <a:pPr algn="ctr" fontAlgn="b"/>
+                      <a:r>
+                        <a:rPr lang="en-US" sz="1800" b="0" i="0" u="none" strike="noStrike" dirty="0">
+                          <a:solidFill>
+                            <a:srgbClr val="FF0000"/>
+                          </a:solidFill>
+                          <a:effectLst/>
+                          <a:latin typeface="Calibri"/>
+                        </a:rPr>
+                        <a:t>N</a:t>
+                      </a:r>
+                    </a:p>
+                  </a:txBody>
+                  <a:tcPr marL="12700" marR="12700" marT="12700" marB="0" anchor="b">
+                    <a:lnL w="6350" cap="flat" cmpd="sng" algn="ctr">
+                      <a:solidFill>
+                        <a:srgbClr val="000000"/>
+                      </a:solidFill>
+                      <a:prstDash val="solid"/>
+                      <a:round/>
+                      <a:headEnd type="none" w="med" len="med"/>
+                      <a:tailEnd type="none" w="med" len="med"/>
+                    </a:lnL>
+                    <a:lnR w="6350" cap="flat" cmpd="sng" algn="ctr">
+                      <a:solidFill>
+                        <a:srgbClr val="000000"/>
+                      </a:solidFill>
+                      <a:prstDash val="solid"/>
+                      <a:round/>
+                      <a:headEnd type="none" w="med" len="med"/>
+                      <a:tailEnd type="none" w="med" len="med"/>
+                    </a:lnR>
+                    <a:lnT w="6350" cap="flat" cmpd="sng" algn="ctr">
+                      <a:solidFill>
+                        <a:srgbClr val="000000"/>
+                      </a:solidFill>
+                      <a:prstDash val="solid"/>
+                      <a:round/>
+                      <a:headEnd type="none" w="med" len="med"/>
+                      <a:tailEnd type="none" w="med" len="med"/>
+                    </a:lnT>
+                    <a:lnB w="6350" cap="flat" cmpd="sng" algn="ctr">
+                      <a:solidFill>
+                        <a:srgbClr val="000000"/>
+                      </a:solidFill>
+                      <a:prstDash val="solid"/>
+                      <a:round/>
+                      <a:headEnd type="none" w="med" len="med"/>
+                      <a:tailEnd type="none" w="med" len="med"/>
+                    </a:lnB>
+                  </a:tcPr>
+                </a:tc>
+              </a:tr>
+            </a:tbl>
+          </a:graphicData>
+        </a:graphic>
+      </p:graphicFrame>
+    </p:spTree>
+    <p:extLst>
+      <p:ext uri="{BB962C8B-B14F-4D97-AF65-F5344CB8AC3E}">
+        <p14:creationId xmlns:p14="http://schemas.microsoft.com/office/powerpoint/2010/main" val="1216486764"/>
+      </p:ext>
+    </p:extLst>
+  </p:cSld>
+  <p:clrMapOvr>
+    <a:masterClrMapping/>
+  </p:clrMapOvr>
+  <p:timing>
+    <p:tnLst>
+      <p:par>
+        <p:cTn xmlns:p14="http://schemas.microsoft.com/office/powerpoint/2010/main" id="1" dur="indefinite" restart="never" nodeType="tmRoot"/>
+      </p:par>
+    </p:tnLst>
+  </p:timing>
+</p:sld>
+</file>
+
+<file path=ppt/slides/slide13.xml><?xml version="1.0" encoding="utf-8"?>
+<p:sld xmlns:a="http://schemas.openxmlformats.org/drawingml/2006/main" xmlns:r="http://schemas.openxmlformats.org/officeDocument/2006/relationships" xmlns:p="http://schemas.openxmlformats.org/presentationml/2006/main">
+  <p:cSld>
+    <p:spTree>
+      <p:nvGrpSpPr>
+        <p:cNvPr id="1" name=""/>
+        <p:cNvGrpSpPr/>
+        <p:nvPr/>
+      </p:nvGrpSpPr>
+      <p:grpSpPr>
+        <a:xfrm>
+          <a:off x="0" y="0"/>
+          <a:ext cx="0" cy="0"/>
+          <a:chOff x="0" y="0"/>
+          <a:chExt cx="0" cy="0"/>
+        </a:xfrm>
+      </p:grpSpPr>
+      <p:sp>
+        <p:nvSpPr>
+          <p:cNvPr id="2" name="Title 1"/>
+          <p:cNvSpPr>
+            <a:spLocks noGrp="1"/>
+          </p:cNvSpPr>
+          <p:nvPr>
+            <p:ph type="title"/>
+          </p:nvPr>
+        </p:nvSpPr>
+        <p:spPr/>
+        <p:txBody>
+          <a:bodyPr/>
+          <a:lstStyle/>
+          <a:p>
+            <a:r>
+              <a:rPr lang="en-US" dirty="0" smtClean="0"/>
+              <a:t>Numeric Features</a:t>
+            </a:r>
+            <a:endParaRPr lang="en-US" dirty="0"/>
+          </a:p>
+        </p:txBody>
+      </p:sp>
+      <p:sp>
+        <p:nvSpPr>
+          <p:cNvPr id="3" name="Content Placeholder 2"/>
+          <p:cNvSpPr>
+            <a:spLocks noGrp="1"/>
+          </p:cNvSpPr>
+          <p:nvPr>
+            <p:ph idx="1"/>
+          </p:nvPr>
+        </p:nvSpPr>
+        <p:spPr/>
+        <p:txBody>
+          <a:bodyPr>
+            <a:normAutofit/>
+          </a:bodyPr>
+          <a:lstStyle/>
+          <a:p>
+            <a:r>
+              <a:rPr lang="en-US" dirty="0"/>
+              <a:t>Cost of implementation</a:t>
+            </a:r>
+          </a:p>
+          <a:p>
+            <a:pPr lvl="1"/>
+            <a:r>
+              <a:rPr lang="en-US" dirty="0" smtClean="0"/>
+              <a:t>e.g., </a:t>
+            </a:r>
+            <a:r>
+              <a:rPr lang="en-US" dirty="0"/>
+              <a:t>cost of </a:t>
+            </a:r>
+            <a:r>
+              <a:rPr lang="en-US" dirty="0" smtClean="0"/>
+              <a:t>fulfillment</a:t>
+            </a:r>
+          </a:p>
+          <a:p>
+            <a:endParaRPr lang="en-US" dirty="0" smtClean="0"/>
+          </a:p>
+          <a:p>
+            <a:r>
+              <a:rPr lang="en-US" dirty="0" smtClean="0"/>
+              <a:t>Projected project impact</a:t>
+            </a:r>
+          </a:p>
+          <a:p>
+            <a:pPr lvl="1"/>
+            <a:r>
+              <a:rPr lang="en-US" dirty="0" smtClean="0"/>
+              <a:t>e.g., number </a:t>
+            </a:r>
+            <a:r>
+              <a:rPr lang="en-US" dirty="0"/>
+              <a:t>of students impacted by a </a:t>
+            </a:r>
+            <a:r>
+              <a:rPr lang="en-US" dirty="0" smtClean="0"/>
+              <a:t>project</a:t>
+            </a:r>
+            <a:endParaRPr lang="en-US" dirty="0"/>
+          </a:p>
+          <a:p>
+            <a:pPr marL="457200" lvl="1" indent="0">
+              <a:buNone/>
+            </a:pPr>
+            <a:endParaRPr lang="en-US" dirty="0" smtClean="0"/>
+          </a:p>
+          <a:p>
+            <a:pPr marL="457200" lvl="1" indent="0">
+              <a:buNone/>
+            </a:pPr>
+            <a:r>
+              <a:rPr lang="en-US" dirty="0" smtClean="0"/>
+              <a:t>	</a:t>
+            </a:r>
+          </a:p>
+        </p:txBody>
+      </p:sp>
+      <p:sp>
+        <p:nvSpPr>
+          <p:cNvPr id="4" name="Date Placeholder 3"/>
+          <p:cNvSpPr>
+            <a:spLocks noGrp="1"/>
+          </p:cNvSpPr>
+          <p:nvPr>
+            <p:ph type="dt" sz="half" idx="10"/>
+          </p:nvPr>
+        </p:nvSpPr>
+        <p:spPr/>
+        <p:txBody>
+          <a:bodyPr/>
+          <a:lstStyle/>
+          <a:p>
+            <a:fld id="{67982E54-CFC6-46DC-BEF3-B3681CD4B600}" type="datetime3">
+              <a:rPr lang="en-US" smtClean="0"/>
+              <a:t>3 November 2014</a:t>
+            </a:fld>
+            <a:endParaRPr lang="en-US"/>
+          </a:p>
+        </p:txBody>
+      </p:sp>
+      <p:sp>
+        <p:nvSpPr>
+          <p:cNvPr id="5" name="Footer Placeholder 4"/>
+          <p:cNvSpPr>
+            <a:spLocks noGrp="1"/>
+          </p:cNvSpPr>
+          <p:nvPr>
+            <p:ph type="ftr" sz="quarter" idx="11"/>
+          </p:nvPr>
+        </p:nvSpPr>
+        <p:spPr/>
+        <p:txBody>
+          <a:bodyPr/>
+          <a:lstStyle/>
+          <a:p>
+            <a:r>
+              <a:rPr lang="en-US" smtClean="0"/>
+              <a:t>CS 5228 - Knowledge Discovery &amp; Data Mining</a:t>
+            </a:r>
+            <a:endParaRPr lang="en-US"/>
+          </a:p>
+        </p:txBody>
+      </p:sp>
+      <p:sp>
+        <p:nvSpPr>
+          <p:cNvPr id="6" name="Slide Number Placeholder 5"/>
+          <p:cNvSpPr>
+            <a:spLocks noGrp="1"/>
+          </p:cNvSpPr>
+          <p:nvPr>
+            <p:ph type="sldNum" sz="quarter" idx="12"/>
+          </p:nvPr>
+        </p:nvSpPr>
+        <p:spPr/>
+        <p:txBody>
+          <a:bodyPr/>
+          <a:lstStyle/>
+          <a:p>
+            <a:fld id="{B6F15528-21DE-4FAA-801E-634DDDAF4B2B}" type="slidenum">
+              <a:rPr lang="en-US" smtClean="0"/>
+              <a:pPr/>
+              <a:t>13</a:t>
+            </a:fld>
+            <a:endParaRPr lang="en-US"/>
+          </a:p>
+        </p:txBody>
+      </p:sp>
+    </p:spTree>
+    <p:extLst>
+      <p:ext uri="{BB962C8B-B14F-4D97-AF65-F5344CB8AC3E}">
+        <p14:creationId xmlns:p14="http://schemas.microsoft.com/office/powerpoint/2010/main" val="1888681611"/>
+      </p:ext>
+    </p:extLst>
+  </p:cSld>
+  <p:clrMapOvr>
+    <a:masterClrMapping/>
+  </p:clrMapOvr>
+  <p:timing>
+    <p:tnLst>
+      <p:par>
+        <p:cTn xmlns:p14="http://schemas.microsoft.com/office/powerpoint/2010/main" id="1" dur="indefinite" restart="never" nodeType="tmRoot"/>
+      </p:par>
+    </p:tnLst>
+  </p:timing>
+</p:sld>
+</file>
+
+<file path=ppt/slides/slide14.xml><?xml version="1.0" encoding="utf-8"?>
+<p:sld xmlns:a="http://schemas.openxmlformats.org/drawingml/2006/main" xmlns:r="http://schemas.openxmlformats.org/officeDocument/2006/relationships" xmlns:p="http://schemas.openxmlformats.org/presentationml/2006/main">
+  <p:cSld>
+    <p:spTree>
+      <p:nvGrpSpPr>
+        <p:cNvPr id="1" name=""/>
+        <p:cNvGrpSpPr/>
+        <p:nvPr/>
+      </p:nvGrpSpPr>
+      <p:grpSpPr>
+        <a:xfrm>
+          <a:off x="0" y="0"/>
+          <a:ext cx="0" cy="0"/>
+          <a:chOff x="0" y="0"/>
+          <a:chExt cx="0" cy="0"/>
+        </a:xfrm>
+      </p:grpSpPr>
+      <p:sp>
+        <p:nvSpPr>
+          <p:cNvPr id="2" name="Title 1"/>
+          <p:cNvSpPr>
+            <a:spLocks noGrp="1"/>
+          </p:cNvSpPr>
+          <p:nvPr>
+            <p:ph type="title"/>
+          </p:nvPr>
+        </p:nvSpPr>
+        <p:spPr/>
+        <p:txBody>
+          <a:bodyPr/>
+          <a:lstStyle/>
+          <a:p>
+            <a:r>
+              <a:rPr lang="en-US" dirty="0" smtClean="0"/>
+              <a:t>Categorical Features</a:t>
+            </a:r>
+            <a:endParaRPr lang="en-US" dirty="0"/>
+          </a:p>
+        </p:txBody>
+      </p:sp>
+      <p:sp>
+        <p:nvSpPr>
+          <p:cNvPr id="4" name="Date Placeholder 3"/>
+          <p:cNvSpPr>
+            <a:spLocks noGrp="1"/>
+          </p:cNvSpPr>
+          <p:nvPr>
+            <p:ph type="dt" sz="half" idx="10"/>
+          </p:nvPr>
+        </p:nvSpPr>
+        <p:spPr/>
+        <p:txBody>
+          <a:bodyPr/>
+          <a:lstStyle/>
+          <a:p>
+            <a:fld id="{67982E54-CFC6-46DC-BEF3-B3681CD4B600}" type="datetime3">
+              <a:rPr lang="en-US" smtClean="0"/>
+              <a:t>3 November 2014</a:t>
+            </a:fld>
+            <a:endParaRPr lang="en-US"/>
+          </a:p>
+        </p:txBody>
+      </p:sp>
+      <p:sp>
+        <p:nvSpPr>
+          <p:cNvPr id="5" name="Footer Placeholder 4"/>
+          <p:cNvSpPr>
+            <a:spLocks noGrp="1"/>
+          </p:cNvSpPr>
+          <p:nvPr>
+            <p:ph type="ftr" sz="quarter" idx="11"/>
+          </p:nvPr>
+        </p:nvSpPr>
+        <p:spPr/>
+        <p:txBody>
+          <a:bodyPr/>
+          <a:lstStyle/>
+          <a:p>
+            <a:r>
+              <a:rPr lang="en-US" smtClean="0"/>
+              <a:t>CS 5228 - Knowledge Discovery &amp; Data Mining</a:t>
+            </a:r>
+            <a:endParaRPr lang="en-US"/>
+          </a:p>
+        </p:txBody>
+      </p:sp>
+      <p:sp>
+        <p:nvSpPr>
+          <p:cNvPr id="6" name="Slide Number Placeholder 5"/>
+          <p:cNvSpPr>
+            <a:spLocks noGrp="1"/>
+          </p:cNvSpPr>
+          <p:nvPr>
+            <p:ph type="sldNum" sz="quarter" idx="12"/>
+          </p:nvPr>
+        </p:nvSpPr>
+        <p:spPr/>
+        <p:txBody>
+          <a:bodyPr/>
+          <a:lstStyle/>
+          <a:p>
+            <a:fld id="{B6F15528-21DE-4FAA-801E-634DDDAF4B2B}" type="slidenum">
+              <a:rPr lang="en-US" smtClean="0"/>
+              <a:pPr/>
+              <a:t>14</a:t>
+            </a:fld>
+            <a:endParaRPr lang="en-US"/>
+          </a:p>
+        </p:txBody>
+      </p:sp>
+      <p:pic>
+        <p:nvPicPr>
+          <p:cNvPr id="7" name="Picture 6" descr="Screen Shot 2014-11-03 at 4.27.27 PM.png"/>
+          <p:cNvPicPr>
+            <a:picLocks noChangeAspect="1"/>
+          </p:cNvPicPr>
+          <p:nvPr/>
+        </p:nvPicPr>
+        <p:blipFill>
+          <a:blip r:embed="rId2">
+            <a:extLst>
+              <a:ext uri="{28A0092B-C50C-407E-A947-70E740481C1C}">
+                <a14:useLocalDpi xmlns:a14="http://schemas.microsoft.com/office/drawing/2010/main" val="0"/>
+              </a:ext>
+            </a:extLst>
+          </a:blip>
+          <a:stretch>
+            <a:fillRect/>
+          </a:stretch>
+        </p:blipFill>
+        <p:spPr>
+          <a:xfrm>
+            <a:off x="228600" y="1752600"/>
+            <a:ext cx="8699500" cy="3898900"/>
+          </a:xfrm>
+          <a:prstGeom prst="rect">
+            <a:avLst/>
+          </a:prstGeom>
+        </p:spPr>
+      </p:pic>
+      <p:sp>
+        <p:nvSpPr>
+          <p:cNvPr id="3" name="Content Placeholder 2"/>
+          <p:cNvSpPr>
+            <a:spLocks noGrp="1"/>
+          </p:cNvSpPr>
+          <p:nvPr>
+            <p:ph idx="1"/>
+          </p:nvPr>
+        </p:nvSpPr>
+        <p:spPr>
+          <a:xfrm>
+            <a:off x="457200" y="4648200"/>
+            <a:ext cx="8229600" cy="792163"/>
+          </a:xfrm>
+        </p:spPr>
+        <p:txBody>
+          <a:bodyPr>
+            <a:normAutofit/>
+          </a:bodyPr>
+          <a:lstStyle/>
+          <a:p>
+            <a:pPr marL="0" indent="0">
+              <a:buNone/>
+            </a:pPr>
+            <a:r>
+              <a:rPr lang="en-US" sz="3600" dirty="0" smtClean="0"/>
+              <a:t>It’s all about location, location, location!</a:t>
+            </a:r>
+            <a:endParaRPr lang="en-US" sz="3600" dirty="0"/>
+          </a:p>
+        </p:txBody>
+      </p:sp>
+      <p:sp>
+        <p:nvSpPr>
+          <p:cNvPr id="8" name="TextBox 7"/>
+          <p:cNvSpPr txBox="1"/>
+          <p:nvPr/>
+        </p:nvSpPr>
+        <p:spPr>
+          <a:xfrm>
+            <a:off x="914400" y="1752600"/>
+            <a:ext cx="2418375" cy="369332"/>
+          </a:xfrm>
+          <a:prstGeom prst="rect">
+            <a:avLst/>
+          </a:prstGeom>
+          <a:noFill/>
+        </p:spPr>
+        <p:txBody>
+          <a:bodyPr wrap="none" rtlCol="0">
+            <a:spAutoFit/>
+          </a:bodyPr>
+          <a:lstStyle/>
+          <a:p>
+            <a:r>
+              <a:rPr lang="en-US" dirty="0"/>
+              <a:t>42.820593,-112.409161</a:t>
+            </a:r>
+          </a:p>
+        </p:txBody>
+      </p:sp>
+      <p:sp>
+        <p:nvSpPr>
+          <p:cNvPr id="9" name="TextBox 8"/>
+          <p:cNvSpPr txBox="1"/>
+          <p:nvPr/>
+        </p:nvSpPr>
+        <p:spPr>
+          <a:xfrm>
+            <a:off x="5715000" y="4202668"/>
+            <a:ext cx="2301381" cy="369332"/>
+          </a:xfrm>
+          <a:prstGeom prst="rect">
+            <a:avLst/>
+          </a:prstGeom>
+          <a:noFill/>
+        </p:spPr>
+        <p:txBody>
+          <a:bodyPr wrap="none" rtlCol="0">
+            <a:spAutoFit/>
+          </a:bodyPr>
+          <a:lstStyle/>
+          <a:p>
+            <a:r>
+              <a:rPr lang="en-US" dirty="0"/>
+              <a:t>34.361999,-80.063582</a:t>
+            </a:r>
+          </a:p>
+        </p:txBody>
+      </p:sp>
+    </p:spTree>
+    <p:extLst>
+      <p:ext uri="{BB962C8B-B14F-4D97-AF65-F5344CB8AC3E}">
+        <p14:creationId xmlns:p14="http://schemas.microsoft.com/office/powerpoint/2010/main" val="3701667366"/>
+      </p:ext>
+    </p:extLst>
+  </p:cSld>
+  <p:clrMapOvr>
+    <a:masterClrMapping/>
+  </p:clrMapOvr>
+  <p:timing>
+    <p:tnLst>
+      <p:par>
+        <p:cTn xmlns:p14="http://schemas.microsoft.com/office/powerpoint/2010/main" id="1" dur="indefinite" restart="never" nodeType="tmRoot"/>
+      </p:par>
+    </p:tnLst>
+  </p:timing>
+</p:sld>
+</file>
+
+<file path=ppt/slides/slide15.xml><?xml version="1.0" encoding="utf-8"?>
+<p:sld xmlns:a="http://schemas.openxmlformats.org/drawingml/2006/main" xmlns:r="http://schemas.openxmlformats.org/officeDocument/2006/relationships" xmlns:p="http://schemas.openxmlformats.org/presentationml/2006/main">
+  <p:cSld>
+    <p:spTree>
+      <p:nvGrpSpPr>
+        <p:cNvPr id="1" name=""/>
+        <p:cNvGrpSpPr/>
+        <p:nvPr/>
+      </p:nvGrpSpPr>
+      <p:grpSpPr>
+        <a:xfrm>
+          <a:off x="0" y="0"/>
+          <a:ext cx="0" cy="0"/>
+          <a:chOff x="0" y="0"/>
+          <a:chExt cx="0" cy="0"/>
+        </a:xfrm>
+      </p:grpSpPr>
+      <p:sp>
+        <p:nvSpPr>
+          <p:cNvPr id="2" name="Title 1"/>
+          <p:cNvSpPr>
+            <a:spLocks noGrp="1"/>
+          </p:cNvSpPr>
+          <p:nvPr>
+            <p:ph type="title"/>
+          </p:nvPr>
+        </p:nvSpPr>
+        <p:spPr/>
+        <p:txBody>
+          <a:bodyPr/>
+          <a:lstStyle/>
+          <a:p>
+            <a:endParaRPr lang="en-US"/>
+          </a:p>
+        </p:txBody>
+      </p:sp>
+      <p:pic>
+        <p:nvPicPr>
+          <p:cNvPr id="7" name="Content Placeholder 6"/>
+          <p:cNvPicPr>
+            <a:picLocks noGrp="1" noChangeAspect="1"/>
+          </p:cNvPicPr>
+          <p:nvPr>
+            <p:ph idx="1"/>
+          </p:nvPr>
+        </p:nvPicPr>
+        <p:blipFill>
+          <a:blip r:embed="rId2">
+            <a:extLst>
+              <a:ext uri="{28A0092B-C50C-407E-A947-70E740481C1C}">
+                <a14:useLocalDpi xmlns:a14="http://schemas.microsoft.com/office/drawing/2010/main" val="0"/>
+              </a:ext>
+            </a:extLst>
+          </a:blip>
+          <a:stretch>
+            <a:fillRect/>
+          </a:stretch>
+        </p:blipFill>
+        <p:spPr>
+          <a:xfrm>
+            <a:off x="68758" y="655637"/>
+            <a:ext cx="8826500" cy="5516563"/>
+          </a:xfrm>
+        </p:spPr>
+      </p:pic>
+      <p:sp>
+        <p:nvSpPr>
+          <p:cNvPr id="4" name="Date Placeholder 3"/>
+          <p:cNvSpPr>
+            <a:spLocks noGrp="1"/>
+          </p:cNvSpPr>
+          <p:nvPr>
+            <p:ph type="dt" sz="half" idx="10"/>
+          </p:nvPr>
+        </p:nvSpPr>
+        <p:spPr/>
+        <p:txBody>
+          <a:bodyPr/>
+          <a:lstStyle/>
+          <a:p>
+            <a:fld id="{67982E54-CFC6-46DC-BEF3-B3681CD4B600}" type="datetime3">
+              <a:rPr lang="en-US" smtClean="0"/>
+              <a:t>3 November 2014</a:t>
+            </a:fld>
+            <a:endParaRPr lang="en-US"/>
+          </a:p>
+        </p:txBody>
+      </p:sp>
+      <p:sp>
+        <p:nvSpPr>
+          <p:cNvPr id="5" name="Footer Placeholder 4"/>
+          <p:cNvSpPr>
+            <a:spLocks noGrp="1"/>
+          </p:cNvSpPr>
+          <p:nvPr>
+            <p:ph type="ftr" sz="quarter" idx="11"/>
+          </p:nvPr>
+        </p:nvSpPr>
+        <p:spPr/>
+        <p:txBody>
+          <a:bodyPr/>
+          <a:lstStyle/>
+          <a:p>
+            <a:r>
+              <a:rPr lang="en-US" smtClean="0"/>
+              <a:t>CS 5228 - Knowledge Discovery &amp; Data Mining</a:t>
+            </a:r>
+            <a:endParaRPr lang="en-US"/>
+          </a:p>
+        </p:txBody>
+      </p:sp>
+      <p:sp>
+        <p:nvSpPr>
+          <p:cNvPr id="6" name="Slide Number Placeholder 5"/>
+          <p:cNvSpPr>
+            <a:spLocks noGrp="1"/>
+          </p:cNvSpPr>
+          <p:nvPr>
+            <p:ph type="sldNum" sz="quarter" idx="12"/>
+          </p:nvPr>
+        </p:nvSpPr>
+        <p:spPr/>
+        <p:txBody>
+          <a:bodyPr/>
+          <a:lstStyle/>
+          <a:p>
+            <a:fld id="{B6F15528-21DE-4FAA-801E-634DDDAF4B2B}" type="slidenum">
+              <a:rPr lang="en-US" smtClean="0"/>
+              <a:pPr/>
+              <a:t>15</a:t>
+            </a:fld>
+            <a:endParaRPr lang="en-US"/>
+          </a:p>
+        </p:txBody>
+      </p:sp>
+    </p:spTree>
+    <p:extLst>
+      <p:ext uri="{BB962C8B-B14F-4D97-AF65-F5344CB8AC3E}">
+        <p14:creationId xmlns:p14="http://schemas.microsoft.com/office/powerpoint/2010/main" val="3487132345"/>
+      </p:ext>
+    </p:extLst>
+  </p:cSld>
+  <p:clrMapOvr>
+    <a:masterClrMapping/>
+  </p:clrMapOvr>
+  <p:timing>
+    <p:tnLst>
+      <p:par>
+        <p:cTn xmlns:p14="http://schemas.microsoft.com/office/powerpoint/2010/main" id="1" dur="indefinite" restart="never" nodeType="tmRoot"/>
+      </p:par>
+    </p:tnLst>
+  </p:timing>
+</p:sld>
+</file>
+
+<file path=ppt/slides/slide16.xml><?xml version="1.0" encoding="utf-8"?>
+<p:sld xmlns:a="http://schemas.openxmlformats.org/drawingml/2006/main" xmlns:r="http://schemas.openxmlformats.org/officeDocument/2006/relationships" xmlns:p="http://schemas.openxmlformats.org/presentationml/2006/main">
+  <p:cSld>
+    <p:spTree>
+      <p:nvGrpSpPr>
+        <p:cNvPr id="1" name=""/>
+        <p:cNvGrpSpPr/>
+        <p:nvPr/>
+      </p:nvGrpSpPr>
+      <p:grpSpPr>
+        <a:xfrm>
+          <a:off x="0" y="0"/>
+          <a:ext cx="0" cy="0"/>
+          <a:chOff x="0" y="0"/>
+          <a:chExt cx="0" cy="0"/>
+        </a:xfrm>
+      </p:grpSpPr>
+      <p:sp>
+        <p:nvSpPr>
+          <p:cNvPr id="2" name="Title 1"/>
+          <p:cNvSpPr>
+            <a:spLocks noGrp="1"/>
+          </p:cNvSpPr>
+          <p:nvPr>
+            <p:ph type="title"/>
+          </p:nvPr>
+        </p:nvSpPr>
+        <p:spPr/>
+        <p:txBody>
+          <a:bodyPr/>
+          <a:lstStyle/>
+          <a:p>
+            <a:endParaRPr lang="en-US"/>
+          </a:p>
+        </p:txBody>
+      </p:sp>
+      <p:pic>
+        <p:nvPicPr>
+          <p:cNvPr id="7" name="Content Placeholder 6"/>
+          <p:cNvPicPr>
+            <a:picLocks noGrp="1" noChangeAspect="1"/>
+          </p:cNvPicPr>
+          <p:nvPr>
+            <p:ph idx="1"/>
+          </p:nvPr>
+        </p:nvPicPr>
+        <p:blipFill>
+          <a:blip r:embed="rId2">
+            <a:extLst>
+              <a:ext uri="{28A0092B-C50C-407E-A947-70E740481C1C}">
+                <a14:useLocalDpi xmlns:a14="http://schemas.microsoft.com/office/drawing/2010/main" val="0"/>
+              </a:ext>
+            </a:extLst>
+          </a:blip>
+          <a:stretch>
+            <a:fillRect/>
+          </a:stretch>
+        </p:blipFill>
+        <p:spPr>
+          <a:xfrm>
+            <a:off x="-316876" y="609600"/>
+            <a:ext cx="9875520" cy="6172200"/>
+          </a:xfrm>
+        </p:spPr>
+      </p:pic>
+      <p:sp>
+        <p:nvSpPr>
+          <p:cNvPr id="4" name="Date Placeholder 3"/>
+          <p:cNvSpPr>
+            <a:spLocks noGrp="1"/>
+          </p:cNvSpPr>
+          <p:nvPr>
+            <p:ph type="dt" sz="half" idx="10"/>
+          </p:nvPr>
+        </p:nvSpPr>
+        <p:spPr/>
+        <p:txBody>
+          <a:bodyPr/>
+          <a:lstStyle/>
+          <a:p>
+            <a:fld id="{67982E54-CFC6-46DC-BEF3-B3681CD4B600}" type="datetime3">
+              <a:rPr lang="en-US" smtClean="0"/>
+              <a:t>3 November 2014</a:t>
+            </a:fld>
+            <a:endParaRPr lang="en-US"/>
+          </a:p>
+        </p:txBody>
+      </p:sp>
+      <p:sp>
+        <p:nvSpPr>
+          <p:cNvPr id="5" name="Footer Placeholder 4"/>
+          <p:cNvSpPr>
+            <a:spLocks noGrp="1"/>
+          </p:cNvSpPr>
+          <p:nvPr>
+            <p:ph type="ftr" sz="quarter" idx="11"/>
+          </p:nvPr>
+        </p:nvSpPr>
+        <p:spPr/>
+        <p:txBody>
+          <a:bodyPr/>
+          <a:lstStyle/>
+          <a:p>
+            <a:r>
+              <a:rPr lang="en-US" smtClean="0"/>
+              <a:t>CS 5228 - Knowledge Discovery &amp; Data Mining</a:t>
+            </a:r>
+            <a:endParaRPr lang="en-US"/>
+          </a:p>
+        </p:txBody>
+      </p:sp>
+      <p:sp>
+        <p:nvSpPr>
+          <p:cNvPr id="6" name="Slide Number Placeholder 5"/>
+          <p:cNvSpPr>
+            <a:spLocks noGrp="1"/>
+          </p:cNvSpPr>
+          <p:nvPr>
+            <p:ph type="sldNum" sz="quarter" idx="12"/>
+          </p:nvPr>
+        </p:nvSpPr>
+        <p:spPr/>
+        <p:txBody>
+          <a:bodyPr/>
+          <a:lstStyle/>
+          <a:p>
+            <a:fld id="{B6F15528-21DE-4FAA-801E-634DDDAF4B2B}" type="slidenum">
+              <a:rPr lang="en-US" smtClean="0"/>
+              <a:pPr/>
+              <a:t>16</a:t>
+            </a:fld>
+            <a:endParaRPr lang="en-US"/>
+          </a:p>
+        </p:txBody>
+      </p:sp>
+    </p:spTree>
+    <p:extLst>
+      <p:ext uri="{BB962C8B-B14F-4D97-AF65-F5344CB8AC3E}">
+        <p14:creationId xmlns:p14="http://schemas.microsoft.com/office/powerpoint/2010/main" val="3476184339"/>
+      </p:ext>
+    </p:extLst>
+  </p:cSld>
+  <p:clrMapOvr>
+    <a:masterClrMapping/>
+  </p:clrMapOvr>
+  <p:timing>
+    <p:tnLst>
+      <p:par>
+        <p:cTn xmlns:p14="http://schemas.microsoft.com/office/powerpoint/2010/main" id="1" dur="indefinite" restart="never" nodeType="tmRoot"/>
+      </p:par>
+    </p:tnLst>
+  </p:timing>
+</p:sld>
+</file>
+
+<file path=ppt/slides/slide17.xml><?xml version="1.0" encoding="utf-8"?>
+<p:sld xmlns:a="http://schemas.openxmlformats.org/drawingml/2006/main" xmlns:r="http://schemas.openxmlformats.org/officeDocument/2006/relationships" xmlns:p="http://schemas.openxmlformats.org/presentationml/2006/main">
+  <p:cSld>
+    <p:spTree>
+      <p:nvGrpSpPr>
+        <p:cNvPr id="1" name=""/>
+        <p:cNvGrpSpPr/>
+        <p:nvPr/>
+      </p:nvGrpSpPr>
+      <p:grpSpPr>
+        <a:xfrm>
+          <a:off x="0" y="0"/>
+          <a:ext cx="0" cy="0"/>
+          <a:chOff x="0" y="0"/>
+          <a:chExt cx="0" cy="0"/>
+        </a:xfrm>
+      </p:grpSpPr>
+      <p:sp>
+        <p:nvSpPr>
+          <p:cNvPr id="2" name="Title 1"/>
+          <p:cNvSpPr>
+            <a:spLocks noGrp="1"/>
+          </p:cNvSpPr>
+          <p:nvPr>
+            <p:ph type="title"/>
+          </p:nvPr>
+        </p:nvSpPr>
+        <p:spPr/>
+        <p:txBody>
+          <a:bodyPr/>
+          <a:lstStyle/>
+          <a:p>
+            <a:r>
+              <a:rPr lang="en-US" dirty="0" smtClean="0"/>
+              <a:t>Learning Algorithm: Max-Ent</a:t>
+            </a:r>
+            <a:endParaRPr lang="en-US" dirty="0"/>
+          </a:p>
+        </p:txBody>
+      </p:sp>
+      <p:sp>
+        <p:nvSpPr>
+          <p:cNvPr id="3" name="Content Placeholder 2"/>
+          <p:cNvSpPr>
+            <a:spLocks noGrp="1"/>
+          </p:cNvSpPr>
+          <p:nvPr>
+            <p:ph idx="1"/>
+          </p:nvPr>
+        </p:nvSpPr>
+        <p:spPr/>
+        <p:txBody>
+          <a:bodyPr/>
+          <a:lstStyle/>
+          <a:p>
+            <a:r>
+              <a:rPr lang="en-US" dirty="0" err="1" smtClean="0"/>
+              <a:t>a.k.a</a:t>
+            </a:r>
+            <a:r>
+              <a:rPr lang="en-US" dirty="0" smtClean="0"/>
+              <a:t> Logistic regression (</a:t>
+            </a:r>
+            <a:r>
+              <a:rPr lang="en-US" dirty="0" err="1" smtClean="0"/>
+              <a:t>Logit</a:t>
+            </a:r>
+            <a:r>
+              <a:rPr lang="en-US" dirty="0" smtClean="0"/>
+              <a:t>)</a:t>
+            </a:r>
+          </a:p>
+          <a:p>
+            <a:r>
+              <a:rPr lang="en-US" dirty="0"/>
+              <a:t>L2­regularized </a:t>
+            </a:r>
+            <a:r>
+              <a:rPr lang="en-US" dirty="0" err="1"/>
+              <a:t>Max­Ent</a:t>
+            </a:r>
+            <a:r>
+              <a:rPr lang="en-US" dirty="0"/>
+              <a:t> </a:t>
+            </a:r>
+            <a:r>
+              <a:rPr lang="en-US" dirty="0" smtClean="0"/>
+              <a:t>model</a:t>
+            </a:r>
+            <a:endParaRPr lang="en-US" dirty="0" smtClean="0"/>
+          </a:p>
+          <a:p>
+            <a:endParaRPr lang="en-US" dirty="0"/>
+          </a:p>
+          <a:p>
+            <a:endParaRPr lang="en-US" dirty="0"/>
+          </a:p>
+        </p:txBody>
+      </p:sp>
+      <p:sp>
+        <p:nvSpPr>
+          <p:cNvPr id="4" name="Date Placeholder 3"/>
+          <p:cNvSpPr>
+            <a:spLocks noGrp="1"/>
+          </p:cNvSpPr>
+          <p:nvPr>
+            <p:ph type="dt" sz="half" idx="10"/>
+          </p:nvPr>
+        </p:nvSpPr>
+        <p:spPr/>
+        <p:txBody>
+          <a:bodyPr/>
+          <a:lstStyle/>
+          <a:p>
+            <a:fld id="{67982E54-CFC6-46DC-BEF3-B3681CD4B600}" type="datetime3">
+              <a:rPr lang="en-US" smtClean="0"/>
+              <a:t>3 November 2014</a:t>
+            </a:fld>
+            <a:endParaRPr lang="en-US"/>
+          </a:p>
+        </p:txBody>
+      </p:sp>
+      <p:sp>
+        <p:nvSpPr>
+          <p:cNvPr id="5" name="Footer Placeholder 4"/>
+          <p:cNvSpPr>
+            <a:spLocks noGrp="1"/>
+          </p:cNvSpPr>
+          <p:nvPr>
+            <p:ph type="ftr" sz="quarter" idx="11"/>
+          </p:nvPr>
+        </p:nvSpPr>
+        <p:spPr/>
+        <p:txBody>
+          <a:bodyPr/>
+          <a:lstStyle/>
+          <a:p>
+            <a:r>
+              <a:rPr lang="en-US" smtClean="0"/>
+              <a:t>CS 5228 - Knowledge Discovery &amp; Data Mining</a:t>
+            </a:r>
+            <a:endParaRPr lang="en-US"/>
+          </a:p>
+        </p:txBody>
+      </p:sp>
+      <p:sp>
+        <p:nvSpPr>
+          <p:cNvPr id="6" name="Slide Number Placeholder 5"/>
+          <p:cNvSpPr>
+            <a:spLocks noGrp="1"/>
+          </p:cNvSpPr>
+          <p:nvPr>
+            <p:ph type="sldNum" sz="quarter" idx="12"/>
+          </p:nvPr>
+        </p:nvSpPr>
+        <p:spPr/>
+        <p:txBody>
+          <a:bodyPr/>
+          <a:lstStyle/>
+          <a:p>
+            <a:fld id="{B6F15528-21DE-4FAA-801E-634DDDAF4B2B}" type="slidenum">
+              <a:rPr lang="en-US" smtClean="0"/>
+              <a:pPr/>
+              <a:t>17</a:t>
+            </a:fld>
+            <a:endParaRPr lang="en-US"/>
+          </a:p>
+        </p:txBody>
+      </p:sp>
+      <p:pic>
+        <p:nvPicPr>
+          <p:cNvPr id="7" name="Picture 6" descr="maxent.png"/>
+          <p:cNvPicPr>
+            <a:picLocks noChangeAspect="1"/>
+          </p:cNvPicPr>
+          <p:nvPr/>
+        </p:nvPicPr>
+        <p:blipFill>
+          <a:blip r:embed="rId2">
+            <a:extLst>
+              <a:ext uri="{28A0092B-C50C-407E-A947-70E740481C1C}">
+                <a14:useLocalDpi xmlns:a14="http://schemas.microsoft.com/office/drawing/2010/main" val="0"/>
+              </a:ext>
+            </a:extLst>
+          </a:blip>
+          <a:stretch>
+            <a:fillRect/>
+          </a:stretch>
+        </p:blipFill>
+        <p:spPr>
+          <a:xfrm>
+            <a:off x="914400" y="3048000"/>
+            <a:ext cx="7315200" cy="1517073"/>
+          </a:xfrm>
+          <a:prstGeom prst="rect">
+            <a:avLst/>
+          </a:prstGeom>
+        </p:spPr>
+      </p:pic>
     </p:spTree>
     <p:extLst>
       <p:ext uri="{BB962C8B-B14F-4D97-AF65-F5344CB8AC3E}">
@@ -4007,14 +6523,14 @@
   <p:timing>
     <p:tnLst>
       <p:par>
-        <p:cTn id="1" dur="indefinite" restart="never" nodeType="tmRoot"/>
+        <p:cTn xmlns:p14="http://schemas.microsoft.com/office/powerpoint/2010/main" id="1" dur="indefinite" restart="never" nodeType="tmRoot"/>
       </p:par>
     </p:tnLst>
   </p:timing>
 </p:sld>
 </file>
 
-<file path=ppt/slides/slide12.xml><?xml version="1.0" encoding="utf-8"?>
+<file path=ppt/slides/slide18.xml><?xml version="1.0" encoding="utf-8"?>
 <p:sld xmlns:a="http://schemas.openxmlformats.org/drawingml/2006/main" xmlns:r="http://schemas.openxmlformats.org/officeDocument/2006/relationships" xmlns:p="http://schemas.openxmlformats.org/presentationml/2006/main">
   <p:cSld>
     <p:spTree>
@@ -4125,7 +6641,7 @@
             <a:fld id="{B6F15528-21DE-4FAA-801E-634DDDAF4B2B}" type="slidenum">
               <a:rPr lang="en-US" smtClean="0"/>
               <a:pPr/>
-              <a:t>12</a:t>
+              <a:t>18</a:t>
             </a:fld>
             <a:endParaRPr lang="en-US"/>
           </a:p>
@@ -4144,14 +6660,14 @@
   <p:timing>
     <p:tnLst>
       <p:par>
-        <p:cTn id="1" dur="indefinite" restart="never" nodeType="tmRoot"/>
+        <p:cTn xmlns:p14="http://schemas.microsoft.com/office/powerpoint/2010/main" id="1" dur="indefinite" restart="never" nodeType="tmRoot"/>
       </p:par>
     </p:tnLst>
   </p:timing>
 </p:sld>
 </file>
 
-<file path=ppt/slides/slide13.xml><?xml version="1.0" encoding="utf-8"?>
+<file path=ppt/slides/slide19.xml><?xml version="1.0" encoding="utf-8"?>
 <p:sld xmlns:a="http://schemas.openxmlformats.org/drawingml/2006/main" xmlns:r="http://schemas.openxmlformats.org/officeDocument/2006/relationships" xmlns:p="http://schemas.openxmlformats.org/presentationml/2006/main">
   <p:cSld>
     <p:spTree>
@@ -4185,7 +6701,7 @@
           <a:p>
             <a:r>
               <a:rPr lang="en-US" dirty="0" smtClean="0"/>
-              <a:t>Outline</a:t>
+              <a:t>Ensemble Classifier</a:t>
             </a:r>
             <a:endParaRPr lang="en-US" dirty="0"/>
           </a:p>
@@ -4193,151 +6709,20 @@
       </p:sp>
       <p:sp>
         <p:nvSpPr>
-          <p:cNvPr id="3" name="Content Placeholder 2"/>
-          <p:cNvSpPr>
-            <a:spLocks noGrp="1"/>
-          </p:cNvSpPr>
-          <p:nvPr>
-            <p:ph idx="1"/>
+          <p:cNvPr id="4" name="Date Placeholder 3"/>
+          <p:cNvSpPr>
+            <a:spLocks noGrp="1"/>
+          </p:cNvSpPr>
+          <p:nvPr>
+            <p:ph type="dt" sz="half" idx="10"/>
           </p:nvPr>
         </p:nvSpPr>
         <p:spPr/>
         <p:txBody>
-          <a:bodyPr>
-            <a:normAutofit/>
-          </a:bodyPr>
-          <a:lstStyle/>
-          <a:p>
-            <a:r>
-              <a:rPr lang="en-US" sz="3000" dirty="0" smtClean="0">
-                <a:solidFill>
-                  <a:schemeClr val="bg1">
-                    <a:lumMod val="50000"/>
-                  </a:schemeClr>
-                </a:solidFill>
-                <a:latin typeface="Helvetica" panose="020B0604020202020204" pitchFamily="34" charset="0"/>
-                <a:cs typeface="Helvetica" panose="020B0604020202020204" pitchFamily="34" charset="0"/>
-              </a:rPr>
-              <a:t>Problem Statement</a:t>
-            </a:r>
-          </a:p>
-          <a:p>
-            <a:r>
-              <a:rPr lang="en-US" sz="3000" dirty="0" smtClean="0">
-                <a:solidFill>
-                  <a:schemeClr val="bg1">
-                    <a:lumMod val="50000"/>
-                  </a:schemeClr>
-                </a:solidFill>
-                <a:latin typeface="Helvetica" panose="020B0604020202020204" pitchFamily="34" charset="0"/>
-                <a:cs typeface="Helvetica" panose="020B0604020202020204" pitchFamily="34" charset="0"/>
-              </a:rPr>
-              <a:t>Data</a:t>
-            </a:r>
-          </a:p>
-          <a:p>
-            <a:r>
-              <a:rPr lang="en-US" sz="3000" dirty="0" smtClean="0">
-                <a:solidFill>
-                  <a:schemeClr val="bg1">
-                    <a:lumMod val="50000"/>
-                  </a:schemeClr>
-                </a:solidFill>
-                <a:latin typeface="Helvetica" panose="020B0604020202020204" pitchFamily="34" charset="0"/>
-                <a:cs typeface="Helvetica" panose="020B0604020202020204" pitchFamily="34" charset="0"/>
-              </a:rPr>
-              <a:t>Data preprocessing</a:t>
-            </a:r>
-          </a:p>
-          <a:p>
-            <a:r>
-              <a:rPr lang="en-US" sz="3000" dirty="0" smtClean="0">
-                <a:solidFill>
-                  <a:schemeClr val="bg1">
-                    <a:lumMod val="50000"/>
-                  </a:schemeClr>
-                </a:solidFill>
-                <a:latin typeface="Helvetica" panose="020B0604020202020204" pitchFamily="34" charset="0"/>
-                <a:cs typeface="Helvetica" panose="020B0604020202020204" pitchFamily="34" charset="0"/>
-              </a:rPr>
-              <a:t>Predictive Model</a:t>
-            </a:r>
-          </a:p>
-          <a:p>
-            <a:pPr lvl="1"/>
-            <a:r>
-              <a:rPr lang="en-US" sz="2600" dirty="0" smtClean="0">
-                <a:solidFill>
-                  <a:schemeClr val="bg1">
-                    <a:lumMod val="50000"/>
-                  </a:schemeClr>
-                </a:solidFill>
-                <a:latin typeface="Helvetica" panose="020B0604020202020204" pitchFamily="34" charset="0"/>
-                <a:cs typeface="Helvetica" panose="020B0604020202020204" pitchFamily="34" charset="0"/>
-              </a:rPr>
-              <a:t>Features</a:t>
-            </a:r>
-          </a:p>
-          <a:p>
-            <a:pPr lvl="1"/>
-            <a:r>
-              <a:rPr lang="en-US" sz="2600" dirty="0" smtClean="0">
-                <a:solidFill>
-                  <a:schemeClr val="bg1">
-                    <a:lumMod val="50000"/>
-                  </a:schemeClr>
-                </a:solidFill>
-                <a:latin typeface="Helvetica" panose="020B0604020202020204" pitchFamily="34" charset="0"/>
-                <a:cs typeface="Helvetica" panose="020B0604020202020204" pitchFamily="34" charset="0"/>
-              </a:rPr>
-              <a:t>Learning algorithm: Max-Ent</a:t>
-            </a:r>
-          </a:p>
-          <a:p>
-            <a:r>
-              <a:rPr lang="en-US" sz="3000" dirty="0" smtClean="0">
-                <a:latin typeface="Helvetica" panose="020B0604020202020204" pitchFamily="34" charset="0"/>
-                <a:cs typeface="Helvetica" panose="020B0604020202020204" pitchFamily="34" charset="0"/>
-              </a:rPr>
-              <a:t>Experiments and Results</a:t>
-            </a:r>
-          </a:p>
-          <a:p>
-            <a:r>
-              <a:rPr lang="en-US" sz="3000" dirty="0" smtClean="0">
-                <a:latin typeface="Helvetica" panose="020B0604020202020204" pitchFamily="34" charset="0"/>
-                <a:cs typeface="Helvetica" panose="020B0604020202020204" pitchFamily="34" charset="0"/>
-              </a:rPr>
-              <a:t>Conclusions</a:t>
-            </a:r>
-          </a:p>
-          <a:p>
-            <a:endParaRPr lang="en-US" dirty="0" smtClean="0"/>
-          </a:p>
-          <a:p>
-            <a:endParaRPr lang="en-US" dirty="0" smtClean="0"/>
-          </a:p>
-          <a:p>
-            <a:endParaRPr lang="en-US" dirty="0" smtClean="0"/>
-          </a:p>
-        </p:txBody>
-      </p:sp>
-      <p:sp>
-        <p:nvSpPr>
-          <p:cNvPr id="5" name="Date Placeholder 4"/>
-          <p:cNvSpPr>
-            <a:spLocks noGrp="1"/>
-          </p:cNvSpPr>
-          <p:nvPr>
-            <p:ph type="dt" sz="half" idx="10"/>
-          </p:nvPr>
-        </p:nvSpPr>
-        <p:spPr/>
-        <p:txBody>
-          <a:bodyPr/>
-          <a:lstStyle/>
-          <a:p>
-            <a:fld id="{28AC1232-105D-4AA5-B548-5832548E2317}" type="datetime3">
+          <a:bodyPr/>
+          <a:lstStyle/>
+          <a:p>
+            <a:fld id="{67982E54-CFC6-46DC-BEF3-B3681CD4B600}" type="datetime3">
               <a:rPr lang="en-US" smtClean="0"/>
               <a:t>3 November 2014</a:t>
             </a:fld>
@@ -4347,7 +6732,7 @@
       </p:sp>
       <p:sp>
         <p:nvSpPr>
-          <p:cNvPr id="6" name="Footer Placeholder 5"/>
+          <p:cNvPr id="5" name="Footer Placeholder 4"/>
           <p:cNvSpPr>
             <a:spLocks noGrp="1"/>
           </p:cNvSpPr>
@@ -4370,7 +6755,7 @@
       </p:sp>
       <p:sp>
         <p:nvSpPr>
-          <p:cNvPr id="7" name="Slide Number Placeholder 6"/>
+          <p:cNvPr id="6" name="Slide Number Placeholder 5"/>
           <p:cNvSpPr>
             <a:spLocks noGrp="1"/>
           </p:cNvSpPr>
@@ -4386,16 +6771,303 @@
             <a:fld id="{B6F15528-21DE-4FAA-801E-634DDDAF4B2B}" type="slidenum">
               <a:rPr lang="en-US" smtClean="0"/>
               <a:pPr/>
-              <a:t>13</a:t>
+              <a:t>19</a:t>
             </a:fld>
             <a:endParaRPr lang="en-US"/>
+          </a:p>
+        </p:txBody>
+      </p:sp>
+      <p:sp>
+        <p:nvSpPr>
+          <p:cNvPr id="7" name="Rounded Rectangle 6"/>
+          <p:cNvSpPr/>
+          <p:nvPr/>
+        </p:nvSpPr>
+        <p:spPr>
+          <a:xfrm>
+            <a:off x="1600200" y="4191000"/>
+            <a:ext cx="1981200" cy="1524000"/>
+          </a:xfrm>
+          <a:prstGeom prst="roundRect">
+            <a:avLst/>
+          </a:prstGeom>
+          <a:noFill/>
+        </p:spPr>
+        <p:style>
+          <a:lnRef idx="1">
+            <a:schemeClr val="accent1"/>
+          </a:lnRef>
+          <a:fillRef idx="3">
+            <a:schemeClr val="accent1"/>
+          </a:fillRef>
+          <a:effectRef idx="2">
+            <a:schemeClr val="accent1"/>
+          </a:effectRef>
+          <a:fontRef idx="minor">
+            <a:schemeClr val="lt1"/>
+          </a:fontRef>
+        </p:style>
+        <p:txBody>
+          <a:bodyPr rtlCol="0" anchor="ctr"/>
+          <a:lstStyle/>
+          <a:p>
+            <a:pPr algn="ctr"/>
+            <a:r>
+              <a:rPr lang="en-US" sz="3600" dirty="0" smtClean="0">
+                <a:solidFill>
+                  <a:schemeClr val="tx1"/>
+                </a:solidFill>
+              </a:rPr>
+              <a:t>Text</a:t>
+            </a:r>
+            <a:endParaRPr lang="en-US" sz="3600" dirty="0">
+              <a:solidFill>
+                <a:schemeClr val="tx1"/>
+              </a:solidFill>
+            </a:endParaRPr>
+          </a:p>
+        </p:txBody>
+      </p:sp>
+      <p:sp>
+        <p:nvSpPr>
+          <p:cNvPr id="10" name="Rounded Rectangle 9"/>
+          <p:cNvSpPr/>
+          <p:nvPr/>
+        </p:nvSpPr>
+        <p:spPr>
+          <a:xfrm>
+            <a:off x="5562600" y="4191000"/>
+            <a:ext cx="1981200" cy="1524000"/>
+          </a:xfrm>
+          <a:prstGeom prst="roundRect">
+            <a:avLst/>
+          </a:prstGeom>
+          <a:noFill/>
+        </p:spPr>
+        <p:style>
+          <a:lnRef idx="1">
+            <a:schemeClr val="accent1"/>
+          </a:lnRef>
+          <a:fillRef idx="3">
+            <a:schemeClr val="accent1"/>
+          </a:fillRef>
+          <a:effectRef idx="2">
+            <a:schemeClr val="accent1"/>
+          </a:effectRef>
+          <a:fontRef idx="minor">
+            <a:schemeClr val="lt1"/>
+          </a:fontRef>
+        </p:style>
+        <p:txBody>
+          <a:bodyPr rtlCol="0" anchor="ctr"/>
+          <a:lstStyle/>
+          <a:p>
+            <a:pPr algn="ctr"/>
+            <a:r>
+              <a:rPr lang="en-US" sz="3600" dirty="0" smtClean="0">
+                <a:solidFill>
+                  <a:schemeClr val="tx1"/>
+                </a:solidFill>
+              </a:rPr>
+              <a:t>Project</a:t>
+            </a:r>
+            <a:endParaRPr lang="en-US" sz="3600" dirty="0">
+              <a:solidFill>
+                <a:schemeClr val="tx1"/>
+              </a:solidFill>
+            </a:endParaRPr>
+          </a:p>
+        </p:txBody>
+      </p:sp>
+      <p:cxnSp>
+        <p:nvCxnSpPr>
+          <p:cNvPr id="18" name="Elbow Connector 17"/>
+          <p:cNvCxnSpPr>
+            <a:stCxn id="10" idx="0"/>
+          </p:cNvCxnSpPr>
+          <p:nvPr/>
+        </p:nvCxnSpPr>
+        <p:spPr>
+          <a:xfrm rot="16200000" flipV="1">
+            <a:off x="5248628" y="2886427"/>
+            <a:ext cx="533400" cy="2075745"/>
+          </a:xfrm>
+          <a:prstGeom prst="bentConnector3">
+            <a:avLst/>
+          </a:prstGeom>
+          <a:ln>
+            <a:tailEnd type="arrow"/>
+          </a:ln>
+        </p:spPr>
+        <p:style>
+          <a:lnRef idx="2">
+            <a:schemeClr val="accent1"/>
+          </a:lnRef>
+          <a:fillRef idx="0">
+            <a:schemeClr val="accent1"/>
+          </a:fillRef>
+          <a:effectRef idx="1">
+            <a:schemeClr val="accent1"/>
+          </a:effectRef>
+          <a:fontRef idx="minor">
+            <a:schemeClr val="tx1"/>
+          </a:fontRef>
+        </p:style>
+      </p:cxnSp>
+      <p:cxnSp>
+        <p:nvCxnSpPr>
+          <p:cNvPr id="20" name="Elbow Connector 19"/>
+          <p:cNvCxnSpPr>
+            <a:stCxn id="7" idx="0"/>
+          </p:cNvCxnSpPr>
+          <p:nvPr/>
+        </p:nvCxnSpPr>
+        <p:spPr>
+          <a:xfrm rot="5400000" flipH="1" flipV="1">
+            <a:off x="3267427" y="2980973"/>
+            <a:ext cx="533400" cy="1886655"/>
+          </a:xfrm>
+          <a:prstGeom prst="bentConnector3">
+            <a:avLst/>
+          </a:prstGeom>
+          <a:ln>
+            <a:tailEnd type="arrow"/>
+          </a:ln>
+        </p:spPr>
+        <p:style>
+          <a:lnRef idx="2">
+            <a:schemeClr val="accent1"/>
+          </a:lnRef>
+          <a:fillRef idx="0">
+            <a:schemeClr val="accent1"/>
+          </a:fillRef>
+          <a:effectRef idx="1">
+            <a:schemeClr val="accent1"/>
+          </a:effectRef>
+          <a:fontRef idx="minor">
+            <a:schemeClr val="tx1"/>
+          </a:fontRef>
+        </p:style>
+      </p:cxnSp>
+      <p:sp>
+        <p:nvSpPr>
+          <p:cNvPr id="28" name="TextBox 27"/>
+          <p:cNvSpPr txBox="1"/>
+          <p:nvPr/>
+        </p:nvSpPr>
+        <p:spPr>
+          <a:xfrm>
+            <a:off x="3838222" y="1600200"/>
+            <a:ext cx="1378102" cy="584776"/>
+          </a:xfrm>
+          <a:prstGeom prst="rect">
+            <a:avLst/>
+          </a:prstGeom>
+          <a:noFill/>
+        </p:spPr>
+        <p:txBody>
+          <a:bodyPr wrap="none" rtlCol="0">
+            <a:spAutoFit/>
+          </a:bodyPr>
+          <a:lstStyle/>
+          <a:p>
+            <a:r>
+              <a:rPr lang="en-US" sz="3200" dirty="0" smtClean="0"/>
+              <a:t>Output</a:t>
+            </a:r>
+          </a:p>
+        </p:txBody>
+      </p:sp>
+      <p:cxnSp>
+        <p:nvCxnSpPr>
+          <p:cNvPr id="32" name="Straight Arrow Connector 31"/>
+          <p:cNvCxnSpPr>
+            <a:endCxn id="28" idx="2"/>
+          </p:cNvCxnSpPr>
+          <p:nvPr/>
+        </p:nvCxnSpPr>
+        <p:spPr>
+          <a:xfrm flipV="1">
+            <a:off x="4522182" y="2184976"/>
+            <a:ext cx="5091" cy="558224"/>
+          </a:xfrm>
+          <a:prstGeom prst="straightConnector1">
+            <a:avLst/>
+          </a:prstGeom>
+          <a:ln>
+            <a:tailEnd type="arrow"/>
+          </a:ln>
+        </p:spPr>
+        <p:style>
+          <a:lnRef idx="2">
+            <a:schemeClr val="accent1"/>
+          </a:lnRef>
+          <a:fillRef idx="0">
+            <a:schemeClr val="accent1"/>
+          </a:fillRef>
+          <a:effectRef idx="1">
+            <a:schemeClr val="accent1"/>
+          </a:effectRef>
+          <a:fontRef idx="minor">
+            <a:schemeClr val="tx1"/>
+          </a:fontRef>
+        </p:style>
+      </p:cxnSp>
+      <p:sp>
+        <p:nvSpPr>
+          <p:cNvPr id="43" name="Oval 42"/>
+          <p:cNvSpPr/>
+          <p:nvPr/>
+        </p:nvSpPr>
+        <p:spPr>
+          <a:xfrm>
+            <a:off x="3276600" y="2743200"/>
+            <a:ext cx="2438400" cy="914400"/>
+          </a:xfrm>
+          <a:prstGeom prst="ellipse">
+            <a:avLst/>
+          </a:prstGeom>
+          <a:noFill/>
+        </p:spPr>
+        <p:style>
+          <a:lnRef idx="1">
+            <a:schemeClr val="accent1"/>
+          </a:lnRef>
+          <a:fillRef idx="3">
+            <a:schemeClr val="accent1"/>
+          </a:fillRef>
+          <a:effectRef idx="2">
+            <a:schemeClr val="accent1"/>
+          </a:effectRef>
+          <a:fontRef idx="minor">
+            <a:schemeClr val="lt1"/>
+          </a:fontRef>
+        </p:style>
+        <p:txBody>
+          <a:bodyPr rtlCol="0" anchor="ctr"/>
+          <a:lstStyle/>
+          <a:p>
+            <a:pPr algn="ctr"/>
+            <a:r>
+              <a:rPr lang="en-US" sz="2800" dirty="0" smtClean="0">
+                <a:solidFill>
+                  <a:schemeClr val="tx1"/>
+                </a:solidFill>
+              </a:rPr>
+              <a:t>Average</a:t>
+            </a:r>
+            <a:endParaRPr lang="en-US" sz="2800" dirty="0">
+              <a:solidFill>
+                <a:schemeClr val="tx1"/>
+              </a:solidFill>
+            </a:endParaRPr>
           </a:p>
         </p:txBody>
       </p:sp>
     </p:spTree>
     <p:extLst>
       <p:ext uri="{BB962C8B-B14F-4D97-AF65-F5344CB8AC3E}">
-        <p14:creationId xmlns:p14="http://schemas.microsoft.com/office/powerpoint/2010/main" val="3958692799"/>
+        <p14:creationId xmlns:p14="http://schemas.microsoft.com/office/powerpoint/2010/main" val="3489886174"/>
       </p:ext>
     </p:extLst>
   </p:cSld>
@@ -4405,9 +7077,248 @@
   <p:timing>
     <p:tnLst>
       <p:par>
-        <p:cTn id="1" dur="indefinite" restart="never" nodeType="tmRoot"/>
+        <p:cTn xmlns:p14="http://schemas.microsoft.com/office/powerpoint/2010/main" id="1" dur="indefinite" restart="never" nodeType="tmRoot">
+          <p:childTnLst>
+            <p:seq concurrent="1" nextAc="seek">
+              <p:cTn id="2" dur="indefinite" nodeType="mainSeq">
+                <p:childTnLst>
+                  <p:par>
+                    <p:cTn id="3" fill="hold">
+                      <p:stCondLst>
+                        <p:cond delay="indefinite"/>
+                      </p:stCondLst>
+                      <p:childTnLst>
+                        <p:par>
+                          <p:cTn id="4" fill="hold">
+                            <p:stCondLst>
+                              <p:cond delay="0"/>
+                            </p:stCondLst>
+                            <p:childTnLst>
+                              <p:par>
+                                <p:cTn id="5" presetID="22" presetClass="entr" presetSubtype="4" fill="hold" nodeType="clickEffect">
+                                  <p:stCondLst>
+                                    <p:cond delay="0"/>
+                                  </p:stCondLst>
+                                  <p:childTnLst>
+                                    <p:set>
+                                      <p:cBhvr>
+                                        <p:cTn id="6" dur="1" fill="hold">
+                                          <p:stCondLst>
+                                            <p:cond delay="0"/>
+                                          </p:stCondLst>
+                                        </p:cTn>
+                                        <p:tgtEl>
+                                          <p:spTgt spid="18"/>
+                                        </p:tgtEl>
+                                        <p:attrNameLst>
+                                          <p:attrName>style.visibility</p:attrName>
+                                        </p:attrNameLst>
+                                      </p:cBhvr>
+                                      <p:to>
+                                        <p:strVal val="visible"/>
+                                      </p:to>
+                                    </p:set>
+                                    <p:animEffect transition="in" filter="wipe(down)">
+                                      <p:cBhvr>
+                                        <p:cTn id="7" dur="1000"/>
+                                        <p:tgtEl>
+                                          <p:spTgt spid="18"/>
+                                        </p:tgtEl>
+                                      </p:cBhvr>
+                                    </p:animEffect>
+                                  </p:childTnLst>
+                                </p:cTn>
+                              </p:par>
+                              <p:par>
+                                <p:cTn id="8" presetID="22" presetClass="entr" presetSubtype="4" fill="hold" nodeType="withEffect">
+                                  <p:stCondLst>
+                                    <p:cond delay="0"/>
+                                  </p:stCondLst>
+                                  <p:childTnLst>
+                                    <p:set>
+                                      <p:cBhvr>
+                                        <p:cTn id="9" dur="1" fill="hold">
+                                          <p:stCondLst>
+                                            <p:cond delay="0"/>
+                                          </p:stCondLst>
+                                        </p:cTn>
+                                        <p:tgtEl>
+                                          <p:spTgt spid="20"/>
+                                        </p:tgtEl>
+                                        <p:attrNameLst>
+                                          <p:attrName>style.visibility</p:attrName>
+                                        </p:attrNameLst>
+                                      </p:cBhvr>
+                                      <p:to>
+                                        <p:strVal val="visible"/>
+                                      </p:to>
+                                    </p:set>
+                                    <p:animEffect transition="in" filter="wipe(down)">
+                                      <p:cBhvr>
+                                        <p:cTn id="10" dur="1000"/>
+                                        <p:tgtEl>
+                                          <p:spTgt spid="20"/>
+                                        </p:tgtEl>
+                                      </p:cBhvr>
+                                    </p:animEffect>
+                                  </p:childTnLst>
+                                </p:cTn>
+                              </p:par>
+                            </p:childTnLst>
+                          </p:cTn>
+                        </p:par>
+                        <p:par>
+                          <p:cTn id="11" fill="hold">
+                            <p:stCondLst>
+                              <p:cond delay="1000"/>
+                            </p:stCondLst>
+                            <p:childTnLst>
+                              <p:par>
+                                <p:cTn id="12" presetID="22" presetClass="entr" presetSubtype="4" fill="hold" grpId="0" nodeType="afterEffect">
+                                  <p:stCondLst>
+                                    <p:cond delay="0"/>
+                                  </p:stCondLst>
+                                  <p:childTnLst>
+                                    <p:set>
+                                      <p:cBhvr>
+                                        <p:cTn id="13" dur="1" fill="hold">
+                                          <p:stCondLst>
+                                            <p:cond delay="0"/>
+                                          </p:stCondLst>
+                                        </p:cTn>
+                                        <p:tgtEl>
+                                          <p:spTgt spid="43"/>
+                                        </p:tgtEl>
+                                        <p:attrNameLst>
+                                          <p:attrName>style.visibility</p:attrName>
+                                        </p:attrNameLst>
+                                      </p:cBhvr>
+                                      <p:to>
+                                        <p:strVal val="visible"/>
+                                      </p:to>
+                                    </p:set>
+                                    <p:animEffect transition="in" filter="wipe(down)">
+                                      <p:cBhvr>
+                                        <p:cTn id="14" dur="1000"/>
+                                        <p:tgtEl>
+                                          <p:spTgt spid="43"/>
+                                        </p:tgtEl>
+                                      </p:cBhvr>
+                                    </p:animEffect>
+                                  </p:childTnLst>
+                                </p:cTn>
+                              </p:par>
+                            </p:childTnLst>
+                          </p:cTn>
+                        </p:par>
+                        <p:par>
+                          <p:cTn id="15" fill="hold">
+                            <p:stCondLst>
+                              <p:cond delay="2000"/>
+                            </p:stCondLst>
+                            <p:childTnLst>
+                              <p:par>
+                                <p:cTn id="16" presetID="22" presetClass="entr" presetSubtype="4" fill="hold" nodeType="afterEffect">
+                                  <p:stCondLst>
+                                    <p:cond delay="0"/>
+                                  </p:stCondLst>
+                                  <p:childTnLst>
+                                    <p:set>
+                                      <p:cBhvr>
+                                        <p:cTn id="17" dur="1" fill="hold">
+                                          <p:stCondLst>
+                                            <p:cond delay="0"/>
+                                          </p:stCondLst>
+                                        </p:cTn>
+                                        <p:tgtEl>
+                                          <p:spTgt spid="32"/>
+                                        </p:tgtEl>
+                                        <p:attrNameLst>
+                                          <p:attrName>style.visibility</p:attrName>
+                                        </p:attrNameLst>
+                                      </p:cBhvr>
+                                      <p:to>
+                                        <p:strVal val="visible"/>
+                                      </p:to>
+                                    </p:set>
+                                    <p:animEffect transition="in" filter="wipe(down)">
+                                      <p:cBhvr>
+                                        <p:cTn id="18" dur="500"/>
+                                        <p:tgtEl>
+                                          <p:spTgt spid="32"/>
+                                        </p:tgtEl>
+                                      </p:cBhvr>
+                                    </p:animEffect>
+                                  </p:childTnLst>
+                                </p:cTn>
+                              </p:par>
+                            </p:childTnLst>
+                          </p:cTn>
+                        </p:par>
+                        <p:par>
+                          <p:cTn id="19" fill="hold">
+                            <p:stCondLst>
+                              <p:cond delay="2500"/>
+                            </p:stCondLst>
+                            <p:childTnLst>
+                              <p:par>
+                                <p:cTn id="20" presetID="1" presetClass="entr" presetSubtype="0" fill="hold" grpId="0" nodeType="afterEffect">
+                                  <p:stCondLst>
+                                    <p:cond delay="0"/>
+                                  </p:stCondLst>
+                                  <p:childTnLst>
+                                    <p:set>
+                                      <p:cBhvr>
+                                        <p:cTn id="21" dur="1" fill="hold">
+                                          <p:stCondLst>
+                                            <p:cond delay="0"/>
+                                          </p:stCondLst>
+                                        </p:cTn>
+                                        <p:tgtEl>
+                                          <p:spTgt spid="28"/>
+                                        </p:tgtEl>
+                                        <p:attrNameLst>
+                                          <p:attrName>style.visibility</p:attrName>
+                                        </p:attrNameLst>
+                                      </p:cBhvr>
+                                      <p:to>
+                                        <p:strVal val="visible"/>
+                                      </p:to>
+                                    </p:set>
+                                  </p:childTnLst>
+                                </p:cTn>
+                              </p:par>
+                            </p:childTnLst>
+                          </p:cTn>
+                        </p:par>
+                      </p:childTnLst>
+                    </p:cTn>
+                  </p:par>
+                </p:childTnLst>
+              </p:cTn>
+              <p:prevCondLst>
+                <p:cond evt="onPrev" delay="0">
+                  <p:tgtEl>
+                    <p:sldTgt/>
+                  </p:tgtEl>
+                </p:cond>
+              </p:prevCondLst>
+              <p:nextCondLst>
+                <p:cond evt="onNext" delay="0">
+                  <p:tgtEl>
+                    <p:sldTgt/>
+                  </p:tgtEl>
+                </p:cond>
+              </p:nextCondLst>
+            </p:seq>
+          </p:childTnLst>
+        </p:cTn>
       </p:par>
     </p:tnLst>
+    <p:bldLst>
+      <p:bldP spid="28" grpId="0"/>
+      <p:bldP spid="43" grpId="0" animBg="1"/>
+    </p:bldLst>
   </p:timing>
 </p:sld>
 </file>
@@ -4533,14 +7444,14 @@
             <a:noFill/>
           </a:ln>
           <a:extLst>
-            <a:ext uri="{909E8E84-426E-40DD-AFC4-6F175D3DCCD1}">
+            <a:ext uri="{909E8E84-426E-40dd-AFC4-6F175D3DCCD1}">
               <a14:hiddenFill xmlns:a14="http://schemas.microsoft.com/office/drawing/2010/main">
                 <a:solidFill>
                   <a:schemeClr val="accent1"/>
                 </a:solidFill>
               </a14:hiddenFill>
             </a:ext>
-            <a:ext uri="{91240B29-F687-4F45-9708-019B960494DF}">
+            <a:ext uri="{91240B29-F687-4f45-9708-019B960494DF}">
               <a14:hiddenLine xmlns:a14="http://schemas.microsoft.com/office/drawing/2010/main" w="9525">
                 <a:solidFill>
                   <a:schemeClr val="tx1"/>
@@ -4587,14 +7498,14 @@
             <a:noFill/>
           </a:ln>
           <a:extLst>
-            <a:ext uri="{909E8E84-426E-40DD-AFC4-6F175D3DCCD1}">
+            <a:ext uri="{909E8E84-426E-40dd-AFC4-6F175D3DCCD1}">
               <a14:hiddenFill xmlns:a14="http://schemas.microsoft.com/office/drawing/2010/main">
                 <a:solidFill>
                   <a:schemeClr val="accent1"/>
                 </a:solidFill>
               </a14:hiddenFill>
             </a:ext>
-            <a:ext uri="{91240B29-F687-4F45-9708-019B960494DF}">
+            <a:ext uri="{91240B29-F687-4f45-9708-019B960494DF}">
               <a14:hiddenLine xmlns:a14="http://schemas.microsoft.com/office/drawing/2010/main" w="9525">
                 <a:solidFill>
                   <a:schemeClr val="tx1"/>
@@ -4641,14 +7552,14 @@
             <a:noFill/>
           </a:ln>
           <a:extLst>
-            <a:ext uri="{909E8E84-426E-40DD-AFC4-6F175D3DCCD1}">
+            <a:ext uri="{909E8E84-426E-40dd-AFC4-6F175D3DCCD1}">
               <a14:hiddenFill xmlns:a14="http://schemas.microsoft.com/office/drawing/2010/main">
                 <a:solidFill>
                   <a:schemeClr val="accent1"/>
                 </a:solidFill>
               </a14:hiddenFill>
             </a:ext>
-            <a:ext uri="{91240B29-F687-4F45-9708-019B960494DF}">
+            <a:ext uri="{91240B29-F687-4f45-9708-019B960494DF}">
               <a14:hiddenLine xmlns:a14="http://schemas.microsoft.com/office/drawing/2010/main" w="9525">
                 <a:solidFill>
                   <a:schemeClr val="tx1"/>
@@ -4695,14 +7606,14 @@
             <a:noFill/>
           </a:ln>
           <a:extLst>
-            <a:ext uri="{909E8E84-426E-40DD-AFC4-6F175D3DCCD1}">
+            <a:ext uri="{909E8E84-426E-40dd-AFC4-6F175D3DCCD1}">
               <a14:hiddenFill xmlns:a14="http://schemas.microsoft.com/office/drawing/2010/main">
                 <a:solidFill>
                   <a:schemeClr val="accent1"/>
                 </a:solidFill>
               </a14:hiddenFill>
             </a:ext>
-            <a:ext uri="{91240B29-F687-4F45-9708-019B960494DF}">
+            <a:ext uri="{91240B29-F687-4f45-9708-019B960494DF}">
               <a14:hiddenLine xmlns:a14="http://schemas.microsoft.com/office/drawing/2010/main" w="9525">
                 <a:solidFill>
                   <a:schemeClr val="tx1"/>
@@ -4749,14 +7660,14 @@
             <a:noFill/>
           </a:ln>
           <a:extLst>
-            <a:ext uri="{909E8E84-426E-40DD-AFC4-6F175D3DCCD1}">
+            <a:ext uri="{909E8E84-426E-40dd-AFC4-6F175D3DCCD1}">
               <a14:hiddenFill xmlns:a14="http://schemas.microsoft.com/office/drawing/2010/main">
                 <a:solidFill>
                   <a:schemeClr val="accent1"/>
                 </a:solidFill>
               </a14:hiddenFill>
             </a:ext>
-            <a:ext uri="{91240B29-F687-4F45-9708-019B960494DF}">
+            <a:ext uri="{91240B29-F687-4f45-9708-019B960494DF}">
               <a14:hiddenLine xmlns:a14="http://schemas.microsoft.com/office/drawing/2010/main" w="9525">
                 <a:solidFill>
                   <a:schemeClr val="tx1"/>
@@ -4782,7 +7693,7 @@
   <p:timing>
     <p:tnLst>
       <p:par>
-        <p:cTn id="1" dur="indefinite" restart="never" nodeType="tmRoot">
+        <p:cTn xmlns:p14="http://schemas.microsoft.com/office/powerpoint/2010/main" id="1" dur="indefinite" restart="never" nodeType="tmRoot">
           <p:childTnLst>
             <p:seq concurrent="1" nextAc="seek">
               <p:cTn id="2" dur="indefinite" nodeType="mainSeq">
@@ -5173,6 +8084,2392 @@
 </p:sld>
 </file>
 
+<file path=ppt/slides/slide20.xml><?xml version="1.0" encoding="utf-8"?>
+<p:sld xmlns:a="http://schemas.openxmlformats.org/drawingml/2006/main" xmlns:r="http://schemas.openxmlformats.org/officeDocument/2006/relationships" xmlns:p="http://schemas.openxmlformats.org/presentationml/2006/main">
+  <p:cSld>
+    <p:spTree>
+      <p:nvGrpSpPr>
+        <p:cNvPr id="1" name=""/>
+        <p:cNvGrpSpPr/>
+        <p:nvPr/>
+      </p:nvGrpSpPr>
+      <p:grpSpPr>
+        <a:xfrm>
+          <a:off x="0" y="0"/>
+          <a:ext cx="0" cy="0"/>
+          <a:chOff x="0" y="0"/>
+          <a:chExt cx="0" cy="0"/>
+        </a:xfrm>
+      </p:grpSpPr>
+      <p:sp>
+        <p:nvSpPr>
+          <p:cNvPr id="2" name="Title 1"/>
+          <p:cNvSpPr>
+            <a:spLocks noGrp="1"/>
+          </p:cNvSpPr>
+          <p:nvPr>
+            <p:ph type="title"/>
+          </p:nvPr>
+        </p:nvSpPr>
+        <p:spPr/>
+        <p:txBody>
+          <a:bodyPr/>
+          <a:lstStyle/>
+          <a:p>
+            <a:r>
+              <a:rPr lang="en-US" dirty="0" smtClean="0"/>
+              <a:t>Late submission has low impact</a:t>
+            </a:r>
+            <a:endParaRPr lang="en-US" dirty="0"/>
+          </a:p>
+        </p:txBody>
+      </p:sp>
+      <p:sp>
+        <p:nvSpPr>
+          <p:cNvPr id="4" name="Date Placeholder 3"/>
+          <p:cNvSpPr>
+            <a:spLocks noGrp="1"/>
+          </p:cNvSpPr>
+          <p:nvPr>
+            <p:ph type="dt" sz="half" idx="10"/>
+          </p:nvPr>
+        </p:nvSpPr>
+        <p:spPr/>
+        <p:txBody>
+          <a:bodyPr/>
+          <a:lstStyle/>
+          <a:p>
+            <a:fld id="{67982E54-CFC6-46DC-BEF3-B3681CD4B600}" type="datetime3">
+              <a:rPr lang="en-US" smtClean="0"/>
+              <a:t>3 November 2014</a:t>
+            </a:fld>
+            <a:endParaRPr lang="en-US"/>
+          </a:p>
+        </p:txBody>
+      </p:sp>
+      <p:sp>
+        <p:nvSpPr>
+          <p:cNvPr id="5" name="Footer Placeholder 4"/>
+          <p:cNvSpPr>
+            <a:spLocks noGrp="1"/>
+          </p:cNvSpPr>
+          <p:nvPr>
+            <p:ph type="ftr" sz="quarter" idx="11"/>
+          </p:nvPr>
+        </p:nvSpPr>
+        <p:spPr/>
+        <p:txBody>
+          <a:bodyPr/>
+          <a:lstStyle/>
+          <a:p>
+            <a:r>
+              <a:rPr lang="en-US" smtClean="0"/>
+              <a:t>CS 5228 - Knowledge Discovery &amp; Data Mining</a:t>
+            </a:r>
+            <a:endParaRPr lang="en-US"/>
+          </a:p>
+        </p:txBody>
+      </p:sp>
+      <p:sp>
+        <p:nvSpPr>
+          <p:cNvPr id="6" name="Slide Number Placeholder 5"/>
+          <p:cNvSpPr>
+            <a:spLocks noGrp="1"/>
+          </p:cNvSpPr>
+          <p:nvPr>
+            <p:ph type="sldNum" sz="quarter" idx="12"/>
+          </p:nvPr>
+        </p:nvSpPr>
+        <p:spPr/>
+        <p:txBody>
+          <a:bodyPr/>
+          <a:lstStyle/>
+          <a:p>
+            <a:fld id="{B6F15528-21DE-4FAA-801E-634DDDAF4B2B}" type="slidenum">
+              <a:rPr lang="en-US" smtClean="0"/>
+              <a:pPr/>
+              <a:t>20</a:t>
+            </a:fld>
+            <a:endParaRPr lang="en-US"/>
+          </a:p>
+        </p:txBody>
+      </p:sp>
+      <p:cxnSp>
+        <p:nvCxnSpPr>
+          <p:cNvPr id="8" name="Straight Arrow Connector 7"/>
+          <p:cNvCxnSpPr/>
+          <p:nvPr/>
+        </p:nvCxnSpPr>
+        <p:spPr>
+          <a:xfrm>
+            <a:off x="990600" y="3659909"/>
+            <a:ext cx="7391400" cy="74661"/>
+          </a:xfrm>
+          <a:prstGeom prst="straightConnector1">
+            <a:avLst/>
+          </a:prstGeom>
+          <a:ln w="76200" cmpd="sng">
+            <a:tailEnd type="arrow"/>
+          </a:ln>
+        </p:spPr>
+        <p:style>
+          <a:lnRef idx="2">
+            <a:schemeClr val="accent1"/>
+          </a:lnRef>
+          <a:fillRef idx="0">
+            <a:schemeClr val="accent1"/>
+          </a:fillRef>
+          <a:effectRef idx="1">
+            <a:schemeClr val="accent1"/>
+          </a:effectRef>
+          <a:fontRef idx="minor">
+            <a:schemeClr val="tx1"/>
+          </a:fontRef>
+        </p:style>
+      </p:cxnSp>
+      <p:cxnSp>
+        <p:nvCxnSpPr>
+          <p:cNvPr id="11" name="Straight Arrow Connector 10"/>
+          <p:cNvCxnSpPr/>
+          <p:nvPr/>
+        </p:nvCxnSpPr>
+        <p:spPr>
+          <a:xfrm>
+            <a:off x="1600200" y="2590800"/>
+            <a:ext cx="0" cy="914400"/>
+          </a:xfrm>
+          <a:prstGeom prst="straightConnector1">
+            <a:avLst/>
+          </a:prstGeom>
+          <a:ln>
+            <a:tailEnd type="arrow"/>
+          </a:ln>
+        </p:spPr>
+        <p:style>
+          <a:lnRef idx="2">
+            <a:schemeClr val="accent1"/>
+          </a:lnRef>
+          <a:fillRef idx="0">
+            <a:schemeClr val="accent1"/>
+          </a:fillRef>
+          <a:effectRef idx="1">
+            <a:schemeClr val="accent1"/>
+          </a:effectRef>
+          <a:fontRef idx="minor">
+            <a:schemeClr val="tx1"/>
+          </a:fontRef>
+        </p:style>
+      </p:cxnSp>
+      <p:cxnSp>
+        <p:nvCxnSpPr>
+          <p:cNvPr id="12" name="Straight Arrow Connector 11"/>
+          <p:cNvCxnSpPr/>
+          <p:nvPr/>
+        </p:nvCxnSpPr>
+        <p:spPr>
+          <a:xfrm>
+            <a:off x="4114800" y="2590800"/>
+            <a:ext cx="0" cy="914400"/>
+          </a:xfrm>
+          <a:prstGeom prst="straightConnector1">
+            <a:avLst/>
+          </a:prstGeom>
+          <a:ln>
+            <a:tailEnd type="arrow"/>
+          </a:ln>
+        </p:spPr>
+        <p:style>
+          <a:lnRef idx="2">
+            <a:schemeClr val="accent1"/>
+          </a:lnRef>
+          <a:fillRef idx="0">
+            <a:schemeClr val="accent1"/>
+          </a:fillRef>
+          <a:effectRef idx="1">
+            <a:schemeClr val="accent1"/>
+          </a:effectRef>
+          <a:fontRef idx="minor">
+            <a:schemeClr val="tx1"/>
+          </a:fontRef>
+        </p:style>
+      </p:cxnSp>
+      <p:cxnSp>
+        <p:nvCxnSpPr>
+          <p:cNvPr id="13" name="Straight Arrow Connector 12"/>
+          <p:cNvCxnSpPr/>
+          <p:nvPr/>
+        </p:nvCxnSpPr>
+        <p:spPr>
+          <a:xfrm>
+            <a:off x="6553200" y="2590800"/>
+            <a:ext cx="0" cy="914400"/>
+          </a:xfrm>
+          <a:prstGeom prst="straightConnector1">
+            <a:avLst/>
+          </a:prstGeom>
+          <a:ln>
+            <a:tailEnd type="arrow"/>
+          </a:ln>
+        </p:spPr>
+        <p:style>
+          <a:lnRef idx="2">
+            <a:schemeClr val="accent1"/>
+          </a:lnRef>
+          <a:fillRef idx="0">
+            <a:schemeClr val="accent1"/>
+          </a:fillRef>
+          <a:effectRef idx="1">
+            <a:schemeClr val="accent1"/>
+          </a:effectRef>
+          <a:fontRef idx="minor">
+            <a:schemeClr val="tx1"/>
+          </a:fontRef>
+        </p:style>
+      </p:cxnSp>
+      <p:cxnSp>
+        <p:nvCxnSpPr>
+          <p:cNvPr id="14" name="Straight Arrow Connector 13"/>
+          <p:cNvCxnSpPr/>
+          <p:nvPr/>
+        </p:nvCxnSpPr>
+        <p:spPr>
+          <a:xfrm>
+            <a:off x="7391400" y="2590800"/>
+            <a:ext cx="0" cy="914400"/>
+          </a:xfrm>
+          <a:prstGeom prst="straightConnector1">
+            <a:avLst/>
+          </a:prstGeom>
+          <a:ln>
+            <a:tailEnd type="arrow"/>
+          </a:ln>
+        </p:spPr>
+        <p:style>
+          <a:lnRef idx="2">
+            <a:schemeClr val="accent1"/>
+          </a:lnRef>
+          <a:fillRef idx="0">
+            <a:schemeClr val="accent1"/>
+          </a:fillRef>
+          <a:effectRef idx="1">
+            <a:schemeClr val="accent1"/>
+          </a:effectRef>
+          <a:fontRef idx="minor">
+            <a:schemeClr val="tx1"/>
+          </a:fontRef>
+        </p:style>
+      </p:cxnSp>
+      <p:cxnSp>
+        <p:nvCxnSpPr>
+          <p:cNvPr id="15" name="Straight Arrow Connector 14"/>
+          <p:cNvCxnSpPr/>
+          <p:nvPr/>
+        </p:nvCxnSpPr>
+        <p:spPr>
+          <a:xfrm>
+            <a:off x="7772400" y="2590800"/>
+            <a:ext cx="0" cy="914400"/>
+          </a:xfrm>
+          <a:prstGeom prst="straightConnector1">
+            <a:avLst/>
+          </a:prstGeom>
+          <a:ln>
+            <a:tailEnd type="arrow"/>
+          </a:ln>
+        </p:spPr>
+        <p:style>
+          <a:lnRef idx="2">
+            <a:schemeClr val="accent1"/>
+          </a:lnRef>
+          <a:fillRef idx="0">
+            <a:schemeClr val="accent1"/>
+          </a:fillRef>
+          <a:effectRef idx="1">
+            <a:schemeClr val="accent1"/>
+          </a:effectRef>
+          <a:fontRef idx="minor">
+            <a:schemeClr val="tx1"/>
+          </a:fontRef>
+        </p:style>
+      </p:cxnSp>
+      <p:sp>
+        <p:nvSpPr>
+          <p:cNvPr id="16" name="TextBox 15"/>
+          <p:cNvSpPr txBox="1"/>
+          <p:nvPr/>
+        </p:nvSpPr>
+        <p:spPr>
+          <a:xfrm>
+            <a:off x="1295400" y="2209800"/>
+            <a:ext cx="652643" cy="369332"/>
+          </a:xfrm>
+          <a:prstGeom prst="rect">
+            <a:avLst/>
+          </a:prstGeom>
+          <a:noFill/>
+        </p:spPr>
+        <p:txBody>
+          <a:bodyPr wrap="none" rtlCol="0">
+            <a:spAutoFit/>
+          </a:bodyPr>
+          <a:lstStyle/>
+          <a:p>
+            <a:r>
+              <a:rPr lang="en-US" dirty="0" smtClean="0"/>
+              <a:t>2012</a:t>
+            </a:r>
+            <a:endParaRPr lang="en-US" dirty="0"/>
+          </a:p>
+        </p:txBody>
+      </p:sp>
+      <p:sp>
+        <p:nvSpPr>
+          <p:cNvPr id="17" name="TextBox 16"/>
+          <p:cNvSpPr txBox="1"/>
+          <p:nvPr/>
+        </p:nvSpPr>
+        <p:spPr>
+          <a:xfrm>
+            <a:off x="3810000" y="2209800"/>
+            <a:ext cx="652643" cy="369332"/>
+          </a:xfrm>
+          <a:prstGeom prst="rect">
+            <a:avLst/>
+          </a:prstGeom>
+          <a:noFill/>
+        </p:spPr>
+        <p:txBody>
+          <a:bodyPr wrap="none" rtlCol="0">
+            <a:spAutoFit/>
+          </a:bodyPr>
+          <a:lstStyle/>
+          <a:p>
+            <a:r>
+              <a:rPr lang="en-US" dirty="0" smtClean="0"/>
+              <a:t>2013</a:t>
+            </a:r>
+            <a:endParaRPr lang="en-US" dirty="0"/>
+          </a:p>
+        </p:txBody>
+      </p:sp>
+      <p:sp>
+        <p:nvSpPr>
+          <p:cNvPr id="18" name="TextBox 17"/>
+          <p:cNvSpPr txBox="1"/>
+          <p:nvPr/>
+        </p:nvSpPr>
+        <p:spPr>
+          <a:xfrm>
+            <a:off x="6248400" y="2209800"/>
+            <a:ext cx="652643" cy="369332"/>
+          </a:xfrm>
+          <a:prstGeom prst="rect">
+            <a:avLst/>
+          </a:prstGeom>
+          <a:noFill/>
+        </p:spPr>
+        <p:txBody>
+          <a:bodyPr wrap="none" rtlCol="0">
+            <a:spAutoFit/>
+          </a:bodyPr>
+          <a:lstStyle/>
+          <a:p>
+            <a:r>
+              <a:rPr lang="en-US" dirty="0" smtClean="0"/>
+              <a:t>2014</a:t>
+            </a:r>
+            <a:endParaRPr lang="en-US" dirty="0"/>
+          </a:p>
+        </p:txBody>
+      </p:sp>
+      <p:sp>
+        <p:nvSpPr>
+          <p:cNvPr id="19" name="TextBox 18"/>
+          <p:cNvSpPr txBox="1"/>
+          <p:nvPr/>
+        </p:nvSpPr>
+        <p:spPr>
+          <a:xfrm>
+            <a:off x="7043557" y="2221468"/>
+            <a:ext cx="1403412" cy="369332"/>
+          </a:xfrm>
+          <a:prstGeom prst="rect">
+            <a:avLst/>
+          </a:prstGeom>
+          <a:noFill/>
+        </p:spPr>
+        <p:txBody>
+          <a:bodyPr wrap="none" rtlCol="0">
+            <a:spAutoFit/>
+          </a:bodyPr>
+          <a:lstStyle/>
+          <a:p>
+            <a:r>
+              <a:rPr lang="en-US" dirty="0" smtClean="0"/>
+              <a:t>12 May 2014</a:t>
+            </a:r>
+            <a:endParaRPr lang="en-US" dirty="0"/>
+          </a:p>
+        </p:txBody>
+      </p:sp>
+      <p:sp>
+        <p:nvSpPr>
+          <p:cNvPr id="20" name="TextBox 19"/>
+          <p:cNvSpPr txBox="1"/>
+          <p:nvPr/>
+        </p:nvSpPr>
+        <p:spPr>
+          <a:xfrm>
+            <a:off x="7162800" y="1828800"/>
+            <a:ext cx="1403412" cy="369332"/>
+          </a:xfrm>
+          <a:prstGeom prst="rect">
+            <a:avLst/>
+          </a:prstGeom>
+          <a:noFill/>
+        </p:spPr>
+        <p:txBody>
+          <a:bodyPr wrap="none" rtlCol="0">
+            <a:spAutoFit/>
+          </a:bodyPr>
+          <a:lstStyle/>
+          <a:p>
+            <a:r>
+              <a:rPr lang="en-US" dirty="0" smtClean="0"/>
+              <a:t>15 May 2014</a:t>
+            </a:r>
+            <a:endParaRPr lang="en-US" dirty="0"/>
+          </a:p>
+        </p:txBody>
+      </p:sp>
+      <p:cxnSp>
+        <p:nvCxnSpPr>
+          <p:cNvPr id="22" name="Straight Arrow Connector 21"/>
+          <p:cNvCxnSpPr/>
+          <p:nvPr/>
+        </p:nvCxnSpPr>
+        <p:spPr>
+          <a:xfrm>
+            <a:off x="1600200" y="4191000"/>
+            <a:ext cx="6248400" cy="0"/>
+          </a:xfrm>
+          <a:prstGeom prst="straightConnector1">
+            <a:avLst/>
+          </a:prstGeom>
+          <a:ln>
+            <a:headEnd type="arrow"/>
+            <a:tailEnd type="arrow"/>
+          </a:ln>
+        </p:spPr>
+        <p:style>
+          <a:lnRef idx="2">
+            <a:schemeClr val="accent1"/>
+          </a:lnRef>
+          <a:fillRef idx="0">
+            <a:schemeClr val="accent1"/>
+          </a:fillRef>
+          <a:effectRef idx="1">
+            <a:schemeClr val="accent1"/>
+          </a:effectRef>
+          <a:fontRef idx="minor">
+            <a:schemeClr val="tx1"/>
+          </a:fontRef>
+        </p:style>
+      </p:cxnSp>
+      <p:cxnSp>
+        <p:nvCxnSpPr>
+          <p:cNvPr id="24" name="Straight Arrow Connector 23"/>
+          <p:cNvCxnSpPr/>
+          <p:nvPr/>
+        </p:nvCxnSpPr>
+        <p:spPr>
+          <a:xfrm>
+            <a:off x="7391400" y="4648200"/>
+            <a:ext cx="457200" cy="0"/>
+          </a:xfrm>
+          <a:prstGeom prst="straightConnector1">
+            <a:avLst/>
+          </a:prstGeom>
+          <a:ln>
+            <a:headEnd type="arrow"/>
+            <a:tailEnd type="arrow"/>
+          </a:ln>
+        </p:spPr>
+        <p:style>
+          <a:lnRef idx="2">
+            <a:schemeClr val="accent1"/>
+          </a:lnRef>
+          <a:fillRef idx="0">
+            <a:schemeClr val="accent1"/>
+          </a:fillRef>
+          <a:effectRef idx="1">
+            <a:schemeClr val="accent1"/>
+          </a:effectRef>
+          <a:fontRef idx="minor">
+            <a:schemeClr val="tx1"/>
+          </a:fontRef>
+        </p:style>
+      </p:cxnSp>
+      <p:sp>
+        <p:nvSpPr>
+          <p:cNvPr id="26" name="TextBox 25"/>
+          <p:cNvSpPr txBox="1"/>
+          <p:nvPr/>
+        </p:nvSpPr>
+        <p:spPr>
+          <a:xfrm>
+            <a:off x="1981200" y="5257800"/>
+            <a:ext cx="5053011" cy="523220"/>
+          </a:xfrm>
+          <a:prstGeom prst="rect">
+            <a:avLst/>
+          </a:prstGeom>
+          <a:noFill/>
+        </p:spPr>
+        <p:txBody>
+          <a:bodyPr wrap="none" rtlCol="0">
+            <a:spAutoFit/>
+          </a:bodyPr>
+          <a:lstStyle/>
+          <a:p>
+            <a:r>
+              <a:rPr lang="en-US" sz="2800" dirty="0" smtClean="0"/>
+              <a:t>Based on clue from </a:t>
+            </a:r>
+            <a:r>
+              <a:rPr lang="en-US" sz="2800" dirty="0" err="1" smtClean="0"/>
+              <a:t>Kaggle</a:t>
+            </a:r>
+            <a:r>
+              <a:rPr lang="en-US" sz="2800" dirty="0" smtClean="0"/>
+              <a:t> forum</a:t>
+            </a:r>
+            <a:endParaRPr lang="en-US" sz="2800" dirty="0"/>
+          </a:p>
+        </p:txBody>
+      </p:sp>
+    </p:spTree>
+    <p:extLst>
+      <p:ext uri="{BB962C8B-B14F-4D97-AF65-F5344CB8AC3E}">
+        <p14:creationId xmlns:p14="http://schemas.microsoft.com/office/powerpoint/2010/main" val="4019537156"/>
+      </p:ext>
+    </p:extLst>
+  </p:cSld>
+  <p:clrMapOvr>
+    <a:masterClrMapping/>
+  </p:clrMapOvr>
+  <p:timing>
+    <p:tnLst>
+      <p:par>
+        <p:cTn xmlns:p14="http://schemas.microsoft.com/office/powerpoint/2010/main" id="1" dur="indefinite" restart="never" nodeType="tmRoot"/>
+      </p:par>
+    </p:tnLst>
+  </p:timing>
+</p:sld>
+</file>
+
+<file path=ppt/slides/slide21.xml><?xml version="1.0" encoding="utf-8"?>
+<p:sld xmlns:a="http://schemas.openxmlformats.org/drawingml/2006/main" xmlns:r="http://schemas.openxmlformats.org/officeDocument/2006/relationships" xmlns:p="http://schemas.openxmlformats.org/presentationml/2006/main">
+  <p:cSld>
+    <p:spTree>
+      <p:nvGrpSpPr>
+        <p:cNvPr id="1" name=""/>
+        <p:cNvGrpSpPr/>
+        <p:nvPr/>
+      </p:nvGrpSpPr>
+      <p:grpSpPr>
+        <a:xfrm>
+          <a:off x="0" y="0"/>
+          <a:ext cx="0" cy="0"/>
+          <a:chOff x="0" y="0"/>
+          <a:chExt cx="0" cy="0"/>
+        </a:xfrm>
+      </p:grpSpPr>
+      <p:sp>
+        <p:nvSpPr>
+          <p:cNvPr id="2" name="Title 1"/>
+          <p:cNvSpPr>
+            <a:spLocks noGrp="1"/>
+          </p:cNvSpPr>
+          <p:nvPr>
+            <p:ph type="title"/>
+          </p:nvPr>
+        </p:nvSpPr>
+        <p:spPr/>
+        <p:txBody>
+          <a:bodyPr/>
+          <a:lstStyle/>
+          <a:p>
+            <a:endParaRPr lang="en-US" dirty="0"/>
+          </a:p>
+        </p:txBody>
+      </p:sp>
+      <p:pic>
+        <p:nvPicPr>
+          <p:cNvPr id="7" name="Content Placeholder 6" descr="discount.png"/>
+          <p:cNvPicPr>
+            <a:picLocks noGrp="1" noChangeAspect="1"/>
+          </p:cNvPicPr>
+          <p:nvPr>
+            <p:ph idx="1"/>
+          </p:nvPr>
+        </p:nvPicPr>
+        <p:blipFill>
+          <a:blip r:embed="rId2">
+            <a:extLst>
+              <a:ext uri="{28A0092B-C50C-407E-A947-70E740481C1C}">
+                <a14:useLocalDpi xmlns:a14="http://schemas.microsoft.com/office/drawing/2010/main" val="0"/>
+              </a:ext>
+            </a:extLst>
+          </a:blip>
+          <a:srcRect t="-39675" b="-39675"/>
+          <a:stretch>
+            <a:fillRect/>
+          </a:stretch>
+        </p:blipFill>
+        <p:spPr/>
+      </p:pic>
+      <p:sp>
+        <p:nvSpPr>
+          <p:cNvPr id="4" name="Date Placeholder 3"/>
+          <p:cNvSpPr>
+            <a:spLocks noGrp="1"/>
+          </p:cNvSpPr>
+          <p:nvPr>
+            <p:ph type="dt" sz="half" idx="10"/>
+          </p:nvPr>
+        </p:nvSpPr>
+        <p:spPr/>
+        <p:txBody>
+          <a:bodyPr/>
+          <a:lstStyle/>
+          <a:p>
+            <a:fld id="{67982E54-CFC6-46DC-BEF3-B3681CD4B600}" type="datetime3">
+              <a:rPr lang="en-US" smtClean="0"/>
+              <a:t>3 November 2014</a:t>
+            </a:fld>
+            <a:endParaRPr lang="en-US"/>
+          </a:p>
+        </p:txBody>
+      </p:sp>
+      <p:sp>
+        <p:nvSpPr>
+          <p:cNvPr id="5" name="Footer Placeholder 4"/>
+          <p:cNvSpPr>
+            <a:spLocks noGrp="1"/>
+          </p:cNvSpPr>
+          <p:nvPr>
+            <p:ph type="ftr" sz="quarter" idx="11"/>
+          </p:nvPr>
+        </p:nvSpPr>
+        <p:spPr/>
+        <p:txBody>
+          <a:bodyPr/>
+          <a:lstStyle/>
+          <a:p>
+            <a:r>
+              <a:rPr lang="en-US" smtClean="0"/>
+              <a:t>CS 5228 - Knowledge Discovery &amp; Data Mining</a:t>
+            </a:r>
+            <a:endParaRPr lang="en-US"/>
+          </a:p>
+        </p:txBody>
+      </p:sp>
+      <p:sp>
+        <p:nvSpPr>
+          <p:cNvPr id="6" name="Slide Number Placeholder 5"/>
+          <p:cNvSpPr>
+            <a:spLocks noGrp="1"/>
+          </p:cNvSpPr>
+          <p:nvPr>
+            <p:ph type="sldNum" sz="quarter" idx="12"/>
+          </p:nvPr>
+        </p:nvSpPr>
+        <p:spPr/>
+        <p:txBody>
+          <a:bodyPr/>
+          <a:lstStyle/>
+          <a:p>
+            <a:fld id="{B6F15528-21DE-4FAA-801E-634DDDAF4B2B}" type="slidenum">
+              <a:rPr lang="en-US" smtClean="0"/>
+              <a:pPr/>
+              <a:t>21</a:t>
+            </a:fld>
+            <a:endParaRPr lang="en-US"/>
+          </a:p>
+        </p:txBody>
+      </p:sp>
+    </p:spTree>
+    <p:extLst>
+      <p:ext uri="{BB962C8B-B14F-4D97-AF65-F5344CB8AC3E}">
+        <p14:creationId xmlns:p14="http://schemas.microsoft.com/office/powerpoint/2010/main" val="2548220371"/>
+      </p:ext>
+    </p:extLst>
+  </p:cSld>
+  <p:clrMapOvr>
+    <a:masterClrMapping/>
+  </p:clrMapOvr>
+  <p:timing>
+    <p:tnLst>
+      <p:par>
+        <p:cTn xmlns:p14="http://schemas.microsoft.com/office/powerpoint/2010/main" id="1" dur="indefinite" restart="never" nodeType="tmRoot"/>
+      </p:par>
+    </p:tnLst>
+  </p:timing>
+</p:sld>
+</file>
+
+<file path=ppt/slides/slide22.xml><?xml version="1.0" encoding="utf-8"?>
+<p:sld xmlns:a="http://schemas.openxmlformats.org/drawingml/2006/main" xmlns:r="http://schemas.openxmlformats.org/officeDocument/2006/relationships" xmlns:p="http://schemas.openxmlformats.org/presentationml/2006/main">
+  <p:cSld>
+    <p:spTree>
+      <p:nvGrpSpPr>
+        <p:cNvPr id="1" name=""/>
+        <p:cNvGrpSpPr/>
+        <p:nvPr/>
+      </p:nvGrpSpPr>
+      <p:grpSpPr>
+        <a:xfrm>
+          <a:off x="0" y="0"/>
+          <a:ext cx="0" cy="0"/>
+          <a:chOff x="0" y="0"/>
+          <a:chExt cx="0" cy="0"/>
+        </a:xfrm>
+      </p:grpSpPr>
+      <p:sp>
+        <p:nvSpPr>
+          <p:cNvPr id="2" name="Title 1"/>
+          <p:cNvSpPr>
+            <a:spLocks noGrp="1"/>
+          </p:cNvSpPr>
+          <p:nvPr>
+            <p:ph type="title"/>
+          </p:nvPr>
+        </p:nvSpPr>
+        <p:spPr/>
+        <p:txBody>
+          <a:bodyPr/>
+          <a:lstStyle/>
+          <a:p>
+            <a:endParaRPr lang="en-US" dirty="0"/>
+          </a:p>
+        </p:txBody>
+      </p:sp>
+      <p:graphicFrame>
+        <p:nvGraphicFramePr>
+          <p:cNvPr id="7" name="Content Placeholder 6"/>
+          <p:cNvGraphicFramePr>
+            <a:graphicFrameLocks noGrp="1"/>
+          </p:cNvGraphicFramePr>
+          <p:nvPr>
+            <p:ph idx="1"/>
+            <p:extLst>
+              <p:ext uri="{D42A27DB-BD31-4B8C-83A1-F6EECF244321}">
+                <p14:modId xmlns:p14="http://schemas.microsoft.com/office/powerpoint/2010/main" val="3643233867"/>
+              </p:ext>
+            </p:extLst>
+          </p:nvPr>
+        </p:nvGraphicFramePr>
+        <p:xfrm>
+          <a:off x="457200" y="2042161"/>
+          <a:ext cx="8229600" cy="3520439"/>
+        </p:xfrm>
+        <a:graphic>
+          <a:graphicData uri="http://schemas.openxmlformats.org/drawingml/2006/table">
+            <a:tbl>
+              <a:tblPr firstRow="1" bandRow="1">
+                <a:tableStyleId>{5940675A-B579-460E-94D1-54222C63F5DA}</a:tableStyleId>
+              </a:tblPr>
+              <a:tblGrid>
+                <a:gridCol w="2743200"/>
+                <a:gridCol w="2743200"/>
+                <a:gridCol w="2743200"/>
+              </a:tblGrid>
+              <a:tr h="812800">
+                <a:tc>
+                  <a:txBody>
+                    <a:bodyPr/>
+                    <a:lstStyle/>
+                    <a:p>
+                      <a:pPr>
+                        <a:lnSpc>
+                          <a:spcPct val="115000"/>
+                        </a:lnSpc>
+                        <a:spcAft>
+                          <a:spcPts val="0"/>
+                        </a:spcAft>
+                      </a:pPr>
+                      <a:r>
+                        <a:rPr lang="en-US" sz="2800" dirty="0">
+                          <a:effectLst/>
+                        </a:rPr>
+                        <a:t>Test Data Type</a:t>
+                      </a:r>
+                      <a:endParaRPr lang="en-US" sz="2800" dirty="0">
+                        <a:solidFill>
+                          <a:srgbClr val="000000"/>
+                        </a:solidFill>
+                        <a:effectLst/>
+                        <a:latin typeface="Arial"/>
+                        <a:ea typeface="Arial"/>
+                      </a:endParaRPr>
+                    </a:p>
+                  </a:txBody>
+                  <a:tcPr marL="63500" marR="63500" marT="63500" marB="63500"/>
+                </a:tc>
+                <a:tc>
+                  <a:txBody>
+                    <a:bodyPr/>
+                    <a:lstStyle/>
+                    <a:p>
+                      <a:pPr>
+                        <a:lnSpc>
+                          <a:spcPct val="115000"/>
+                        </a:lnSpc>
+                        <a:spcAft>
+                          <a:spcPts val="0"/>
+                        </a:spcAft>
+                      </a:pPr>
+                      <a:r>
+                        <a:rPr lang="en-US" sz="2800">
+                          <a:effectLst/>
+                        </a:rPr>
+                        <a:t>Kaggle Public Leaderboard Score</a:t>
+                      </a:r>
+                      <a:endParaRPr lang="en-US" sz="2800">
+                        <a:solidFill>
+                          <a:srgbClr val="000000"/>
+                        </a:solidFill>
+                        <a:effectLst/>
+                        <a:latin typeface="Arial"/>
+                        <a:ea typeface="Arial"/>
+                      </a:endParaRPr>
+                    </a:p>
+                  </a:txBody>
+                  <a:tcPr marL="63500" marR="63500" marT="63500" marB="63500"/>
+                </a:tc>
+                <a:tc>
+                  <a:txBody>
+                    <a:bodyPr/>
+                    <a:lstStyle/>
+                    <a:p>
+                      <a:pPr>
+                        <a:lnSpc>
+                          <a:spcPct val="115000"/>
+                        </a:lnSpc>
+                        <a:spcAft>
+                          <a:spcPts val="0"/>
+                        </a:spcAft>
+                      </a:pPr>
+                      <a:r>
+                        <a:rPr lang="en-US" sz="2800">
+                          <a:effectLst/>
+                        </a:rPr>
+                        <a:t>Kaggle Private Leaderboard Score</a:t>
+                      </a:r>
+                      <a:endParaRPr lang="en-US" sz="2800">
+                        <a:solidFill>
+                          <a:srgbClr val="000000"/>
+                        </a:solidFill>
+                        <a:effectLst/>
+                        <a:latin typeface="Arial"/>
+                        <a:ea typeface="Arial"/>
+                      </a:endParaRPr>
+                    </a:p>
+                  </a:txBody>
+                  <a:tcPr marL="63500" marR="63500" marT="63500" marB="63500"/>
+                </a:tc>
+              </a:tr>
+              <a:tr h="812800">
+                <a:tc>
+                  <a:txBody>
+                    <a:bodyPr/>
+                    <a:lstStyle/>
+                    <a:p>
+                      <a:pPr>
+                        <a:lnSpc>
+                          <a:spcPct val="115000"/>
+                        </a:lnSpc>
+                        <a:spcAft>
+                          <a:spcPts val="0"/>
+                        </a:spcAft>
+                      </a:pPr>
+                      <a:r>
+                        <a:rPr lang="en-US" sz="2800">
+                          <a:effectLst/>
+                        </a:rPr>
+                        <a:t>without discounting</a:t>
+                      </a:r>
+                      <a:endParaRPr lang="en-US" sz="2800">
+                        <a:solidFill>
+                          <a:srgbClr val="000000"/>
+                        </a:solidFill>
+                        <a:effectLst/>
+                        <a:latin typeface="Arial"/>
+                        <a:ea typeface="Arial"/>
+                      </a:endParaRPr>
+                    </a:p>
+                  </a:txBody>
+                  <a:tcPr marL="63500" marR="63500" marT="63500" marB="63500"/>
+                </a:tc>
+                <a:tc>
+                  <a:txBody>
+                    <a:bodyPr/>
+                    <a:lstStyle/>
+                    <a:p>
+                      <a:pPr>
+                        <a:lnSpc>
+                          <a:spcPct val="115000"/>
+                        </a:lnSpc>
+                        <a:spcAft>
+                          <a:spcPts val="0"/>
+                        </a:spcAft>
+                      </a:pPr>
+                      <a:r>
+                        <a:rPr lang="en-US" sz="2800">
+                          <a:effectLst/>
+                          <a:highlight>
+                            <a:srgbClr val="FFFFFF"/>
+                          </a:highlight>
+                        </a:rPr>
+                        <a:t>0.59803</a:t>
+                      </a:r>
+                      <a:endParaRPr lang="en-US" sz="2800">
+                        <a:solidFill>
+                          <a:srgbClr val="000000"/>
+                        </a:solidFill>
+                        <a:effectLst/>
+                        <a:latin typeface="Arial"/>
+                        <a:ea typeface="Arial"/>
+                      </a:endParaRPr>
+                    </a:p>
+                  </a:txBody>
+                  <a:tcPr marL="63500" marR="63500" marT="63500" marB="63500"/>
+                </a:tc>
+                <a:tc>
+                  <a:txBody>
+                    <a:bodyPr/>
+                    <a:lstStyle/>
+                    <a:p>
+                      <a:pPr>
+                        <a:lnSpc>
+                          <a:spcPct val="115000"/>
+                        </a:lnSpc>
+                        <a:spcAft>
+                          <a:spcPts val="0"/>
+                        </a:spcAft>
+                      </a:pPr>
+                      <a:r>
+                        <a:rPr lang="en-US" sz="2800">
+                          <a:effectLst/>
+                          <a:highlight>
+                            <a:srgbClr val="FFFFFF"/>
+                          </a:highlight>
+                        </a:rPr>
+                        <a:t>0.60173</a:t>
+                      </a:r>
+                      <a:endParaRPr lang="en-US" sz="2800">
+                        <a:solidFill>
+                          <a:srgbClr val="000000"/>
+                        </a:solidFill>
+                        <a:effectLst/>
+                        <a:latin typeface="Arial"/>
+                        <a:ea typeface="Arial"/>
+                      </a:endParaRPr>
+                    </a:p>
+                  </a:txBody>
+                  <a:tcPr marL="63500" marR="63500" marT="63500" marB="63500"/>
+                </a:tc>
+              </a:tr>
+              <a:tr h="812800">
+                <a:tc>
+                  <a:txBody>
+                    <a:bodyPr/>
+                    <a:lstStyle/>
+                    <a:p>
+                      <a:pPr>
+                        <a:lnSpc>
+                          <a:spcPct val="115000"/>
+                        </a:lnSpc>
+                        <a:spcAft>
+                          <a:spcPts val="0"/>
+                        </a:spcAft>
+                      </a:pPr>
+                      <a:r>
+                        <a:rPr lang="en-US" sz="2800" dirty="0">
+                          <a:effectLst/>
+                        </a:rPr>
+                        <a:t>with discounting</a:t>
+                      </a:r>
+                      <a:endParaRPr lang="en-US" sz="2800" dirty="0">
+                        <a:solidFill>
+                          <a:srgbClr val="000000"/>
+                        </a:solidFill>
+                        <a:effectLst/>
+                        <a:latin typeface="Arial"/>
+                        <a:ea typeface="Arial"/>
+                      </a:endParaRPr>
+                    </a:p>
+                  </a:txBody>
+                  <a:tcPr marL="63500" marR="63500" marT="63500" marB="63500"/>
+                </a:tc>
+                <a:tc>
+                  <a:txBody>
+                    <a:bodyPr/>
+                    <a:lstStyle/>
+                    <a:p>
+                      <a:pPr>
+                        <a:lnSpc>
+                          <a:spcPct val="115000"/>
+                        </a:lnSpc>
+                        <a:spcAft>
+                          <a:spcPts val="0"/>
+                        </a:spcAft>
+                      </a:pPr>
+                      <a:r>
+                        <a:rPr lang="en-US" sz="2800">
+                          <a:effectLst/>
+                        </a:rPr>
+                        <a:t>0.60818	</a:t>
+                      </a:r>
+                      <a:endParaRPr lang="en-US" sz="2800">
+                        <a:solidFill>
+                          <a:srgbClr val="000000"/>
+                        </a:solidFill>
+                        <a:effectLst/>
+                        <a:latin typeface="Arial"/>
+                        <a:ea typeface="Arial"/>
+                      </a:endParaRPr>
+                    </a:p>
+                  </a:txBody>
+                  <a:tcPr marL="63500" marR="63500" marT="63500" marB="63500"/>
+                </a:tc>
+                <a:tc>
+                  <a:txBody>
+                    <a:bodyPr/>
+                    <a:lstStyle/>
+                    <a:p>
+                      <a:pPr>
+                        <a:lnSpc>
+                          <a:spcPct val="115000"/>
+                        </a:lnSpc>
+                        <a:spcAft>
+                          <a:spcPts val="0"/>
+                        </a:spcAft>
+                      </a:pPr>
+                      <a:r>
+                        <a:rPr lang="en-US" sz="2800" dirty="0">
+                          <a:effectLst/>
+                        </a:rPr>
+                        <a:t>0.65557</a:t>
+                      </a:r>
+                      <a:endParaRPr lang="en-US" sz="2800" dirty="0">
+                        <a:solidFill>
+                          <a:srgbClr val="000000"/>
+                        </a:solidFill>
+                        <a:effectLst/>
+                        <a:latin typeface="Arial"/>
+                        <a:ea typeface="Arial"/>
+                      </a:endParaRPr>
+                    </a:p>
+                  </a:txBody>
+                  <a:tcPr marL="63500" marR="63500" marT="63500" marB="63500"/>
+                </a:tc>
+              </a:tr>
+            </a:tbl>
+          </a:graphicData>
+        </a:graphic>
+      </p:graphicFrame>
+      <p:sp>
+        <p:nvSpPr>
+          <p:cNvPr id="4" name="Date Placeholder 3"/>
+          <p:cNvSpPr>
+            <a:spLocks noGrp="1"/>
+          </p:cNvSpPr>
+          <p:nvPr>
+            <p:ph type="dt" sz="half" idx="10"/>
+          </p:nvPr>
+        </p:nvSpPr>
+        <p:spPr/>
+        <p:txBody>
+          <a:bodyPr/>
+          <a:lstStyle/>
+          <a:p>
+            <a:fld id="{67982E54-CFC6-46DC-BEF3-B3681CD4B600}" type="datetime3">
+              <a:rPr lang="en-US" smtClean="0"/>
+              <a:t>3 November 2014</a:t>
+            </a:fld>
+            <a:endParaRPr lang="en-US"/>
+          </a:p>
+        </p:txBody>
+      </p:sp>
+      <p:sp>
+        <p:nvSpPr>
+          <p:cNvPr id="5" name="Footer Placeholder 4"/>
+          <p:cNvSpPr>
+            <a:spLocks noGrp="1"/>
+          </p:cNvSpPr>
+          <p:nvPr>
+            <p:ph type="ftr" sz="quarter" idx="11"/>
+          </p:nvPr>
+        </p:nvSpPr>
+        <p:spPr/>
+        <p:txBody>
+          <a:bodyPr/>
+          <a:lstStyle/>
+          <a:p>
+            <a:r>
+              <a:rPr lang="en-US" smtClean="0"/>
+              <a:t>CS 5228 - Knowledge Discovery &amp; Data Mining</a:t>
+            </a:r>
+            <a:endParaRPr lang="en-US"/>
+          </a:p>
+        </p:txBody>
+      </p:sp>
+      <p:sp>
+        <p:nvSpPr>
+          <p:cNvPr id="6" name="Slide Number Placeholder 5"/>
+          <p:cNvSpPr>
+            <a:spLocks noGrp="1"/>
+          </p:cNvSpPr>
+          <p:nvPr>
+            <p:ph type="sldNum" sz="quarter" idx="12"/>
+          </p:nvPr>
+        </p:nvSpPr>
+        <p:spPr/>
+        <p:txBody>
+          <a:bodyPr/>
+          <a:lstStyle/>
+          <a:p>
+            <a:fld id="{B6F15528-21DE-4FAA-801E-634DDDAF4B2B}" type="slidenum">
+              <a:rPr lang="en-US" smtClean="0"/>
+              <a:pPr/>
+              <a:t>22</a:t>
+            </a:fld>
+            <a:endParaRPr lang="en-US"/>
+          </a:p>
+        </p:txBody>
+      </p:sp>
+    </p:spTree>
+    <p:extLst>
+      <p:ext uri="{BB962C8B-B14F-4D97-AF65-F5344CB8AC3E}">
+        <p14:creationId xmlns:p14="http://schemas.microsoft.com/office/powerpoint/2010/main" val="1416712265"/>
+      </p:ext>
+    </p:extLst>
+  </p:cSld>
+  <p:clrMapOvr>
+    <a:masterClrMapping/>
+  </p:clrMapOvr>
+  <p:timing>
+    <p:tnLst>
+      <p:par>
+        <p:cTn xmlns:p14="http://schemas.microsoft.com/office/powerpoint/2010/main" id="1" dur="indefinite" restart="never" nodeType="tmRoot"/>
+      </p:par>
+    </p:tnLst>
+  </p:timing>
+</p:sld>
+</file>
+
+<file path=ppt/slides/slide23.xml><?xml version="1.0" encoding="utf-8"?>
+<p:sld xmlns:a="http://schemas.openxmlformats.org/drawingml/2006/main" xmlns:r="http://schemas.openxmlformats.org/officeDocument/2006/relationships" xmlns:p="http://schemas.openxmlformats.org/presentationml/2006/main">
+  <p:cSld>
+    <p:spTree>
+      <p:nvGrpSpPr>
+        <p:cNvPr id="1" name=""/>
+        <p:cNvGrpSpPr/>
+        <p:nvPr/>
+      </p:nvGrpSpPr>
+      <p:grpSpPr>
+        <a:xfrm>
+          <a:off x="0" y="0"/>
+          <a:ext cx="0" cy="0"/>
+          <a:chOff x="0" y="0"/>
+          <a:chExt cx="0" cy="0"/>
+        </a:xfrm>
+      </p:grpSpPr>
+      <p:sp>
+        <p:nvSpPr>
+          <p:cNvPr id="2" name="Title 1"/>
+          <p:cNvSpPr>
+            <a:spLocks noGrp="1"/>
+          </p:cNvSpPr>
+          <p:nvPr>
+            <p:ph type="title"/>
+          </p:nvPr>
+        </p:nvSpPr>
+        <p:spPr/>
+        <p:txBody>
+          <a:bodyPr/>
+          <a:lstStyle/>
+          <a:p>
+            <a:r>
+              <a:rPr lang="en-US" dirty="0" smtClean="0"/>
+              <a:t>Outline</a:t>
+            </a:r>
+            <a:endParaRPr lang="en-US" dirty="0"/>
+          </a:p>
+        </p:txBody>
+      </p:sp>
+      <p:sp>
+        <p:nvSpPr>
+          <p:cNvPr id="3" name="Content Placeholder 2"/>
+          <p:cNvSpPr>
+            <a:spLocks noGrp="1"/>
+          </p:cNvSpPr>
+          <p:nvPr>
+            <p:ph idx="1"/>
+          </p:nvPr>
+        </p:nvSpPr>
+        <p:spPr/>
+        <p:txBody>
+          <a:bodyPr>
+            <a:normAutofit/>
+          </a:bodyPr>
+          <a:lstStyle/>
+          <a:p>
+            <a:r>
+              <a:rPr lang="en-US" sz="3000" dirty="0" smtClean="0">
+                <a:solidFill>
+                  <a:schemeClr val="bg1">
+                    <a:lumMod val="50000"/>
+                  </a:schemeClr>
+                </a:solidFill>
+                <a:latin typeface="Helvetica" panose="020B0604020202020204" pitchFamily="34" charset="0"/>
+                <a:cs typeface="Helvetica" panose="020B0604020202020204" pitchFamily="34" charset="0"/>
+              </a:rPr>
+              <a:t>Problem Statement</a:t>
+            </a:r>
+          </a:p>
+          <a:p>
+            <a:r>
+              <a:rPr lang="en-US" sz="3000" dirty="0" smtClean="0">
+                <a:solidFill>
+                  <a:schemeClr val="bg1">
+                    <a:lumMod val="50000"/>
+                  </a:schemeClr>
+                </a:solidFill>
+                <a:latin typeface="Helvetica" panose="020B0604020202020204" pitchFamily="34" charset="0"/>
+                <a:cs typeface="Helvetica" panose="020B0604020202020204" pitchFamily="34" charset="0"/>
+              </a:rPr>
+              <a:t>Data</a:t>
+            </a:r>
+          </a:p>
+          <a:p>
+            <a:r>
+              <a:rPr lang="en-US" sz="3000" dirty="0" smtClean="0">
+                <a:solidFill>
+                  <a:schemeClr val="bg1">
+                    <a:lumMod val="50000"/>
+                  </a:schemeClr>
+                </a:solidFill>
+                <a:latin typeface="Helvetica" panose="020B0604020202020204" pitchFamily="34" charset="0"/>
+                <a:cs typeface="Helvetica" panose="020B0604020202020204" pitchFamily="34" charset="0"/>
+              </a:rPr>
+              <a:t>Data preprocessing</a:t>
+            </a:r>
+          </a:p>
+          <a:p>
+            <a:r>
+              <a:rPr lang="en-US" sz="3000" dirty="0" smtClean="0">
+                <a:solidFill>
+                  <a:schemeClr val="bg1">
+                    <a:lumMod val="50000"/>
+                  </a:schemeClr>
+                </a:solidFill>
+                <a:latin typeface="Helvetica" panose="020B0604020202020204" pitchFamily="34" charset="0"/>
+                <a:cs typeface="Helvetica" panose="020B0604020202020204" pitchFamily="34" charset="0"/>
+              </a:rPr>
+              <a:t>Predictive Model</a:t>
+            </a:r>
+          </a:p>
+          <a:p>
+            <a:pPr lvl="1"/>
+            <a:r>
+              <a:rPr lang="en-US" sz="2600" dirty="0" smtClean="0">
+                <a:solidFill>
+                  <a:schemeClr val="bg1">
+                    <a:lumMod val="50000"/>
+                  </a:schemeClr>
+                </a:solidFill>
+                <a:latin typeface="Helvetica" panose="020B0604020202020204" pitchFamily="34" charset="0"/>
+                <a:cs typeface="Helvetica" panose="020B0604020202020204" pitchFamily="34" charset="0"/>
+              </a:rPr>
+              <a:t>Features</a:t>
+            </a:r>
+          </a:p>
+          <a:p>
+            <a:pPr lvl="1"/>
+            <a:r>
+              <a:rPr lang="en-US" sz="2600" dirty="0" smtClean="0">
+                <a:solidFill>
+                  <a:schemeClr val="bg1">
+                    <a:lumMod val="50000"/>
+                  </a:schemeClr>
+                </a:solidFill>
+                <a:latin typeface="Helvetica" panose="020B0604020202020204" pitchFamily="34" charset="0"/>
+                <a:cs typeface="Helvetica" panose="020B0604020202020204" pitchFamily="34" charset="0"/>
+              </a:rPr>
+              <a:t>Learning algorithm: Max-Ent</a:t>
+            </a:r>
+          </a:p>
+          <a:p>
+            <a:r>
+              <a:rPr lang="en-US" sz="3000" dirty="0" smtClean="0">
+                <a:latin typeface="Helvetica" panose="020B0604020202020204" pitchFamily="34" charset="0"/>
+                <a:cs typeface="Helvetica" panose="020B0604020202020204" pitchFamily="34" charset="0"/>
+              </a:rPr>
+              <a:t>Experiments and Results</a:t>
+            </a:r>
+          </a:p>
+          <a:p>
+            <a:r>
+              <a:rPr lang="en-US" sz="3000" dirty="0" smtClean="0">
+                <a:latin typeface="Helvetica" panose="020B0604020202020204" pitchFamily="34" charset="0"/>
+                <a:cs typeface="Helvetica" panose="020B0604020202020204" pitchFamily="34" charset="0"/>
+              </a:rPr>
+              <a:t>Conclusions</a:t>
+            </a:r>
+          </a:p>
+          <a:p>
+            <a:endParaRPr lang="en-US" dirty="0" smtClean="0"/>
+          </a:p>
+          <a:p>
+            <a:endParaRPr lang="en-US" dirty="0" smtClean="0"/>
+          </a:p>
+          <a:p>
+            <a:endParaRPr lang="en-US" dirty="0" smtClean="0"/>
+          </a:p>
+        </p:txBody>
+      </p:sp>
+      <p:sp>
+        <p:nvSpPr>
+          <p:cNvPr id="5" name="Date Placeholder 4"/>
+          <p:cNvSpPr>
+            <a:spLocks noGrp="1"/>
+          </p:cNvSpPr>
+          <p:nvPr>
+            <p:ph type="dt" sz="half" idx="10"/>
+          </p:nvPr>
+        </p:nvSpPr>
+        <p:spPr/>
+        <p:txBody>
+          <a:bodyPr/>
+          <a:lstStyle/>
+          <a:p>
+            <a:fld id="{28AC1232-105D-4AA5-B548-5832548E2317}" type="datetime3">
+              <a:rPr lang="en-US" smtClean="0"/>
+              <a:t>3 November 2014</a:t>
+            </a:fld>
+            <a:endParaRPr lang="en-US"/>
+          </a:p>
+        </p:txBody>
+      </p:sp>
+      <p:sp>
+        <p:nvSpPr>
+          <p:cNvPr id="6" name="Footer Placeholder 5"/>
+          <p:cNvSpPr>
+            <a:spLocks noGrp="1"/>
+          </p:cNvSpPr>
+          <p:nvPr>
+            <p:ph type="ftr" sz="quarter" idx="11"/>
+          </p:nvPr>
+        </p:nvSpPr>
+        <p:spPr/>
+        <p:txBody>
+          <a:bodyPr/>
+          <a:lstStyle/>
+          <a:p>
+            <a:r>
+              <a:rPr lang="en-US" smtClean="0"/>
+              <a:t>CS 5228 - Knowledge Discovery &amp; Data Mining</a:t>
+            </a:r>
+            <a:endParaRPr lang="en-US"/>
+          </a:p>
+        </p:txBody>
+      </p:sp>
+      <p:sp>
+        <p:nvSpPr>
+          <p:cNvPr id="7" name="Slide Number Placeholder 6"/>
+          <p:cNvSpPr>
+            <a:spLocks noGrp="1"/>
+          </p:cNvSpPr>
+          <p:nvPr>
+            <p:ph type="sldNum" sz="quarter" idx="12"/>
+          </p:nvPr>
+        </p:nvSpPr>
+        <p:spPr/>
+        <p:txBody>
+          <a:bodyPr/>
+          <a:lstStyle/>
+          <a:p>
+            <a:fld id="{B6F15528-21DE-4FAA-801E-634DDDAF4B2B}" type="slidenum">
+              <a:rPr lang="en-US" smtClean="0"/>
+              <a:pPr/>
+              <a:t>23</a:t>
+            </a:fld>
+            <a:endParaRPr lang="en-US"/>
+          </a:p>
+        </p:txBody>
+      </p:sp>
+    </p:spTree>
+    <p:extLst>
+      <p:ext uri="{BB962C8B-B14F-4D97-AF65-F5344CB8AC3E}">
+        <p14:creationId xmlns:p14="http://schemas.microsoft.com/office/powerpoint/2010/main" val="3958692799"/>
+      </p:ext>
+    </p:extLst>
+  </p:cSld>
+  <p:clrMapOvr>
+    <a:masterClrMapping/>
+  </p:clrMapOvr>
+  <p:timing>
+    <p:tnLst>
+      <p:par>
+        <p:cTn xmlns:p14="http://schemas.microsoft.com/office/powerpoint/2010/main" id="1" dur="indefinite" restart="never" nodeType="tmRoot"/>
+      </p:par>
+    </p:tnLst>
+  </p:timing>
+</p:sld>
+</file>
+
+<file path=ppt/slides/slide24.xml><?xml version="1.0" encoding="utf-8"?>
+<p:sld xmlns:a="http://schemas.openxmlformats.org/drawingml/2006/main" xmlns:r="http://schemas.openxmlformats.org/officeDocument/2006/relationships" xmlns:p="http://schemas.openxmlformats.org/presentationml/2006/main">
+  <p:cSld>
+    <p:spTree>
+      <p:nvGrpSpPr>
+        <p:cNvPr id="1" name=""/>
+        <p:cNvGrpSpPr/>
+        <p:nvPr/>
+      </p:nvGrpSpPr>
+      <p:grpSpPr>
+        <a:xfrm>
+          <a:off x="0" y="0"/>
+          <a:ext cx="0" cy="0"/>
+          <a:chOff x="0" y="0"/>
+          <a:chExt cx="0" cy="0"/>
+        </a:xfrm>
+      </p:grpSpPr>
+      <p:sp>
+        <p:nvSpPr>
+          <p:cNvPr id="2" name="Title 1"/>
+          <p:cNvSpPr>
+            <a:spLocks noGrp="1"/>
+          </p:cNvSpPr>
+          <p:nvPr>
+            <p:ph type="title"/>
+          </p:nvPr>
+        </p:nvSpPr>
+        <p:spPr/>
+        <p:txBody>
+          <a:bodyPr/>
+          <a:lstStyle/>
+          <a:p>
+            <a:r>
+              <a:rPr lang="en-US" dirty="0" smtClean="0"/>
+              <a:t>Why are we ranked 7</a:t>
+            </a:r>
+            <a:r>
+              <a:rPr lang="en-US" baseline="30000" dirty="0" smtClean="0"/>
+              <a:t>th</a:t>
+            </a:r>
+            <a:r>
+              <a:rPr lang="en-US" dirty="0" smtClean="0"/>
+              <a:t>?</a:t>
+            </a:r>
+            <a:endParaRPr lang="en-US" dirty="0"/>
+          </a:p>
+        </p:txBody>
+      </p:sp>
+      <p:graphicFrame>
+        <p:nvGraphicFramePr>
+          <p:cNvPr id="8" name="Content Placeholder 7"/>
+          <p:cNvGraphicFramePr>
+            <a:graphicFrameLocks noGrp="1"/>
+          </p:cNvGraphicFramePr>
+          <p:nvPr>
+            <p:ph idx="1"/>
+            <p:extLst>
+              <p:ext uri="{D42A27DB-BD31-4B8C-83A1-F6EECF244321}">
+                <p14:modId xmlns:p14="http://schemas.microsoft.com/office/powerpoint/2010/main" val="227594793"/>
+              </p:ext>
+            </p:extLst>
+          </p:nvPr>
+        </p:nvGraphicFramePr>
+        <p:xfrm>
+          <a:off x="457200" y="1752600"/>
+          <a:ext cx="8229600" cy="4267200"/>
+        </p:xfrm>
+        <a:graphic>
+          <a:graphicData uri="http://schemas.openxmlformats.org/drawingml/2006/table">
+            <a:tbl>
+              <a:tblPr firstRow="1" bandRow="1">
+                <a:tableStyleId>{5940675A-B579-460E-94D1-54222C63F5DA}</a:tableStyleId>
+              </a:tblPr>
+              <a:tblGrid>
+                <a:gridCol w="2057400"/>
+                <a:gridCol w="2057400"/>
+                <a:gridCol w="2057400"/>
+                <a:gridCol w="2057400"/>
+              </a:tblGrid>
+              <a:tr h="370840">
+                <a:tc>
+                  <a:txBody>
+                    <a:bodyPr/>
+                    <a:lstStyle/>
+                    <a:p>
+                      <a:pPr>
+                        <a:lnSpc>
+                          <a:spcPct val="115000"/>
+                        </a:lnSpc>
+                        <a:spcAft>
+                          <a:spcPts val="0"/>
+                        </a:spcAft>
+                      </a:pPr>
+                      <a:r>
+                        <a:rPr lang="en-US" sz="2000" dirty="0">
+                          <a:effectLst/>
+                        </a:rPr>
+                        <a:t>Features</a:t>
+                      </a:r>
+                      <a:endParaRPr lang="en-US" sz="2000" dirty="0">
+                        <a:solidFill>
+                          <a:srgbClr val="000000"/>
+                        </a:solidFill>
+                        <a:effectLst/>
+                        <a:latin typeface="Arial"/>
+                        <a:ea typeface="Arial"/>
+                      </a:endParaRPr>
+                    </a:p>
+                  </a:txBody>
+                  <a:tcPr marL="63500" marR="63500" marT="63500" marB="63500"/>
+                </a:tc>
+                <a:tc>
+                  <a:txBody>
+                    <a:bodyPr/>
+                    <a:lstStyle/>
+                    <a:p>
+                      <a:pPr>
+                        <a:lnSpc>
+                          <a:spcPct val="115000"/>
+                        </a:lnSpc>
+                        <a:spcAft>
+                          <a:spcPts val="0"/>
+                        </a:spcAft>
+                      </a:pPr>
+                      <a:r>
+                        <a:rPr lang="en-US" sz="2000" dirty="0">
+                          <a:effectLst/>
+                        </a:rPr>
+                        <a:t>3-fold CV Over Training Data</a:t>
+                      </a:r>
+                      <a:endParaRPr lang="en-US" sz="2000" dirty="0">
+                        <a:solidFill>
+                          <a:srgbClr val="000000"/>
+                        </a:solidFill>
+                        <a:effectLst/>
+                        <a:latin typeface="Arial"/>
+                        <a:ea typeface="Arial"/>
+                      </a:endParaRPr>
+                    </a:p>
+                  </a:txBody>
+                  <a:tcPr marL="63500" marR="63500" marT="63500" marB="63500"/>
+                </a:tc>
+                <a:tc>
+                  <a:txBody>
+                    <a:bodyPr/>
+                    <a:lstStyle/>
+                    <a:p>
+                      <a:pPr>
+                        <a:lnSpc>
+                          <a:spcPct val="115000"/>
+                        </a:lnSpc>
+                        <a:spcAft>
+                          <a:spcPts val="0"/>
+                        </a:spcAft>
+                      </a:pPr>
+                      <a:r>
+                        <a:rPr lang="en-US" sz="2000">
+                          <a:effectLst/>
+                        </a:rPr>
+                        <a:t>Kaggle Public Leaderboard Score</a:t>
+                      </a:r>
+                      <a:endParaRPr lang="en-US" sz="2000">
+                        <a:solidFill>
+                          <a:srgbClr val="000000"/>
+                        </a:solidFill>
+                        <a:effectLst/>
+                        <a:latin typeface="Arial"/>
+                        <a:ea typeface="Arial"/>
+                      </a:endParaRPr>
+                    </a:p>
+                  </a:txBody>
+                  <a:tcPr marL="63500" marR="63500" marT="63500" marB="63500"/>
+                </a:tc>
+                <a:tc>
+                  <a:txBody>
+                    <a:bodyPr/>
+                    <a:lstStyle/>
+                    <a:p>
+                      <a:pPr>
+                        <a:lnSpc>
+                          <a:spcPct val="115000"/>
+                        </a:lnSpc>
+                        <a:spcAft>
+                          <a:spcPts val="0"/>
+                        </a:spcAft>
+                      </a:pPr>
+                      <a:r>
+                        <a:rPr lang="en-US" sz="2000">
+                          <a:effectLst/>
+                        </a:rPr>
+                        <a:t>Kaggle Private Leaderboard Score</a:t>
+                      </a:r>
+                      <a:endParaRPr lang="en-US" sz="2000">
+                        <a:solidFill>
+                          <a:srgbClr val="000000"/>
+                        </a:solidFill>
+                        <a:effectLst/>
+                        <a:latin typeface="Arial"/>
+                        <a:ea typeface="Arial"/>
+                      </a:endParaRPr>
+                    </a:p>
+                  </a:txBody>
+                  <a:tcPr marL="63500" marR="63500" marT="63500" marB="63500"/>
+                </a:tc>
+              </a:tr>
+              <a:tr h="370840">
+                <a:tc>
+                  <a:txBody>
+                    <a:bodyPr/>
+                    <a:lstStyle/>
+                    <a:p>
+                      <a:pPr>
+                        <a:lnSpc>
+                          <a:spcPct val="115000"/>
+                        </a:lnSpc>
+                        <a:spcAft>
+                          <a:spcPts val="0"/>
+                        </a:spcAft>
+                      </a:pPr>
+                      <a:r>
+                        <a:rPr lang="en-US" sz="2000">
+                          <a:effectLst/>
+                        </a:rPr>
+                        <a:t>boolean features</a:t>
+                      </a:r>
+                      <a:endParaRPr lang="en-US" sz="2000">
+                        <a:solidFill>
+                          <a:srgbClr val="000000"/>
+                        </a:solidFill>
+                        <a:effectLst/>
+                        <a:latin typeface="Arial"/>
+                        <a:ea typeface="Arial"/>
+                      </a:endParaRPr>
+                    </a:p>
+                  </a:txBody>
+                  <a:tcPr marL="63500" marR="63500" marT="63500" marB="63500"/>
+                </a:tc>
+                <a:tc>
+                  <a:txBody>
+                    <a:bodyPr/>
+                    <a:lstStyle/>
+                    <a:p>
+                      <a:pPr>
+                        <a:lnSpc>
+                          <a:spcPct val="115000"/>
+                        </a:lnSpc>
+                        <a:spcAft>
+                          <a:spcPts val="0"/>
+                        </a:spcAft>
+                      </a:pPr>
+                      <a:r>
+                        <a:rPr lang="en-US" sz="2000">
+                          <a:effectLst/>
+                        </a:rPr>
+                        <a:t>0.55554</a:t>
+                      </a:r>
+                      <a:endParaRPr lang="en-US" sz="2000">
+                        <a:solidFill>
+                          <a:srgbClr val="000000"/>
+                        </a:solidFill>
+                        <a:effectLst/>
+                        <a:latin typeface="Arial"/>
+                        <a:ea typeface="Arial"/>
+                      </a:endParaRPr>
+                    </a:p>
+                  </a:txBody>
+                  <a:tcPr marL="63500" marR="63500" marT="63500" marB="63500"/>
+                </a:tc>
+                <a:tc>
+                  <a:txBody>
+                    <a:bodyPr/>
+                    <a:lstStyle/>
+                    <a:p>
+                      <a:pPr>
+                        <a:lnSpc>
+                          <a:spcPct val="115000"/>
+                        </a:lnSpc>
+                        <a:spcAft>
+                          <a:spcPts val="0"/>
+                        </a:spcAft>
+                      </a:pPr>
+                      <a:r>
+                        <a:rPr lang="en-US" sz="2000">
+                          <a:effectLst/>
+                          <a:highlight>
+                            <a:srgbClr val="FFFFFF"/>
+                          </a:highlight>
+                        </a:rPr>
+                        <a:t>0.58706</a:t>
+                      </a:r>
+                      <a:endParaRPr lang="en-US" sz="2000">
+                        <a:solidFill>
+                          <a:srgbClr val="000000"/>
+                        </a:solidFill>
+                        <a:effectLst/>
+                        <a:latin typeface="Arial"/>
+                        <a:ea typeface="Arial"/>
+                      </a:endParaRPr>
+                    </a:p>
+                  </a:txBody>
+                  <a:tcPr marL="63500" marR="63500" marT="63500" marB="63500"/>
+                </a:tc>
+                <a:tc>
+                  <a:txBody>
+                    <a:bodyPr/>
+                    <a:lstStyle/>
+                    <a:p>
+                      <a:pPr>
+                        <a:lnSpc>
+                          <a:spcPct val="115000"/>
+                        </a:lnSpc>
+                        <a:spcAft>
+                          <a:spcPts val="0"/>
+                        </a:spcAft>
+                      </a:pPr>
+                      <a:r>
+                        <a:rPr lang="en-US" sz="2000">
+                          <a:effectLst/>
+                          <a:highlight>
+                            <a:srgbClr val="FFFFFF"/>
+                          </a:highlight>
+                        </a:rPr>
+                        <a:t>0.62673</a:t>
+                      </a:r>
+                      <a:endParaRPr lang="en-US" sz="2000">
+                        <a:solidFill>
+                          <a:srgbClr val="000000"/>
+                        </a:solidFill>
+                        <a:effectLst/>
+                        <a:latin typeface="Arial"/>
+                        <a:ea typeface="Arial"/>
+                      </a:endParaRPr>
+                    </a:p>
+                  </a:txBody>
+                  <a:tcPr marL="63500" marR="63500" marT="63500" marB="63500"/>
+                </a:tc>
+              </a:tr>
+              <a:tr h="370840">
+                <a:tc>
+                  <a:txBody>
+                    <a:bodyPr/>
+                    <a:lstStyle/>
+                    <a:p>
+                      <a:pPr marL="342900" lvl="0" indent="-342900">
+                        <a:lnSpc>
+                          <a:spcPct val="115000"/>
+                        </a:lnSpc>
+                        <a:buFont typeface="Arial"/>
+                        <a:buChar char="+"/>
+                      </a:pPr>
+                      <a:r>
+                        <a:rPr lang="en-US" sz="2000" u="none" strike="noStrike">
+                          <a:effectLst/>
+                        </a:rPr>
+                        <a:t>numerical features</a:t>
+                      </a:r>
+                      <a:endParaRPr lang="en-US" sz="2000" u="none" strike="noStrike">
+                        <a:solidFill>
+                          <a:srgbClr val="000000"/>
+                        </a:solidFill>
+                        <a:effectLst/>
+                        <a:latin typeface="Arial"/>
+                      </a:endParaRPr>
+                    </a:p>
+                  </a:txBody>
+                  <a:tcPr marL="63500" marR="63500" marT="63500" marB="63500"/>
+                </a:tc>
+                <a:tc>
+                  <a:txBody>
+                    <a:bodyPr/>
+                    <a:lstStyle/>
+                    <a:p>
+                      <a:pPr>
+                        <a:lnSpc>
+                          <a:spcPct val="115000"/>
+                        </a:lnSpc>
+                        <a:spcAft>
+                          <a:spcPts val="0"/>
+                        </a:spcAft>
+                      </a:pPr>
+                      <a:r>
+                        <a:rPr lang="en-US" sz="2000">
+                          <a:effectLst/>
+                        </a:rPr>
+                        <a:t>0.56524</a:t>
+                      </a:r>
+                      <a:endParaRPr lang="en-US" sz="2000">
+                        <a:solidFill>
+                          <a:srgbClr val="000000"/>
+                        </a:solidFill>
+                        <a:effectLst/>
+                        <a:latin typeface="Arial"/>
+                        <a:ea typeface="Arial"/>
+                      </a:endParaRPr>
+                    </a:p>
+                  </a:txBody>
+                  <a:tcPr marL="63500" marR="63500" marT="63500" marB="63500"/>
+                </a:tc>
+                <a:tc>
+                  <a:txBody>
+                    <a:bodyPr/>
+                    <a:lstStyle/>
+                    <a:p>
+                      <a:pPr>
+                        <a:lnSpc>
+                          <a:spcPct val="115000"/>
+                        </a:lnSpc>
+                        <a:spcAft>
+                          <a:spcPts val="0"/>
+                        </a:spcAft>
+                      </a:pPr>
+                      <a:r>
+                        <a:rPr lang="en-US" sz="2000">
+                          <a:effectLst/>
+                          <a:highlight>
+                            <a:srgbClr val="FFFFFF"/>
+                          </a:highlight>
+                        </a:rPr>
+                        <a:t>0.58742</a:t>
+                      </a:r>
+                      <a:endParaRPr lang="en-US" sz="2000">
+                        <a:solidFill>
+                          <a:srgbClr val="000000"/>
+                        </a:solidFill>
+                        <a:effectLst/>
+                        <a:latin typeface="Arial"/>
+                        <a:ea typeface="Arial"/>
+                      </a:endParaRPr>
+                    </a:p>
+                  </a:txBody>
+                  <a:tcPr marL="63500" marR="63500" marT="63500" marB="63500"/>
+                </a:tc>
+                <a:tc>
+                  <a:txBody>
+                    <a:bodyPr/>
+                    <a:lstStyle/>
+                    <a:p>
+                      <a:pPr>
+                        <a:lnSpc>
+                          <a:spcPct val="115000"/>
+                        </a:lnSpc>
+                        <a:spcAft>
+                          <a:spcPts val="0"/>
+                        </a:spcAft>
+                      </a:pPr>
+                      <a:r>
+                        <a:rPr lang="en-US" sz="2000">
+                          <a:effectLst/>
+                          <a:highlight>
+                            <a:srgbClr val="FFFFFF"/>
+                          </a:highlight>
+                        </a:rPr>
+                        <a:t>0.62393</a:t>
+                      </a:r>
+                      <a:endParaRPr lang="en-US" sz="2000">
+                        <a:solidFill>
+                          <a:srgbClr val="000000"/>
+                        </a:solidFill>
+                        <a:effectLst/>
+                        <a:latin typeface="Arial"/>
+                        <a:ea typeface="Arial"/>
+                      </a:endParaRPr>
+                    </a:p>
+                  </a:txBody>
+                  <a:tcPr marL="63500" marR="63500" marT="63500" marB="63500"/>
+                </a:tc>
+              </a:tr>
+              <a:tr h="370840">
+                <a:tc>
+                  <a:txBody>
+                    <a:bodyPr/>
+                    <a:lstStyle/>
+                    <a:p>
+                      <a:pPr marL="342900" lvl="0" indent="-342900">
+                        <a:lnSpc>
+                          <a:spcPct val="115000"/>
+                        </a:lnSpc>
+                        <a:buFont typeface="Arial"/>
+                        <a:buChar char="+"/>
+                      </a:pPr>
+                      <a:r>
+                        <a:rPr lang="en-US" sz="2000" u="none" strike="noStrike">
+                          <a:effectLst/>
+                        </a:rPr>
+                        <a:t>categorical features</a:t>
+                      </a:r>
+                      <a:endParaRPr lang="en-US" sz="2000" u="none" strike="noStrike">
+                        <a:solidFill>
+                          <a:srgbClr val="000000"/>
+                        </a:solidFill>
+                        <a:effectLst/>
+                        <a:latin typeface="Arial"/>
+                      </a:endParaRPr>
+                    </a:p>
+                  </a:txBody>
+                  <a:tcPr marL="63500" marR="63500" marT="63500" marB="63500"/>
+                </a:tc>
+                <a:tc>
+                  <a:txBody>
+                    <a:bodyPr/>
+                    <a:lstStyle/>
+                    <a:p>
+                      <a:pPr>
+                        <a:lnSpc>
+                          <a:spcPct val="115000"/>
+                        </a:lnSpc>
+                        <a:spcAft>
+                          <a:spcPts val="0"/>
+                        </a:spcAft>
+                      </a:pPr>
+                      <a:r>
+                        <a:rPr lang="en-US" sz="2000">
+                          <a:effectLst/>
+                        </a:rPr>
+                        <a:t>0.65185</a:t>
+                      </a:r>
+                      <a:endParaRPr lang="en-US" sz="2000">
+                        <a:solidFill>
+                          <a:srgbClr val="000000"/>
+                        </a:solidFill>
+                        <a:effectLst/>
+                        <a:latin typeface="Arial"/>
+                        <a:ea typeface="Arial"/>
+                      </a:endParaRPr>
+                    </a:p>
+                  </a:txBody>
+                  <a:tcPr marL="63500" marR="63500" marT="63500" marB="63500"/>
+                </a:tc>
+                <a:tc>
+                  <a:txBody>
+                    <a:bodyPr/>
+                    <a:lstStyle/>
+                    <a:p>
+                      <a:pPr>
+                        <a:lnSpc>
+                          <a:spcPct val="115000"/>
+                        </a:lnSpc>
+                        <a:spcAft>
+                          <a:spcPts val="0"/>
+                        </a:spcAft>
+                      </a:pPr>
+                      <a:r>
+                        <a:rPr lang="en-US" sz="2000">
+                          <a:effectLst/>
+                          <a:highlight>
+                            <a:srgbClr val="FFFFFF"/>
+                          </a:highlight>
+                        </a:rPr>
+                        <a:t>0.60136</a:t>
+                      </a:r>
+                      <a:endParaRPr lang="en-US" sz="2000">
+                        <a:solidFill>
+                          <a:srgbClr val="000000"/>
+                        </a:solidFill>
+                        <a:effectLst/>
+                        <a:latin typeface="Arial"/>
+                        <a:ea typeface="Arial"/>
+                      </a:endParaRPr>
+                    </a:p>
+                  </a:txBody>
+                  <a:tcPr marL="63500" marR="63500" marT="63500" marB="63500"/>
+                </a:tc>
+                <a:tc>
+                  <a:txBody>
+                    <a:bodyPr/>
+                    <a:lstStyle/>
+                    <a:p>
+                      <a:pPr>
+                        <a:lnSpc>
+                          <a:spcPct val="115000"/>
+                        </a:lnSpc>
+                        <a:spcAft>
+                          <a:spcPts val="0"/>
+                        </a:spcAft>
+                      </a:pPr>
+                      <a:r>
+                        <a:rPr lang="en-US" sz="2000">
+                          <a:effectLst/>
+                          <a:highlight>
+                            <a:srgbClr val="FFFFFF"/>
+                          </a:highlight>
+                        </a:rPr>
+                        <a:t>0.64924</a:t>
+                      </a:r>
+                      <a:endParaRPr lang="en-US" sz="2000">
+                        <a:solidFill>
+                          <a:srgbClr val="000000"/>
+                        </a:solidFill>
+                        <a:effectLst/>
+                        <a:latin typeface="Arial"/>
+                        <a:ea typeface="Arial"/>
+                      </a:endParaRPr>
+                    </a:p>
+                  </a:txBody>
+                  <a:tcPr marL="63500" marR="63500" marT="63500" marB="63500"/>
+                </a:tc>
+              </a:tr>
+              <a:tr h="370840">
+                <a:tc>
+                  <a:txBody>
+                    <a:bodyPr/>
+                    <a:lstStyle/>
+                    <a:p>
+                      <a:pPr marL="342900" lvl="0" indent="-342900">
+                        <a:lnSpc>
+                          <a:spcPct val="115000"/>
+                        </a:lnSpc>
+                        <a:buFont typeface="Arial"/>
+                        <a:buChar char="+"/>
+                      </a:pPr>
+                      <a:r>
+                        <a:rPr lang="en-US" sz="2000" u="none" strike="noStrike">
+                          <a:effectLst/>
+                        </a:rPr>
+                        <a:t>essay</a:t>
+                      </a:r>
+                      <a:endParaRPr lang="en-US" sz="2000" u="none" strike="noStrike">
+                        <a:solidFill>
+                          <a:srgbClr val="000000"/>
+                        </a:solidFill>
+                        <a:effectLst/>
+                        <a:latin typeface="Arial"/>
+                      </a:endParaRPr>
+                    </a:p>
+                  </a:txBody>
+                  <a:tcPr marL="63500" marR="63500" marT="63500" marB="63500"/>
+                </a:tc>
+                <a:tc>
+                  <a:txBody>
+                    <a:bodyPr/>
+                    <a:lstStyle/>
+                    <a:p>
+                      <a:pPr>
+                        <a:lnSpc>
+                          <a:spcPct val="115000"/>
+                        </a:lnSpc>
+                        <a:spcAft>
+                          <a:spcPts val="0"/>
+                        </a:spcAft>
+                      </a:pPr>
+                      <a:r>
+                        <a:rPr lang="en-US" sz="2000">
+                          <a:effectLst/>
+                        </a:rPr>
+                        <a:t>0.65856</a:t>
+                      </a:r>
+                      <a:endParaRPr lang="en-US" sz="2000">
+                        <a:solidFill>
+                          <a:srgbClr val="000000"/>
+                        </a:solidFill>
+                        <a:effectLst/>
+                        <a:latin typeface="Arial"/>
+                        <a:ea typeface="Arial"/>
+                      </a:endParaRPr>
+                    </a:p>
+                  </a:txBody>
+                  <a:tcPr marL="63500" marR="63500" marT="63500" marB="63500"/>
+                </a:tc>
+                <a:tc>
+                  <a:txBody>
+                    <a:bodyPr/>
+                    <a:lstStyle/>
+                    <a:p>
+                      <a:pPr>
+                        <a:lnSpc>
+                          <a:spcPct val="115000"/>
+                        </a:lnSpc>
+                        <a:spcAft>
+                          <a:spcPts val="0"/>
+                        </a:spcAft>
+                      </a:pPr>
+                      <a:r>
+                        <a:rPr lang="en-US" sz="2000">
+                          <a:effectLst/>
+                        </a:rPr>
+                        <a:t>0.60812</a:t>
+                      </a:r>
+                      <a:endParaRPr lang="en-US" sz="2000">
+                        <a:solidFill>
+                          <a:srgbClr val="000000"/>
+                        </a:solidFill>
+                        <a:effectLst/>
+                        <a:latin typeface="Arial"/>
+                        <a:ea typeface="Arial"/>
+                      </a:endParaRPr>
+                    </a:p>
+                  </a:txBody>
+                  <a:tcPr marL="63500" marR="63500" marT="63500" marB="63500"/>
+                </a:tc>
+                <a:tc>
+                  <a:txBody>
+                    <a:bodyPr/>
+                    <a:lstStyle/>
+                    <a:p>
+                      <a:pPr>
+                        <a:lnSpc>
+                          <a:spcPct val="115000"/>
+                        </a:lnSpc>
+                        <a:spcAft>
+                          <a:spcPts val="0"/>
+                        </a:spcAft>
+                      </a:pPr>
+                      <a:r>
+                        <a:rPr lang="en-US" sz="2000">
+                          <a:effectLst/>
+                        </a:rPr>
+                        <a:t>0.65551</a:t>
+                      </a:r>
+                      <a:endParaRPr lang="en-US" sz="2000">
+                        <a:solidFill>
+                          <a:srgbClr val="000000"/>
+                        </a:solidFill>
+                        <a:effectLst/>
+                        <a:latin typeface="Arial"/>
+                        <a:ea typeface="Arial"/>
+                      </a:endParaRPr>
+                    </a:p>
+                  </a:txBody>
+                  <a:tcPr marL="63500" marR="63500" marT="63500" marB="63500"/>
+                </a:tc>
+              </a:tr>
+              <a:tr h="370840">
+                <a:tc>
+                  <a:txBody>
+                    <a:bodyPr/>
+                    <a:lstStyle/>
+                    <a:p>
+                      <a:pPr marL="342900" lvl="0" indent="-342900">
+                        <a:lnSpc>
+                          <a:spcPct val="115000"/>
+                        </a:lnSpc>
+                        <a:buFont typeface="Arial"/>
+                        <a:buChar char="+"/>
+                      </a:pPr>
+                      <a:r>
+                        <a:rPr lang="en-US" sz="2000" u="none" strike="noStrike">
+                          <a:effectLst/>
+                        </a:rPr>
+                        <a:t>pos	</a:t>
+                      </a:r>
+                      <a:endParaRPr lang="en-US" sz="2000" u="none" strike="noStrike">
+                        <a:solidFill>
+                          <a:srgbClr val="000000"/>
+                        </a:solidFill>
+                        <a:effectLst/>
+                        <a:latin typeface="Arial"/>
+                      </a:endParaRPr>
+                    </a:p>
+                  </a:txBody>
+                  <a:tcPr marL="63500" marR="63500" marT="63500" marB="63500"/>
+                </a:tc>
+                <a:tc>
+                  <a:txBody>
+                    <a:bodyPr/>
+                    <a:lstStyle/>
+                    <a:p>
+                      <a:pPr>
+                        <a:lnSpc>
+                          <a:spcPct val="115000"/>
+                        </a:lnSpc>
+                        <a:spcAft>
+                          <a:spcPts val="0"/>
+                        </a:spcAft>
+                      </a:pPr>
+                      <a:r>
+                        <a:rPr lang="en-US" sz="2000">
+                          <a:effectLst/>
+                        </a:rPr>
+                        <a:t>0.65882</a:t>
+                      </a:r>
+                      <a:endParaRPr lang="en-US" sz="2000">
+                        <a:solidFill>
+                          <a:srgbClr val="000000"/>
+                        </a:solidFill>
+                        <a:effectLst/>
+                        <a:latin typeface="Arial"/>
+                        <a:ea typeface="Arial"/>
+                      </a:endParaRPr>
+                    </a:p>
+                  </a:txBody>
+                  <a:tcPr marL="63500" marR="63500" marT="63500" marB="63500"/>
+                </a:tc>
+                <a:tc>
+                  <a:txBody>
+                    <a:bodyPr/>
+                    <a:lstStyle/>
+                    <a:p>
+                      <a:pPr>
+                        <a:lnSpc>
+                          <a:spcPct val="115000"/>
+                        </a:lnSpc>
+                        <a:spcAft>
+                          <a:spcPts val="0"/>
+                        </a:spcAft>
+                      </a:pPr>
+                      <a:r>
+                        <a:rPr lang="en-US" sz="2000">
+                          <a:effectLst/>
+                        </a:rPr>
+                        <a:t>0.60818	</a:t>
+                      </a:r>
+                      <a:endParaRPr lang="en-US" sz="2000">
+                        <a:solidFill>
+                          <a:srgbClr val="000000"/>
+                        </a:solidFill>
+                        <a:effectLst/>
+                        <a:latin typeface="Arial"/>
+                        <a:ea typeface="Arial"/>
+                      </a:endParaRPr>
+                    </a:p>
+                  </a:txBody>
+                  <a:tcPr marL="63500" marR="63500" marT="63500" marB="63500"/>
+                </a:tc>
+                <a:tc>
+                  <a:txBody>
+                    <a:bodyPr/>
+                    <a:lstStyle/>
+                    <a:p>
+                      <a:pPr>
+                        <a:lnSpc>
+                          <a:spcPct val="115000"/>
+                        </a:lnSpc>
+                        <a:spcAft>
+                          <a:spcPts val="0"/>
+                        </a:spcAft>
+                      </a:pPr>
+                      <a:r>
+                        <a:rPr lang="en-US" sz="2000" dirty="0">
+                          <a:effectLst/>
+                        </a:rPr>
+                        <a:t>0.65557</a:t>
+                      </a:r>
+                      <a:endParaRPr lang="en-US" sz="2000" dirty="0">
+                        <a:solidFill>
+                          <a:srgbClr val="000000"/>
+                        </a:solidFill>
+                        <a:effectLst/>
+                        <a:latin typeface="Arial"/>
+                        <a:ea typeface="Arial"/>
+                      </a:endParaRPr>
+                    </a:p>
+                  </a:txBody>
+                  <a:tcPr marL="63500" marR="63500" marT="63500" marB="63500"/>
+                </a:tc>
+              </a:tr>
+            </a:tbl>
+          </a:graphicData>
+        </a:graphic>
+      </p:graphicFrame>
+      <p:sp>
+        <p:nvSpPr>
+          <p:cNvPr id="4" name="Date Placeholder 3"/>
+          <p:cNvSpPr>
+            <a:spLocks noGrp="1"/>
+          </p:cNvSpPr>
+          <p:nvPr>
+            <p:ph type="dt" sz="half" idx="10"/>
+          </p:nvPr>
+        </p:nvSpPr>
+        <p:spPr/>
+        <p:txBody>
+          <a:bodyPr/>
+          <a:lstStyle/>
+          <a:p>
+            <a:fld id="{67982E54-CFC6-46DC-BEF3-B3681CD4B600}" type="datetime3">
+              <a:rPr lang="en-US" smtClean="0"/>
+              <a:t>3 November 2014</a:t>
+            </a:fld>
+            <a:endParaRPr lang="en-US"/>
+          </a:p>
+        </p:txBody>
+      </p:sp>
+      <p:sp>
+        <p:nvSpPr>
+          <p:cNvPr id="5" name="Footer Placeholder 4"/>
+          <p:cNvSpPr>
+            <a:spLocks noGrp="1"/>
+          </p:cNvSpPr>
+          <p:nvPr>
+            <p:ph type="ftr" sz="quarter" idx="11"/>
+          </p:nvPr>
+        </p:nvSpPr>
+        <p:spPr/>
+        <p:txBody>
+          <a:bodyPr/>
+          <a:lstStyle/>
+          <a:p>
+            <a:r>
+              <a:rPr lang="en-US" smtClean="0"/>
+              <a:t>CS 5228 - Knowledge Discovery &amp; Data Mining</a:t>
+            </a:r>
+            <a:endParaRPr lang="en-US"/>
+          </a:p>
+        </p:txBody>
+      </p:sp>
+      <p:sp>
+        <p:nvSpPr>
+          <p:cNvPr id="6" name="Slide Number Placeholder 5"/>
+          <p:cNvSpPr>
+            <a:spLocks noGrp="1"/>
+          </p:cNvSpPr>
+          <p:nvPr>
+            <p:ph type="sldNum" sz="quarter" idx="12"/>
+          </p:nvPr>
+        </p:nvSpPr>
+        <p:spPr/>
+        <p:txBody>
+          <a:bodyPr/>
+          <a:lstStyle/>
+          <a:p>
+            <a:fld id="{B6F15528-21DE-4FAA-801E-634DDDAF4B2B}" type="slidenum">
+              <a:rPr lang="en-US" smtClean="0"/>
+              <a:pPr/>
+              <a:t>24</a:t>
+            </a:fld>
+            <a:endParaRPr lang="en-US"/>
+          </a:p>
+        </p:txBody>
+      </p:sp>
+    </p:spTree>
+    <p:extLst>
+      <p:ext uri="{BB962C8B-B14F-4D97-AF65-F5344CB8AC3E}">
+        <p14:creationId xmlns:p14="http://schemas.microsoft.com/office/powerpoint/2010/main" val="1951864690"/>
+      </p:ext>
+    </p:extLst>
+  </p:cSld>
+  <p:clrMapOvr>
+    <a:masterClrMapping/>
+  </p:clrMapOvr>
+  <p:timing>
+    <p:tnLst>
+      <p:par>
+        <p:cTn xmlns:p14="http://schemas.microsoft.com/office/powerpoint/2010/main" id="1" dur="indefinite" restart="never" nodeType="tmRoot"/>
+      </p:par>
+    </p:tnLst>
+  </p:timing>
+</p:sld>
+</file>
+
 <file path=ppt/slides/slide3.xml><?xml version="1.0" encoding="utf-8"?>
 <p:sld xmlns:a="http://schemas.openxmlformats.org/drawingml/2006/main" xmlns:r="http://schemas.openxmlformats.org/officeDocument/2006/relationships" xmlns:p="http://schemas.openxmlformats.org/presentationml/2006/main">
   <p:cSld>
@@ -5291,7 +10588,7 @@
           </a:prstGeom>
           <a:noFill/>
           <a:extLst>
-            <a:ext uri="{909E8E84-426E-40DD-AFC4-6F175D3DCCD1}">
+            <a:ext uri="{909E8E84-426E-40dd-AFC4-6F175D3DCCD1}">
               <a14:hiddenFill xmlns:a14="http://schemas.microsoft.com/office/drawing/2010/main">
                 <a:solidFill>
                   <a:srgbClr val="FFFFFF"/>
@@ -5335,14 +10632,14 @@
             <a:noFill/>
           </a:ln>
           <a:extLst>
-            <a:ext uri="{909E8E84-426E-40DD-AFC4-6F175D3DCCD1}">
+            <a:ext uri="{909E8E84-426E-40dd-AFC4-6F175D3DCCD1}">
               <a14:hiddenFill xmlns:a14="http://schemas.microsoft.com/office/drawing/2010/main">
                 <a:solidFill>
                   <a:schemeClr val="accent1"/>
                 </a:solidFill>
               </a14:hiddenFill>
             </a:ext>
-            <a:ext uri="{91240B29-F687-4F45-9708-019B960494DF}">
+            <a:ext uri="{91240B29-F687-4f45-9708-019B960494DF}">
               <a14:hiddenLine xmlns:a14="http://schemas.microsoft.com/office/drawing/2010/main" w="9525">
                 <a:solidFill>
                   <a:schemeClr val="tx1"/>
@@ -5452,7 +10749,7 @@
   <p:timing>
     <p:tnLst>
       <p:par>
-        <p:cTn id="1" dur="indefinite" restart="never" nodeType="tmRoot">
+        <p:cTn xmlns:p14="http://schemas.microsoft.com/office/powerpoint/2010/main" id="1" dur="indefinite" restart="never" nodeType="tmRoot">
           <p:childTnLst>
             <p:seq concurrent="1" nextAc="seek">
               <p:cTn id="2" dur="indefinite" nodeType="mainSeq">
@@ -5860,7 +11157,7 @@
   <p:timing>
     <p:tnLst>
       <p:par>
-        <p:cTn id="1" dur="indefinite" restart="never" nodeType="tmRoot"/>
+        <p:cTn xmlns:p14="http://schemas.microsoft.com/office/powerpoint/2010/main" id="1" dur="indefinite" restart="never" nodeType="tmRoot"/>
       </p:par>
     </p:tnLst>
   </p:timing>
@@ -6070,6 +11367,99 @@
           </a:p>
         </p:txBody>
       </p:sp>
+      <p:sp>
+        <p:nvSpPr>
+          <p:cNvPr id="8" name="Content Placeholder 2"/>
+          <p:cNvSpPr>
+            <a:spLocks noGrp="1"/>
+          </p:cNvSpPr>
+          <p:nvPr>
+            <p:ph idx="1"/>
+          </p:nvPr>
+        </p:nvSpPr>
+        <p:spPr>
+          <a:xfrm>
+            <a:off x="457200" y="2743200"/>
+            <a:ext cx="8229600" cy="3276600"/>
+          </a:xfrm>
+        </p:spPr>
+        <p:txBody>
+          <a:bodyPr>
+            <a:normAutofit/>
+          </a:bodyPr>
+          <a:lstStyle/>
+          <a:p>
+            <a:r>
+              <a:rPr lang="en-US" sz="3000" dirty="0" smtClean="0">
+                <a:latin typeface="Helvetica"/>
+                <a:cs typeface="Helvetica"/>
+              </a:rPr>
+              <a:t>Train </a:t>
+            </a:r>
+            <a:r>
+              <a:rPr lang="en-US" sz="3000" dirty="0">
+                <a:latin typeface="Helvetica"/>
+                <a:cs typeface="Helvetica"/>
+              </a:rPr>
+              <a:t>a supervised </a:t>
+            </a:r>
+            <a:r>
+              <a:rPr lang="en-US" sz="3000" dirty="0" smtClean="0">
+                <a:latin typeface="Helvetica"/>
+                <a:cs typeface="Helvetica"/>
+              </a:rPr>
+              <a:t>classifier </a:t>
+            </a:r>
+            <a:r>
+              <a:rPr lang="en-US" sz="3000" i="1" dirty="0">
+                <a:latin typeface="Helvetica"/>
+                <a:cs typeface="Helvetica"/>
+              </a:rPr>
+              <a:t>C </a:t>
+            </a:r>
+            <a:r>
+              <a:rPr lang="en-US" sz="3000" dirty="0">
+                <a:latin typeface="Helvetica"/>
+                <a:cs typeface="Helvetica"/>
+              </a:rPr>
+              <a:t>to predict if a new proposed project is exciting or </a:t>
+            </a:r>
+            <a:r>
+              <a:rPr lang="en-US" sz="3000" dirty="0" smtClean="0">
+                <a:latin typeface="Helvetica"/>
+                <a:cs typeface="Helvetica"/>
+              </a:rPr>
+              <a:t>not.</a:t>
+            </a:r>
+          </a:p>
+          <a:p>
+            <a:endParaRPr lang="en-US" sz="3000" dirty="0">
+              <a:latin typeface="Helvetica"/>
+              <a:cs typeface="Helvetica"/>
+            </a:endParaRPr>
+          </a:p>
+          <a:p>
+            <a:r>
+              <a:rPr lang="en-US" sz="3000" dirty="0" smtClean="0">
+                <a:latin typeface="Helvetica"/>
+                <a:cs typeface="Helvetica"/>
+              </a:rPr>
+              <a:t>The </a:t>
+            </a:r>
+            <a:r>
+              <a:rPr lang="en-US" sz="3000" dirty="0">
+                <a:latin typeface="Helvetica"/>
+                <a:cs typeface="Helvetica"/>
+              </a:rPr>
+              <a:t>task is a binary classification problem. </a:t>
+            </a:r>
+            <a:endParaRPr lang="en-US" sz="3000" dirty="0">
+              <a:latin typeface="Helvetica"/>
+              <a:cs typeface="Helvetica"/>
+            </a:endParaRPr>
+          </a:p>
+        </p:txBody>
+      </p:sp>
     </p:spTree>
     <p:extLst>
       <p:ext uri="{BB962C8B-B14F-4D97-AF65-F5344CB8AC3E}">
@@ -6083,7 +11473,7 @@
   <p:timing>
     <p:tnLst>
       <p:par>
-        <p:cTn id="1" dur="indefinite" restart="never" nodeType="tmRoot"/>
+        <p:cTn xmlns:p14="http://schemas.microsoft.com/office/powerpoint/2010/main" id="1" dur="indefinite" restart="never" nodeType="tmRoot"/>
       </p:par>
     </p:tnLst>
   </p:timing>
@@ -6221,7 +11611,7 @@
   <p:timing>
     <p:tnLst>
       <p:par>
-        <p:cTn id="1" dur="indefinite" restart="never" nodeType="tmRoot"/>
+        <p:cTn xmlns:p14="http://schemas.microsoft.com/office/powerpoint/2010/main" id="1" dur="indefinite" restart="never" nodeType="tmRoot"/>
       </p:par>
     </p:tnLst>
   </p:timing>
@@ -6342,6 +11732,360 @@
           </a:p>
         </p:txBody>
       </p:sp>
+      <p:sp>
+        <p:nvSpPr>
+          <p:cNvPr id="8" name="Content Placeholder 2"/>
+          <p:cNvSpPr>
+            <a:spLocks noGrp="1"/>
+          </p:cNvSpPr>
+          <p:nvPr>
+            <p:ph idx="1"/>
+          </p:nvPr>
+        </p:nvSpPr>
+        <p:spPr>
+          <a:xfrm>
+            <a:off x="4800600" y="1524000"/>
+            <a:ext cx="4038600" cy="4648200"/>
+          </a:xfrm>
+        </p:spPr>
+        <p:txBody>
+          <a:bodyPr>
+            <a:normAutofit/>
+          </a:bodyPr>
+          <a:lstStyle/>
+          <a:p>
+            <a:pPr marL="0" indent="0" algn="ctr">
+              <a:buNone/>
+            </a:pPr>
+            <a:r>
+              <a:rPr lang="en-US" sz="3000" dirty="0" smtClean="0">
+                <a:latin typeface="Helvetica"/>
+                <a:cs typeface="Helvetica"/>
+              </a:rPr>
+              <a:t>Training only</a:t>
+            </a:r>
+          </a:p>
+          <a:p>
+            <a:pPr marL="0" indent="0" algn="ctr">
+              <a:buNone/>
+            </a:pPr>
+            <a:endParaRPr lang="en-US" sz="3000" dirty="0" smtClean="0">
+              <a:latin typeface="Helvetica"/>
+              <a:cs typeface="Helvetica"/>
+            </a:endParaRPr>
+          </a:p>
+          <a:p>
+            <a:r>
+              <a:rPr lang="en-US" sz="3000" dirty="0" err="1" smtClean="0">
+                <a:latin typeface="Helvetica"/>
+                <a:cs typeface="Helvetica"/>
+              </a:rPr>
+              <a:t>donations.csv</a:t>
+            </a:r>
+            <a:endParaRPr lang="en-US" sz="3000" dirty="0">
+              <a:latin typeface="Helvetica"/>
+              <a:cs typeface="Helvetica"/>
+            </a:endParaRPr>
+          </a:p>
+          <a:p>
+            <a:r>
+              <a:rPr lang="en-US" sz="3000" dirty="0" err="1">
+                <a:latin typeface="Helvetica"/>
+                <a:cs typeface="Helvetica"/>
+              </a:rPr>
+              <a:t>o</a:t>
+            </a:r>
+            <a:r>
+              <a:rPr lang="en-US" sz="3000" dirty="0" err="1" smtClean="0">
+                <a:latin typeface="Helvetica"/>
+                <a:cs typeface="Helvetica"/>
+              </a:rPr>
+              <a:t>utcomes.csv</a:t>
+            </a:r>
+            <a:endParaRPr lang="en-US" sz="3000" dirty="0">
+              <a:latin typeface="Helvetica"/>
+              <a:cs typeface="Helvetica"/>
+            </a:endParaRPr>
+          </a:p>
+          <a:p>
+            <a:pPr marL="0" indent="0">
+              <a:buNone/>
+            </a:pPr>
+            <a:endParaRPr lang="en-US" sz="3000" dirty="0">
+              <a:latin typeface="Helvetica"/>
+              <a:cs typeface="Helvetica"/>
+            </a:endParaRPr>
+          </a:p>
+          <a:p>
+            <a:endParaRPr lang="en-US" sz="3000" dirty="0">
+              <a:latin typeface="Helvetica"/>
+              <a:cs typeface="Helvetica"/>
+            </a:endParaRPr>
+          </a:p>
+        </p:txBody>
+      </p:sp>
+      <p:sp>
+        <p:nvSpPr>
+          <p:cNvPr id="9" name="Content Placeholder 2"/>
+          <p:cNvSpPr txBox="1">
+            <a:spLocks/>
+          </p:cNvSpPr>
+          <p:nvPr/>
+        </p:nvSpPr>
+        <p:spPr>
+          <a:xfrm>
+            <a:off x="228600" y="1447800"/>
+            <a:ext cx="4038600" cy="4648200"/>
+          </a:xfrm>
+          <a:prstGeom prst="rect">
+            <a:avLst/>
+          </a:prstGeom>
+        </p:spPr>
+        <p:txBody>
+          <a:bodyPr vert="horz" lIns="91440" tIns="45720" rIns="91440" bIns="45720" rtlCol="0">
+            <a:normAutofit/>
+          </a:bodyPr>
+          <a:lstStyle>
+            <a:lvl1pPr marL="342900" indent="-342900" algn="l" defTabSz="914400" rtl="0" eaLnBrk="1" latinLnBrk="0" hangingPunct="1">
+              <a:spcBef>
+                <a:spcPct val="20000"/>
+              </a:spcBef>
+              <a:buFont typeface="Arial" pitchFamily="34" charset="0"/>
+              <a:buChar char="•"/>
+              <a:defRPr sz="3200" kern="1200">
+                <a:solidFill>
+                  <a:schemeClr val="tx1"/>
+                </a:solidFill>
+                <a:latin typeface="+mn-lt"/>
+                <a:ea typeface="+mn-ea"/>
+                <a:cs typeface="+mn-cs"/>
+              </a:defRPr>
+            </a:lvl1pPr>
+            <a:lvl2pPr marL="742950" indent="-285750" algn="l" defTabSz="914400" rtl="0" eaLnBrk="1" latinLnBrk="0" hangingPunct="1">
+              <a:spcBef>
+                <a:spcPct val="20000"/>
+              </a:spcBef>
+              <a:buFont typeface="Arial" pitchFamily="34" charset="0"/>
+              <a:buChar char="–"/>
+              <a:defRPr sz="2800" kern="1200">
+                <a:solidFill>
+                  <a:schemeClr val="tx1"/>
+                </a:solidFill>
+                <a:latin typeface="+mn-lt"/>
+                <a:ea typeface="+mn-ea"/>
+                <a:cs typeface="+mn-cs"/>
+              </a:defRPr>
+            </a:lvl2pPr>
+            <a:lvl3pPr marL="1143000" indent="-228600" algn="l" defTabSz="914400" rtl="0" eaLnBrk="1" latinLnBrk="0" hangingPunct="1">
+              <a:spcBef>
+                <a:spcPct val="20000"/>
+              </a:spcBef>
+              <a:buFont typeface="Arial" pitchFamily="34" charset="0"/>
+              <a:buChar char="•"/>
+              <a:defRPr sz="2400" kern="1200">
+                <a:solidFill>
+                  <a:schemeClr val="tx1"/>
+                </a:solidFill>
+                <a:latin typeface="+mn-lt"/>
+                <a:ea typeface="+mn-ea"/>
+                <a:cs typeface="+mn-cs"/>
+              </a:defRPr>
+            </a:lvl3pPr>
+            <a:lvl4pPr marL="1600200" indent="-228600" algn="l" defTabSz="914400" rtl="0" eaLnBrk="1" latinLnBrk="0" hangingPunct="1">
+              <a:spcBef>
+                <a:spcPct val="20000"/>
+              </a:spcBef>
+              <a:buFont typeface="Arial" pitchFamily="34" charset="0"/>
+              <a:buChar char="–"/>
+              <a:defRPr sz="2000" kern="1200">
+                <a:solidFill>
+                  <a:schemeClr val="tx1"/>
+                </a:solidFill>
+                <a:latin typeface="+mn-lt"/>
+                <a:ea typeface="+mn-ea"/>
+                <a:cs typeface="+mn-cs"/>
+              </a:defRPr>
+            </a:lvl4pPr>
+            <a:lvl5pPr marL="2057400" indent="-228600" algn="l" defTabSz="914400" rtl="0" eaLnBrk="1" latinLnBrk="0" hangingPunct="1">
+              <a:spcBef>
+                <a:spcPct val="20000"/>
+              </a:spcBef>
+              <a:buFont typeface="Arial" pitchFamily="34" charset="0"/>
+              <a:buChar char="»"/>
+              <a:defRPr sz="2000" kern="1200">
+                <a:solidFill>
+                  <a:schemeClr val="tx1"/>
+                </a:solidFill>
+                <a:latin typeface="+mn-lt"/>
+                <a:ea typeface="+mn-ea"/>
+                <a:cs typeface="+mn-cs"/>
+              </a:defRPr>
+            </a:lvl5pPr>
+            <a:lvl6pPr marL="2514600" indent="-228600" algn="l" defTabSz="914400" rtl="0" eaLnBrk="1" latinLnBrk="0" hangingPunct="1">
+              <a:spcBef>
+                <a:spcPct val="20000"/>
+              </a:spcBef>
+              <a:buFont typeface="Arial" pitchFamily="34" charset="0"/>
+              <a:buChar char="•"/>
+              <a:defRPr sz="2000" kern="1200">
+                <a:solidFill>
+                  <a:schemeClr val="tx1"/>
+                </a:solidFill>
+                <a:latin typeface="+mn-lt"/>
+                <a:ea typeface="+mn-ea"/>
+                <a:cs typeface="+mn-cs"/>
+              </a:defRPr>
+            </a:lvl6pPr>
+            <a:lvl7pPr marL="2971800" indent="-228600" algn="l" defTabSz="914400" rtl="0" eaLnBrk="1" latinLnBrk="0" hangingPunct="1">
+              <a:spcBef>
+                <a:spcPct val="20000"/>
+              </a:spcBef>
+              <a:buFont typeface="Arial" pitchFamily="34" charset="0"/>
+              <a:buChar char="•"/>
+              <a:defRPr sz="2000" kern="1200">
+                <a:solidFill>
+                  <a:schemeClr val="tx1"/>
+                </a:solidFill>
+                <a:latin typeface="+mn-lt"/>
+                <a:ea typeface="+mn-ea"/>
+                <a:cs typeface="+mn-cs"/>
+              </a:defRPr>
+            </a:lvl7pPr>
+            <a:lvl8pPr marL="3429000" indent="-228600" algn="l" defTabSz="914400" rtl="0" eaLnBrk="1" latinLnBrk="0" hangingPunct="1">
+              <a:spcBef>
+                <a:spcPct val="20000"/>
+              </a:spcBef>
+              <a:buFont typeface="Arial" pitchFamily="34" charset="0"/>
+              <a:buChar char="•"/>
+              <a:defRPr sz="2000" kern="1200">
+                <a:solidFill>
+                  <a:schemeClr val="tx1"/>
+                </a:solidFill>
+                <a:latin typeface="+mn-lt"/>
+                <a:ea typeface="+mn-ea"/>
+                <a:cs typeface="+mn-cs"/>
+              </a:defRPr>
+            </a:lvl8pPr>
+            <a:lvl9pPr marL="3886200" indent="-228600" algn="l" defTabSz="914400" rtl="0" eaLnBrk="1" latinLnBrk="0" hangingPunct="1">
+              <a:spcBef>
+                <a:spcPct val="20000"/>
+              </a:spcBef>
+              <a:buFont typeface="Arial" pitchFamily="34" charset="0"/>
+              <a:buChar char="•"/>
+              <a:defRPr sz="2000" kern="1200">
+                <a:solidFill>
+                  <a:schemeClr val="tx1"/>
+                </a:solidFill>
+                <a:latin typeface="+mn-lt"/>
+                <a:ea typeface="+mn-ea"/>
+                <a:cs typeface="+mn-cs"/>
+              </a:defRPr>
+            </a:lvl9pPr>
+          </a:lstStyle>
+          <a:p>
+            <a:pPr marL="0" indent="0" algn="ctr">
+              <a:buNone/>
+            </a:pPr>
+            <a:r>
+              <a:rPr lang="en-US" sz="3000" dirty="0" smtClean="0">
+                <a:latin typeface="Helvetica"/>
+                <a:cs typeface="Helvetica"/>
+              </a:rPr>
+              <a:t>Training + Test</a:t>
+            </a:r>
+          </a:p>
+          <a:p>
+            <a:pPr marL="0" indent="0" algn="ctr">
+              <a:buNone/>
+            </a:pPr>
+            <a:endParaRPr lang="en-US" sz="3000" dirty="0">
+              <a:latin typeface="Helvetica"/>
+              <a:cs typeface="Helvetica"/>
+            </a:endParaRPr>
+          </a:p>
+          <a:p>
+            <a:r>
+              <a:rPr lang="en-US" sz="3000" dirty="0" err="1" smtClean="0">
+                <a:latin typeface="Helvetica"/>
+                <a:cs typeface="Helvetica"/>
+              </a:rPr>
+              <a:t>projects.csv</a:t>
+            </a:r>
+            <a:endParaRPr lang="en-US" sz="3000" dirty="0" smtClean="0">
+              <a:latin typeface="Helvetica"/>
+              <a:cs typeface="Helvetica"/>
+            </a:endParaRPr>
+          </a:p>
+          <a:p>
+            <a:r>
+              <a:rPr lang="en-US" sz="3000" dirty="0" err="1" smtClean="0">
+                <a:latin typeface="Helvetica"/>
+                <a:cs typeface="Helvetica"/>
+              </a:rPr>
+              <a:t>essays.csv</a:t>
+            </a:r>
+            <a:endParaRPr lang="en-US" sz="3000" dirty="0" smtClean="0">
+              <a:latin typeface="Helvetica"/>
+              <a:cs typeface="Helvetica"/>
+            </a:endParaRPr>
+          </a:p>
+          <a:p>
+            <a:r>
+              <a:rPr lang="en-US" sz="3000" dirty="0" err="1">
+                <a:latin typeface="Helvetica"/>
+                <a:cs typeface="Helvetica"/>
+              </a:rPr>
+              <a:t>r</a:t>
+            </a:r>
+            <a:r>
+              <a:rPr lang="en-US" sz="3000" dirty="0" err="1" smtClean="0">
+                <a:latin typeface="Helvetica"/>
+                <a:cs typeface="Helvetica"/>
+              </a:rPr>
+              <a:t>esources.csv</a:t>
+            </a:r>
+            <a:endParaRPr lang="en-US" sz="3000" dirty="0">
+              <a:latin typeface="Helvetica"/>
+              <a:cs typeface="Helvetica"/>
+            </a:endParaRPr>
+          </a:p>
+        </p:txBody>
+      </p:sp>
+      <p:cxnSp>
+        <p:nvCxnSpPr>
+          <p:cNvPr id="4" name="Straight Connector 3"/>
+          <p:cNvCxnSpPr/>
+          <p:nvPr/>
+        </p:nvCxnSpPr>
+        <p:spPr>
+          <a:xfrm>
+            <a:off x="4495800" y="1524000"/>
+            <a:ext cx="0" cy="4495800"/>
+          </a:xfrm>
+          <a:prstGeom prst="line">
+            <a:avLst/>
+          </a:prstGeom>
+          <a:ln w="31750">
+            <a:solidFill>
+              <a:srgbClr val="FF0000"/>
+            </a:solidFill>
+          </a:ln>
+        </p:spPr>
+        <p:style>
+          <a:lnRef idx="2">
+            <a:schemeClr val="accent1"/>
+          </a:lnRef>
+          <a:fillRef idx="0">
+            <a:schemeClr val="accent1"/>
+          </a:fillRef>
+          <a:effectRef idx="1">
+            <a:schemeClr val="accent1"/>
+          </a:effectRef>
+          <a:fontRef idx="minor">
+            <a:schemeClr val="tx1"/>
+          </a:fontRef>
+        </p:style>
+      </p:cxnSp>
     </p:spTree>
     <p:extLst>
       <p:ext uri="{BB962C8B-B14F-4D97-AF65-F5344CB8AC3E}">
@@ -6355,7 +12099,7 @@
   <p:timing>
     <p:tnLst>
       <p:par>
-        <p:cTn id="1" dur="indefinite" restart="never" nodeType="tmRoot"/>
+        <p:cTn xmlns:p14="http://schemas.microsoft.com/office/powerpoint/2010/main" id="1" dur="indefinite" restart="never" nodeType="tmRoot"/>
       </p:par>
     </p:tnLst>
   </p:timing>
@@ -6396,7 +12140,11 @@
           <a:p>
             <a:r>
               <a:rPr lang="en-US" dirty="0" smtClean="0"/>
-              <a:t>Too much history is useless! </a:t>
+              <a:t>Data provisioned by </a:t>
+            </a:r>
+            <a:r>
+              <a:rPr lang="en-US" dirty="0" err="1" smtClean="0"/>
+              <a:t>Kaggle</a:t>
             </a:r>
             <a:endParaRPr lang="en-US" dirty="0"/>
           </a:p>
@@ -6417,7 +12165,7 @@
           <a:bodyPr/>
           <a:lstStyle/>
           <a:p>
-            <a:fld id="{14440310-6098-4168-BBD8-7910E38E86A8}" type="datetime3">
+            <a:fld id="{C568B7B7-A507-48A0-B22F-AA1D52CB5AA0}" type="datetime3">
               <a:rPr lang="en-US" smtClean="0"/>
               <a:t>3 November 2014</a:t>
             </a:fld>
@@ -6472,10 +12220,39 @@
           </a:p>
         </p:txBody>
       </p:sp>
+      <p:sp>
+        <p:nvSpPr>
+          <p:cNvPr id="3" name="Content Placeholder 2"/>
+          <p:cNvSpPr>
+            <a:spLocks noGrp="1"/>
+          </p:cNvSpPr>
+          <p:nvPr>
+            <p:ph idx="1"/>
+          </p:nvPr>
+        </p:nvSpPr>
+        <p:spPr/>
+        <p:txBody>
+          <a:bodyPr/>
+          <a:lstStyle/>
+          <a:p>
+            <a:r>
+              <a:rPr lang="en-US" dirty="0" smtClean="0"/>
+              <a:t>Training: &lt; 1 January 2014</a:t>
+            </a:r>
+          </a:p>
+          <a:p>
+            <a:r>
+              <a:rPr lang="en-US" dirty="0" smtClean="0"/>
+              <a:t>Test: &gt;= 1 January 2014</a:t>
+            </a:r>
+            <a:endParaRPr lang="en-US" dirty="0"/>
+          </a:p>
+        </p:txBody>
+      </p:sp>
     </p:spTree>
     <p:extLst>
       <p:ext uri="{BB962C8B-B14F-4D97-AF65-F5344CB8AC3E}">
-        <p14:creationId xmlns:p14="http://schemas.microsoft.com/office/powerpoint/2010/main" val="3521867031"/>
+        <p14:creationId xmlns:p14="http://schemas.microsoft.com/office/powerpoint/2010/main" val="3431364994"/>
       </p:ext>
     </p:extLst>
   </p:cSld>
@@ -6485,7 +12262,7 @@
   <p:timing>
     <p:tnLst>
       <p:par>
-        <p:cTn id="1" dur="indefinite" restart="never" nodeType="tmRoot"/>
+        <p:cTn xmlns:p14="http://schemas.microsoft.com/office/powerpoint/2010/main" id="1" dur="indefinite" restart="never" nodeType="tmRoot"/>
       </p:par>
     </p:tnLst>
   </p:timing>
@@ -6525,145 +12302,902 @@
           <a:lstStyle/>
           <a:p>
             <a:r>
-              <a:rPr lang="en-US" dirty="0" smtClean="0"/>
-              <a:t>Outline</a:t>
-            </a:r>
-            <a:endParaRPr lang="en-US" dirty="0"/>
-          </a:p>
-        </p:txBody>
-      </p:sp>
-      <p:sp>
-        <p:nvSpPr>
-          <p:cNvPr id="3" name="Content Placeholder 2"/>
-          <p:cNvSpPr>
-            <a:spLocks noGrp="1"/>
-          </p:cNvSpPr>
+              <a:rPr lang="en-US" dirty="0"/>
+              <a:t>Too much history is useless! </a:t>
+            </a:r>
+          </a:p>
+        </p:txBody>
+      </p:sp>
+      <p:graphicFrame>
+        <p:nvGraphicFramePr>
+          <p:cNvPr id="12" name="Content Placeholder 11"/>
+          <p:cNvGraphicFramePr>
+            <a:graphicFrameLocks noGrp="1"/>
+          </p:cNvGraphicFramePr>
           <p:nvPr>
             <p:ph idx="1"/>
+            <p:extLst>
+              <p:ext uri="{D42A27DB-BD31-4B8C-83A1-F6EECF244321}">
+                <p14:modId xmlns:p14="http://schemas.microsoft.com/office/powerpoint/2010/main" val="3561828059"/>
+              </p:ext>
+            </p:extLst>
+          </p:nvPr>
+        </p:nvGraphicFramePr>
+        <p:xfrm>
+          <a:off x="457200" y="2133600"/>
+          <a:ext cx="8229600" cy="3505200"/>
+        </p:xfrm>
+        <a:graphic>
+          <a:graphicData uri="http://schemas.openxmlformats.org/drawingml/2006/table">
+            <a:tbl>
+              <a:tblPr firstRow="1" bandRow="1">
+                <a:tableStyleId>{3B4B98B0-60AC-42C2-AFA5-B58CD77FA1E5}</a:tableStyleId>
+              </a:tblPr>
+              <a:tblGrid>
+                <a:gridCol w="1645920"/>
+                <a:gridCol w="1645920"/>
+                <a:gridCol w="1645920"/>
+                <a:gridCol w="1645920"/>
+                <a:gridCol w="1645920"/>
+              </a:tblGrid>
+              <a:tr h="1094092">
+                <a:tc>
+                  <a:txBody>
+                    <a:bodyPr/>
+                    <a:lstStyle/>
+                    <a:p>
+                      <a:pPr>
+                        <a:lnSpc>
+                          <a:spcPct val="115000"/>
+                        </a:lnSpc>
+                        <a:spcAft>
+                          <a:spcPts val="0"/>
+                        </a:spcAft>
+                      </a:pPr>
+                      <a:r>
+                        <a:rPr lang="en-US" sz="1200" dirty="0">
+                          <a:effectLst/>
+                        </a:rPr>
+                        <a:t>Training set Start date</a:t>
+                      </a:r>
+                      <a:endParaRPr lang="en-US" sz="1100" dirty="0">
+                        <a:solidFill>
+                          <a:srgbClr val="000000"/>
+                        </a:solidFill>
+                        <a:effectLst/>
+                        <a:latin typeface="Arial"/>
+                        <a:ea typeface="Arial"/>
+                        <a:cs typeface="Arial"/>
+                      </a:endParaRPr>
+                    </a:p>
+                  </a:txBody>
+                  <a:tcPr marL="63500" marR="63500" marT="63500" marB="63500"/>
+                </a:tc>
+                <a:tc>
+                  <a:txBody>
+                    <a:bodyPr/>
+                    <a:lstStyle/>
+                    <a:p>
+                      <a:pPr>
+                        <a:lnSpc>
+                          <a:spcPct val="115000"/>
+                        </a:lnSpc>
+                        <a:spcAft>
+                          <a:spcPts val="0"/>
+                        </a:spcAft>
+                      </a:pPr>
+                      <a:r>
+                        <a:rPr lang="en-US" sz="1200">
+                          <a:effectLst/>
+                        </a:rPr>
+                        <a:t>Training Set Size (# projects)</a:t>
+                      </a:r>
+                      <a:endParaRPr lang="en-US" sz="1100">
+                        <a:solidFill>
+                          <a:srgbClr val="000000"/>
+                        </a:solidFill>
+                        <a:effectLst/>
+                        <a:latin typeface="Arial"/>
+                        <a:ea typeface="Arial"/>
+                        <a:cs typeface="Arial"/>
+                      </a:endParaRPr>
+                    </a:p>
+                  </a:txBody>
+                  <a:tcPr marL="63500" marR="63500" marT="63500" marB="63500"/>
+                </a:tc>
+                <a:tc>
+                  <a:txBody>
+                    <a:bodyPr/>
+                    <a:lstStyle/>
+                    <a:p>
+                      <a:pPr>
+                        <a:lnSpc>
+                          <a:spcPct val="115000"/>
+                        </a:lnSpc>
+                        <a:spcAft>
+                          <a:spcPts val="0"/>
+                        </a:spcAft>
+                      </a:pPr>
+                      <a:r>
+                        <a:rPr lang="en-US" sz="1200" dirty="0">
+                          <a:effectLst/>
+                        </a:rPr>
+                        <a:t>3-fold CV Over Training Data</a:t>
+                      </a:r>
+                      <a:endParaRPr lang="en-US" sz="1100" dirty="0">
+                        <a:solidFill>
+                          <a:srgbClr val="000000"/>
+                        </a:solidFill>
+                        <a:effectLst/>
+                        <a:latin typeface="Arial"/>
+                        <a:ea typeface="Arial"/>
+                        <a:cs typeface="Arial"/>
+                      </a:endParaRPr>
+                    </a:p>
+                  </a:txBody>
+                  <a:tcPr marL="63500" marR="63500" marT="63500" marB="63500"/>
+                </a:tc>
+                <a:tc>
+                  <a:txBody>
+                    <a:bodyPr/>
+                    <a:lstStyle/>
+                    <a:p>
+                      <a:pPr>
+                        <a:lnSpc>
+                          <a:spcPct val="115000"/>
+                        </a:lnSpc>
+                        <a:spcAft>
+                          <a:spcPts val="0"/>
+                        </a:spcAft>
+                      </a:pPr>
+                      <a:r>
+                        <a:rPr lang="en-US" sz="1200">
+                          <a:effectLst/>
+                        </a:rPr>
+                        <a:t>Kaggle public leaderboard score</a:t>
+                      </a:r>
+                      <a:endParaRPr lang="en-US" sz="1100">
+                        <a:solidFill>
+                          <a:srgbClr val="000000"/>
+                        </a:solidFill>
+                        <a:effectLst/>
+                        <a:latin typeface="Arial"/>
+                        <a:ea typeface="Arial"/>
+                        <a:cs typeface="Arial"/>
+                      </a:endParaRPr>
+                    </a:p>
+                  </a:txBody>
+                  <a:tcPr marL="63500" marR="63500" marT="63500" marB="63500"/>
+                </a:tc>
+                <a:tc>
+                  <a:txBody>
+                    <a:bodyPr/>
+                    <a:lstStyle/>
+                    <a:p>
+                      <a:pPr>
+                        <a:lnSpc>
+                          <a:spcPct val="115000"/>
+                        </a:lnSpc>
+                        <a:spcAft>
+                          <a:spcPts val="0"/>
+                        </a:spcAft>
+                      </a:pPr>
+                      <a:r>
+                        <a:rPr lang="en-US" sz="1200" dirty="0" err="1">
+                          <a:effectLst/>
+                        </a:rPr>
+                        <a:t>Kaggle</a:t>
+                      </a:r>
+                      <a:r>
+                        <a:rPr lang="en-US" sz="1200" dirty="0">
+                          <a:effectLst/>
+                        </a:rPr>
+                        <a:t> private leaderboard</a:t>
+                      </a:r>
+                      <a:endParaRPr lang="en-US" sz="1100" dirty="0">
+                        <a:effectLst/>
+                      </a:endParaRPr>
+                    </a:p>
+                    <a:p>
+                      <a:pPr>
+                        <a:lnSpc>
+                          <a:spcPct val="115000"/>
+                        </a:lnSpc>
+                        <a:spcAft>
+                          <a:spcPts val="0"/>
+                        </a:spcAft>
+                      </a:pPr>
+                      <a:r>
+                        <a:rPr lang="en-US" sz="1200" dirty="0">
+                          <a:effectLst/>
+                        </a:rPr>
+                        <a:t>score</a:t>
+                      </a:r>
+                      <a:endParaRPr lang="en-US" sz="1100" dirty="0">
+                        <a:solidFill>
+                          <a:srgbClr val="000000"/>
+                        </a:solidFill>
+                        <a:effectLst/>
+                        <a:latin typeface="Arial"/>
+                        <a:ea typeface="Arial"/>
+                        <a:cs typeface="Arial"/>
+                      </a:endParaRPr>
+                    </a:p>
+                  </a:txBody>
+                  <a:tcPr marL="63500" marR="63500" marT="63500" marB="63500"/>
+                </a:tc>
+              </a:tr>
+              <a:tr h="670241">
+                <a:tc>
+                  <a:txBody>
+                    <a:bodyPr/>
+                    <a:lstStyle/>
+                    <a:p>
+                      <a:pPr>
+                        <a:lnSpc>
+                          <a:spcPct val="115000"/>
+                        </a:lnSpc>
+                        <a:spcAft>
+                          <a:spcPts val="0"/>
+                        </a:spcAft>
+                      </a:pPr>
+                      <a:r>
+                        <a:rPr lang="en-US" sz="1200" dirty="0">
+                          <a:effectLst/>
+                        </a:rPr>
+                        <a:t>All</a:t>
+                      </a:r>
+                      <a:endParaRPr lang="en-US" sz="1100" dirty="0">
+                        <a:solidFill>
+                          <a:srgbClr val="000000"/>
+                        </a:solidFill>
+                        <a:effectLst/>
+                        <a:latin typeface="Arial"/>
+                        <a:ea typeface="Arial"/>
+                        <a:cs typeface="Arial"/>
+                      </a:endParaRPr>
+                    </a:p>
+                  </a:txBody>
+                  <a:tcPr marL="63500" marR="63500" marT="63500" marB="63500"/>
+                </a:tc>
+                <a:tc>
+                  <a:txBody>
+                    <a:bodyPr/>
+                    <a:lstStyle/>
+                    <a:p>
+                      <a:pPr>
+                        <a:lnSpc>
+                          <a:spcPct val="115000"/>
+                        </a:lnSpc>
+                        <a:spcAft>
+                          <a:spcPts val="0"/>
+                        </a:spcAft>
+                      </a:pPr>
+                      <a:r>
+                        <a:rPr lang="en-US" sz="1200">
+                          <a:effectLst/>
+                        </a:rPr>
+                        <a:t>619,326</a:t>
+                      </a:r>
+                      <a:endParaRPr lang="en-US" sz="1100">
+                        <a:solidFill>
+                          <a:srgbClr val="000000"/>
+                        </a:solidFill>
+                        <a:effectLst/>
+                        <a:latin typeface="Arial"/>
+                        <a:ea typeface="Arial"/>
+                        <a:cs typeface="Arial"/>
+                      </a:endParaRPr>
+                    </a:p>
+                  </a:txBody>
+                  <a:tcPr marL="63500" marR="63500" marT="63500" marB="63500"/>
+                </a:tc>
+                <a:tc>
+                  <a:txBody>
+                    <a:bodyPr/>
+                    <a:lstStyle/>
+                    <a:p>
+                      <a:pPr>
+                        <a:lnSpc>
+                          <a:spcPct val="115000"/>
+                        </a:lnSpc>
+                        <a:spcAft>
+                          <a:spcPts val="0"/>
+                        </a:spcAft>
+                      </a:pPr>
+                      <a:r>
+                        <a:rPr lang="en-US" sz="1200">
+                          <a:effectLst/>
+                        </a:rPr>
+                        <a:t>0.76894</a:t>
+                      </a:r>
+                      <a:endParaRPr lang="en-US" sz="1100">
+                        <a:solidFill>
+                          <a:srgbClr val="000000"/>
+                        </a:solidFill>
+                        <a:effectLst/>
+                        <a:latin typeface="Arial"/>
+                        <a:ea typeface="Arial"/>
+                        <a:cs typeface="Arial"/>
+                      </a:endParaRPr>
+                    </a:p>
+                  </a:txBody>
+                  <a:tcPr marL="63500" marR="63500" marT="63500" marB="63500"/>
+                </a:tc>
+                <a:tc>
+                  <a:txBody>
+                    <a:bodyPr/>
+                    <a:lstStyle/>
+                    <a:p>
+                      <a:pPr>
+                        <a:lnSpc>
+                          <a:spcPct val="115000"/>
+                        </a:lnSpc>
+                        <a:spcAft>
+                          <a:spcPts val="0"/>
+                        </a:spcAft>
+                      </a:pPr>
+                      <a:r>
+                        <a:rPr lang="en-US" sz="1200">
+                          <a:effectLst/>
+                        </a:rPr>
+                        <a:t>0.58110</a:t>
+                      </a:r>
+                      <a:endParaRPr lang="en-US" sz="1100">
+                        <a:solidFill>
+                          <a:srgbClr val="000000"/>
+                        </a:solidFill>
+                        <a:effectLst/>
+                        <a:latin typeface="Arial"/>
+                        <a:ea typeface="Arial"/>
+                        <a:cs typeface="Arial"/>
+                      </a:endParaRPr>
+                    </a:p>
+                  </a:txBody>
+                  <a:tcPr marL="63500" marR="63500" marT="127000" marB="127000"/>
+                </a:tc>
+                <a:tc>
+                  <a:txBody>
+                    <a:bodyPr/>
+                    <a:lstStyle/>
+                    <a:p>
+                      <a:pPr>
+                        <a:lnSpc>
+                          <a:spcPct val="115000"/>
+                        </a:lnSpc>
+                        <a:spcAft>
+                          <a:spcPts val="0"/>
+                        </a:spcAft>
+                      </a:pPr>
+                      <a:r>
+                        <a:rPr lang="en-US" sz="1200">
+                          <a:effectLst/>
+                        </a:rPr>
+                        <a:t>0.63825</a:t>
+                      </a:r>
+                      <a:endParaRPr lang="en-US" sz="1100">
+                        <a:solidFill>
+                          <a:srgbClr val="000000"/>
+                        </a:solidFill>
+                        <a:effectLst/>
+                        <a:latin typeface="Arial"/>
+                        <a:ea typeface="Arial"/>
+                        <a:cs typeface="Arial"/>
+                      </a:endParaRPr>
+                    </a:p>
+                  </a:txBody>
+                  <a:tcPr marL="63500" marR="63500" marT="127000" marB="127000"/>
+                </a:tc>
+              </a:tr>
+              <a:tr h="670241">
+                <a:tc>
+                  <a:txBody>
+                    <a:bodyPr/>
+                    <a:lstStyle/>
+                    <a:p>
+                      <a:pPr>
+                        <a:lnSpc>
+                          <a:spcPct val="115000"/>
+                        </a:lnSpc>
+                        <a:spcAft>
+                          <a:spcPts val="0"/>
+                        </a:spcAft>
+                      </a:pPr>
+                      <a:r>
+                        <a:rPr lang="en-US" sz="1200">
+                          <a:effectLst/>
+                        </a:rPr>
+                        <a:t>January 2012</a:t>
+                      </a:r>
+                      <a:endParaRPr lang="en-US" sz="1100">
+                        <a:solidFill>
+                          <a:srgbClr val="000000"/>
+                        </a:solidFill>
+                        <a:effectLst/>
+                        <a:latin typeface="Arial"/>
+                        <a:ea typeface="Arial"/>
+                        <a:cs typeface="Arial"/>
+                      </a:endParaRPr>
+                    </a:p>
+                  </a:txBody>
+                  <a:tcPr marL="63500" marR="63500" marT="63500" marB="63500"/>
+                </a:tc>
+                <a:tc>
+                  <a:txBody>
+                    <a:bodyPr/>
+                    <a:lstStyle/>
+                    <a:p>
+                      <a:pPr>
+                        <a:lnSpc>
+                          <a:spcPct val="115000"/>
+                        </a:lnSpc>
+                        <a:spcAft>
+                          <a:spcPts val="0"/>
+                        </a:spcAft>
+                      </a:pPr>
+                      <a:r>
+                        <a:rPr lang="en-US" sz="1200">
+                          <a:effectLst/>
+                        </a:rPr>
+                        <a:t>248,955</a:t>
+                      </a:r>
+                      <a:endParaRPr lang="en-US" sz="1100">
+                        <a:solidFill>
+                          <a:srgbClr val="000000"/>
+                        </a:solidFill>
+                        <a:effectLst/>
+                        <a:latin typeface="Arial"/>
+                        <a:ea typeface="Arial"/>
+                        <a:cs typeface="Arial"/>
+                      </a:endParaRPr>
+                    </a:p>
+                  </a:txBody>
+                  <a:tcPr marL="63500" marR="63500" marT="63500" marB="63500"/>
+                </a:tc>
+                <a:tc>
+                  <a:txBody>
+                    <a:bodyPr/>
+                    <a:lstStyle/>
+                    <a:p>
+                      <a:pPr>
+                        <a:lnSpc>
+                          <a:spcPct val="115000"/>
+                        </a:lnSpc>
+                        <a:spcAft>
+                          <a:spcPts val="0"/>
+                        </a:spcAft>
+                      </a:pPr>
+                      <a:r>
+                        <a:rPr lang="en-US" sz="1200">
+                          <a:effectLst/>
+                        </a:rPr>
+                        <a:t>0.67067</a:t>
+                      </a:r>
+                      <a:endParaRPr lang="en-US" sz="1100">
+                        <a:solidFill>
+                          <a:srgbClr val="000000"/>
+                        </a:solidFill>
+                        <a:effectLst/>
+                        <a:latin typeface="Arial"/>
+                        <a:ea typeface="Arial"/>
+                        <a:cs typeface="Arial"/>
+                      </a:endParaRPr>
+                    </a:p>
+                  </a:txBody>
+                  <a:tcPr marL="63500" marR="63500" marT="63500" marB="63500"/>
+                </a:tc>
+                <a:tc>
+                  <a:txBody>
+                    <a:bodyPr/>
+                    <a:lstStyle/>
+                    <a:p>
+                      <a:pPr>
+                        <a:lnSpc>
+                          <a:spcPct val="115000"/>
+                        </a:lnSpc>
+                        <a:spcAft>
+                          <a:spcPts val="0"/>
+                        </a:spcAft>
+                      </a:pPr>
+                      <a:r>
+                        <a:rPr lang="en-US" sz="1200">
+                          <a:effectLst/>
+                        </a:rPr>
+                        <a:t>0.60727</a:t>
+                      </a:r>
+                      <a:endParaRPr lang="en-US" sz="1100">
+                        <a:solidFill>
+                          <a:srgbClr val="000000"/>
+                        </a:solidFill>
+                        <a:effectLst/>
+                        <a:latin typeface="Arial"/>
+                        <a:ea typeface="Arial"/>
+                        <a:cs typeface="Arial"/>
+                      </a:endParaRPr>
+                    </a:p>
+                  </a:txBody>
+                  <a:tcPr marL="63500" marR="63500" marT="127000" marB="127000"/>
+                </a:tc>
+                <a:tc>
+                  <a:txBody>
+                    <a:bodyPr/>
+                    <a:lstStyle/>
+                    <a:p>
+                      <a:pPr>
+                        <a:lnSpc>
+                          <a:spcPct val="115000"/>
+                        </a:lnSpc>
+                        <a:spcAft>
+                          <a:spcPts val="0"/>
+                        </a:spcAft>
+                      </a:pPr>
+                      <a:r>
+                        <a:rPr lang="en-US" sz="1200">
+                          <a:effectLst/>
+                        </a:rPr>
+                        <a:t>0.65418</a:t>
+                      </a:r>
+                      <a:endParaRPr lang="en-US" sz="1100">
+                        <a:solidFill>
+                          <a:srgbClr val="000000"/>
+                        </a:solidFill>
+                        <a:effectLst/>
+                        <a:latin typeface="Arial"/>
+                        <a:ea typeface="Arial"/>
+                        <a:cs typeface="Arial"/>
+                      </a:endParaRPr>
+                    </a:p>
+                  </a:txBody>
+                  <a:tcPr marL="63500" marR="63500" marT="127000" marB="127000"/>
+                </a:tc>
+              </a:tr>
+              <a:tr h="535313">
+                <a:tc>
+                  <a:txBody>
+                    <a:bodyPr/>
+                    <a:lstStyle/>
+                    <a:p>
+                      <a:pPr>
+                        <a:lnSpc>
+                          <a:spcPct val="115000"/>
+                        </a:lnSpc>
+                        <a:spcAft>
+                          <a:spcPts val="0"/>
+                        </a:spcAft>
+                      </a:pPr>
+                      <a:r>
+                        <a:rPr lang="en-US" sz="1200">
+                          <a:effectLst/>
+                        </a:rPr>
+                        <a:t>July 2012</a:t>
+                      </a:r>
+                      <a:endParaRPr lang="en-US" sz="1100">
+                        <a:solidFill>
+                          <a:srgbClr val="000000"/>
+                        </a:solidFill>
+                        <a:effectLst/>
+                        <a:latin typeface="Arial"/>
+                        <a:ea typeface="Arial"/>
+                        <a:cs typeface="Arial"/>
+                      </a:endParaRPr>
+                    </a:p>
+                  </a:txBody>
+                  <a:tcPr marL="63500" marR="63500" marT="63500" marB="63500"/>
+                </a:tc>
+                <a:tc>
+                  <a:txBody>
+                    <a:bodyPr/>
+                    <a:lstStyle/>
+                    <a:p>
+                      <a:pPr>
+                        <a:lnSpc>
+                          <a:spcPct val="115000"/>
+                        </a:lnSpc>
+                        <a:spcAft>
+                          <a:spcPts val="0"/>
+                        </a:spcAft>
+                      </a:pPr>
+                      <a:r>
+                        <a:rPr lang="en-US" sz="1200">
+                          <a:effectLst/>
+                        </a:rPr>
+                        <a:t>196,770</a:t>
+                      </a:r>
+                      <a:endParaRPr lang="en-US" sz="1100">
+                        <a:solidFill>
+                          <a:srgbClr val="000000"/>
+                        </a:solidFill>
+                        <a:effectLst/>
+                        <a:latin typeface="Arial"/>
+                        <a:ea typeface="Arial"/>
+                        <a:cs typeface="Arial"/>
+                      </a:endParaRPr>
+                    </a:p>
+                  </a:txBody>
+                  <a:tcPr marL="63500" marR="63500" marT="63500" marB="63500"/>
+                </a:tc>
+                <a:tc>
+                  <a:txBody>
+                    <a:bodyPr/>
+                    <a:lstStyle/>
+                    <a:p>
+                      <a:pPr>
+                        <a:lnSpc>
+                          <a:spcPct val="115000"/>
+                        </a:lnSpc>
+                        <a:spcAft>
+                          <a:spcPts val="0"/>
+                        </a:spcAft>
+                      </a:pPr>
+                      <a:r>
+                        <a:rPr lang="en-US" sz="1200">
+                          <a:effectLst/>
+                        </a:rPr>
+                        <a:t>0.65882</a:t>
+                      </a:r>
+                      <a:endParaRPr lang="en-US" sz="1100">
+                        <a:solidFill>
+                          <a:srgbClr val="000000"/>
+                        </a:solidFill>
+                        <a:effectLst/>
+                        <a:latin typeface="Arial"/>
+                        <a:ea typeface="Arial"/>
+                        <a:cs typeface="Arial"/>
+                      </a:endParaRPr>
+                    </a:p>
+                  </a:txBody>
+                  <a:tcPr marL="63500" marR="63500" marT="63500" marB="63500"/>
+                </a:tc>
+                <a:tc>
+                  <a:txBody>
+                    <a:bodyPr/>
+                    <a:lstStyle/>
+                    <a:p>
+                      <a:pPr>
+                        <a:lnSpc>
+                          <a:spcPct val="115000"/>
+                        </a:lnSpc>
+                        <a:spcAft>
+                          <a:spcPts val="0"/>
+                        </a:spcAft>
+                      </a:pPr>
+                      <a:r>
+                        <a:rPr lang="en-US" sz="1200">
+                          <a:effectLst/>
+                        </a:rPr>
+                        <a:t>0.60818	</a:t>
+                      </a:r>
+                      <a:endParaRPr lang="en-US" sz="1100">
+                        <a:solidFill>
+                          <a:srgbClr val="000000"/>
+                        </a:solidFill>
+                        <a:effectLst/>
+                        <a:latin typeface="Arial"/>
+                        <a:ea typeface="Arial"/>
+                        <a:cs typeface="Arial"/>
+                      </a:endParaRPr>
+                    </a:p>
+                  </a:txBody>
+                  <a:tcPr marL="63500" marR="63500" marT="63500" marB="63500"/>
+                </a:tc>
+                <a:tc>
+                  <a:txBody>
+                    <a:bodyPr/>
+                    <a:lstStyle/>
+                    <a:p>
+                      <a:pPr>
+                        <a:lnSpc>
+                          <a:spcPct val="115000"/>
+                        </a:lnSpc>
+                        <a:spcAft>
+                          <a:spcPts val="0"/>
+                        </a:spcAft>
+                      </a:pPr>
+                      <a:r>
+                        <a:rPr lang="en-US" sz="1200">
+                          <a:effectLst/>
+                        </a:rPr>
+                        <a:t>0.65557</a:t>
+                      </a:r>
+                      <a:endParaRPr lang="en-US" sz="1100">
+                        <a:solidFill>
+                          <a:srgbClr val="000000"/>
+                        </a:solidFill>
+                        <a:effectLst/>
+                        <a:latin typeface="Arial"/>
+                        <a:ea typeface="Arial"/>
+                        <a:cs typeface="Arial"/>
+                      </a:endParaRPr>
+                    </a:p>
+                  </a:txBody>
+                  <a:tcPr marL="63500" marR="63500" marT="63500" marB="63500"/>
+                </a:tc>
+              </a:tr>
+              <a:tr h="535313">
+                <a:tc>
+                  <a:txBody>
+                    <a:bodyPr/>
+                    <a:lstStyle/>
+                    <a:p>
+                      <a:pPr>
+                        <a:lnSpc>
+                          <a:spcPct val="115000"/>
+                        </a:lnSpc>
+                        <a:spcAft>
+                          <a:spcPts val="0"/>
+                        </a:spcAft>
+                      </a:pPr>
+                      <a:r>
+                        <a:rPr lang="en-US" sz="1200">
+                          <a:effectLst/>
+                        </a:rPr>
+                        <a:t>January 2013</a:t>
+                      </a:r>
+                      <a:endParaRPr lang="en-US" sz="1100">
+                        <a:solidFill>
+                          <a:srgbClr val="000000"/>
+                        </a:solidFill>
+                        <a:effectLst/>
+                        <a:latin typeface="Arial"/>
+                        <a:ea typeface="Arial"/>
+                        <a:cs typeface="Arial"/>
+                      </a:endParaRPr>
+                    </a:p>
+                  </a:txBody>
+                  <a:tcPr marL="63500" marR="63500" marT="63500" marB="63500"/>
+                </a:tc>
+                <a:tc>
+                  <a:txBody>
+                    <a:bodyPr/>
+                    <a:lstStyle/>
+                    <a:p>
+                      <a:pPr>
+                        <a:lnSpc>
+                          <a:spcPct val="115000"/>
+                        </a:lnSpc>
+                        <a:spcAft>
+                          <a:spcPts val="0"/>
+                        </a:spcAft>
+                      </a:pPr>
+                      <a:r>
+                        <a:rPr lang="en-US" sz="1200">
+                          <a:effectLst/>
+                        </a:rPr>
+                        <a:t>131,329</a:t>
+                      </a:r>
+                      <a:endParaRPr lang="en-US" sz="1100">
+                        <a:solidFill>
+                          <a:srgbClr val="000000"/>
+                        </a:solidFill>
+                        <a:effectLst/>
+                        <a:latin typeface="Arial"/>
+                        <a:ea typeface="Arial"/>
+                        <a:cs typeface="Arial"/>
+                      </a:endParaRPr>
+                    </a:p>
+                  </a:txBody>
+                  <a:tcPr marL="63500" marR="63500" marT="63500" marB="63500"/>
+                </a:tc>
+                <a:tc>
+                  <a:txBody>
+                    <a:bodyPr/>
+                    <a:lstStyle/>
+                    <a:p>
+                      <a:pPr>
+                        <a:lnSpc>
+                          <a:spcPct val="115000"/>
+                        </a:lnSpc>
+                        <a:spcAft>
+                          <a:spcPts val="0"/>
+                        </a:spcAft>
+                      </a:pPr>
+                      <a:r>
+                        <a:rPr lang="en-US" sz="1200">
+                          <a:effectLst/>
+                        </a:rPr>
+                        <a:t>0.64538</a:t>
+                      </a:r>
+                      <a:endParaRPr lang="en-US" sz="1100">
+                        <a:solidFill>
+                          <a:srgbClr val="000000"/>
+                        </a:solidFill>
+                        <a:effectLst/>
+                        <a:latin typeface="Arial"/>
+                        <a:ea typeface="Arial"/>
+                        <a:cs typeface="Arial"/>
+                      </a:endParaRPr>
+                    </a:p>
+                  </a:txBody>
+                  <a:tcPr marL="63500" marR="63500" marT="63500" marB="63500"/>
+                </a:tc>
+                <a:tc>
+                  <a:txBody>
+                    <a:bodyPr/>
+                    <a:lstStyle/>
+                    <a:p>
+                      <a:pPr>
+                        <a:lnSpc>
+                          <a:spcPct val="115000"/>
+                        </a:lnSpc>
+                        <a:spcAft>
+                          <a:spcPts val="0"/>
+                        </a:spcAft>
+                      </a:pPr>
+                      <a:r>
+                        <a:rPr lang="en-US" sz="1100">
+                          <a:effectLst/>
+                          <a:highlight>
+                            <a:srgbClr val="FFFFFF"/>
+                          </a:highlight>
+                        </a:rPr>
+                        <a:t>0.60417</a:t>
+                      </a:r>
+                      <a:endParaRPr lang="en-US" sz="1100">
+                        <a:solidFill>
+                          <a:srgbClr val="000000"/>
+                        </a:solidFill>
+                        <a:effectLst/>
+                        <a:latin typeface="Arial"/>
+                        <a:ea typeface="Arial"/>
+                        <a:cs typeface="Arial"/>
+                      </a:endParaRPr>
+                    </a:p>
+                  </a:txBody>
+                  <a:tcPr marL="63500" marR="63500" marT="63500" marB="63500"/>
+                </a:tc>
+                <a:tc>
+                  <a:txBody>
+                    <a:bodyPr/>
+                    <a:lstStyle/>
+                    <a:p>
+                      <a:pPr>
+                        <a:lnSpc>
+                          <a:spcPct val="115000"/>
+                        </a:lnSpc>
+                        <a:spcAft>
+                          <a:spcPts val="0"/>
+                        </a:spcAft>
+                      </a:pPr>
+                      <a:r>
+                        <a:rPr lang="en-US" sz="1200" dirty="0">
+                          <a:effectLst/>
+                        </a:rPr>
+                        <a:t>0.63495</a:t>
+                      </a:r>
+                      <a:endParaRPr lang="en-US" sz="1100" dirty="0">
+                        <a:solidFill>
+                          <a:srgbClr val="000000"/>
+                        </a:solidFill>
+                        <a:effectLst/>
+                        <a:latin typeface="Arial"/>
+                        <a:ea typeface="Arial"/>
+                        <a:cs typeface="Arial"/>
+                      </a:endParaRPr>
+                    </a:p>
+                  </a:txBody>
+                  <a:tcPr marL="63500" marR="63500" marT="63500" marB="63500"/>
+                </a:tc>
+              </a:tr>
+            </a:tbl>
+          </a:graphicData>
+        </a:graphic>
+      </p:graphicFrame>
+      <p:sp>
+        <p:nvSpPr>
+          <p:cNvPr id="4" name="Date Placeholder 3"/>
+          <p:cNvSpPr>
+            <a:spLocks noGrp="1"/>
+          </p:cNvSpPr>
+          <p:nvPr>
+            <p:ph type="dt" sz="half" idx="10"/>
           </p:nvPr>
         </p:nvSpPr>
         <p:spPr/>
         <p:txBody>
-          <a:bodyPr>
-            <a:normAutofit/>
-          </a:bodyPr>
-          <a:lstStyle/>
-          <a:p>
-            <a:r>
-              <a:rPr lang="en-US" sz="3000" dirty="0" smtClean="0">
-                <a:solidFill>
-                  <a:schemeClr val="bg1">
-                    <a:lumMod val="50000"/>
-                  </a:schemeClr>
-                </a:solidFill>
-                <a:latin typeface="Helvetica" panose="020B0604020202020204" pitchFamily="34" charset="0"/>
-                <a:cs typeface="Helvetica" panose="020B0604020202020204" pitchFamily="34" charset="0"/>
-              </a:rPr>
-              <a:t>Problem Statement</a:t>
-            </a:r>
-          </a:p>
-          <a:p>
-            <a:r>
-              <a:rPr lang="en-US" sz="3000" dirty="0" smtClean="0">
-                <a:solidFill>
-                  <a:schemeClr val="bg1">
-                    <a:lumMod val="50000"/>
-                  </a:schemeClr>
-                </a:solidFill>
-                <a:latin typeface="Helvetica" panose="020B0604020202020204" pitchFamily="34" charset="0"/>
-                <a:cs typeface="Helvetica" panose="020B0604020202020204" pitchFamily="34" charset="0"/>
-              </a:rPr>
-              <a:t>Data</a:t>
-            </a:r>
-          </a:p>
-          <a:p>
-            <a:r>
-              <a:rPr lang="en-US" sz="3000" dirty="0" smtClean="0">
-                <a:solidFill>
-                  <a:schemeClr val="bg1">
-                    <a:lumMod val="50000"/>
-                  </a:schemeClr>
-                </a:solidFill>
-                <a:latin typeface="Helvetica" panose="020B0604020202020204" pitchFamily="34" charset="0"/>
-                <a:cs typeface="Helvetica" panose="020B0604020202020204" pitchFamily="34" charset="0"/>
-              </a:rPr>
-              <a:t>Data preprocessing</a:t>
-            </a:r>
-          </a:p>
-          <a:p>
-            <a:r>
-              <a:rPr lang="en-US" sz="3000" dirty="0" smtClean="0">
-                <a:latin typeface="Helvetica" panose="020B0604020202020204" pitchFamily="34" charset="0"/>
-                <a:cs typeface="Helvetica" panose="020B0604020202020204" pitchFamily="34" charset="0"/>
-              </a:rPr>
-              <a:t>Predictive Model</a:t>
-            </a:r>
-          </a:p>
-          <a:p>
-            <a:pPr lvl="1"/>
-            <a:r>
-              <a:rPr lang="en-US" sz="2600" dirty="0" smtClean="0">
-                <a:latin typeface="Helvetica" panose="020B0604020202020204" pitchFamily="34" charset="0"/>
-                <a:cs typeface="Helvetica" panose="020B0604020202020204" pitchFamily="34" charset="0"/>
-              </a:rPr>
-              <a:t>Features</a:t>
-            </a:r>
-          </a:p>
-          <a:p>
-            <a:pPr lvl="1"/>
-            <a:r>
-              <a:rPr lang="en-US" sz="2600" dirty="0" smtClean="0">
-                <a:latin typeface="Helvetica" panose="020B0604020202020204" pitchFamily="34" charset="0"/>
-                <a:cs typeface="Helvetica" panose="020B0604020202020204" pitchFamily="34" charset="0"/>
-              </a:rPr>
-              <a:t>Learning algorithm: Max-Ent</a:t>
-            </a:r>
-          </a:p>
-          <a:p>
-            <a:r>
-              <a:rPr lang="en-US" sz="3000" dirty="0" smtClean="0">
-                <a:latin typeface="Helvetica" panose="020B0604020202020204" pitchFamily="34" charset="0"/>
-                <a:cs typeface="Helvetica" panose="020B0604020202020204" pitchFamily="34" charset="0"/>
-              </a:rPr>
-              <a:t>Experiments and Results</a:t>
-            </a:r>
-          </a:p>
-          <a:p>
-            <a:r>
-              <a:rPr lang="en-US" sz="3000" dirty="0" smtClean="0">
-                <a:latin typeface="Helvetica" panose="020B0604020202020204" pitchFamily="34" charset="0"/>
-                <a:cs typeface="Helvetica" panose="020B0604020202020204" pitchFamily="34" charset="0"/>
-              </a:rPr>
-              <a:t>Conclusions</a:t>
-            </a:r>
-          </a:p>
-          <a:p>
-            <a:endParaRPr lang="en-US" dirty="0" smtClean="0"/>
-          </a:p>
-          <a:p>
-            <a:endParaRPr lang="en-US" dirty="0" smtClean="0"/>
-          </a:p>
-          <a:p>
-            <a:endParaRPr lang="en-US" dirty="0" smtClean="0"/>
-          </a:p>
-        </p:txBody>
-      </p:sp>
-      <p:sp>
-        <p:nvSpPr>
-          <p:cNvPr id="5" name="Date Placeholder 4"/>
-          <p:cNvSpPr>
-            <a:spLocks noGrp="1"/>
-          </p:cNvSpPr>
-          <p:nvPr>
-            <p:ph type="dt" sz="half" idx="10"/>
-          </p:nvPr>
-        </p:nvSpPr>
-        <p:spPr/>
-        <p:txBody>
-          <a:bodyPr/>
-          <a:lstStyle/>
-          <a:p>
-            <a:fld id="{28AC1232-105D-4AA5-B548-5832548E2317}" type="datetime3">
+          <a:bodyPr/>
+          <a:lstStyle/>
+          <a:p>
+            <a:fld id="{67982E54-CFC6-46DC-BEF3-B3681CD4B600}" type="datetime3">
               <a:rPr lang="en-US" smtClean="0"/>
               <a:t>3 November 2014</a:t>
             </a:fld>
@@ -6673,7 +13207,7 @@
       </p:sp>
       <p:sp>
         <p:nvSpPr>
-          <p:cNvPr id="6" name="Footer Placeholder 5"/>
+          <p:cNvPr id="5" name="Footer Placeholder 4"/>
           <p:cNvSpPr>
             <a:spLocks noGrp="1"/>
           </p:cNvSpPr>
@@ -6696,7 +13230,7 @@
       </p:sp>
       <p:sp>
         <p:nvSpPr>
-          <p:cNvPr id="7" name="Slide Number Placeholder 6"/>
+          <p:cNvPr id="6" name="Slide Number Placeholder 5"/>
           <p:cNvSpPr>
             <a:spLocks noGrp="1"/>
           </p:cNvSpPr>
@@ -6721,7 +13255,7 @@
     </p:spTree>
     <p:extLst>
       <p:ext uri="{BB962C8B-B14F-4D97-AF65-F5344CB8AC3E}">
-        <p14:creationId xmlns:p14="http://schemas.microsoft.com/office/powerpoint/2010/main" val="2142217672"/>
+        <p14:creationId xmlns:p14="http://schemas.microsoft.com/office/powerpoint/2010/main" val="2673462739"/>
       </p:ext>
     </p:extLst>
   </p:cSld>
@@ -6731,7 +13265,7 @@
   <p:timing>
     <p:tnLst>
       <p:par>
-        <p:cTn id="1" dur="indefinite" restart="never" nodeType="tmRoot"/>
+        <p:cTn xmlns:p14="http://schemas.microsoft.com/office/powerpoint/2010/main" id="1" dur="indefinite" restart="never" nodeType="tmRoot"/>
       </p:par>
     </p:tnLst>
   </p:timing>

--- a/doc/2014_Nov_04.pptx
+++ b/doc/2014_Nov_04.pptx
@@ -5,7 +5,7 @@
     <p:sldMasterId id="2147483648" r:id="rId1"/>
   </p:sldMasterIdLst>
   <p:notesMasterIdLst>
-    <p:notesMasterId r:id="rId26"/>
+    <p:notesMasterId r:id="rId29"/>
   </p:notesMasterIdLst>
   <p:sldIdLst>
     <p:sldId id="256" r:id="rId2"/>
@@ -27,11 +27,14 @@
     <p:sldId id="270" r:id="rId18"/>
     <p:sldId id="266" r:id="rId19"/>
     <p:sldId id="278" r:id="rId20"/>
-    <p:sldId id="280" r:id="rId21"/>
-    <p:sldId id="281" r:id="rId22"/>
-    <p:sldId id="282" r:id="rId23"/>
-    <p:sldId id="267" r:id="rId24"/>
-    <p:sldId id="279" r:id="rId25"/>
+    <p:sldId id="267" r:id="rId21"/>
+    <p:sldId id="279" r:id="rId22"/>
+    <p:sldId id="280" r:id="rId23"/>
+    <p:sldId id="281" r:id="rId24"/>
+    <p:sldId id="285" r:id="rId25"/>
+    <p:sldId id="282" r:id="rId26"/>
+    <p:sldId id="283" r:id="rId27"/>
+    <p:sldId id="284" r:id="rId28"/>
   </p:sldIdLst>
   <p:sldSz cx="9144000" cy="6858000" type="screen4x3"/>
   <p:notesSz cx="6858000" cy="9144000"/>
@@ -215,7 +218,8 @@
           <a:p>
             <a:fld id="{6C4F5159-5F9A-40D9-9FA8-29356E4B5129}" type="datetimeFigureOut">
               <a:rPr lang="en-US" smtClean="0"/>
-              <a:t>11/3/14</a:t>
+              <a:pPr/>
+              <a:t>11/3/2014</a:t>
             </a:fld>
             <a:endParaRPr lang="en-US"/>
           </a:p>
@@ -374,6 +378,7 @@
           <a:p>
             <a:fld id="{BC4343D8-FBB9-4402-A05E-BA0EFF501ACD}" type="slidenum">
               <a:rPr lang="en-US" smtClean="0"/>
+              <a:pPr/>
               <a:t>‹#›</a:t>
             </a:fld>
             <a:endParaRPr lang="en-US"/>
@@ -383,7 +388,7 @@
     </p:spTree>
     <p:extLst>
       <p:ext uri="{BB962C8B-B14F-4D97-AF65-F5344CB8AC3E}">
-        <p14:creationId xmlns:p14="http://schemas.microsoft.com/office/powerpoint/2010/main" val="3353880773"/>
+        <p14:creationId xmlns:p14="http://schemas.microsoft.com/office/powerpoint/2010/main" xmlns="" val="3353880773"/>
       </p:ext>
     </p:extLst>
   </p:cSld>
@@ -669,6 +674,7 @@
             <a:pPr algn="ctr"/>
             <a:fld id="{A6788142-61EA-4A77-806B-3600FC0BAF2E}" type="datetime3">
               <a:rPr lang="en-US" smtClean="0"/>
+              <a:pPr algn="ctr"/>
               <a:t>3 November 2014</a:t>
             </a:fld>
             <a:endParaRPr lang="en-US" dirty="0"/>
@@ -752,7 +758,7 @@
   <p:timing>
     <p:tnLst>
       <p:par>
-        <p:cTn xmlns:p14="http://schemas.microsoft.com/office/powerpoint/2010/main" id="1" dur="indefinite" restart="never" nodeType="tmRoot"/>
+        <p:cTn id="1" dur="indefinite" restart="never" nodeType="tmRoot"/>
       </p:par>
     </p:tnLst>
   </p:timing>
@@ -868,6 +874,7 @@
           <a:p>
             <a:fld id="{F306D2A5-E6F9-43DB-9261-F23730E178D4}" type="datetime3">
               <a:rPr lang="en-US" smtClean="0"/>
+              <a:pPr/>
               <a:t>3 November 2014</a:t>
             </a:fld>
             <a:endParaRPr lang="en-US"/>
@@ -1048,6 +1055,7 @@
           <a:p>
             <a:fld id="{CFA561C2-E5FC-4E05-BB70-53F9C5063D0B}" type="datetime3">
               <a:rPr lang="en-US" smtClean="0"/>
+              <a:pPr/>
               <a:t>3 November 2014</a:t>
             </a:fld>
             <a:endParaRPr lang="en-US"/>
@@ -1218,6 +1226,7 @@
           <a:p>
             <a:fld id="{67982E54-CFC6-46DC-BEF3-B3681CD4B600}" type="datetime3">
               <a:rPr lang="en-US" smtClean="0"/>
+              <a:pPr/>
               <a:t>3 November 2014</a:t>
             </a:fld>
             <a:endParaRPr lang="en-US"/>
@@ -1464,6 +1473,7 @@
           <a:p>
             <a:fld id="{D620725C-E79B-4BC8-9A0E-945B5D5A98D0}" type="datetime3">
               <a:rPr lang="en-US" smtClean="0"/>
+              <a:pPr/>
               <a:t>3 November 2014</a:t>
             </a:fld>
             <a:endParaRPr lang="en-US"/>
@@ -1752,6 +1762,7 @@
           <a:p>
             <a:fld id="{EBA3B823-ED87-4C2E-BC4C-F739004D6C8E}" type="datetime3">
               <a:rPr lang="en-US" smtClean="0"/>
+              <a:pPr/>
               <a:t>3 November 2014</a:t>
             </a:fld>
             <a:endParaRPr lang="en-US"/>
@@ -2174,6 +2185,7 @@
           <a:p>
             <a:fld id="{207206CC-1D30-45FA-9419-466496975421}" type="datetime3">
               <a:rPr lang="en-US" smtClean="0"/>
+              <a:pPr/>
               <a:t>3 November 2014</a:t>
             </a:fld>
             <a:endParaRPr lang="en-US"/>
@@ -2292,6 +2304,7 @@
           <a:p>
             <a:fld id="{89B0F834-2950-4EB8-B4E8-CB25395AA053}" type="datetime3">
               <a:rPr lang="en-US" smtClean="0"/>
+              <a:pPr/>
               <a:t>3 November 2014</a:t>
             </a:fld>
             <a:endParaRPr lang="en-US"/>
@@ -2387,6 +2400,7 @@
           <a:p>
             <a:fld id="{D4CBAEC4-F895-4E8A-AA45-BDB4C332AA6A}" type="datetime3">
               <a:rPr lang="en-US" smtClean="0"/>
+              <a:pPr/>
               <a:t>3 November 2014</a:t>
             </a:fld>
             <a:endParaRPr lang="en-US"/>
@@ -2664,6 +2678,7 @@
           <a:p>
             <a:fld id="{B7BE2F4A-08D9-4EF2-B38A-918A8F06D151}" type="datetime3">
               <a:rPr lang="en-US" smtClean="0"/>
+              <a:pPr/>
               <a:t>3 November 2014</a:t>
             </a:fld>
             <a:endParaRPr lang="en-US"/>
@@ -2917,6 +2932,7 @@
           <a:p>
             <a:fld id="{3F4A2EF1-9A18-4B4E-92EF-AF0830BE31FD}" type="datetime3">
               <a:rPr lang="en-US" smtClean="0"/>
+              <a:pPr/>
               <a:t>3 November 2014</a:t>
             </a:fld>
             <a:endParaRPr lang="en-US"/>
@@ -3130,6 +3146,7 @@
           <a:p>
             <a:fld id="{8F549DA9-A275-48C3-B914-32F48F053414}" type="datetime3">
               <a:rPr lang="en-US" smtClean="0"/>
+              <a:pPr/>
               <a:t>3 November 2014</a:t>
             </a:fld>
             <a:endParaRPr lang="en-US"/>
@@ -3556,8 +3573,13 @@
             <a:pPr algn="l"/>
             <a:r>
               <a:rPr lang="en-US" dirty="0" smtClean="0"/>
-              <a:t>Raymond</a:t>
-            </a:r>
+              <a:t>Raymond  Hendy </a:t>
+            </a:r>
+            <a:r>
+              <a:rPr lang="en-US" dirty="0" err="1" smtClean="0"/>
+              <a:t>Susanto</a:t>
+            </a:r>
+            <a:endParaRPr lang="en-US" dirty="0" smtClean="0"/>
           </a:p>
           <a:p>
             <a:pPr algn="l"/>
@@ -3579,7 +3601,11 @@
             <a:pPr algn="l"/>
             <a:r>
               <a:rPr lang="en-US" dirty="0" smtClean="0"/>
-              <a:t>Peter</a:t>
+              <a:t>Peter </a:t>
+            </a:r>
+            <a:r>
+              <a:rPr lang="en-US" dirty="0" err="1" smtClean="0"/>
+              <a:t>Phandi</a:t>
             </a:r>
             <a:endParaRPr lang="en-US" dirty="0"/>
           </a:p>
@@ -3602,6 +3628,7 @@
           <a:p>
             <a:fld id="{D0AE0544-8F65-4393-9227-C3F2E95FAC36}" type="datetime3">
               <a:rPr lang="en-US" smtClean="0"/>
+              <a:pPr/>
               <a:t>3 November 2014</a:t>
             </a:fld>
             <a:endParaRPr lang="en-US"/>
@@ -3662,7 +3689,7 @@
     </p:spTree>
     <p:extLst>
       <p:ext uri="{BB962C8B-B14F-4D97-AF65-F5344CB8AC3E}">
-        <p14:creationId xmlns:p14="http://schemas.microsoft.com/office/powerpoint/2010/main" val="2992275291"/>
+        <p14:creationId xmlns:p14="http://schemas.microsoft.com/office/powerpoint/2010/main" xmlns="" val="2992275291"/>
       </p:ext>
     </p:extLst>
   </p:cSld>
@@ -3672,7 +3699,7 @@
   <p:timing>
     <p:tnLst>
       <p:par>
-        <p:cTn xmlns:p14="http://schemas.microsoft.com/office/powerpoint/2010/main" id="1" dur="indefinite" restart="never" nodeType="tmRoot"/>
+        <p:cTn id="1" dur="indefinite" restart="never" nodeType="tmRoot"/>
       </p:par>
     </p:tnLst>
   </p:timing>
@@ -3729,32 +3756,32 @@
             <p:ph idx="1"/>
             <p:extLst>
               <p:ext uri="{D42A27DB-BD31-4B8C-83A1-F6EECF244321}">
-                <p14:modId xmlns:p14="http://schemas.microsoft.com/office/powerpoint/2010/main" val="1622543864"/>
+                <p14:modId xmlns:p14="http://schemas.microsoft.com/office/powerpoint/2010/main" xmlns="" val="1622543864"/>
               </p:ext>
             </p:extLst>
           </p:nvPr>
         </p:nvGraphicFramePr>
         <p:xfrm>
-          <a:off x="457200" y="2662936"/>
-          <a:ext cx="8229600" cy="918464"/>
+          <a:off x="1066800" y="1981200"/>
+          <a:ext cx="6019800" cy="2743199"/>
         </p:xfrm>
         <a:graphic>
           <a:graphicData uri="http://schemas.openxmlformats.org/drawingml/2006/table">
             <a:tbl>
               <a:tblPr firstRow="1" bandRow="1">
-                <a:tableStyleId>{5940675A-B579-460E-94D1-54222C63F5DA}</a:tableStyleId>
+                <a:tableStyleId>{E8B1032C-EA38-4F05-BA0D-38AFFFC7BED3}</a:tableStyleId>
               </a:tblPr>
               <a:tblGrid>
-                <a:gridCol w="4114800"/>
-                <a:gridCol w="4114800"/>
+                <a:gridCol w="2452512"/>
+                <a:gridCol w="3567288"/>
               </a:tblGrid>
-              <a:tr h="370840">
+              <a:tr h="695367">
                 <a:tc>
                   <a:txBody>
                     <a:bodyPr/>
                     <a:lstStyle/>
                     <a:p>
-                      <a:pPr>
+                      <a:pPr algn="ctr">
                         <a:lnSpc>
                           <a:spcPct val="115000"/>
                         </a:lnSpc>
@@ -3763,12 +3790,12 @@
                         </a:spcAft>
                       </a:pPr>
                       <a:r>
-                        <a:rPr lang="en-US" sz="1200" dirty="0">
+                        <a:rPr lang="en-US" sz="2400" dirty="0" smtClean="0">
                           <a:effectLst/>
                         </a:rPr>
-                        <a:t>Positive instances	(exciting)	</a:t>
+                        <a:t>Class</a:t>
                       </a:r>
-                      <a:endParaRPr lang="en-US" sz="1100" dirty="0">
+                      <a:endParaRPr lang="en-US" sz="2400" dirty="0">
                         <a:solidFill>
                           <a:srgbClr val="000000"/>
                         </a:solidFill>
@@ -3786,7 +3813,7 @@
                     <a:bodyPr/>
                     <a:lstStyle/>
                     <a:p>
-                      <a:pPr>
+                      <a:pPr algn="ctr">
                         <a:lnSpc>
                           <a:spcPct val="115000"/>
                         </a:lnSpc>
@@ -3795,12 +3822,12 @@
                         </a:spcAft>
                       </a:pPr>
                       <a:r>
-                        <a:rPr lang="en-US" sz="1200">
+                        <a:rPr lang="en-US" sz="2400" dirty="0" smtClean="0">
                           <a:effectLst/>
                         </a:rPr>
-                        <a:t> 18,670 (~ 9%)</a:t>
+                        <a:t> # instances</a:t>
                       </a:r>
-                      <a:endParaRPr lang="en-US" sz="1100">
+                      <a:endParaRPr lang="en-US" sz="2400" dirty="0">
                         <a:solidFill>
                           <a:srgbClr val="000000"/>
                         </a:solidFill>
@@ -3814,7 +3841,7 @@
                   <a:tcPr marL="63500" marR="63500" marT="63500" marB="63500"/>
                 </a:tc>
               </a:tr>
-              <a:tr h="370840">
+              <a:tr h="1023916">
                 <a:tc>
                   <a:txBody>
                     <a:bodyPr/>
@@ -3829,23 +3856,129 @@
                         </a:spcAft>
                       </a:pPr>
                       <a:r>
-                        <a:rPr lang="en-US" sz="1200" dirty="0">
+                        <a:rPr lang="en-US" sz="2400" dirty="0">
+                          <a:effectLst/>
+                        </a:rPr>
+                        <a:t>Positive </a:t>
+                      </a:r>
+                      <a:r>
+                        <a:rPr lang="en-US" sz="2400" dirty="0" smtClean="0">
+                          <a:effectLst/>
+                        </a:rPr>
+                        <a:t>instances</a:t>
+                      </a:r>
+                    </a:p>
+                    <a:p>
+                      <a:pPr>
+                        <a:lnSpc>
+                          <a:spcPct val="115000"/>
+                        </a:lnSpc>
+                        <a:spcAft>
+                          <a:spcPts val="0"/>
+                        </a:spcAft>
+                      </a:pPr>
+                      <a:r>
+                        <a:rPr lang="en-US" sz="2400" dirty="0" smtClean="0">
+                          <a:effectLst/>
+                        </a:rPr>
+                        <a:t>(exciting</a:t>
+                      </a:r>
+                      <a:r>
+                        <a:rPr lang="en-US" sz="2400" dirty="0">
+                          <a:effectLst/>
+                        </a:rPr>
+                        <a:t>)	</a:t>
+                      </a:r>
+                      <a:endParaRPr lang="en-US" sz="2400" dirty="0">
+                        <a:solidFill>
+                          <a:srgbClr val="000000"/>
+                        </a:solidFill>
+                        <a:effectLst/>
+                        <a:latin typeface="Arial"/>
+                        <a:ea typeface="Arial"/>
+                        <a:cs typeface="Arial"/>
+                      </a:endParaRPr>
+                    </a:p>
+                  </a:txBody>
+                  <a:tcPr marL="63500" marR="63500" marT="63500" marB="63500">
+                    <a:solidFill>
+                      <a:schemeClr val="bg1">
+                        <a:alpha val="20000"/>
+                      </a:schemeClr>
+                    </a:solidFill>
+                  </a:tcPr>
+                </a:tc>
+                <a:tc>
+                  <a:txBody>
+                    <a:bodyPr/>
+                    <a:lstStyle/>
+                    <a:p>
+                      <a:pPr algn="r">
+                        <a:lnSpc>
+                          <a:spcPct val="115000"/>
+                        </a:lnSpc>
+                        <a:spcAft>
+                          <a:spcPts val="0"/>
+                        </a:spcAft>
+                      </a:pPr>
+                      <a:r>
+                        <a:rPr lang="en-US" sz="2400" dirty="0">
+                          <a:effectLst/>
+                        </a:rPr>
+                        <a:t> 18,670 (~ 9%)</a:t>
+                      </a:r>
+                      <a:endParaRPr lang="en-US" sz="2400" dirty="0">
+                        <a:solidFill>
+                          <a:srgbClr val="000000"/>
+                        </a:solidFill>
+                        <a:effectLst/>
+                        <a:latin typeface="Arial"/>
+                        <a:ea typeface="Arial"/>
+                        <a:cs typeface="Arial"/>
+                      </a:endParaRPr>
+                    </a:p>
+                  </a:txBody>
+                  <a:tcPr marL="63500" marR="63500" marT="63500" marB="63500">
+                    <a:solidFill>
+                      <a:schemeClr val="bg1">
+                        <a:alpha val="20000"/>
+                      </a:schemeClr>
+                    </a:solidFill>
+                  </a:tcPr>
+                </a:tc>
+              </a:tr>
+              <a:tr h="1023916">
+                <a:tc>
+                  <a:txBody>
+                    <a:bodyPr/>
+                    <a:lstStyle/>
+                    <a:p>
+                      <a:pPr>
+                        <a:lnSpc>
+                          <a:spcPct val="115000"/>
+                        </a:lnSpc>
+                        <a:spcAft>
+                          <a:spcPts val="0"/>
+                        </a:spcAft>
+                      </a:pPr>
+                      <a:r>
+                        <a:rPr lang="en-US" sz="2400" dirty="0">
                           <a:effectLst/>
                         </a:rPr>
                         <a:t>Negative instances </a:t>
                       </a:r>
                       <a:br>
-                        <a:rPr lang="en-US" sz="1200" dirty="0">
+                        <a:rPr lang="en-US" sz="2400" dirty="0">
                           <a:effectLst/>
                         </a:rPr>
                       </a:br>
                       <a:r>
-                        <a:rPr lang="en-US" sz="1200" dirty="0">
+                        <a:rPr lang="en-US" sz="2400" dirty="0">
                           <a:effectLst/>
                         </a:rPr>
                         <a:t>(not exciting)</a:t>
                       </a:r>
-                      <a:endParaRPr lang="en-US" sz="1100" dirty="0">
+                      <a:endParaRPr lang="en-US" sz="2400" dirty="0">
                         <a:solidFill>
                           <a:srgbClr val="000000"/>
                         </a:solidFill>
@@ -3863,7 +3996,7 @@
                     <a:bodyPr/>
                     <a:lstStyle/>
                     <a:p>
-                      <a:pPr>
+                      <a:pPr algn="r">
                         <a:lnSpc>
                           <a:spcPct val="115000"/>
                         </a:lnSpc>
@@ -3872,12 +4005,12 @@
                         </a:spcAft>
                       </a:pPr>
                       <a:r>
-                        <a:rPr lang="en-US" sz="1200" dirty="0">
+                        <a:rPr lang="en-US" sz="2400" dirty="0">
                           <a:effectLst/>
                         </a:rPr>
                         <a:t>178,100 (~ 91%)</a:t>
                       </a:r>
-                      <a:endParaRPr lang="en-US" sz="1100" dirty="0">
+                      <a:endParaRPr lang="en-US" sz="2400" dirty="0">
                         <a:solidFill>
                           <a:srgbClr val="000000"/>
                         </a:solidFill>
@@ -3912,6 +4045,7 @@
           <a:p>
             <a:fld id="{67982E54-CFC6-46DC-BEF3-B3681CD4B600}" type="datetime3">
               <a:rPr lang="en-US" smtClean="0"/>
+              <a:pPr/>
               <a:t>3 November 2014</a:t>
             </a:fld>
             <a:endParaRPr lang="en-US"/>
@@ -3968,13 +4102,20 @@
     </p:spTree>
     <p:extLst>
       <p:ext uri="{BB962C8B-B14F-4D97-AF65-F5344CB8AC3E}">
-        <p14:creationId xmlns:p14="http://schemas.microsoft.com/office/powerpoint/2010/main" val="1688763854"/>
+        <p14:creationId xmlns:p14="http://schemas.microsoft.com/office/powerpoint/2010/main" xmlns="" val="1688763854"/>
       </p:ext>
     </p:extLst>
   </p:cSld>
   <p:clrMapOvr>
     <a:masterClrMapping/>
   </p:clrMapOvr>
+  <p:timing>
+    <p:tnLst>
+      <p:par>
+        <p:cTn id="1" dur="indefinite" restart="never" nodeType="tmRoot"/>
+      </p:par>
+    </p:tnLst>
+  </p:timing>
 </p:sld>
 </file>
 
@@ -4151,6 +4292,7 @@
           <a:p>
             <a:fld id="{28AC1232-105D-4AA5-B548-5832548E2317}" type="datetime3">
               <a:rPr lang="en-US" smtClean="0"/>
+              <a:pPr/>
               <a:t>3 November 2014</a:t>
             </a:fld>
             <a:endParaRPr lang="en-US"/>
@@ -4207,7 +4349,7 @@
     </p:spTree>
     <p:extLst>
       <p:ext uri="{BB962C8B-B14F-4D97-AF65-F5344CB8AC3E}">
-        <p14:creationId xmlns:p14="http://schemas.microsoft.com/office/powerpoint/2010/main" val="2142217672"/>
+        <p14:creationId xmlns:p14="http://schemas.microsoft.com/office/powerpoint/2010/main" xmlns="" val="2142217672"/>
       </p:ext>
     </p:extLst>
   </p:cSld>
@@ -4217,7 +4359,7 @@
   <p:timing>
     <p:tnLst>
       <p:par>
-        <p:cTn xmlns:p14="http://schemas.microsoft.com/office/powerpoint/2010/main" id="1" dur="indefinite" restart="never" nodeType="tmRoot"/>
+        <p:cTn id="1" dur="indefinite" restart="never" nodeType="tmRoot"/>
       </p:par>
     </p:tnLst>
   </p:timing>
@@ -4266,89 +4408,6 @@
       </p:sp>
       <p:sp>
         <p:nvSpPr>
-          <p:cNvPr id="3" name="Content Placeholder 2"/>
-          <p:cNvSpPr>
-            <a:spLocks noGrp="1"/>
-          </p:cNvSpPr>
-          <p:nvPr>
-            <p:ph idx="1"/>
-          </p:nvPr>
-        </p:nvSpPr>
-        <p:spPr/>
-        <p:txBody>
-          <a:bodyPr>
-            <a:normAutofit/>
-          </a:bodyPr>
-          <a:lstStyle/>
-          <a:p>
-            <a:pPr marL="0" indent="0">
-              <a:buNone/>
-            </a:pPr>
-            <a:endParaRPr lang="en-US" sz="3000" dirty="0" smtClean="0">
-              <a:latin typeface="Helvetica" panose="020B0604020202020204" pitchFamily="34" charset="0"/>
-              <a:cs typeface="Helvetica" panose="020B0604020202020204" pitchFamily="34" charset="0"/>
-            </a:endParaRPr>
-          </a:p>
-          <a:p>
-            <a:pPr lvl="1"/>
-            <a:endParaRPr lang="en-US" sz="1800" dirty="0" smtClean="0">
-              <a:latin typeface="Helvetica" panose="020B0604020202020204" pitchFamily="34" charset="0"/>
-              <a:cs typeface="Helvetica" panose="020B0604020202020204" pitchFamily="34" charset="0"/>
-            </a:endParaRPr>
-          </a:p>
-          <a:p>
-            <a:pPr lvl="1"/>
-            <a:endParaRPr lang="en-US" sz="1800" dirty="0">
-              <a:latin typeface="Helvetica" panose="020B0604020202020204" pitchFamily="34" charset="0"/>
-              <a:cs typeface="Helvetica" panose="020B0604020202020204" pitchFamily="34" charset="0"/>
-            </a:endParaRPr>
-          </a:p>
-          <a:p>
-            <a:pPr lvl="1"/>
-            <a:endParaRPr lang="en-US" sz="1800" dirty="0" smtClean="0">
-              <a:latin typeface="Helvetica" panose="020B0604020202020204" pitchFamily="34" charset="0"/>
-              <a:cs typeface="Helvetica" panose="020B0604020202020204" pitchFamily="34" charset="0"/>
-            </a:endParaRPr>
-          </a:p>
-          <a:p>
-            <a:pPr lvl="1"/>
-            <a:endParaRPr lang="en-US" sz="1800" dirty="0">
-              <a:latin typeface="Helvetica" panose="020B0604020202020204" pitchFamily="34" charset="0"/>
-              <a:cs typeface="Helvetica" panose="020B0604020202020204" pitchFamily="34" charset="0"/>
-            </a:endParaRPr>
-          </a:p>
-          <a:p>
-            <a:pPr lvl="1"/>
-            <a:endParaRPr lang="en-US" sz="1800" dirty="0" smtClean="0">
-              <a:latin typeface="Helvetica" panose="020B0604020202020204" pitchFamily="34" charset="0"/>
-              <a:cs typeface="Helvetica" panose="020B0604020202020204" pitchFamily="34" charset="0"/>
-            </a:endParaRPr>
-          </a:p>
-          <a:p>
-            <a:pPr lvl="1"/>
-            <a:endParaRPr lang="en-US" sz="1800" dirty="0">
-              <a:latin typeface="Helvetica" panose="020B0604020202020204" pitchFamily="34" charset="0"/>
-              <a:cs typeface="Helvetica" panose="020B0604020202020204" pitchFamily="34" charset="0"/>
-            </a:endParaRPr>
-          </a:p>
-          <a:p>
-            <a:pPr lvl="1"/>
-            <a:endParaRPr lang="en-US" sz="1800" dirty="0" smtClean="0">
-              <a:latin typeface="Helvetica" panose="020B0604020202020204" pitchFamily="34" charset="0"/>
-              <a:cs typeface="Helvetica" panose="020B0604020202020204" pitchFamily="34" charset="0"/>
-            </a:endParaRPr>
-          </a:p>
-          <a:p>
-            <a:pPr lvl="1"/>
-            <a:endParaRPr lang="en-US" sz="1800" dirty="0">
-              <a:latin typeface="Helvetica" panose="020B0604020202020204" pitchFamily="34" charset="0"/>
-              <a:cs typeface="Helvetica" panose="020B0604020202020204" pitchFamily="34" charset="0"/>
-            </a:endParaRPr>
-          </a:p>
-        </p:txBody>
-      </p:sp>
-      <p:sp>
-        <p:nvSpPr>
           <p:cNvPr id="4" name="Date Placeholder 3"/>
           <p:cNvSpPr>
             <a:spLocks noGrp="1"/>
@@ -4364,6 +4423,7 @@
           <a:p>
             <a:fld id="{67982E54-CFC6-46DC-BEF3-B3681CD4B600}" type="datetime3">
               <a:rPr lang="en-US" smtClean="0"/>
+              <a:pPr/>
               <a:t>3 November 2014</a:t>
             </a:fld>
             <a:endParaRPr lang="en-US"/>
@@ -4426,24 +4486,24 @@
           <p:nvPr>
             <p:extLst>
               <p:ext uri="{D42A27DB-BD31-4B8C-83A1-F6EECF244321}">
-                <p14:modId xmlns:p14="http://schemas.microsoft.com/office/powerpoint/2010/main" val="300050639"/>
+                <p14:modId xmlns:p14="http://schemas.microsoft.com/office/powerpoint/2010/main" xmlns="" val="300050639"/>
               </p:ext>
             </p:extLst>
           </p:nvPr>
         </p:nvGraphicFramePr>
         <p:xfrm>
-          <a:off x="2057400" y="1752603"/>
-          <a:ext cx="5295900" cy="4038597"/>
+          <a:off x="1295400" y="1524004"/>
+          <a:ext cx="6477000" cy="4495797"/>
         </p:xfrm>
         <a:graphic>
           <a:graphicData uri="http://schemas.openxmlformats.org/drawingml/2006/table">
             <a:tbl>
               <a:tblPr/>
               <a:tblGrid>
-                <a:gridCol w="4773515"/>
-                <a:gridCol w="522385"/>
+                <a:gridCol w="4648200"/>
+                <a:gridCol w="1828800"/>
               </a:tblGrid>
-              <a:tr h="448733">
+              <a:tr h="499533">
                 <a:tc>
                   <a:txBody>
                     <a:bodyPr/>
@@ -4451,17 +4511,17 @@
                     <a:p>
                       <a:pPr algn="l" fontAlgn="b"/>
                       <a:r>
-                        <a:rPr lang="en-US" sz="1800" b="0" i="0" u="none" strike="noStrike" dirty="0" err="1">
+                        <a:rPr lang="en-US" sz="2000" b="0" i="0" u="none" strike="noStrike" dirty="0" err="1" smtClean="0">
                           <a:solidFill>
                             <a:srgbClr val="000000"/>
                           </a:solidFill>
                           <a:effectLst/>
                           <a:latin typeface="Arial"/>
                         </a:rPr>
-                        <a:t>school_charter</a:t>
+                        <a:t>School_charter</a:t>
                       </a:r>
                       <a:r>
-                        <a:rPr lang="en-US" sz="1800" b="0" i="0" u="none" strike="noStrike" dirty="0">
+                        <a:rPr lang="en-US" sz="2000" b="0" i="0" u="none" strike="noStrike" dirty="0" smtClean="0">
                           <a:solidFill>
                             <a:srgbClr val="000000"/>
                           </a:solidFill>
@@ -4470,6 +4530,13 @@
                         </a:rPr>
                         <a:t> </a:t>
                       </a:r>
+                      <a:endParaRPr lang="en-US" sz="2000" b="0" i="0" u="none" strike="noStrike" dirty="0">
+                        <a:solidFill>
+                          <a:srgbClr val="000000"/>
+                        </a:solidFill>
+                        <a:effectLst/>
+                        <a:latin typeface="Arial"/>
+                      </a:endParaRPr>
                     </a:p>
                   </a:txBody>
                   <a:tcPr marL="12700" marR="12700" marT="12700" marB="0" anchor="b">
@@ -4518,7 +4585,7 @@
                     <a:p>
                       <a:pPr algn="ctr" fontAlgn="b"/>
                       <a:r>
-                        <a:rPr lang="en-US" sz="1800" b="0" i="0" u="none" strike="noStrike" dirty="0">
+                        <a:rPr lang="en-US" sz="2400" b="0" i="0" u="none" strike="noStrike" dirty="0">
                           <a:solidFill>
                             <a:srgbClr val="FF0000"/>
                           </a:solidFill>
@@ -4569,7 +4636,7 @@
                   </a:tcPr>
                 </a:tc>
               </a:tr>
-              <a:tr h="448733">
+              <a:tr h="499533">
                 <a:tc>
                   <a:txBody>
                     <a:bodyPr/>
@@ -4577,15 +4644,32 @@
                     <a:p>
                       <a:pPr algn="l" fontAlgn="b"/>
                       <a:r>
-                        <a:rPr lang="en-US" sz="1800" b="0" i="0" u="none" strike="noStrike">
+                        <a:rPr lang="en-US" sz="2000" b="0" i="0" u="none" strike="noStrike" dirty="0" err="1" smtClean="0">
                           <a:solidFill>
                             <a:srgbClr val="000000"/>
                           </a:solidFill>
                           <a:effectLst/>
                           <a:latin typeface="Arial"/>
                         </a:rPr>
-                        <a:t>school_magnet </a:t>
+                        <a:t>School_magnet</a:t>
                       </a:r>
+                      <a:r>
+                        <a:rPr lang="en-US" sz="2000" b="0" i="0" u="none" strike="noStrike" dirty="0" smtClean="0">
+                          <a:solidFill>
+                            <a:srgbClr val="000000"/>
+                          </a:solidFill>
+                          <a:effectLst/>
+                          <a:latin typeface="Arial"/>
+                        </a:rPr>
+                        <a:t> </a:t>
+                      </a:r>
+                      <a:endParaRPr lang="en-US" sz="2000" b="0" i="0" u="none" strike="noStrike" dirty="0">
+                        <a:solidFill>
+                          <a:srgbClr val="000000"/>
+                        </a:solidFill>
+                        <a:effectLst/>
+                        <a:latin typeface="Arial"/>
+                      </a:endParaRPr>
                     </a:p>
                   </a:txBody>
                   <a:tcPr marL="12700" marR="12700" marT="12700" marB="0" anchor="b">
@@ -4634,7 +4718,7 @@
                     <a:p>
                       <a:pPr algn="ctr" fontAlgn="b"/>
                       <a:r>
-                        <a:rPr lang="en-US" sz="1800" b="0" i="0" u="none" strike="noStrike">
+                        <a:rPr lang="en-US" sz="2400" b="0" i="0" u="none" strike="noStrike" dirty="0">
                           <a:solidFill>
                             <a:srgbClr val="00D71C"/>
                           </a:solidFill>
@@ -4685,7 +4769,7 @@
                   </a:tcPr>
                 </a:tc>
               </a:tr>
-              <a:tr h="448733">
+              <a:tr h="499533">
                 <a:tc>
                   <a:txBody>
                     <a:bodyPr/>
@@ -4693,15 +4777,32 @@
                     <a:p>
                       <a:pPr algn="l" fontAlgn="b"/>
                       <a:r>
-                        <a:rPr lang="en-US" sz="1800" b="0" i="0" u="none" strike="noStrike">
+                        <a:rPr lang="en-US" sz="2000" b="0" i="0" u="none" strike="noStrike" dirty="0" err="1" smtClean="0">
                           <a:solidFill>
                             <a:srgbClr val="000000"/>
                           </a:solidFill>
                           <a:effectLst/>
                           <a:latin typeface="Arial"/>
                         </a:rPr>
-                        <a:t>school_year_round </a:t>
+                        <a:t>School_year_round</a:t>
                       </a:r>
+                      <a:r>
+                        <a:rPr lang="en-US" sz="2000" b="0" i="0" u="none" strike="noStrike" dirty="0" smtClean="0">
+                          <a:solidFill>
+                            <a:srgbClr val="000000"/>
+                          </a:solidFill>
+                          <a:effectLst/>
+                          <a:latin typeface="Arial"/>
+                        </a:rPr>
+                        <a:t> </a:t>
+                      </a:r>
+                      <a:endParaRPr lang="en-US" sz="2000" b="0" i="0" u="none" strike="noStrike" dirty="0">
+                        <a:solidFill>
+                          <a:srgbClr val="000000"/>
+                        </a:solidFill>
+                        <a:effectLst/>
+                        <a:latin typeface="Arial"/>
+                      </a:endParaRPr>
                     </a:p>
                   </a:txBody>
                   <a:tcPr marL="12700" marR="12700" marT="12700" marB="0" anchor="b">
@@ -4750,7 +4851,7 @@
                     <a:p>
                       <a:pPr algn="ctr" fontAlgn="b"/>
                       <a:r>
-                        <a:rPr lang="en-US" sz="1800" b="0" i="0" u="none" strike="noStrike">
+                        <a:rPr lang="en-US" sz="2400" b="0" i="0" u="none" strike="noStrike" dirty="0">
                           <a:solidFill>
                             <a:srgbClr val="00D71C"/>
                           </a:solidFill>
@@ -4801,7 +4902,7 @@
                   </a:tcPr>
                 </a:tc>
               </a:tr>
-              <a:tr h="448733">
+              <a:tr h="499533">
                 <a:tc>
                   <a:txBody>
                     <a:bodyPr/>
@@ -4809,15 +4910,32 @@
                     <a:p>
                       <a:pPr algn="l" fontAlgn="b"/>
                       <a:r>
-                        <a:rPr lang="en-US" sz="1800" b="0" i="0" u="none" strike="noStrike">
+                        <a:rPr lang="en-US" sz="2000" b="0" i="0" u="none" strike="noStrike" dirty="0" err="1" smtClean="0">
                           <a:solidFill>
                             <a:srgbClr val="000000"/>
                           </a:solidFill>
                           <a:effectLst/>
                           <a:latin typeface="Arial"/>
                         </a:rPr>
-                        <a:t>school_nlns </a:t>
+                        <a:t>School_nlns</a:t>
                       </a:r>
+                      <a:r>
+                        <a:rPr lang="en-US" sz="2000" b="0" i="0" u="none" strike="noStrike" dirty="0" smtClean="0">
+                          <a:solidFill>
+                            <a:srgbClr val="000000"/>
+                          </a:solidFill>
+                          <a:effectLst/>
+                          <a:latin typeface="Arial"/>
+                        </a:rPr>
+                        <a:t> </a:t>
+                      </a:r>
+                      <a:endParaRPr lang="en-US" sz="2000" b="0" i="0" u="none" strike="noStrike" dirty="0">
+                        <a:solidFill>
+                          <a:srgbClr val="000000"/>
+                        </a:solidFill>
+                        <a:effectLst/>
+                        <a:latin typeface="Arial"/>
+                      </a:endParaRPr>
                     </a:p>
                   </a:txBody>
                   <a:tcPr marL="12700" marR="12700" marT="12700" marB="0" anchor="b">
@@ -4866,7 +4984,7 @@
                     <a:p>
                       <a:pPr algn="ctr" fontAlgn="b"/>
                       <a:r>
-                        <a:rPr lang="en-US" sz="1800" b="0" i="0" u="none" strike="noStrike">
+                        <a:rPr lang="en-US" sz="2400" b="0" i="0" u="none" strike="noStrike" dirty="0">
                           <a:solidFill>
                             <a:srgbClr val="FF0000"/>
                           </a:solidFill>
@@ -4917,7 +5035,7 @@
                   </a:tcPr>
                 </a:tc>
               </a:tr>
-              <a:tr h="448733">
+              <a:tr h="499533">
                 <a:tc>
                   <a:txBody>
                     <a:bodyPr/>
@@ -4925,15 +5043,32 @@
                     <a:p>
                       <a:pPr algn="l" fontAlgn="b"/>
                       <a:r>
-                        <a:rPr lang="en-US" sz="1800" b="0" i="0" u="none" strike="noStrike">
+                        <a:rPr lang="en-US" sz="2000" b="0" i="0" u="none" strike="noStrike" dirty="0" err="1" smtClean="0">
                           <a:solidFill>
                             <a:srgbClr val="000000"/>
                           </a:solidFill>
                           <a:effectLst/>
                           <a:latin typeface="Arial"/>
                         </a:rPr>
-                        <a:t>school_kipp </a:t>
+                        <a:t>School_kipp</a:t>
                       </a:r>
+                      <a:r>
+                        <a:rPr lang="en-US" sz="2000" b="0" i="0" u="none" strike="noStrike" dirty="0" smtClean="0">
+                          <a:solidFill>
+                            <a:srgbClr val="000000"/>
+                          </a:solidFill>
+                          <a:effectLst/>
+                          <a:latin typeface="Arial"/>
+                        </a:rPr>
+                        <a:t> </a:t>
+                      </a:r>
+                      <a:endParaRPr lang="en-US" sz="2000" b="0" i="0" u="none" strike="noStrike" dirty="0">
+                        <a:solidFill>
+                          <a:srgbClr val="000000"/>
+                        </a:solidFill>
+                        <a:effectLst/>
+                        <a:latin typeface="Arial"/>
+                      </a:endParaRPr>
                     </a:p>
                   </a:txBody>
                   <a:tcPr marL="12700" marR="12700" marT="12700" marB="0" anchor="b">
@@ -4982,7 +5117,7 @@
                     <a:p>
                       <a:pPr algn="ctr" fontAlgn="b"/>
                       <a:r>
-                        <a:rPr lang="en-US" sz="1800" b="0" i="0" u="none" strike="noStrike">
+                        <a:rPr lang="en-US" sz="2400" b="0" i="0" u="none" strike="noStrike" dirty="0">
                           <a:solidFill>
                             <a:srgbClr val="00D71C"/>
                           </a:solidFill>
@@ -5033,7 +5168,7 @@
                   </a:tcPr>
                 </a:tc>
               </a:tr>
-              <a:tr h="448733">
+              <a:tr h="499533">
                 <a:tc>
                   <a:txBody>
                     <a:bodyPr/>
@@ -5041,17 +5176,17 @@
                     <a:p>
                       <a:pPr algn="l" fontAlgn="b"/>
                       <a:r>
-                        <a:rPr lang="en-US" sz="1800" b="0" i="0" u="none" strike="noStrike" dirty="0" err="1">
+                        <a:rPr lang="en-US" sz="2000" b="0" i="0" u="none" strike="noStrike" dirty="0" err="1" smtClean="0">
                           <a:solidFill>
                             <a:srgbClr val="000000"/>
                           </a:solidFill>
                           <a:effectLst/>
                           <a:latin typeface="Arial"/>
                         </a:rPr>
-                        <a:t>school_charter_ready_promise</a:t>
+                        <a:t>School_charter_ready_promise</a:t>
                       </a:r>
                       <a:r>
-                        <a:rPr lang="en-US" sz="1800" b="0" i="0" u="none" strike="noStrike" dirty="0">
+                        <a:rPr lang="en-US" sz="2000" b="0" i="0" u="none" strike="noStrike" dirty="0" smtClean="0">
                           <a:solidFill>
                             <a:srgbClr val="000000"/>
                           </a:solidFill>
@@ -5060,6 +5195,13 @@
                         </a:rPr>
                         <a:t> </a:t>
                       </a:r>
+                      <a:endParaRPr lang="en-US" sz="2000" b="0" i="0" u="none" strike="noStrike" dirty="0">
+                        <a:solidFill>
+                          <a:srgbClr val="000000"/>
+                        </a:solidFill>
+                        <a:effectLst/>
+                        <a:latin typeface="Arial"/>
+                      </a:endParaRPr>
                     </a:p>
                   </a:txBody>
                   <a:tcPr marL="12700" marR="12700" marT="12700" marB="0" anchor="b">
@@ -5108,7 +5250,7 @@
                     <a:p>
                       <a:pPr algn="ctr" fontAlgn="b"/>
                       <a:r>
-                        <a:rPr lang="en-US" sz="1800" b="0" i="0" u="none" strike="noStrike">
+                        <a:rPr lang="en-US" sz="2400" b="0" i="0" u="none" strike="noStrike" dirty="0">
                           <a:solidFill>
                             <a:srgbClr val="00D71C"/>
                           </a:solidFill>
@@ -5159,7 +5301,7 @@
                   </a:tcPr>
                 </a:tc>
               </a:tr>
-              <a:tr h="448733">
+              <a:tr h="499533">
                 <a:tc>
                   <a:txBody>
                     <a:bodyPr/>
@@ -5167,15 +5309,32 @@
                     <a:p>
                       <a:pPr algn="l" fontAlgn="b"/>
                       <a:r>
-                        <a:rPr lang="en-US" sz="1800" b="0" i="0" u="none" strike="noStrike">
+                        <a:rPr lang="en-US" sz="2000" b="0" i="0" u="none" strike="noStrike" dirty="0" err="1" smtClean="0">
                           <a:solidFill>
                             <a:srgbClr val="000000"/>
                           </a:solidFill>
                           <a:effectLst/>
                           <a:latin typeface="Arial"/>
                         </a:rPr>
-                        <a:t>teacher_teach_for_america </a:t>
+                        <a:t>Teacher_teach_for_america</a:t>
                       </a:r>
+                      <a:r>
+                        <a:rPr lang="en-US" sz="2000" b="0" i="0" u="none" strike="noStrike" dirty="0" smtClean="0">
+                          <a:solidFill>
+                            <a:srgbClr val="000000"/>
+                          </a:solidFill>
+                          <a:effectLst/>
+                          <a:latin typeface="Arial"/>
+                        </a:rPr>
+                        <a:t> </a:t>
+                      </a:r>
+                      <a:endParaRPr lang="en-US" sz="2000" b="0" i="0" u="none" strike="noStrike" dirty="0">
+                        <a:solidFill>
+                          <a:srgbClr val="000000"/>
+                        </a:solidFill>
+                        <a:effectLst/>
+                        <a:latin typeface="Arial"/>
+                      </a:endParaRPr>
                     </a:p>
                   </a:txBody>
                   <a:tcPr marL="12700" marR="12700" marT="12700" marB="0" anchor="b">
@@ -5224,7 +5383,7 @@
                     <a:p>
                       <a:pPr algn="ctr" fontAlgn="b"/>
                       <a:r>
-                        <a:rPr lang="en-US" sz="1800" b="0" i="0" u="none" strike="noStrike">
+                        <a:rPr lang="en-US" sz="2400" b="0" i="0" u="none" strike="noStrike" dirty="0">
                           <a:solidFill>
                             <a:srgbClr val="00D71C"/>
                           </a:solidFill>
@@ -5275,7 +5434,7 @@
                   </a:tcPr>
                 </a:tc>
               </a:tr>
-              <a:tr h="448733">
+              <a:tr h="499533">
                 <a:tc>
                   <a:txBody>
                     <a:bodyPr/>
@@ -5283,15 +5442,32 @@
                     <a:p>
                       <a:pPr algn="l" fontAlgn="b"/>
                       <a:r>
-                        <a:rPr lang="en-US" sz="1800" b="0" i="0" u="none" strike="noStrike">
+                        <a:rPr lang="en-US" sz="2000" b="0" i="0" u="none" strike="noStrike" dirty="0" err="1" smtClean="0">
                           <a:solidFill>
                             <a:srgbClr val="000000"/>
                           </a:solidFill>
                           <a:effectLst/>
                           <a:latin typeface="Arial"/>
                         </a:rPr>
-                        <a:t>teacher_ny_teaching_fellow </a:t>
+                        <a:t>Teacher_ny_teaching_fellow</a:t>
                       </a:r>
+                      <a:r>
+                        <a:rPr lang="en-US" sz="2000" b="0" i="0" u="none" strike="noStrike" dirty="0" smtClean="0">
+                          <a:solidFill>
+                            <a:srgbClr val="000000"/>
+                          </a:solidFill>
+                          <a:effectLst/>
+                          <a:latin typeface="Arial"/>
+                        </a:rPr>
+                        <a:t> </a:t>
+                      </a:r>
+                      <a:endParaRPr lang="en-US" sz="2000" b="0" i="0" u="none" strike="noStrike" dirty="0">
+                        <a:solidFill>
+                          <a:srgbClr val="000000"/>
+                        </a:solidFill>
+                        <a:effectLst/>
+                        <a:latin typeface="Arial"/>
+                      </a:endParaRPr>
                     </a:p>
                   </a:txBody>
                   <a:tcPr marL="12700" marR="12700" marT="12700" marB="0" anchor="b">
@@ -5340,7 +5516,7 @@
                     <a:p>
                       <a:pPr algn="ctr" fontAlgn="b"/>
                       <a:r>
-                        <a:rPr lang="en-US" sz="1800" b="0" i="0" u="none" strike="noStrike">
+                        <a:rPr lang="en-US" sz="2400" b="0" i="0" u="none" strike="noStrike" dirty="0">
                           <a:solidFill>
                             <a:srgbClr val="FF0000"/>
                           </a:solidFill>
@@ -5391,7 +5567,7 @@
                   </a:tcPr>
                 </a:tc>
               </a:tr>
-              <a:tr h="448733">
+              <a:tr h="499533">
                 <a:tc>
                   <a:txBody>
                     <a:bodyPr/>
@@ -5399,17 +5575,17 @@
                     <a:p>
                       <a:pPr algn="l" fontAlgn="b"/>
                       <a:r>
-                        <a:rPr lang="en-US" sz="1800" b="0" i="0" u="none" strike="noStrike" dirty="0" err="1">
+                        <a:rPr lang="en-US" sz="2000" b="0" i="0" u="none" strike="noStrike" dirty="0" err="1" smtClean="0">
                           <a:solidFill>
                             <a:srgbClr val="000000"/>
                           </a:solidFill>
                           <a:effectLst/>
                           <a:latin typeface="Arial"/>
                         </a:rPr>
-                        <a:t>eligible_double_your_impact_match</a:t>
+                        <a:t>Eligible_double_your_impact_match</a:t>
                       </a:r>
                       <a:r>
-                        <a:rPr lang="en-US" sz="1800" b="0" i="0" u="none" strike="noStrike" dirty="0">
+                        <a:rPr lang="en-US" sz="2000" b="0" i="0" u="none" strike="noStrike" dirty="0" smtClean="0">
                           <a:solidFill>
                             <a:srgbClr val="000000"/>
                           </a:solidFill>
@@ -5418,6 +5594,13 @@
                         </a:rPr>
                         <a:t> </a:t>
                       </a:r>
+                      <a:endParaRPr lang="en-US" sz="2000" b="0" i="0" u="none" strike="noStrike" dirty="0">
+                        <a:solidFill>
+                          <a:srgbClr val="000000"/>
+                        </a:solidFill>
+                        <a:effectLst/>
+                        <a:latin typeface="Arial"/>
+                      </a:endParaRPr>
                     </a:p>
                   </a:txBody>
                   <a:tcPr marL="12700" marR="12700" marT="12700" marB="0" anchor="b">
@@ -5466,7 +5649,7 @@
                     <a:p>
                       <a:pPr algn="ctr" fontAlgn="b"/>
                       <a:r>
-                        <a:rPr lang="en-US" sz="1800" b="0" i="0" u="none" strike="noStrike" dirty="0">
+                        <a:rPr lang="en-US" sz="2400" b="0" i="0" u="none" strike="noStrike" dirty="0">
                           <a:solidFill>
                             <a:srgbClr val="FF0000"/>
                           </a:solidFill>
@@ -5524,7 +5707,7 @@
     </p:spTree>
     <p:extLst>
       <p:ext uri="{BB962C8B-B14F-4D97-AF65-F5344CB8AC3E}">
-        <p14:creationId xmlns:p14="http://schemas.microsoft.com/office/powerpoint/2010/main" val="1216486764"/>
+        <p14:creationId xmlns:p14="http://schemas.microsoft.com/office/powerpoint/2010/main" xmlns="" val="1216486764"/>
       </p:ext>
     </p:extLst>
   </p:cSld>
@@ -5534,7 +5717,7 @@
   <p:timing>
     <p:tnLst>
       <p:par>
-        <p:cTn xmlns:p14="http://schemas.microsoft.com/office/powerpoint/2010/main" id="1" dur="indefinite" restart="never" nodeType="tmRoot"/>
+        <p:cTn id="1" dur="indefinite" restart="never" nodeType="tmRoot"/>
       </p:par>
     </p:tnLst>
   </p:timing>
@@ -5677,6 +5860,7 @@
           <a:p>
             <a:fld id="{67982E54-CFC6-46DC-BEF3-B3681CD4B600}" type="datetime3">
               <a:rPr lang="en-US" smtClean="0"/>
+              <a:pPr/>
               <a:t>3 November 2014</a:t>
             </a:fld>
             <a:endParaRPr lang="en-US"/>
@@ -5733,7 +5917,7 @@
     </p:spTree>
     <p:extLst>
       <p:ext uri="{BB962C8B-B14F-4D97-AF65-F5344CB8AC3E}">
-        <p14:creationId xmlns:p14="http://schemas.microsoft.com/office/powerpoint/2010/main" val="1888681611"/>
+        <p14:creationId xmlns:p14="http://schemas.microsoft.com/office/powerpoint/2010/main" xmlns="" val="1888681611"/>
       </p:ext>
     </p:extLst>
   </p:cSld>
@@ -5743,7 +5927,7 @@
   <p:timing>
     <p:tnLst>
       <p:par>
-        <p:cTn xmlns:p14="http://schemas.microsoft.com/office/powerpoint/2010/main" id="1" dur="indefinite" restart="never" nodeType="tmRoot"/>
+        <p:cTn id="1" dur="indefinite" restart="never" nodeType="tmRoot"/>
       </p:par>
     </p:tnLst>
   </p:timing>
@@ -5807,6 +5991,7 @@
           <a:p>
             <a:fld id="{67982E54-CFC6-46DC-BEF3-B3681CD4B600}" type="datetime3">
               <a:rPr lang="en-US" smtClean="0"/>
+              <a:pPr/>
               <a:t>3 November 2014</a:t>
             </a:fld>
             <a:endParaRPr lang="en-US"/>
@@ -5869,10 +6054,10 @@
           <p:nvPr/>
         </p:nvPicPr>
         <p:blipFill>
-          <a:blip r:embed="rId2">
+          <a:blip r:embed="rId2" cstate="print">
             <a:extLst>
               <a:ext uri="{28A0092B-C50C-407E-A947-70E740481C1C}">
-                <a14:useLocalDpi xmlns:a14="http://schemas.microsoft.com/office/drawing/2010/main" val="0"/>
+                <a14:useLocalDpi xmlns:a14="http://schemas.microsoft.com/office/drawing/2010/main" xmlns="" val="0"/>
               </a:ext>
             </a:extLst>
           </a:blip>
@@ -5882,8 +6067,8 @@
         </p:blipFill>
         <p:spPr>
           <a:xfrm>
-            <a:off x="228600" y="1752600"/>
-            <a:ext cx="8699500" cy="3898900"/>
+            <a:off x="58577" y="1676400"/>
+            <a:ext cx="9181231" cy="4114800"/>
           </a:xfrm>
           <a:prstGeom prst="rect">
             <a:avLst/>
@@ -5902,7 +6087,7 @@
         </p:nvSpPr>
         <p:spPr>
           <a:xfrm>
-            <a:off x="457200" y="4648200"/>
+            <a:off x="381000" y="4495800"/>
             <a:ext cx="8229600" cy="792163"/>
           </a:xfrm>
         </p:spPr>
@@ -5916,10 +6101,34 @@
               <a:buNone/>
             </a:pPr>
             <a:r>
-              <a:rPr lang="en-US" sz="3600" dirty="0" smtClean="0"/>
-              <a:t>It’s all about location, location, location!</a:t>
-            </a:r>
-            <a:endParaRPr lang="en-US" sz="3600" dirty="0"/>
+              <a:rPr lang="en-US" sz="3600" b="1" dirty="0" smtClean="0">
+                <a:solidFill>
+                  <a:schemeClr val="accent2"/>
+                </a:solidFill>
+              </a:rPr>
+              <a:t>It’s all about location, </a:t>
+            </a:r>
+            <a:r>
+              <a:rPr lang="en-US" sz="3600" b="1" dirty="0" smtClean="0">
+                <a:solidFill>
+                  <a:schemeClr val="accent2"/>
+                </a:solidFill>
+              </a:rPr>
+              <a:t>location, location</a:t>
+            </a:r>
+            <a:r>
+              <a:rPr lang="en-US" sz="3600" b="1" dirty="0" smtClean="0">
+                <a:solidFill>
+                  <a:schemeClr val="accent2"/>
+                </a:solidFill>
+              </a:rPr>
+              <a:t>!</a:t>
+            </a:r>
+            <a:endParaRPr lang="en-US" sz="3600" b="1" dirty="0">
+              <a:solidFill>
+                <a:schemeClr val="accent2"/>
+              </a:solidFill>
+            </a:endParaRPr>
           </a:p>
         </p:txBody>
       </p:sp>
@@ -5932,7 +6141,7 @@
         <p:spPr>
           <a:xfrm>
             <a:off x="914400" y="1752600"/>
-            <a:ext cx="2418375" cy="369332"/>
+            <a:ext cx="2478564" cy="369332"/>
           </a:xfrm>
           <a:prstGeom prst="rect">
             <a:avLst/>
@@ -5946,8 +6155,28 @@
           <a:lstStyle/>
           <a:p>
             <a:r>
-              <a:rPr lang="en-US" dirty="0"/>
-              <a:t>42.820593,-112.409161</a:t>
+              <a:rPr lang="en-US" b="1" dirty="0">
+                <a:solidFill>
+                  <a:srgbClr val="FF0000"/>
+                </a:solidFill>
+              </a:rPr>
+              <a:t>42.820593</a:t>
+            </a:r>
+            <a:r>
+              <a:rPr lang="en-US" b="1" dirty="0" smtClean="0">
+                <a:solidFill>
+                  <a:srgbClr val="FF0000"/>
+                </a:solidFill>
+              </a:rPr>
+              <a:t>, -</a:t>
+            </a:r>
+            <a:r>
+              <a:rPr lang="en-US" b="1" dirty="0">
+                <a:solidFill>
+                  <a:srgbClr val="FF0000"/>
+                </a:solidFill>
+              </a:rPr>
+              <a:t>112.409161</a:t>
             </a:r>
           </a:p>
         </p:txBody>
@@ -5960,8 +6189,8 @@
         </p:nvSpPr>
         <p:spPr>
           <a:xfrm>
-            <a:off x="5715000" y="4202668"/>
-            <a:ext cx="2301381" cy="369332"/>
+            <a:off x="7086600" y="3962400"/>
+            <a:ext cx="1249060" cy="646331"/>
           </a:xfrm>
           <a:prstGeom prst="rect">
             <a:avLst/>
@@ -5975,8 +6204,38 @@
           <a:lstStyle/>
           <a:p>
             <a:r>
-              <a:rPr lang="en-US" dirty="0"/>
-              <a:t>34.361999,-80.063582</a:t>
+              <a:rPr lang="en-US" b="1" dirty="0">
+                <a:solidFill>
+                  <a:srgbClr val="FF0000"/>
+                </a:solidFill>
+              </a:rPr>
+              <a:t>34.361999</a:t>
+            </a:r>
+            <a:r>
+              <a:rPr lang="en-US" b="1" dirty="0" smtClean="0">
+                <a:solidFill>
+                  <a:srgbClr val="FF0000"/>
+                </a:solidFill>
+              </a:rPr>
+              <a:t>,</a:t>
+            </a:r>
+          </a:p>
+          <a:p>
+            <a:r>
+              <a:rPr lang="en-US" b="1" dirty="0" smtClean="0">
+                <a:solidFill>
+                  <a:srgbClr val="FF0000"/>
+                </a:solidFill>
+              </a:rPr>
+              <a:t>-</a:t>
+            </a:r>
+            <a:r>
+              <a:rPr lang="en-US" b="1" dirty="0">
+                <a:solidFill>
+                  <a:srgbClr val="FF0000"/>
+                </a:solidFill>
+              </a:rPr>
+              <a:t>80.063582</a:t>
             </a:r>
           </a:p>
         </p:txBody>
@@ -5984,7 +6243,7 @@
     </p:spTree>
     <p:extLst>
       <p:ext uri="{BB962C8B-B14F-4D97-AF65-F5344CB8AC3E}">
-        <p14:creationId xmlns:p14="http://schemas.microsoft.com/office/powerpoint/2010/main" val="3701667366"/>
+        <p14:creationId xmlns:p14="http://schemas.microsoft.com/office/powerpoint/2010/main" xmlns="" val="3701667366"/>
       </p:ext>
     </p:extLst>
   </p:cSld>
@@ -5994,7 +6253,132 @@
   <p:timing>
     <p:tnLst>
       <p:par>
-        <p:cTn xmlns:p14="http://schemas.microsoft.com/office/powerpoint/2010/main" id="1" dur="indefinite" restart="never" nodeType="tmRoot"/>
+        <p:cTn id="1" dur="indefinite" restart="never" nodeType="tmRoot">
+          <p:childTnLst>
+            <p:seq concurrent="1" nextAc="seek">
+              <p:cTn id="2" dur="indefinite" nodeType="mainSeq">
+                <p:childTnLst>
+                  <p:par>
+                    <p:cTn id="3" fill="hold">
+                      <p:stCondLst>
+                        <p:cond delay="indefinite"/>
+                      </p:stCondLst>
+                      <p:childTnLst>
+                        <p:par>
+                          <p:cTn id="4" fill="hold">
+                            <p:stCondLst>
+                              <p:cond delay="0"/>
+                            </p:stCondLst>
+                            <p:childTnLst>
+                              <p:par>
+                                <p:cTn id="5" presetID="27" presetClass="emph" presetSubtype="0" fill="hold" nodeType="clickEffect">
+                                  <p:stCondLst>
+                                    <p:cond delay="0"/>
+                                  </p:stCondLst>
+                                  <p:iterate type="lt">
+                                    <p:tmPct val="0"/>
+                                  </p:iterate>
+                                  <p:childTnLst>
+                                    <p:animClr clrSpc="rgb">
+                                      <p:cBhvr override="childStyle">
+                                        <p:cTn id="6" dur="250" autoRev="1" fill="hold"/>
+                                        <p:tgtEl>
+                                          <p:spTgt spid="3">
+                                            <p:txEl>
+                                              <p:pRg st="0" end="0"/>
+                                            </p:txEl>
+                                          </p:spTgt>
+                                        </p:tgtEl>
+                                        <p:attrNameLst>
+                                          <p:attrName>style.color</p:attrName>
+                                        </p:attrNameLst>
+                                      </p:cBhvr>
+                                      <p:to>
+                                        <a:schemeClr val="bg1"/>
+                                      </p:to>
+                                    </p:animClr>
+                                    <p:animClr clrSpc="rgb">
+                                      <p:cBhvr>
+                                        <p:cTn id="7" dur="250" autoRev="1" fill="hold"/>
+                                        <p:tgtEl>
+                                          <p:spTgt spid="3">
+                                            <p:txEl>
+                                              <p:pRg st="0" end="0"/>
+                                            </p:txEl>
+                                          </p:spTgt>
+                                        </p:tgtEl>
+                                        <p:attrNameLst>
+                                          <p:attrName>fillcolor</p:attrName>
+                                        </p:attrNameLst>
+                                      </p:cBhvr>
+                                      <p:to>
+                                        <a:schemeClr val="bg1"/>
+                                      </p:to>
+                                    </p:animClr>
+                                    <p:set>
+                                      <p:cBhvr>
+                                        <p:cTn id="8" dur="250" autoRev="1" fill="hold"/>
+                                        <p:tgtEl>
+                                          <p:spTgt spid="3">
+                                            <p:txEl>
+                                              <p:pRg st="0" end="0"/>
+                                            </p:txEl>
+                                          </p:spTgt>
+                                        </p:tgtEl>
+                                        <p:attrNameLst>
+                                          <p:attrName>fill.type</p:attrName>
+                                        </p:attrNameLst>
+                                      </p:cBhvr>
+                                      <p:to>
+                                        <p:strVal val="solid"/>
+                                      </p:to>
+                                    </p:set>
+                                    <p:set>
+                                      <p:cBhvr>
+                                        <p:cTn id="9" dur="250" autoRev="1" fill="hold"/>
+                                        <p:tgtEl>
+                                          <p:spTgt spid="3">
+                                            <p:txEl>
+                                              <p:pRg st="0" end="0"/>
+                                            </p:txEl>
+                                          </p:spTgt>
+                                        </p:tgtEl>
+                                        <p:attrNameLst>
+                                          <p:attrName>fill.on</p:attrName>
+                                        </p:attrNameLst>
+                                      </p:cBhvr>
+                                      <p:to>
+                                        <p:strVal val="true"/>
+                                      </p:to>
+                                    </p:set>
+                                  </p:childTnLst>
+                                </p:cTn>
+                              </p:par>
+                            </p:childTnLst>
+                          </p:cTn>
+                        </p:par>
+                      </p:childTnLst>
+                    </p:cTn>
+                  </p:par>
+                </p:childTnLst>
+              </p:cTn>
+              <p:prevCondLst>
+                <p:cond evt="onPrev" delay="0">
+                  <p:tgtEl>
+                    <p:sldTgt/>
+                  </p:tgtEl>
+                </p:cond>
+              </p:prevCondLst>
+              <p:nextCondLst>
+                <p:cond evt="onNext" delay="0">
+                  <p:tgtEl>
+                    <p:sldTgt/>
+                  </p:tgtEl>
+                </p:cond>
+              </p:nextCondLst>
+            </p:seq>
+          </p:childTnLst>
+        </p:cTn>
       </p:par>
     </p:tnLst>
   </p:timing>
@@ -6018,25 +6402,6 @@
           <a:chExt cx="0" cy="0"/>
         </a:xfrm>
       </p:grpSpPr>
-      <p:sp>
-        <p:nvSpPr>
-          <p:cNvPr id="2" name="Title 1"/>
-          <p:cNvSpPr>
-            <a:spLocks noGrp="1"/>
-          </p:cNvSpPr>
-          <p:nvPr>
-            <p:ph type="title"/>
-          </p:nvPr>
-        </p:nvSpPr>
-        <p:spPr/>
-        <p:txBody>
-          <a:bodyPr/>
-          <a:lstStyle/>
-          <a:p>
-            <a:endParaRPr lang="en-US"/>
-          </a:p>
-        </p:txBody>
-      </p:sp>
       <p:pic>
         <p:nvPicPr>
           <p:cNvPr id="7" name="Content Placeholder 6"/>
@@ -6048,10 +6413,10 @@
           </p:nvPr>
         </p:nvPicPr>
         <p:blipFill>
-          <a:blip r:embed="rId2">
+          <a:blip r:embed="rId2" cstate="print">
             <a:extLst>
               <a:ext uri="{28A0092B-C50C-407E-A947-70E740481C1C}">
-                <a14:useLocalDpi xmlns:a14="http://schemas.microsoft.com/office/drawing/2010/main" val="0"/>
+                <a14:useLocalDpi xmlns:a14="http://schemas.microsoft.com/office/drawing/2010/main" xmlns="" val="0"/>
               </a:ext>
             </a:extLst>
           </a:blip>
@@ -6061,7 +6426,7 @@
         </p:blipFill>
         <p:spPr>
           <a:xfrm>
-            <a:off x="68758" y="655637"/>
+            <a:off x="68758" y="884237"/>
             <a:ext cx="8826500" cy="5516563"/>
           </a:xfrm>
         </p:spPr>
@@ -6083,6 +6448,7 @@
           <a:p>
             <a:fld id="{67982E54-CFC6-46DC-BEF3-B3681CD4B600}" type="datetime3">
               <a:rPr lang="en-US" smtClean="0"/>
+              <a:pPr/>
               <a:t>3 November 2014</a:t>
             </a:fld>
             <a:endParaRPr lang="en-US"/>
@@ -6136,10 +6502,40 @@
           </a:p>
         </p:txBody>
       </p:sp>
+      <p:sp>
+        <p:nvSpPr>
+          <p:cNvPr id="8" name="TextBox 7"/>
+          <p:cNvSpPr txBox="1"/>
+          <p:nvPr/>
+        </p:nvSpPr>
+        <p:spPr>
+          <a:xfrm>
+            <a:off x="762000" y="228600"/>
+            <a:ext cx="8153400" cy="646331"/>
+          </a:xfrm>
+          <a:prstGeom prst="rect">
+            <a:avLst/>
+          </a:prstGeom>
+          <a:noFill/>
+        </p:spPr>
+        <p:txBody>
+          <a:bodyPr wrap="square" rtlCol="0">
+            <a:spAutoFit/>
+          </a:bodyPr>
+          <a:lstStyle/>
+          <a:p>
+            <a:r>
+              <a:rPr lang="en-US" sz="3600" b="1" dirty="0" smtClean="0"/>
+              <a:t>Bag of Words from the essay- Unigrams</a:t>
+            </a:r>
+            <a:endParaRPr lang="en-US" sz="3600" b="1" dirty="0"/>
+          </a:p>
+        </p:txBody>
+      </p:sp>
     </p:spTree>
     <p:extLst>
       <p:ext uri="{BB962C8B-B14F-4D97-AF65-F5344CB8AC3E}">
-        <p14:creationId xmlns:p14="http://schemas.microsoft.com/office/powerpoint/2010/main" val="3487132345"/>
+        <p14:creationId xmlns:p14="http://schemas.microsoft.com/office/powerpoint/2010/main" xmlns="" val="3487132345"/>
       </p:ext>
     </p:extLst>
   </p:cSld>
@@ -6149,7 +6545,7 @@
   <p:timing>
     <p:tnLst>
       <p:par>
-        <p:cTn xmlns:p14="http://schemas.microsoft.com/office/powerpoint/2010/main" id="1" dur="indefinite" restart="never" nodeType="tmRoot"/>
+        <p:cTn id="1" dur="indefinite" restart="never" nodeType="tmRoot"/>
       </p:par>
     </p:tnLst>
   </p:timing>
@@ -6173,25 +6569,6 @@
           <a:chExt cx="0" cy="0"/>
         </a:xfrm>
       </p:grpSpPr>
-      <p:sp>
-        <p:nvSpPr>
-          <p:cNvPr id="2" name="Title 1"/>
-          <p:cNvSpPr>
-            <a:spLocks noGrp="1"/>
-          </p:cNvSpPr>
-          <p:nvPr>
-            <p:ph type="title"/>
-          </p:nvPr>
-        </p:nvSpPr>
-        <p:spPr/>
-        <p:txBody>
-          <a:bodyPr/>
-          <a:lstStyle/>
-          <a:p>
-            <a:endParaRPr lang="en-US"/>
-          </a:p>
-        </p:txBody>
-      </p:sp>
       <p:pic>
         <p:nvPicPr>
           <p:cNvPr id="7" name="Content Placeholder 6"/>
@@ -6203,10 +6580,10 @@
           </p:nvPr>
         </p:nvPicPr>
         <p:blipFill>
-          <a:blip r:embed="rId2">
+          <a:blip r:embed="rId2" cstate="print">
             <a:extLst>
               <a:ext uri="{28A0092B-C50C-407E-A947-70E740481C1C}">
-                <a14:useLocalDpi xmlns:a14="http://schemas.microsoft.com/office/drawing/2010/main" val="0"/>
+                <a14:useLocalDpi xmlns:a14="http://schemas.microsoft.com/office/drawing/2010/main" xmlns="" val="0"/>
               </a:ext>
             </a:extLst>
           </a:blip>
@@ -6216,7 +6593,7 @@
         </p:blipFill>
         <p:spPr>
           <a:xfrm>
-            <a:off x="-316876" y="609600"/>
+            <a:off x="-316876" y="1143000"/>
             <a:ext cx="9875520" cy="6172200"/>
           </a:xfrm>
         </p:spPr>
@@ -6238,6 +6615,7 @@
           <a:p>
             <a:fld id="{67982E54-CFC6-46DC-BEF3-B3681CD4B600}" type="datetime3">
               <a:rPr lang="en-US" smtClean="0"/>
+              <a:pPr/>
               <a:t>3 November 2014</a:t>
             </a:fld>
             <a:endParaRPr lang="en-US"/>
@@ -6291,10 +6669,54 @@
           </a:p>
         </p:txBody>
       </p:sp>
+      <p:sp>
+        <p:nvSpPr>
+          <p:cNvPr id="8" name="TextBox 7"/>
+          <p:cNvSpPr txBox="1"/>
+          <p:nvPr/>
+        </p:nvSpPr>
+        <p:spPr>
+          <a:xfrm>
+            <a:off x="1143000" y="228600"/>
+            <a:ext cx="7772400" cy="1200329"/>
+          </a:xfrm>
+          <a:prstGeom prst="rect">
+            <a:avLst/>
+          </a:prstGeom>
+          <a:noFill/>
+        </p:spPr>
+        <p:txBody>
+          <a:bodyPr wrap="square" rtlCol="0">
+            <a:spAutoFit/>
+          </a:bodyPr>
+          <a:lstStyle/>
+          <a:p>
+            <a:r>
+              <a:rPr lang="en-US" sz="3600" b="1" dirty="0" smtClean="0"/>
+              <a:t>Bag of Words from the essay</a:t>
+            </a:r>
+            <a:r>
+              <a:rPr lang="en-US" sz="3600" b="1" dirty="0" smtClean="0"/>
+              <a:t> – </a:t>
+            </a:r>
+          </a:p>
+          <a:p>
+            <a:r>
+              <a:rPr lang="en-US" sz="3600" b="1" dirty="0" smtClean="0"/>
+              <a:t>	</a:t>
+            </a:r>
+            <a:r>
+              <a:rPr lang="en-US" sz="3600" b="1" dirty="0" smtClean="0"/>
+              <a:t>			Part Of Speech Tags</a:t>
+            </a:r>
+            <a:endParaRPr lang="en-US" sz="3600" b="1" dirty="0"/>
+          </a:p>
+        </p:txBody>
+      </p:sp>
     </p:spTree>
     <p:extLst>
       <p:ext uri="{BB962C8B-B14F-4D97-AF65-F5344CB8AC3E}">
-        <p14:creationId xmlns:p14="http://schemas.microsoft.com/office/powerpoint/2010/main" val="3476184339"/>
+        <p14:creationId xmlns:p14="http://schemas.microsoft.com/office/powerpoint/2010/main" xmlns="" val="3476184339"/>
       </p:ext>
     </p:extLst>
   </p:cSld>
@@ -6304,7 +6726,7 @@
   <p:timing>
     <p:tnLst>
       <p:par>
-        <p:cTn xmlns:p14="http://schemas.microsoft.com/office/powerpoint/2010/main" id="1" dur="indefinite" restart="never" nodeType="tmRoot"/>
+        <p:cTn id="1" dur="indefinite" restart="never" nodeType="tmRoot"/>
       </p:par>
     </p:tnLst>
   </p:timing>
@@ -6367,12 +6789,12 @@
           <a:lstStyle/>
           <a:p>
             <a:r>
-              <a:rPr lang="en-US" dirty="0" err="1" smtClean="0"/>
-              <a:t>a.k.a</a:t>
-            </a:r>
-            <a:r>
               <a:rPr lang="en-US" dirty="0" smtClean="0"/>
-              <a:t> Logistic regression (</a:t>
+              <a:t>A.K.A </a:t>
+            </a:r>
+            <a:r>
+              <a:rPr lang="en-US" dirty="0" smtClean="0"/>
+              <a:t>Logistic regression (</a:t>
             </a:r>
             <a:r>
               <a:rPr lang="en-US" dirty="0" err="1" smtClean="0"/>
@@ -6400,7 +6822,6 @@
               <a:rPr lang="en-US" dirty="0" smtClean="0"/>
               <a:t>model</a:t>
             </a:r>
-            <a:endParaRPr lang="en-US" dirty="0" smtClean="0"/>
           </a:p>
           <a:p>
             <a:endParaRPr lang="en-US" dirty="0"/>
@@ -6427,9 +6848,10 @@
           <a:p>
             <a:fld id="{67982E54-CFC6-46DC-BEF3-B3681CD4B600}" type="datetime3">
               <a:rPr lang="en-US" smtClean="0"/>
+              <a:pPr/>
               <a:t>3 November 2014</a:t>
             </a:fld>
-            <a:endParaRPr lang="en-US"/>
+            <a:endParaRPr lang="en-US" dirty="0"/>
           </a:p>
         </p:txBody>
       </p:sp>
@@ -6489,10 +6911,10 @@
           <p:nvPr/>
         </p:nvPicPr>
         <p:blipFill>
-          <a:blip r:embed="rId2">
+          <a:blip r:embed="rId2" cstate="print">
             <a:extLst>
               <a:ext uri="{28A0092B-C50C-407E-A947-70E740481C1C}">
-                <a14:useLocalDpi xmlns:a14="http://schemas.microsoft.com/office/drawing/2010/main" val="0"/>
+                <a14:useLocalDpi xmlns:a14="http://schemas.microsoft.com/office/drawing/2010/main" xmlns="" val="0"/>
               </a:ext>
             </a:extLst>
           </a:blip>
@@ -6502,7 +6924,7 @@
         </p:blipFill>
         <p:spPr>
           <a:xfrm>
-            <a:off x="914400" y="3048000"/>
+            <a:off x="914400" y="3200400"/>
             <a:ext cx="7315200" cy="1517073"/>
           </a:xfrm>
           <a:prstGeom prst="rect">
@@ -6510,10 +6932,183 @@
           </a:prstGeom>
         </p:spPr>
       </p:pic>
+      <p:sp>
+        <p:nvSpPr>
+          <p:cNvPr id="8" name="Right Brace 7"/>
+          <p:cNvSpPr/>
+          <p:nvPr/>
+        </p:nvSpPr>
+        <p:spPr>
+          <a:xfrm rot="5400000">
+            <a:off x="2476500" y="3848100"/>
+            <a:ext cx="762000" cy="1447800"/>
+          </a:xfrm>
+          <a:prstGeom prst="rightBrace">
+            <a:avLst/>
+          </a:prstGeom>
+          <a:ln w="25400">
+            <a:solidFill>
+              <a:srgbClr val="FF0000"/>
+            </a:solidFill>
+          </a:ln>
+        </p:spPr>
+        <p:style>
+          <a:lnRef idx="1">
+            <a:schemeClr val="accent1"/>
+          </a:lnRef>
+          <a:fillRef idx="0">
+            <a:schemeClr val="accent1"/>
+          </a:fillRef>
+          <a:effectRef idx="0">
+            <a:schemeClr val="accent1"/>
+          </a:effectRef>
+          <a:fontRef idx="minor">
+            <a:schemeClr val="tx1"/>
+          </a:fontRef>
+        </p:style>
+        <p:txBody>
+          <a:bodyPr rtlCol="0" anchor="ctr"/>
+          <a:lstStyle/>
+          <a:p>
+            <a:pPr algn="ctr"/>
+            <a:endParaRPr lang="en-US" dirty="0">
+              <a:ln>
+                <a:solidFill>
+                  <a:schemeClr val="accent2"/>
+                </a:solidFill>
+              </a:ln>
+              <a:solidFill>
+                <a:schemeClr val="accent2"/>
+              </a:solidFill>
+            </a:endParaRPr>
+          </a:p>
+        </p:txBody>
+      </p:sp>
+      <p:sp>
+        <p:nvSpPr>
+          <p:cNvPr id="9" name="Right Brace 8"/>
+          <p:cNvSpPr/>
+          <p:nvPr/>
+        </p:nvSpPr>
+        <p:spPr>
+          <a:xfrm rot="5400000">
+            <a:off x="5829300" y="2781300"/>
+            <a:ext cx="609600" cy="3733800"/>
+          </a:xfrm>
+          <a:prstGeom prst="rightBrace">
+            <a:avLst/>
+          </a:prstGeom>
+          <a:ln w="25400">
+            <a:solidFill>
+              <a:srgbClr val="FF0000"/>
+            </a:solidFill>
+          </a:ln>
+        </p:spPr>
+        <p:style>
+          <a:lnRef idx="1">
+            <a:schemeClr val="accent1"/>
+          </a:lnRef>
+          <a:fillRef idx="0">
+            <a:schemeClr val="accent1"/>
+          </a:fillRef>
+          <a:effectRef idx="0">
+            <a:schemeClr val="accent1"/>
+          </a:effectRef>
+          <a:fontRef idx="minor">
+            <a:schemeClr val="tx1"/>
+          </a:fontRef>
+        </p:style>
+        <p:txBody>
+          <a:bodyPr rtlCol="0" anchor="ctr"/>
+          <a:lstStyle/>
+          <a:p>
+            <a:pPr algn="ctr"/>
+            <a:endParaRPr lang="en-US" dirty="0">
+              <a:ln>
+                <a:solidFill>
+                  <a:schemeClr val="accent2"/>
+                </a:solidFill>
+              </a:ln>
+              <a:solidFill>
+                <a:schemeClr val="accent2"/>
+              </a:solidFill>
+            </a:endParaRPr>
+          </a:p>
+        </p:txBody>
+      </p:sp>
+      <p:sp>
+        <p:nvSpPr>
+          <p:cNvPr id="10" name="TextBox 9"/>
+          <p:cNvSpPr txBox="1"/>
+          <p:nvPr/>
+        </p:nvSpPr>
+        <p:spPr>
+          <a:xfrm>
+            <a:off x="1676400" y="5029200"/>
+            <a:ext cx="2514600" cy="533400"/>
+          </a:xfrm>
+          <a:prstGeom prst="rect">
+            <a:avLst/>
+          </a:prstGeom>
+          <a:noFill/>
+        </p:spPr>
+        <p:txBody>
+          <a:bodyPr wrap="square" rtlCol="0">
+            <a:spAutoFit/>
+          </a:bodyPr>
+          <a:lstStyle/>
+          <a:p>
+            <a:r>
+              <a:rPr lang="en-US" sz="2800" b="1" dirty="0" err="1" smtClean="0"/>
+              <a:t>Regularisation</a:t>
+            </a:r>
+            <a:endParaRPr lang="en-US" sz="2800" b="1" dirty="0"/>
+          </a:p>
+        </p:txBody>
+      </p:sp>
+      <p:sp>
+        <p:nvSpPr>
+          <p:cNvPr id="11" name="TextBox 10"/>
+          <p:cNvSpPr txBox="1"/>
+          <p:nvPr/>
+        </p:nvSpPr>
+        <p:spPr>
+          <a:xfrm>
+            <a:off x="4191000" y="5029200"/>
+            <a:ext cx="3886200" cy="523220"/>
+          </a:xfrm>
+          <a:prstGeom prst="rect">
+            <a:avLst/>
+          </a:prstGeom>
+          <a:noFill/>
+        </p:spPr>
+        <p:txBody>
+          <a:bodyPr wrap="square" rtlCol="0">
+            <a:spAutoFit/>
+          </a:bodyPr>
+          <a:lstStyle/>
+          <a:p>
+            <a:pPr algn="ctr"/>
+            <a:r>
+              <a:rPr lang="en-US" sz="2800" b="1" dirty="0" smtClean="0"/>
+              <a:t>Max-</a:t>
+            </a:r>
+            <a:r>
+              <a:rPr lang="en-US" sz="2800" b="1" dirty="0" err="1" smtClean="0"/>
+              <a:t>Ent</a:t>
+            </a:r>
+            <a:r>
+              <a:rPr lang="en-US" sz="2800" b="1" dirty="0" smtClean="0"/>
+              <a:t> Model</a:t>
+            </a:r>
+            <a:endParaRPr lang="en-US" sz="2800" b="1" dirty="0"/>
+          </a:p>
+        </p:txBody>
+      </p:sp>
     </p:spTree>
     <p:extLst>
       <p:ext uri="{BB962C8B-B14F-4D97-AF65-F5344CB8AC3E}">
-        <p14:creationId xmlns:p14="http://schemas.microsoft.com/office/powerpoint/2010/main" val="3591305986"/>
+        <p14:creationId xmlns:p14="http://schemas.microsoft.com/office/powerpoint/2010/main" xmlns="" val="3591305986"/>
       </p:ext>
     </p:extLst>
   </p:cSld>
@@ -6523,7 +7118,7 @@
   <p:timing>
     <p:tnLst>
       <p:par>
-        <p:cTn xmlns:p14="http://schemas.microsoft.com/office/powerpoint/2010/main" id="1" dur="indefinite" restart="never" nodeType="tmRoot"/>
+        <p:cTn id="1" dur="indefinite" restart="never" nodeType="tmRoot"/>
       </p:par>
     </p:tnLst>
   </p:timing>
@@ -6556,10 +7151,10 @@
           <p:nvPr/>
         </p:nvPicPr>
         <p:blipFill>
-          <a:blip r:embed="rId2">
+          <a:blip r:embed="rId2" cstate="print">
             <a:extLst>
               <a:ext uri="{28A0092B-C50C-407E-A947-70E740481C1C}">
-                <a14:useLocalDpi xmlns:a14="http://schemas.microsoft.com/office/drawing/2010/main" val="0"/>
+                <a14:useLocalDpi xmlns:a14="http://schemas.microsoft.com/office/drawing/2010/main" xmlns="" val="0"/>
               </a:ext>
             </a:extLst>
           </a:blip>
@@ -6594,6 +7189,7 @@
           <a:p>
             <a:fld id="{67982E54-CFC6-46DC-BEF3-B3681CD4B600}" type="datetime3">
               <a:rPr lang="en-US" smtClean="0"/>
+              <a:pPr/>
               <a:t>3 November 2014</a:t>
             </a:fld>
             <a:endParaRPr lang="en-US"/>
@@ -6650,7 +7246,7 @@
     </p:spTree>
     <p:extLst>
       <p:ext uri="{BB962C8B-B14F-4D97-AF65-F5344CB8AC3E}">
-        <p14:creationId xmlns:p14="http://schemas.microsoft.com/office/powerpoint/2010/main" val="1068909359"/>
+        <p14:creationId xmlns:p14="http://schemas.microsoft.com/office/powerpoint/2010/main" xmlns="" val="1068909359"/>
       </p:ext>
     </p:extLst>
   </p:cSld>
@@ -6660,7 +7256,7 @@
   <p:timing>
     <p:tnLst>
       <p:par>
-        <p:cTn xmlns:p14="http://schemas.microsoft.com/office/powerpoint/2010/main" id="1" dur="indefinite" restart="never" nodeType="tmRoot"/>
+        <p:cTn id="1" dur="indefinite" restart="never" nodeType="tmRoot"/>
       </p:par>
     </p:tnLst>
   </p:timing>
@@ -6724,6 +7320,7 @@
           <a:p>
             <a:fld id="{67982E54-CFC6-46DC-BEF3-B3681CD4B600}" type="datetime3">
               <a:rPr lang="en-US" smtClean="0"/>
+              <a:pPr/>
               <a:t>3 November 2014</a:t>
             </a:fld>
             <a:endParaRPr lang="en-US"/>
@@ -6785,7 +7382,7 @@
         </p:nvSpPr>
         <p:spPr>
           <a:xfrm>
-            <a:off x="1600200" y="4191000"/>
+            <a:off x="1447800" y="4191000"/>
             <a:ext cx="1981200" cy="1524000"/>
           </a:xfrm>
           <a:prstGeom prst="roundRect">
@@ -6813,14 +7410,14 @@
           <a:p>
             <a:pPr algn="ctr"/>
             <a:r>
-              <a:rPr lang="en-US" sz="3600" dirty="0" smtClean="0">
+              <a:rPr lang="en-US" sz="3200" dirty="0" smtClean="0">
                 <a:solidFill>
                   <a:schemeClr val="tx1"/>
                 </a:solidFill>
               </a:rPr>
-              <a:t>Text</a:t>
-            </a:r>
-            <a:endParaRPr lang="en-US" sz="3600" dirty="0">
+              <a:t>Text Classifier</a:t>
+            </a:r>
+            <a:endParaRPr lang="en-US" sz="3200" dirty="0">
               <a:solidFill>
                 <a:schemeClr val="tx1"/>
               </a:solidFill>
@@ -6864,14 +7461,14 @@
           <a:p>
             <a:pPr algn="ctr"/>
             <a:r>
-              <a:rPr lang="en-US" sz="3600" dirty="0" smtClean="0">
+              <a:rPr lang="en-US" sz="2800" dirty="0" smtClean="0">
                 <a:solidFill>
                   <a:schemeClr val="tx1"/>
                 </a:solidFill>
               </a:rPr>
-              <a:t>Project</a:t>
-            </a:r>
-            <a:endParaRPr lang="en-US" sz="3600" dirty="0">
+              <a:t>Project meta-data</a:t>
+            </a:r>
+            <a:endParaRPr lang="en-US" sz="2800" dirty="0">
               <a:solidFill>
                 <a:schemeClr val="tx1"/>
               </a:solidFill>
@@ -6924,7 +7521,7 @@
         </p:nvCxnSpPr>
         <p:spPr>
           <a:xfrm rot="5400000" flipH="1" flipV="1">
-            <a:off x="3267427" y="2980973"/>
+            <a:off x="3115027" y="2980973"/>
             <a:ext cx="533400" cy="1886655"/>
           </a:xfrm>
           <a:prstGeom prst="bentConnector3">
@@ -6958,7 +7555,7 @@
         <p:spPr>
           <a:xfrm>
             <a:off x="3838222" y="1600200"/>
-            <a:ext cx="1378102" cy="584776"/>
+            <a:ext cx="1406154" cy="584775"/>
           </a:xfrm>
           <a:prstGeom prst="rect">
             <a:avLst/>
@@ -6981,14 +7578,12 @@
       <p:cxnSp>
         <p:nvCxnSpPr>
           <p:cNvPr id="32" name="Straight Arrow Connector 31"/>
-          <p:cNvCxnSpPr>
-            <a:endCxn id="28" idx="2"/>
-          </p:cNvCxnSpPr>
+          <p:cNvCxnSpPr/>
           <p:nvPr/>
         </p:nvCxnSpPr>
         <p:spPr>
           <a:xfrm flipV="1">
-            <a:off x="4522182" y="2184976"/>
+            <a:off x="4419600" y="2184976"/>
             <a:ext cx="5091" cy="558224"/>
           </a:xfrm>
           <a:prstGeom prst="straightConnector1">
@@ -7064,10 +7659,118 @@
           </a:p>
         </p:txBody>
       </p:sp>
+      <p:sp>
+        <p:nvSpPr>
+          <p:cNvPr id="17" name="TextBox 16"/>
+          <p:cNvSpPr txBox="1"/>
+          <p:nvPr/>
+        </p:nvSpPr>
+        <p:spPr>
+          <a:xfrm>
+            <a:off x="762000" y="3657600"/>
+            <a:ext cx="1295400" cy="369332"/>
+          </a:xfrm>
+          <a:prstGeom prst="rect">
+            <a:avLst/>
+          </a:prstGeom>
+          <a:noFill/>
+        </p:spPr>
+        <p:txBody>
+          <a:bodyPr wrap="square" rtlCol="0">
+            <a:spAutoFit/>
+          </a:bodyPr>
+          <a:lstStyle/>
+          <a:p>
+            <a:r>
+              <a:rPr lang="en-US" b="1" dirty="0" smtClean="0">
+                <a:solidFill>
+                  <a:srgbClr val="FF0000"/>
+                </a:solidFill>
+              </a:rPr>
+              <a:t>Max-</a:t>
+            </a:r>
+            <a:r>
+              <a:rPr lang="en-US" b="1" dirty="0" err="1" smtClean="0">
+                <a:solidFill>
+                  <a:srgbClr val="FF0000"/>
+                </a:solidFill>
+              </a:rPr>
+              <a:t>Ent</a:t>
+            </a:r>
+            <a:r>
+              <a:rPr lang="en-US" b="1" dirty="0" smtClean="0">
+                <a:solidFill>
+                  <a:srgbClr val="FF0000"/>
+                </a:solidFill>
+              </a:rPr>
+              <a:t>  1</a:t>
+            </a:r>
+            <a:endParaRPr lang="en-US" b="1" dirty="0">
+              <a:solidFill>
+                <a:srgbClr val="FF0000"/>
+              </a:solidFill>
+            </a:endParaRPr>
+          </a:p>
+        </p:txBody>
+      </p:sp>
+      <p:sp>
+        <p:nvSpPr>
+          <p:cNvPr id="19" name="TextBox 18"/>
+          <p:cNvSpPr txBox="1"/>
+          <p:nvPr/>
+        </p:nvSpPr>
+        <p:spPr>
+          <a:xfrm>
+            <a:off x="6858000" y="3657600"/>
+            <a:ext cx="1295400" cy="369332"/>
+          </a:xfrm>
+          <a:prstGeom prst="rect">
+            <a:avLst/>
+          </a:prstGeom>
+          <a:noFill/>
+        </p:spPr>
+        <p:txBody>
+          <a:bodyPr wrap="square" rtlCol="0">
+            <a:spAutoFit/>
+          </a:bodyPr>
+          <a:lstStyle/>
+          <a:p>
+            <a:r>
+              <a:rPr lang="en-US" b="1" dirty="0" smtClean="0">
+                <a:solidFill>
+                  <a:srgbClr val="FF0000"/>
+                </a:solidFill>
+              </a:rPr>
+              <a:t>Max-</a:t>
+            </a:r>
+            <a:r>
+              <a:rPr lang="en-US" b="1" dirty="0" err="1" smtClean="0">
+                <a:solidFill>
+                  <a:srgbClr val="FF0000"/>
+                </a:solidFill>
+              </a:rPr>
+              <a:t>Ent</a:t>
+            </a:r>
+            <a:r>
+              <a:rPr lang="en-US" b="1" dirty="0" smtClean="0">
+                <a:solidFill>
+                  <a:srgbClr val="FF0000"/>
+                </a:solidFill>
+              </a:rPr>
+              <a:t>  2</a:t>
+            </a:r>
+            <a:endParaRPr lang="en-US" b="1" dirty="0">
+              <a:solidFill>
+                <a:srgbClr val="FF0000"/>
+              </a:solidFill>
+            </a:endParaRPr>
+          </a:p>
+        </p:txBody>
+      </p:sp>
     </p:spTree>
     <p:extLst>
       <p:ext uri="{BB962C8B-B14F-4D97-AF65-F5344CB8AC3E}">
-        <p14:creationId xmlns:p14="http://schemas.microsoft.com/office/powerpoint/2010/main" val="3489886174"/>
+        <p14:creationId xmlns:p14="http://schemas.microsoft.com/office/powerpoint/2010/main" xmlns="" val="3489886174"/>
       </p:ext>
     </p:extLst>
   </p:cSld>
@@ -7077,7 +7780,7 @@
   <p:timing>
     <p:tnLst>
       <p:par>
-        <p:cTn xmlns:p14="http://schemas.microsoft.com/office/powerpoint/2010/main" id="1" dur="indefinite" restart="never" nodeType="tmRoot">
+        <p:cTn id="1" dur="indefinite" restart="never" nodeType="tmRoot">
           <p:childTnLst>
             <p:seq concurrent="1" nextAc="seek">
               <p:cTn id="2" dur="indefinite" nodeType="mainSeq">
@@ -7357,6 +8060,7 @@
           <a:p>
             <a:fld id="{52EA87DE-C1F2-4EE8-8C8A-52BA35B8EB91}" type="datetime3">
               <a:rPr lang="en-US" smtClean="0"/>
+              <a:pPr/>
               <a:t>3 November 2014</a:t>
             </a:fld>
             <a:endParaRPr lang="en-US"/>
@@ -7419,10 +8123,10 @@
           <p:nvPr/>
         </p:nvPicPr>
         <p:blipFill>
-          <a:blip r:embed="rId2">
+          <a:blip r:embed="rId2" cstate="print">
             <a:extLst>
               <a:ext uri="{28A0092B-C50C-407E-A947-70E740481C1C}">
-                <a14:useLocalDpi xmlns:a14="http://schemas.microsoft.com/office/drawing/2010/main" val="0"/>
+                <a14:useLocalDpi xmlns:a14="http://schemas.microsoft.com/office/drawing/2010/main" xmlns="" val="0"/>
               </a:ext>
             </a:extLst>
           </a:blip>
@@ -7445,14 +8149,14 @@
           </a:ln>
           <a:extLst>
             <a:ext uri="{909E8E84-426E-40dd-AFC4-6F175D3DCCD1}">
-              <a14:hiddenFill xmlns:a14="http://schemas.microsoft.com/office/drawing/2010/main">
+              <a14:hiddenFill xmlns:a14="http://schemas.microsoft.com/office/drawing/2010/main" xmlns="">
                 <a:solidFill>
                   <a:schemeClr val="accent1"/>
                 </a:solidFill>
               </a14:hiddenFill>
             </a:ext>
             <a:ext uri="{91240B29-F687-4f45-9708-019B960494DF}">
-              <a14:hiddenLine xmlns:a14="http://schemas.microsoft.com/office/drawing/2010/main" w="9525">
+              <a14:hiddenLine xmlns:a14="http://schemas.microsoft.com/office/drawing/2010/main" xmlns="" w="9525">
                 <a:solidFill>
                   <a:schemeClr val="tx1"/>
                 </a:solidFill>
@@ -7473,10 +8177,10 @@
           <p:nvPr/>
         </p:nvPicPr>
         <p:blipFill>
-          <a:blip r:embed="rId3">
+          <a:blip r:embed="rId3" cstate="print">
             <a:extLst>
               <a:ext uri="{28A0092B-C50C-407E-A947-70E740481C1C}">
-                <a14:useLocalDpi xmlns:a14="http://schemas.microsoft.com/office/drawing/2010/main" val="0"/>
+                <a14:useLocalDpi xmlns:a14="http://schemas.microsoft.com/office/drawing/2010/main" xmlns="" val="0"/>
               </a:ext>
             </a:extLst>
           </a:blip>
@@ -7499,14 +8203,14 @@
           </a:ln>
           <a:extLst>
             <a:ext uri="{909E8E84-426E-40dd-AFC4-6F175D3DCCD1}">
-              <a14:hiddenFill xmlns:a14="http://schemas.microsoft.com/office/drawing/2010/main">
+              <a14:hiddenFill xmlns:a14="http://schemas.microsoft.com/office/drawing/2010/main" xmlns="">
                 <a:solidFill>
                   <a:schemeClr val="accent1"/>
                 </a:solidFill>
               </a14:hiddenFill>
             </a:ext>
             <a:ext uri="{91240B29-F687-4f45-9708-019B960494DF}">
-              <a14:hiddenLine xmlns:a14="http://schemas.microsoft.com/office/drawing/2010/main" w="9525">
+              <a14:hiddenLine xmlns:a14="http://schemas.microsoft.com/office/drawing/2010/main" xmlns="" w="9525">
                 <a:solidFill>
                   <a:schemeClr val="tx1"/>
                 </a:solidFill>
@@ -7527,10 +8231,10 @@
           <p:nvPr/>
         </p:nvPicPr>
         <p:blipFill>
-          <a:blip r:embed="rId4">
+          <a:blip r:embed="rId4" cstate="print">
             <a:extLst>
               <a:ext uri="{28A0092B-C50C-407E-A947-70E740481C1C}">
-                <a14:useLocalDpi xmlns:a14="http://schemas.microsoft.com/office/drawing/2010/main" val="0"/>
+                <a14:useLocalDpi xmlns:a14="http://schemas.microsoft.com/office/drawing/2010/main" xmlns="" val="0"/>
               </a:ext>
             </a:extLst>
           </a:blip>
@@ -7553,14 +8257,14 @@
           </a:ln>
           <a:extLst>
             <a:ext uri="{909E8E84-426E-40dd-AFC4-6F175D3DCCD1}">
-              <a14:hiddenFill xmlns:a14="http://schemas.microsoft.com/office/drawing/2010/main">
+              <a14:hiddenFill xmlns:a14="http://schemas.microsoft.com/office/drawing/2010/main" xmlns="">
                 <a:solidFill>
                   <a:schemeClr val="accent1"/>
                 </a:solidFill>
               </a14:hiddenFill>
             </a:ext>
             <a:ext uri="{91240B29-F687-4f45-9708-019B960494DF}">
-              <a14:hiddenLine xmlns:a14="http://schemas.microsoft.com/office/drawing/2010/main" w="9525">
+              <a14:hiddenLine xmlns:a14="http://schemas.microsoft.com/office/drawing/2010/main" xmlns="" w="9525">
                 <a:solidFill>
                   <a:schemeClr val="tx1"/>
                 </a:solidFill>
@@ -7581,10 +8285,10 @@
           <p:nvPr/>
         </p:nvPicPr>
         <p:blipFill>
-          <a:blip r:embed="rId5">
+          <a:blip r:embed="rId5" cstate="print">
             <a:extLst>
               <a:ext uri="{28A0092B-C50C-407E-A947-70E740481C1C}">
-                <a14:useLocalDpi xmlns:a14="http://schemas.microsoft.com/office/drawing/2010/main" val="0"/>
+                <a14:useLocalDpi xmlns:a14="http://schemas.microsoft.com/office/drawing/2010/main" xmlns="" val="0"/>
               </a:ext>
             </a:extLst>
           </a:blip>
@@ -7607,14 +8311,14 @@
           </a:ln>
           <a:extLst>
             <a:ext uri="{909E8E84-426E-40dd-AFC4-6F175D3DCCD1}">
-              <a14:hiddenFill xmlns:a14="http://schemas.microsoft.com/office/drawing/2010/main">
+              <a14:hiddenFill xmlns:a14="http://schemas.microsoft.com/office/drawing/2010/main" xmlns="">
                 <a:solidFill>
                   <a:schemeClr val="accent1"/>
                 </a:solidFill>
               </a14:hiddenFill>
             </a:ext>
             <a:ext uri="{91240B29-F687-4f45-9708-019B960494DF}">
-              <a14:hiddenLine xmlns:a14="http://schemas.microsoft.com/office/drawing/2010/main" w="9525">
+              <a14:hiddenLine xmlns:a14="http://schemas.microsoft.com/office/drawing/2010/main" xmlns="" w="9525">
                 <a:solidFill>
                   <a:schemeClr val="tx1"/>
                 </a:solidFill>
@@ -7635,10 +8339,10 @@
           <p:nvPr/>
         </p:nvPicPr>
         <p:blipFill>
-          <a:blip r:embed="rId6">
+          <a:blip r:embed="rId6" cstate="print">
             <a:extLst>
               <a:ext uri="{28A0092B-C50C-407E-A947-70E740481C1C}">
-                <a14:useLocalDpi xmlns:a14="http://schemas.microsoft.com/office/drawing/2010/main" val="0"/>
+                <a14:useLocalDpi xmlns:a14="http://schemas.microsoft.com/office/drawing/2010/main" xmlns="" val="0"/>
               </a:ext>
             </a:extLst>
           </a:blip>
@@ -7661,14 +8365,14 @@
           </a:ln>
           <a:extLst>
             <a:ext uri="{909E8E84-426E-40dd-AFC4-6F175D3DCCD1}">
-              <a14:hiddenFill xmlns:a14="http://schemas.microsoft.com/office/drawing/2010/main">
+              <a14:hiddenFill xmlns:a14="http://schemas.microsoft.com/office/drawing/2010/main" xmlns="">
                 <a:solidFill>
                   <a:schemeClr val="accent1"/>
                 </a:solidFill>
               </a14:hiddenFill>
             </a:ext>
             <a:ext uri="{91240B29-F687-4f45-9708-019B960494DF}">
-              <a14:hiddenLine xmlns:a14="http://schemas.microsoft.com/office/drawing/2010/main" w="9525">
+              <a14:hiddenLine xmlns:a14="http://schemas.microsoft.com/office/drawing/2010/main" xmlns="" w="9525">
                 <a:solidFill>
                   <a:schemeClr val="tx1"/>
                 </a:solidFill>
@@ -7683,7 +8387,7 @@
     </p:spTree>
     <p:extLst>
       <p:ext uri="{BB962C8B-B14F-4D97-AF65-F5344CB8AC3E}">
-        <p14:creationId xmlns:p14="http://schemas.microsoft.com/office/powerpoint/2010/main" val="4020910550"/>
+        <p14:creationId xmlns:p14="http://schemas.microsoft.com/office/powerpoint/2010/main" xmlns="" val="4020910550"/>
       </p:ext>
     </p:extLst>
   </p:cSld>
@@ -7693,7 +8397,7 @@
   <p:timing>
     <p:tnLst>
       <p:par>
-        <p:cTn xmlns:p14="http://schemas.microsoft.com/office/powerpoint/2010/main" id="1" dur="indefinite" restart="never" nodeType="tmRoot">
+        <p:cTn id="1" dur="indefinite" restart="never" nodeType="tmRoot">
           <p:childTnLst>
             <p:seq concurrent="1" nextAc="seek">
               <p:cTn id="2" dur="indefinite" nodeType="mainSeq">
@@ -8118,12 +8822,1157 @@
           <a:p>
             <a:r>
               <a:rPr lang="en-US" dirty="0" smtClean="0"/>
-              <a:t>Late submission has low impact</a:t>
+              <a:t>Outline</a:t>
             </a:r>
             <a:endParaRPr lang="en-US" dirty="0"/>
           </a:p>
         </p:txBody>
       </p:sp>
+      <p:sp>
+        <p:nvSpPr>
+          <p:cNvPr id="3" name="Content Placeholder 2"/>
+          <p:cNvSpPr>
+            <a:spLocks noGrp="1"/>
+          </p:cNvSpPr>
+          <p:nvPr>
+            <p:ph idx="1"/>
+          </p:nvPr>
+        </p:nvSpPr>
+        <p:spPr/>
+        <p:txBody>
+          <a:bodyPr>
+            <a:normAutofit/>
+          </a:bodyPr>
+          <a:lstStyle/>
+          <a:p>
+            <a:r>
+              <a:rPr lang="en-US" sz="3000" dirty="0" smtClean="0">
+                <a:solidFill>
+                  <a:schemeClr val="bg1">
+                    <a:lumMod val="50000"/>
+                  </a:schemeClr>
+                </a:solidFill>
+                <a:latin typeface="Helvetica" panose="020B0604020202020204" pitchFamily="34" charset="0"/>
+                <a:cs typeface="Helvetica" panose="020B0604020202020204" pitchFamily="34" charset="0"/>
+              </a:rPr>
+              <a:t>Problem Statement</a:t>
+            </a:r>
+          </a:p>
+          <a:p>
+            <a:r>
+              <a:rPr lang="en-US" sz="3000" dirty="0" smtClean="0">
+                <a:solidFill>
+                  <a:schemeClr val="bg1">
+                    <a:lumMod val="50000"/>
+                  </a:schemeClr>
+                </a:solidFill>
+                <a:latin typeface="Helvetica" panose="020B0604020202020204" pitchFamily="34" charset="0"/>
+                <a:cs typeface="Helvetica" panose="020B0604020202020204" pitchFamily="34" charset="0"/>
+              </a:rPr>
+              <a:t>Data</a:t>
+            </a:r>
+          </a:p>
+          <a:p>
+            <a:r>
+              <a:rPr lang="en-US" sz="3000" dirty="0" smtClean="0">
+                <a:solidFill>
+                  <a:schemeClr val="bg1">
+                    <a:lumMod val="50000"/>
+                  </a:schemeClr>
+                </a:solidFill>
+                <a:latin typeface="Helvetica" panose="020B0604020202020204" pitchFamily="34" charset="0"/>
+                <a:cs typeface="Helvetica" panose="020B0604020202020204" pitchFamily="34" charset="0"/>
+              </a:rPr>
+              <a:t>Data preprocessing</a:t>
+            </a:r>
+          </a:p>
+          <a:p>
+            <a:r>
+              <a:rPr lang="en-US" sz="3000" dirty="0" smtClean="0">
+                <a:solidFill>
+                  <a:schemeClr val="bg1">
+                    <a:lumMod val="50000"/>
+                  </a:schemeClr>
+                </a:solidFill>
+                <a:latin typeface="Helvetica" panose="020B0604020202020204" pitchFamily="34" charset="0"/>
+                <a:cs typeface="Helvetica" panose="020B0604020202020204" pitchFamily="34" charset="0"/>
+              </a:rPr>
+              <a:t>Predictive Model</a:t>
+            </a:r>
+          </a:p>
+          <a:p>
+            <a:pPr lvl="1"/>
+            <a:r>
+              <a:rPr lang="en-US" sz="2600" dirty="0" smtClean="0">
+                <a:solidFill>
+                  <a:schemeClr val="bg1">
+                    <a:lumMod val="50000"/>
+                  </a:schemeClr>
+                </a:solidFill>
+                <a:latin typeface="Helvetica" panose="020B0604020202020204" pitchFamily="34" charset="0"/>
+                <a:cs typeface="Helvetica" panose="020B0604020202020204" pitchFamily="34" charset="0"/>
+              </a:rPr>
+              <a:t>Features</a:t>
+            </a:r>
+          </a:p>
+          <a:p>
+            <a:pPr lvl="1"/>
+            <a:r>
+              <a:rPr lang="en-US" sz="2600" dirty="0" smtClean="0">
+                <a:solidFill>
+                  <a:schemeClr val="bg1">
+                    <a:lumMod val="50000"/>
+                  </a:schemeClr>
+                </a:solidFill>
+                <a:latin typeface="Helvetica" panose="020B0604020202020204" pitchFamily="34" charset="0"/>
+                <a:cs typeface="Helvetica" panose="020B0604020202020204" pitchFamily="34" charset="0"/>
+              </a:rPr>
+              <a:t>Learning algorithm: Max-Ent</a:t>
+            </a:r>
+          </a:p>
+          <a:p>
+            <a:r>
+              <a:rPr lang="en-US" sz="3000" dirty="0" smtClean="0">
+                <a:latin typeface="Helvetica" panose="020B0604020202020204" pitchFamily="34" charset="0"/>
+                <a:cs typeface="Helvetica" panose="020B0604020202020204" pitchFamily="34" charset="0"/>
+              </a:rPr>
+              <a:t>Experiments and Results</a:t>
+            </a:r>
+          </a:p>
+          <a:p>
+            <a:r>
+              <a:rPr lang="en-US" sz="3000" dirty="0" smtClean="0">
+                <a:latin typeface="Helvetica" panose="020B0604020202020204" pitchFamily="34" charset="0"/>
+                <a:cs typeface="Helvetica" panose="020B0604020202020204" pitchFamily="34" charset="0"/>
+              </a:rPr>
+              <a:t>Conclusions</a:t>
+            </a:r>
+          </a:p>
+          <a:p>
+            <a:endParaRPr lang="en-US" dirty="0" smtClean="0"/>
+          </a:p>
+          <a:p>
+            <a:endParaRPr lang="en-US" dirty="0" smtClean="0"/>
+          </a:p>
+          <a:p>
+            <a:endParaRPr lang="en-US" dirty="0" smtClean="0"/>
+          </a:p>
+        </p:txBody>
+      </p:sp>
+      <p:sp>
+        <p:nvSpPr>
+          <p:cNvPr id="5" name="Date Placeholder 4"/>
+          <p:cNvSpPr>
+            <a:spLocks noGrp="1"/>
+          </p:cNvSpPr>
+          <p:nvPr>
+            <p:ph type="dt" sz="half" idx="10"/>
+          </p:nvPr>
+        </p:nvSpPr>
+        <p:spPr/>
+        <p:txBody>
+          <a:bodyPr/>
+          <a:lstStyle/>
+          <a:p>
+            <a:fld id="{28AC1232-105D-4AA5-B548-5832548E2317}" type="datetime3">
+              <a:rPr lang="en-US" smtClean="0"/>
+              <a:pPr/>
+              <a:t>3 November 2014</a:t>
+            </a:fld>
+            <a:endParaRPr lang="en-US"/>
+          </a:p>
+        </p:txBody>
+      </p:sp>
+      <p:sp>
+        <p:nvSpPr>
+          <p:cNvPr id="6" name="Footer Placeholder 5"/>
+          <p:cNvSpPr>
+            <a:spLocks noGrp="1"/>
+          </p:cNvSpPr>
+          <p:nvPr>
+            <p:ph type="ftr" sz="quarter" idx="11"/>
+          </p:nvPr>
+        </p:nvSpPr>
+        <p:spPr/>
+        <p:txBody>
+          <a:bodyPr/>
+          <a:lstStyle/>
+          <a:p>
+            <a:r>
+              <a:rPr lang="en-US" smtClean="0"/>
+              <a:t>CS 5228 - Knowledge Discovery &amp; Data Mining</a:t>
+            </a:r>
+            <a:endParaRPr lang="en-US"/>
+          </a:p>
+        </p:txBody>
+      </p:sp>
+      <p:sp>
+        <p:nvSpPr>
+          <p:cNvPr id="7" name="Slide Number Placeholder 6"/>
+          <p:cNvSpPr>
+            <a:spLocks noGrp="1"/>
+          </p:cNvSpPr>
+          <p:nvPr>
+            <p:ph type="sldNum" sz="quarter" idx="12"/>
+          </p:nvPr>
+        </p:nvSpPr>
+        <p:spPr/>
+        <p:txBody>
+          <a:bodyPr/>
+          <a:lstStyle/>
+          <a:p>
+            <a:fld id="{B6F15528-21DE-4FAA-801E-634DDDAF4B2B}" type="slidenum">
+              <a:rPr lang="en-US" smtClean="0"/>
+              <a:pPr/>
+              <a:t>20</a:t>
+            </a:fld>
+            <a:endParaRPr lang="en-US"/>
+          </a:p>
+        </p:txBody>
+      </p:sp>
+    </p:spTree>
+    <p:extLst>
+      <p:ext uri="{BB962C8B-B14F-4D97-AF65-F5344CB8AC3E}">
+        <p14:creationId xmlns:p14="http://schemas.microsoft.com/office/powerpoint/2010/main" xmlns="" val="3958692799"/>
+      </p:ext>
+    </p:extLst>
+  </p:cSld>
+  <p:clrMapOvr>
+    <a:masterClrMapping/>
+  </p:clrMapOvr>
+  <p:timing>
+    <p:tnLst>
+      <p:par>
+        <p:cTn id="1" dur="indefinite" restart="never" nodeType="tmRoot"/>
+      </p:par>
+    </p:tnLst>
+  </p:timing>
+</p:sld>
+</file>
+
+<file path=ppt/slides/slide21.xml><?xml version="1.0" encoding="utf-8"?>
+<p:sld xmlns:a="http://schemas.openxmlformats.org/drawingml/2006/main" xmlns:r="http://schemas.openxmlformats.org/officeDocument/2006/relationships" xmlns:p="http://schemas.openxmlformats.org/presentationml/2006/main">
+  <p:cSld>
+    <p:spTree>
+      <p:nvGrpSpPr>
+        <p:cNvPr id="1" name=""/>
+        <p:cNvGrpSpPr/>
+        <p:nvPr/>
+      </p:nvGrpSpPr>
+      <p:grpSpPr>
+        <a:xfrm>
+          <a:off x="0" y="0"/>
+          <a:ext cx="0" cy="0"/>
+          <a:chOff x="0" y="0"/>
+          <a:chExt cx="0" cy="0"/>
+        </a:xfrm>
+      </p:grpSpPr>
+      <p:sp>
+        <p:nvSpPr>
+          <p:cNvPr id="2" name="Title 1"/>
+          <p:cNvSpPr>
+            <a:spLocks noGrp="1"/>
+          </p:cNvSpPr>
+          <p:nvPr>
+            <p:ph type="title"/>
+          </p:nvPr>
+        </p:nvSpPr>
+        <p:spPr/>
+        <p:txBody>
+          <a:bodyPr/>
+          <a:lstStyle/>
+          <a:p>
+            <a:r>
+              <a:rPr lang="en-US" dirty="0" smtClean="0"/>
+              <a:t>Why are we ranked 7</a:t>
+            </a:r>
+            <a:r>
+              <a:rPr lang="en-US" baseline="30000" dirty="0" smtClean="0"/>
+              <a:t>th</a:t>
+            </a:r>
+            <a:r>
+              <a:rPr lang="en-US" dirty="0" smtClean="0"/>
+              <a:t>?</a:t>
+            </a:r>
+            <a:endParaRPr lang="en-US" dirty="0"/>
+          </a:p>
+        </p:txBody>
+      </p:sp>
+      <p:graphicFrame>
+        <p:nvGraphicFramePr>
+          <p:cNvPr id="8" name="Content Placeholder 7"/>
+          <p:cNvGraphicFramePr>
+            <a:graphicFrameLocks noGrp="1"/>
+          </p:cNvGraphicFramePr>
+          <p:nvPr>
+            <p:ph idx="1"/>
+            <p:extLst>
+              <p:ext uri="{D42A27DB-BD31-4B8C-83A1-F6EECF244321}">
+                <p14:modId xmlns:p14="http://schemas.microsoft.com/office/powerpoint/2010/main" xmlns="" val="227594793"/>
+              </p:ext>
+            </p:extLst>
+          </p:nvPr>
+        </p:nvGraphicFramePr>
+        <p:xfrm>
+          <a:off x="457200" y="1752600"/>
+          <a:ext cx="8229600" cy="4131948"/>
+        </p:xfrm>
+        <a:graphic>
+          <a:graphicData uri="http://schemas.openxmlformats.org/drawingml/2006/table">
+            <a:tbl>
+              <a:tblPr firstRow="1" bandRow="1">
+                <a:tableStyleId>{68D230F3-CF80-4859-8CE7-A43EE81993B5}</a:tableStyleId>
+              </a:tblPr>
+              <a:tblGrid>
+                <a:gridCol w="2057400"/>
+                <a:gridCol w="2057400"/>
+                <a:gridCol w="2057400"/>
+                <a:gridCol w="2057400"/>
+              </a:tblGrid>
+              <a:tr h="370840">
+                <a:tc>
+                  <a:txBody>
+                    <a:bodyPr/>
+                    <a:lstStyle/>
+                    <a:p>
+                      <a:pPr>
+                        <a:lnSpc>
+                          <a:spcPct val="115000"/>
+                        </a:lnSpc>
+                        <a:spcAft>
+                          <a:spcPts val="0"/>
+                        </a:spcAft>
+                      </a:pPr>
+                      <a:r>
+                        <a:rPr lang="en-US" sz="2000" dirty="0">
+                          <a:effectLst/>
+                        </a:rPr>
+                        <a:t>Features</a:t>
+                      </a:r>
+                      <a:endParaRPr lang="en-US" sz="2000" dirty="0">
+                        <a:solidFill>
+                          <a:srgbClr val="000000"/>
+                        </a:solidFill>
+                        <a:effectLst/>
+                        <a:latin typeface="Arial"/>
+                        <a:ea typeface="Arial"/>
+                      </a:endParaRPr>
+                    </a:p>
+                  </a:txBody>
+                  <a:tcPr marL="63500" marR="63500" marT="63500" marB="63500"/>
+                </a:tc>
+                <a:tc>
+                  <a:txBody>
+                    <a:bodyPr/>
+                    <a:lstStyle/>
+                    <a:p>
+                      <a:pPr>
+                        <a:lnSpc>
+                          <a:spcPct val="115000"/>
+                        </a:lnSpc>
+                        <a:spcAft>
+                          <a:spcPts val="0"/>
+                        </a:spcAft>
+                      </a:pPr>
+                      <a:r>
+                        <a:rPr lang="en-US" sz="2000" dirty="0">
+                          <a:effectLst/>
+                        </a:rPr>
+                        <a:t>3-fold CV Over Training Data</a:t>
+                      </a:r>
+                      <a:endParaRPr lang="en-US" sz="2000" dirty="0">
+                        <a:solidFill>
+                          <a:srgbClr val="000000"/>
+                        </a:solidFill>
+                        <a:effectLst/>
+                        <a:latin typeface="Arial"/>
+                        <a:ea typeface="Arial"/>
+                      </a:endParaRPr>
+                    </a:p>
+                  </a:txBody>
+                  <a:tcPr marL="63500" marR="63500" marT="63500" marB="63500"/>
+                </a:tc>
+                <a:tc>
+                  <a:txBody>
+                    <a:bodyPr/>
+                    <a:lstStyle/>
+                    <a:p>
+                      <a:pPr>
+                        <a:lnSpc>
+                          <a:spcPct val="115000"/>
+                        </a:lnSpc>
+                        <a:spcAft>
+                          <a:spcPts val="0"/>
+                        </a:spcAft>
+                      </a:pPr>
+                      <a:r>
+                        <a:rPr lang="en-US" sz="2000" dirty="0">
+                          <a:effectLst/>
+                        </a:rPr>
+                        <a:t>Kaggle Public </a:t>
+                      </a:r>
+                      <a:r>
+                        <a:rPr lang="en-US" sz="2000" dirty="0" err="1">
+                          <a:effectLst/>
+                        </a:rPr>
+                        <a:t>Leaderboard</a:t>
+                      </a:r>
+                      <a:r>
+                        <a:rPr lang="en-US" sz="2000" dirty="0">
+                          <a:effectLst/>
+                        </a:rPr>
+                        <a:t> Score</a:t>
+                      </a:r>
+                      <a:endParaRPr lang="en-US" sz="2000" dirty="0">
+                        <a:solidFill>
+                          <a:srgbClr val="000000"/>
+                        </a:solidFill>
+                        <a:effectLst/>
+                        <a:latin typeface="Arial"/>
+                        <a:ea typeface="Arial"/>
+                      </a:endParaRPr>
+                    </a:p>
+                  </a:txBody>
+                  <a:tcPr marL="63500" marR="63500" marT="63500" marB="63500"/>
+                </a:tc>
+                <a:tc>
+                  <a:txBody>
+                    <a:bodyPr/>
+                    <a:lstStyle/>
+                    <a:p>
+                      <a:pPr>
+                        <a:lnSpc>
+                          <a:spcPct val="115000"/>
+                        </a:lnSpc>
+                        <a:spcAft>
+                          <a:spcPts val="0"/>
+                        </a:spcAft>
+                      </a:pPr>
+                      <a:r>
+                        <a:rPr lang="en-US" sz="2000" dirty="0">
+                          <a:effectLst/>
+                        </a:rPr>
+                        <a:t>Kaggle Private </a:t>
+                      </a:r>
+                      <a:r>
+                        <a:rPr lang="en-US" sz="2000" dirty="0" err="1">
+                          <a:effectLst/>
+                        </a:rPr>
+                        <a:t>Leaderboard</a:t>
+                      </a:r>
+                      <a:r>
+                        <a:rPr lang="en-US" sz="2000" dirty="0">
+                          <a:effectLst/>
+                        </a:rPr>
+                        <a:t> Score</a:t>
+                      </a:r>
+                      <a:endParaRPr lang="en-US" sz="2000" dirty="0">
+                        <a:solidFill>
+                          <a:srgbClr val="000000"/>
+                        </a:solidFill>
+                        <a:effectLst/>
+                        <a:latin typeface="Arial"/>
+                        <a:ea typeface="Arial"/>
+                      </a:endParaRPr>
+                    </a:p>
+                  </a:txBody>
+                  <a:tcPr marL="63500" marR="63500" marT="63500" marB="63500"/>
+                </a:tc>
+              </a:tr>
+              <a:tr h="370840">
+                <a:tc>
+                  <a:txBody>
+                    <a:bodyPr/>
+                    <a:lstStyle/>
+                    <a:p>
+                      <a:pPr>
+                        <a:lnSpc>
+                          <a:spcPct val="115000"/>
+                        </a:lnSpc>
+                        <a:spcAft>
+                          <a:spcPts val="0"/>
+                        </a:spcAft>
+                      </a:pPr>
+                      <a:r>
+                        <a:rPr lang="en-US" sz="2000" dirty="0" err="1">
+                          <a:effectLst/>
+                        </a:rPr>
+                        <a:t>boolean</a:t>
+                      </a:r>
+                      <a:r>
+                        <a:rPr lang="en-US" sz="2000" dirty="0">
+                          <a:effectLst/>
+                        </a:rPr>
+                        <a:t> features</a:t>
+                      </a:r>
+                      <a:endParaRPr lang="en-US" sz="2000" dirty="0">
+                        <a:solidFill>
+                          <a:srgbClr val="000000"/>
+                        </a:solidFill>
+                        <a:effectLst/>
+                        <a:latin typeface="Arial"/>
+                        <a:ea typeface="Arial"/>
+                      </a:endParaRPr>
+                    </a:p>
+                  </a:txBody>
+                  <a:tcPr marL="63500" marR="63500" marT="63500" marB="63500">
+                    <a:noFill/>
+                  </a:tcPr>
+                </a:tc>
+                <a:tc>
+                  <a:txBody>
+                    <a:bodyPr/>
+                    <a:lstStyle/>
+                    <a:p>
+                      <a:pPr>
+                        <a:lnSpc>
+                          <a:spcPct val="115000"/>
+                        </a:lnSpc>
+                        <a:spcAft>
+                          <a:spcPts val="0"/>
+                        </a:spcAft>
+                      </a:pPr>
+                      <a:r>
+                        <a:rPr lang="en-US" sz="2000" dirty="0">
+                          <a:effectLst/>
+                        </a:rPr>
+                        <a:t>0.55554</a:t>
+                      </a:r>
+                      <a:endParaRPr lang="en-US" sz="2000" dirty="0">
+                        <a:solidFill>
+                          <a:srgbClr val="000000"/>
+                        </a:solidFill>
+                        <a:effectLst/>
+                        <a:latin typeface="Arial"/>
+                        <a:ea typeface="Arial"/>
+                      </a:endParaRPr>
+                    </a:p>
+                  </a:txBody>
+                  <a:tcPr marL="63500" marR="63500" marT="63500" marB="63500">
+                    <a:noFill/>
+                  </a:tcPr>
+                </a:tc>
+                <a:tc>
+                  <a:txBody>
+                    <a:bodyPr/>
+                    <a:lstStyle/>
+                    <a:p>
+                      <a:pPr>
+                        <a:lnSpc>
+                          <a:spcPct val="115000"/>
+                        </a:lnSpc>
+                        <a:spcAft>
+                          <a:spcPts val="0"/>
+                        </a:spcAft>
+                      </a:pPr>
+                      <a:r>
+                        <a:rPr lang="en-US" sz="2000">
+                          <a:effectLst/>
+                          <a:highlight>
+                            <a:srgbClr val="FFFFFF"/>
+                          </a:highlight>
+                        </a:rPr>
+                        <a:t>0.58706</a:t>
+                      </a:r>
+                      <a:endParaRPr lang="en-US" sz="2000">
+                        <a:solidFill>
+                          <a:srgbClr val="000000"/>
+                        </a:solidFill>
+                        <a:effectLst/>
+                        <a:latin typeface="Arial"/>
+                        <a:ea typeface="Arial"/>
+                      </a:endParaRPr>
+                    </a:p>
+                  </a:txBody>
+                  <a:tcPr marL="63500" marR="63500" marT="63500" marB="63500">
+                    <a:noFill/>
+                  </a:tcPr>
+                </a:tc>
+                <a:tc>
+                  <a:txBody>
+                    <a:bodyPr/>
+                    <a:lstStyle/>
+                    <a:p>
+                      <a:pPr>
+                        <a:lnSpc>
+                          <a:spcPct val="115000"/>
+                        </a:lnSpc>
+                        <a:spcAft>
+                          <a:spcPts val="0"/>
+                        </a:spcAft>
+                      </a:pPr>
+                      <a:r>
+                        <a:rPr lang="en-US" sz="2000">
+                          <a:effectLst/>
+                          <a:highlight>
+                            <a:srgbClr val="FFFFFF"/>
+                          </a:highlight>
+                        </a:rPr>
+                        <a:t>0.62673</a:t>
+                      </a:r>
+                      <a:endParaRPr lang="en-US" sz="2000">
+                        <a:solidFill>
+                          <a:srgbClr val="000000"/>
+                        </a:solidFill>
+                        <a:effectLst/>
+                        <a:latin typeface="Arial"/>
+                        <a:ea typeface="Arial"/>
+                      </a:endParaRPr>
+                    </a:p>
+                  </a:txBody>
+                  <a:tcPr marL="63500" marR="63500" marT="63500" marB="63500">
+                    <a:noFill/>
+                  </a:tcPr>
+                </a:tc>
+              </a:tr>
+              <a:tr h="370840">
+                <a:tc>
+                  <a:txBody>
+                    <a:bodyPr/>
+                    <a:lstStyle/>
+                    <a:p>
+                      <a:pPr marL="342900" lvl="0" indent="-342900">
+                        <a:lnSpc>
+                          <a:spcPct val="115000"/>
+                        </a:lnSpc>
+                        <a:buFont typeface="Arial"/>
+                        <a:buChar char="+"/>
+                      </a:pPr>
+                      <a:r>
+                        <a:rPr lang="en-US" sz="2000" u="none" strike="noStrike" dirty="0">
+                          <a:effectLst/>
+                        </a:rPr>
+                        <a:t>numerical features</a:t>
+                      </a:r>
+                      <a:endParaRPr lang="en-US" sz="2000" u="none" strike="noStrike" dirty="0">
+                        <a:solidFill>
+                          <a:srgbClr val="000000"/>
+                        </a:solidFill>
+                        <a:effectLst/>
+                        <a:latin typeface="Arial"/>
+                      </a:endParaRPr>
+                    </a:p>
+                  </a:txBody>
+                  <a:tcPr marL="63500" marR="63500" marT="63500" marB="63500"/>
+                </a:tc>
+                <a:tc>
+                  <a:txBody>
+                    <a:bodyPr/>
+                    <a:lstStyle/>
+                    <a:p>
+                      <a:pPr>
+                        <a:lnSpc>
+                          <a:spcPct val="115000"/>
+                        </a:lnSpc>
+                        <a:spcAft>
+                          <a:spcPts val="0"/>
+                        </a:spcAft>
+                      </a:pPr>
+                      <a:r>
+                        <a:rPr lang="en-US" sz="2000" dirty="0">
+                          <a:effectLst/>
+                        </a:rPr>
+                        <a:t>0.56524</a:t>
+                      </a:r>
+                      <a:endParaRPr lang="en-US" sz="2000" dirty="0">
+                        <a:solidFill>
+                          <a:srgbClr val="000000"/>
+                        </a:solidFill>
+                        <a:effectLst/>
+                        <a:latin typeface="Arial"/>
+                        <a:ea typeface="Arial"/>
+                      </a:endParaRPr>
+                    </a:p>
+                  </a:txBody>
+                  <a:tcPr marL="63500" marR="63500" marT="63500" marB="63500"/>
+                </a:tc>
+                <a:tc>
+                  <a:txBody>
+                    <a:bodyPr/>
+                    <a:lstStyle/>
+                    <a:p>
+                      <a:pPr>
+                        <a:lnSpc>
+                          <a:spcPct val="115000"/>
+                        </a:lnSpc>
+                        <a:spcAft>
+                          <a:spcPts val="0"/>
+                        </a:spcAft>
+                      </a:pPr>
+                      <a:r>
+                        <a:rPr lang="en-US" sz="2000" dirty="0">
+                          <a:effectLst/>
+                          <a:highlight>
+                            <a:srgbClr val="FFFFFF"/>
+                          </a:highlight>
+                        </a:rPr>
+                        <a:t>0.58742</a:t>
+                      </a:r>
+                      <a:endParaRPr lang="en-US" sz="2000" dirty="0">
+                        <a:solidFill>
+                          <a:srgbClr val="000000"/>
+                        </a:solidFill>
+                        <a:effectLst/>
+                        <a:latin typeface="Arial"/>
+                        <a:ea typeface="Arial"/>
+                      </a:endParaRPr>
+                    </a:p>
+                  </a:txBody>
+                  <a:tcPr marL="63500" marR="63500" marT="63500" marB="63500"/>
+                </a:tc>
+                <a:tc>
+                  <a:txBody>
+                    <a:bodyPr/>
+                    <a:lstStyle/>
+                    <a:p>
+                      <a:pPr>
+                        <a:lnSpc>
+                          <a:spcPct val="115000"/>
+                        </a:lnSpc>
+                        <a:spcAft>
+                          <a:spcPts val="0"/>
+                        </a:spcAft>
+                      </a:pPr>
+                      <a:r>
+                        <a:rPr lang="en-US" sz="2000">
+                          <a:effectLst/>
+                          <a:highlight>
+                            <a:srgbClr val="FFFFFF"/>
+                          </a:highlight>
+                        </a:rPr>
+                        <a:t>0.62393</a:t>
+                      </a:r>
+                      <a:endParaRPr lang="en-US" sz="2000">
+                        <a:solidFill>
+                          <a:srgbClr val="000000"/>
+                        </a:solidFill>
+                        <a:effectLst/>
+                        <a:latin typeface="Arial"/>
+                        <a:ea typeface="Arial"/>
+                      </a:endParaRPr>
+                    </a:p>
+                  </a:txBody>
+                  <a:tcPr marL="63500" marR="63500" marT="63500" marB="63500"/>
+                </a:tc>
+              </a:tr>
+              <a:tr h="370840">
+                <a:tc>
+                  <a:txBody>
+                    <a:bodyPr/>
+                    <a:lstStyle/>
+                    <a:p>
+                      <a:pPr marL="342900" lvl="0" indent="-342900">
+                        <a:lnSpc>
+                          <a:spcPct val="115000"/>
+                        </a:lnSpc>
+                        <a:buFont typeface="Arial"/>
+                        <a:buChar char="+"/>
+                      </a:pPr>
+                      <a:r>
+                        <a:rPr lang="en-US" sz="2000" u="none" strike="noStrike" dirty="0">
+                          <a:effectLst/>
+                        </a:rPr>
+                        <a:t>categorical features</a:t>
+                      </a:r>
+                      <a:endParaRPr lang="en-US" sz="2000" u="none" strike="noStrike" dirty="0">
+                        <a:solidFill>
+                          <a:srgbClr val="000000"/>
+                        </a:solidFill>
+                        <a:effectLst/>
+                        <a:latin typeface="Arial"/>
+                      </a:endParaRPr>
+                    </a:p>
+                  </a:txBody>
+                  <a:tcPr marL="63500" marR="63500" marT="63500" marB="63500">
+                    <a:noFill/>
+                  </a:tcPr>
+                </a:tc>
+                <a:tc>
+                  <a:txBody>
+                    <a:bodyPr/>
+                    <a:lstStyle/>
+                    <a:p>
+                      <a:pPr>
+                        <a:lnSpc>
+                          <a:spcPct val="115000"/>
+                        </a:lnSpc>
+                        <a:spcAft>
+                          <a:spcPts val="0"/>
+                        </a:spcAft>
+                      </a:pPr>
+                      <a:r>
+                        <a:rPr lang="en-US" sz="2000" dirty="0">
+                          <a:effectLst/>
+                        </a:rPr>
+                        <a:t>0.65185</a:t>
+                      </a:r>
+                      <a:endParaRPr lang="en-US" sz="2000" dirty="0">
+                        <a:solidFill>
+                          <a:srgbClr val="000000"/>
+                        </a:solidFill>
+                        <a:effectLst/>
+                        <a:latin typeface="Arial"/>
+                        <a:ea typeface="Arial"/>
+                      </a:endParaRPr>
+                    </a:p>
+                  </a:txBody>
+                  <a:tcPr marL="63500" marR="63500" marT="63500" marB="63500">
+                    <a:noFill/>
+                  </a:tcPr>
+                </a:tc>
+                <a:tc>
+                  <a:txBody>
+                    <a:bodyPr/>
+                    <a:lstStyle/>
+                    <a:p>
+                      <a:pPr>
+                        <a:lnSpc>
+                          <a:spcPct val="115000"/>
+                        </a:lnSpc>
+                        <a:spcAft>
+                          <a:spcPts val="0"/>
+                        </a:spcAft>
+                      </a:pPr>
+                      <a:r>
+                        <a:rPr lang="en-US" sz="2000">
+                          <a:effectLst/>
+                          <a:highlight>
+                            <a:srgbClr val="FFFFFF"/>
+                          </a:highlight>
+                        </a:rPr>
+                        <a:t>0.60136</a:t>
+                      </a:r>
+                      <a:endParaRPr lang="en-US" sz="2000">
+                        <a:solidFill>
+                          <a:srgbClr val="000000"/>
+                        </a:solidFill>
+                        <a:effectLst/>
+                        <a:latin typeface="Arial"/>
+                        <a:ea typeface="Arial"/>
+                      </a:endParaRPr>
+                    </a:p>
+                  </a:txBody>
+                  <a:tcPr marL="63500" marR="63500" marT="63500" marB="63500">
+                    <a:noFill/>
+                  </a:tcPr>
+                </a:tc>
+                <a:tc>
+                  <a:txBody>
+                    <a:bodyPr/>
+                    <a:lstStyle/>
+                    <a:p>
+                      <a:pPr>
+                        <a:lnSpc>
+                          <a:spcPct val="115000"/>
+                        </a:lnSpc>
+                        <a:spcAft>
+                          <a:spcPts val="0"/>
+                        </a:spcAft>
+                      </a:pPr>
+                      <a:r>
+                        <a:rPr lang="en-US" sz="2000" dirty="0">
+                          <a:effectLst/>
+                          <a:highlight>
+                            <a:srgbClr val="FFFFFF"/>
+                          </a:highlight>
+                        </a:rPr>
+                        <a:t>0.64924</a:t>
+                      </a:r>
+                      <a:endParaRPr lang="en-US" sz="2000" dirty="0">
+                        <a:solidFill>
+                          <a:srgbClr val="000000"/>
+                        </a:solidFill>
+                        <a:effectLst/>
+                        <a:latin typeface="Arial"/>
+                        <a:ea typeface="Arial"/>
+                      </a:endParaRPr>
+                    </a:p>
+                  </a:txBody>
+                  <a:tcPr marL="63500" marR="63500" marT="63500" marB="63500">
+                    <a:noFill/>
+                  </a:tcPr>
+                </a:tc>
+              </a:tr>
+              <a:tr h="370840">
+                <a:tc>
+                  <a:txBody>
+                    <a:bodyPr/>
+                    <a:lstStyle/>
+                    <a:p>
+                      <a:pPr marL="342900" lvl="0" indent="-342900">
+                        <a:lnSpc>
+                          <a:spcPct val="115000"/>
+                        </a:lnSpc>
+                        <a:buFont typeface="Arial"/>
+                        <a:buChar char="+"/>
+                      </a:pPr>
+                      <a:r>
+                        <a:rPr lang="en-US" sz="2000" u="none" strike="noStrike">
+                          <a:effectLst/>
+                        </a:rPr>
+                        <a:t>essay</a:t>
+                      </a:r>
+                      <a:endParaRPr lang="en-US" sz="2000" u="none" strike="noStrike">
+                        <a:solidFill>
+                          <a:srgbClr val="000000"/>
+                        </a:solidFill>
+                        <a:effectLst/>
+                        <a:latin typeface="Arial"/>
+                      </a:endParaRPr>
+                    </a:p>
+                  </a:txBody>
+                  <a:tcPr marL="63500" marR="63500" marT="63500" marB="63500"/>
+                </a:tc>
+                <a:tc>
+                  <a:txBody>
+                    <a:bodyPr/>
+                    <a:lstStyle/>
+                    <a:p>
+                      <a:pPr>
+                        <a:lnSpc>
+                          <a:spcPct val="115000"/>
+                        </a:lnSpc>
+                        <a:spcAft>
+                          <a:spcPts val="0"/>
+                        </a:spcAft>
+                      </a:pPr>
+                      <a:r>
+                        <a:rPr lang="en-US" sz="2000" dirty="0">
+                          <a:effectLst/>
+                        </a:rPr>
+                        <a:t>0.65856</a:t>
+                      </a:r>
+                      <a:endParaRPr lang="en-US" sz="2000" dirty="0">
+                        <a:solidFill>
+                          <a:srgbClr val="000000"/>
+                        </a:solidFill>
+                        <a:effectLst/>
+                        <a:latin typeface="Arial"/>
+                        <a:ea typeface="Arial"/>
+                      </a:endParaRPr>
+                    </a:p>
+                  </a:txBody>
+                  <a:tcPr marL="63500" marR="63500" marT="63500" marB="63500"/>
+                </a:tc>
+                <a:tc>
+                  <a:txBody>
+                    <a:bodyPr/>
+                    <a:lstStyle/>
+                    <a:p>
+                      <a:pPr>
+                        <a:lnSpc>
+                          <a:spcPct val="115000"/>
+                        </a:lnSpc>
+                        <a:spcAft>
+                          <a:spcPts val="0"/>
+                        </a:spcAft>
+                      </a:pPr>
+                      <a:r>
+                        <a:rPr lang="en-US" sz="2000" dirty="0">
+                          <a:effectLst/>
+                        </a:rPr>
+                        <a:t>0.60812</a:t>
+                      </a:r>
+                      <a:endParaRPr lang="en-US" sz="2000" dirty="0">
+                        <a:solidFill>
+                          <a:srgbClr val="000000"/>
+                        </a:solidFill>
+                        <a:effectLst/>
+                        <a:latin typeface="Arial"/>
+                        <a:ea typeface="Arial"/>
+                      </a:endParaRPr>
+                    </a:p>
+                  </a:txBody>
+                  <a:tcPr marL="63500" marR="63500" marT="63500" marB="63500"/>
+                </a:tc>
+                <a:tc>
+                  <a:txBody>
+                    <a:bodyPr/>
+                    <a:lstStyle/>
+                    <a:p>
+                      <a:pPr>
+                        <a:lnSpc>
+                          <a:spcPct val="115000"/>
+                        </a:lnSpc>
+                        <a:spcAft>
+                          <a:spcPts val="0"/>
+                        </a:spcAft>
+                      </a:pPr>
+                      <a:r>
+                        <a:rPr lang="en-US" sz="2000">
+                          <a:effectLst/>
+                        </a:rPr>
+                        <a:t>0.65551</a:t>
+                      </a:r>
+                      <a:endParaRPr lang="en-US" sz="2000">
+                        <a:solidFill>
+                          <a:srgbClr val="000000"/>
+                        </a:solidFill>
+                        <a:effectLst/>
+                        <a:latin typeface="Arial"/>
+                        <a:ea typeface="Arial"/>
+                      </a:endParaRPr>
+                    </a:p>
+                  </a:txBody>
+                  <a:tcPr marL="63500" marR="63500" marT="63500" marB="63500"/>
+                </a:tc>
+              </a:tr>
+              <a:tr h="370840">
+                <a:tc>
+                  <a:txBody>
+                    <a:bodyPr/>
+                    <a:lstStyle/>
+                    <a:p>
+                      <a:pPr marL="342900" lvl="0" indent="-342900">
+                        <a:lnSpc>
+                          <a:spcPct val="115000"/>
+                        </a:lnSpc>
+                        <a:buFont typeface="Arial"/>
+                        <a:buChar char="+"/>
+                      </a:pPr>
+                      <a:r>
+                        <a:rPr lang="en-US" sz="2000" u="none" strike="noStrike" dirty="0">
+                          <a:effectLst/>
+                        </a:rPr>
+                        <a:t>pos	</a:t>
+                      </a:r>
+                      <a:endParaRPr lang="en-US" sz="2000" u="none" strike="noStrike" dirty="0">
+                        <a:solidFill>
+                          <a:srgbClr val="000000"/>
+                        </a:solidFill>
+                        <a:effectLst/>
+                        <a:latin typeface="Arial"/>
+                      </a:endParaRPr>
+                    </a:p>
+                  </a:txBody>
+                  <a:tcPr marL="63500" marR="63500" marT="63500" marB="63500">
+                    <a:solidFill>
+                      <a:schemeClr val="accent6">
+                        <a:lumMod val="20000"/>
+                        <a:lumOff val="80000"/>
+                      </a:schemeClr>
+                    </a:solidFill>
+                  </a:tcPr>
+                </a:tc>
+                <a:tc>
+                  <a:txBody>
+                    <a:bodyPr/>
+                    <a:lstStyle/>
+                    <a:p>
+                      <a:pPr>
+                        <a:lnSpc>
+                          <a:spcPct val="115000"/>
+                        </a:lnSpc>
+                        <a:spcAft>
+                          <a:spcPts val="0"/>
+                        </a:spcAft>
+                      </a:pPr>
+                      <a:r>
+                        <a:rPr lang="en-US" sz="2000" dirty="0">
+                          <a:effectLst/>
+                        </a:rPr>
+                        <a:t>0.65882</a:t>
+                      </a:r>
+                      <a:endParaRPr lang="en-US" sz="2000" dirty="0">
+                        <a:solidFill>
+                          <a:srgbClr val="000000"/>
+                        </a:solidFill>
+                        <a:effectLst/>
+                        <a:latin typeface="Arial"/>
+                        <a:ea typeface="Arial"/>
+                      </a:endParaRPr>
+                    </a:p>
+                  </a:txBody>
+                  <a:tcPr marL="63500" marR="63500" marT="63500" marB="63500">
+                    <a:solidFill>
+                      <a:schemeClr val="accent6">
+                        <a:lumMod val="20000"/>
+                        <a:lumOff val="80000"/>
+                      </a:schemeClr>
+                    </a:solidFill>
+                  </a:tcPr>
+                </a:tc>
+                <a:tc>
+                  <a:txBody>
+                    <a:bodyPr/>
+                    <a:lstStyle/>
+                    <a:p>
+                      <a:pPr>
+                        <a:lnSpc>
+                          <a:spcPct val="115000"/>
+                        </a:lnSpc>
+                        <a:spcAft>
+                          <a:spcPts val="0"/>
+                        </a:spcAft>
+                      </a:pPr>
+                      <a:r>
+                        <a:rPr lang="en-US" sz="2000" dirty="0">
+                          <a:effectLst/>
+                        </a:rPr>
+                        <a:t>0.60818	</a:t>
+                      </a:r>
+                      <a:endParaRPr lang="en-US" sz="2000" dirty="0">
+                        <a:solidFill>
+                          <a:srgbClr val="000000"/>
+                        </a:solidFill>
+                        <a:effectLst/>
+                        <a:latin typeface="Arial"/>
+                        <a:ea typeface="Arial"/>
+                      </a:endParaRPr>
+                    </a:p>
+                  </a:txBody>
+                  <a:tcPr marL="63500" marR="63500" marT="63500" marB="63500">
+                    <a:solidFill>
+                      <a:schemeClr val="accent6">
+                        <a:lumMod val="20000"/>
+                        <a:lumOff val="80000"/>
+                      </a:schemeClr>
+                    </a:solidFill>
+                  </a:tcPr>
+                </a:tc>
+                <a:tc>
+                  <a:txBody>
+                    <a:bodyPr/>
+                    <a:lstStyle/>
+                    <a:p>
+                      <a:pPr>
+                        <a:lnSpc>
+                          <a:spcPct val="115000"/>
+                        </a:lnSpc>
+                        <a:spcAft>
+                          <a:spcPts val="0"/>
+                        </a:spcAft>
+                      </a:pPr>
+                      <a:r>
+                        <a:rPr lang="en-US" sz="2000" dirty="0">
+                          <a:effectLst/>
+                        </a:rPr>
+                        <a:t>0.65557</a:t>
+                      </a:r>
+                      <a:endParaRPr lang="en-US" sz="2000" dirty="0">
+                        <a:solidFill>
+                          <a:srgbClr val="000000"/>
+                        </a:solidFill>
+                        <a:effectLst/>
+                        <a:latin typeface="Arial"/>
+                        <a:ea typeface="Arial"/>
+                      </a:endParaRPr>
+                    </a:p>
+                  </a:txBody>
+                  <a:tcPr marL="63500" marR="63500" marT="63500" marB="63500">
+                    <a:solidFill>
+                      <a:schemeClr val="accent6">
+                        <a:lumMod val="20000"/>
+                        <a:lumOff val="80000"/>
+                      </a:schemeClr>
+                    </a:solidFill>
+                  </a:tcPr>
+                </a:tc>
+              </a:tr>
+            </a:tbl>
+          </a:graphicData>
+        </a:graphic>
+      </p:graphicFrame>
       <p:sp>
         <p:nvSpPr>
           <p:cNvPr id="4" name="Date Placeholder 3"/>
@@ -8141,6 +9990,7 @@
           <a:p>
             <a:fld id="{67982E54-CFC6-46DC-BEF3-B3681CD4B600}" type="datetime3">
               <a:rPr lang="en-US" smtClean="0"/>
+              <a:pPr/>
               <a:t>3 November 2014</a:t>
             </a:fld>
             <a:endParaRPr lang="en-US"/>
@@ -8188,7 +10038,142 @@
             <a:fld id="{B6F15528-21DE-4FAA-801E-634DDDAF4B2B}" type="slidenum">
               <a:rPr lang="en-US" smtClean="0"/>
               <a:pPr/>
-              <a:t>20</a:t>
+              <a:t>21</a:t>
+            </a:fld>
+            <a:endParaRPr lang="en-US"/>
+          </a:p>
+        </p:txBody>
+      </p:sp>
+    </p:spTree>
+    <p:extLst>
+      <p:ext uri="{BB962C8B-B14F-4D97-AF65-F5344CB8AC3E}">
+        <p14:creationId xmlns:p14="http://schemas.microsoft.com/office/powerpoint/2010/main" xmlns="" val="1951864690"/>
+      </p:ext>
+    </p:extLst>
+  </p:cSld>
+  <p:clrMapOvr>
+    <a:masterClrMapping/>
+  </p:clrMapOvr>
+  <p:timing>
+    <p:tnLst>
+      <p:par>
+        <p:cTn id="1" dur="indefinite" restart="never" nodeType="tmRoot"/>
+      </p:par>
+    </p:tnLst>
+  </p:timing>
+</p:sld>
+</file>
+
+<file path=ppt/slides/slide22.xml><?xml version="1.0" encoding="utf-8"?>
+<p:sld xmlns:a="http://schemas.openxmlformats.org/drawingml/2006/main" xmlns:r="http://schemas.openxmlformats.org/officeDocument/2006/relationships" xmlns:p="http://schemas.openxmlformats.org/presentationml/2006/main">
+  <p:cSld>
+    <p:spTree>
+      <p:nvGrpSpPr>
+        <p:cNvPr id="1" name=""/>
+        <p:cNvGrpSpPr/>
+        <p:nvPr/>
+      </p:nvGrpSpPr>
+      <p:grpSpPr>
+        <a:xfrm>
+          <a:off x="0" y="0"/>
+          <a:ext cx="0" cy="0"/>
+          <a:chOff x="0" y="0"/>
+          <a:chExt cx="0" cy="0"/>
+        </a:xfrm>
+      </p:grpSpPr>
+      <p:sp>
+        <p:nvSpPr>
+          <p:cNvPr id="2" name="Title 1"/>
+          <p:cNvSpPr>
+            <a:spLocks noGrp="1"/>
+          </p:cNvSpPr>
+          <p:nvPr>
+            <p:ph type="title"/>
+          </p:nvPr>
+        </p:nvSpPr>
+        <p:spPr/>
+        <p:txBody>
+          <a:bodyPr/>
+          <a:lstStyle/>
+          <a:p>
+            <a:r>
+              <a:rPr lang="en-US" dirty="0" smtClean="0"/>
+              <a:t>Late submission has low </a:t>
+            </a:r>
+            <a:r>
+              <a:rPr lang="en-US" dirty="0" smtClean="0"/>
+              <a:t>impact*</a:t>
+            </a:r>
+            <a:endParaRPr lang="en-US" dirty="0"/>
+          </a:p>
+        </p:txBody>
+      </p:sp>
+      <p:sp>
+        <p:nvSpPr>
+          <p:cNvPr id="4" name="Date Placeholder 3"/>
+          <p:cNvSpPr>
+            <a:spLocks noGrp="1"/>
+          </p:cNvSpPr>
+          <p:nvPr>
+            <p:ph type="dt" sz="half" idx="10"/>
+          </p:nvPr>
+        </p:nvSpPr>
+        <p:spPr/>
+        <p:txBody>
+          <a:bodyPr/>
+          <a:lstStyle/>
+          <a:p>
+            <a:fld id="{67982E54-CFC6-46DC-BEF3-B3681CD4B600}" type="datetime3">
+              <a:rPr lang="en-US" smtClean="0"/>
+              <a:pPr/>
+              <a:t>3 November 2014</a:t>
+            </a:fld>
+            <a:endParaRPr lang="en-US"/>
+          </a:p>
+        </p:txBody>
+      </p:sp>
+      <p:sp>
+        <p:nvSpPr>
+          <p:cNvPr id="5" name="Footer Placeholder 4"/>
+          <p:cNvSpPr>
+            <a:spLocks noGrp="1"/>
+          </p:cNvSpPr>
+          <p:nvPr>
+            <p:ph type="ftr" sz="quarter" idx="11"/>
+          </p:nvPr>
+        </p:nvSpPr>
+        <p:spPr/>
+        <p:txBody>
+          <a:bodyPr/>
+          <a:lstStyle/>
+          <a:p>
+            <a:r>
+              <a:rPr lang="en-US" smtClean="0"/>
+              <a:t>CS 5228 - Knowledge Discovery &amp; Data Mining</a:t>
+            </a:r>
+            <a:endParaRPr lang="en-US"/>
+          </a:p>
+        </p:txBody>
+      </p:sp>
+      <p:sp>
+        <p:nvSpPr>
+          <p:cNvPr id="6" name="Slide Number Placeholder 5"/>
+          <p:cNvSpPr>
+            <a:spLocks noGrp="1"/>
+          </p:cNvSpPr>
+          <p:nvPr>
+            <p:ph type="sldNum" sz="quarter" idx="12"/>
+          </p:nvPr>
+        </p:nvSpPr>
+        <p:spPr/>
+        <p:txBody>
+          <a:bodyPr/>
+          <a:lstStyle/>
+          <a:p>
+            <a:fld id="{B6F15528-21DE-4FAA-801E-634DDDAF4B2B}" type="slidenum">
+              <a:rPr lang="en-US" smtClean="0"/>
+              <a:pPr/>
+              <a:t>22</a:t>
             </a:fld>
             <a:endParaRPr lang="en-US"/>
           </a:p>
@@ -8201,9 +10186,1496 @@
           <p:nvPr/>
         </p:nvCxnSpPr>
         <p:spPr>
+          <a:xfrm flipV="1">
+            <a:off x="990600" y="3657600"/>
+            <a:ext cx="7391400" cy="2309"/>
+          </a:xfrm>
+          <a:prstGeom prst="straightConnector1">
+            <a:avLst/>
+          </a:prstGeom>
+          <a:ln w="76200" cmpd="sng">
+            <a:tailEnd type="arrow"/>
+          </a:ln>
+        </p:spPr>
+        <p:style>
+          <a:lnRef idx="2">
+            <a:schemeClr val="accent1"/>
+          </a:lnRef>
+          <a:fillRef idx="0">
+            <a:schemeClr val="accent1"/>
+          </a:fillRef>
+          <a:effectRef idx="1">
+            <a:schemeClr val="accent1"/>
+          </a:effectRef>
+          <a:fontRef idx="minor">
+            <a:schemeClr val="tx1"/>
+          </a:fontRef>
+        </p:style>
+      </p:cxnSp>
+      <p:cxnSp>
+        <p:nvCxnSpPr>
+          <p:cNvPr id="11" name="Straight Arrow Connector 10"/>
+          <p:cNvCxnSpPr/>
+          <p:nvPr/>
+        </p:nvCxnSpPr>
+        <p:spPr>
           <a:xfrm>
-            <a:off x="990600" y="3659909"/>
-            <a:ext cx="7391400" cy="74661"/>
+            <a:off x="1600200" y="2590800"/>
+            <a:ext cx="0" cy="914400"/>
+          </a:xfrm>
+          <a:prstGeom prst="straightConnector1">
+            <a:avLst/>
+          </a:prstGeom>
+          <a:ln>
+            <a:tailEnd type="arrow"/>
+          </a:ln>
+        </p:spPr>
+        <p:style>
+          <a:lnRef idx="2">
+            <a:schemeClr val="accent1"/>
+          </a:lnRef>
+          <a:fillRef idx="0">
+            <a:schemeClr val="accent1"/>
+          </a:fillRef>
+          <a:effectRef idx="1">
+            <a:schemeClr val="accent1"/>
+          </a:effectRef>
+          <a:fontRef idx="minor">
+            <a:schemeClr val="tx1"/>
+          </a:fontRef>
+        </p:style>
+      </p:cxnSp>
+      <p:cxnSp>
+        <p:nvCxnSpPr>
+          <p:cNvPr id="12" name="Straight Arrow Connector 11"/>
+          <p:cNvCxnSpPr/>
+          <p:nvPr/>
+        </p:nvCxnSpPr>
+        <p:spPr>
+          <a:xfrm>
+            <a:off x="4114800" y="2590800"/>
+            <a:ext cx="0" cy="914400"/>
+          </a:xfrm>
+          <a:prstGeom prst="straightConnector1">
+            <a:avLst/>
+          </a:prstGeom>
+          <a:ln>
+            <a:tailEnd type="arrow"/>
+          </a:ln>
+        </p:spPr>
+        <p:style>
+          <a:lnRef idx="2">
+            <a:schemeClr val="accent1"/>
+          </a:lnRef>
+          <a:fillRef idx="0">
+            <a:schemeClr val="accent1"/>
+          </a:fillRef>
+          <a:effectRef idx="1">
+            <a:schemeClr val="accent1"/>
+          </a:effectRef>
+          <a:fontRef idx="minor">
+            <a:schemeClr val="tx1"/>
+          </a:fontRef>
+        </p:style>
+      </p:cxnSp>
+      <p:cxnSp>
+        <p:nvCxnSpPr>
+          <p:cNvPr id="13" name="Straight Arrow Connector 12"/>
+          <p:cNvCxnSpPr/>
+          <p:nvPr/>
+        </p:nvCxnSpPr>
+        <p:spPr>
+          <a:xfrm>
+            <a:off x="6553200" y="2590800"/>
+            <a:ext cx="0" cy="914400"/>
+          </a:xfrm>
+          <a:prstGeom prst="straightConnector1">
+            <a:avLst/>
+          </a:prstGeom>
+          <a:ln>
+            <a:tailEnd type="arrow"/>
+          </a:ln>
+        </p:spPr>
+        <p:style>
+          <a:lnRef idx="2">
+            <a:schemeClr val="accent1"/>
+          </a:lnRef>
+          <a:fillRef idx="0">
+            <a:schemeClr val="accent1"/>
+          </a:fillRef>
+          <a:effectRef idx="1">
+            <a:schemeClr val="accent1"/>
+          </a:effectRef>
+          <a:fontRef idx="minor">
+            <a:schemeClr val="tx1"/>
+          </a:fontRef>
+        </p:style>
+      </p:cxnSp>
+      <p:cxnSp>
+        <p:nvCxnSpPr>
+          <p:cNvPr id="14" name="Straight Arrow Connector 13"/>
+          <p:cNvCxnSpPr/>
+          <p:nvPr/>
+        </p:nvCxnSpPr>
+        <p:spPr>
+          <a:xfrm>
+            <a:off x="7620000" y="2590800"/>
+            <a:ext cx="0" cy="914400"/>
+          </a:xfrm>
+          <a:prstGeom prst="straightConnector1">
+            <a:avLst/>
+          </a:prstGeom>
+          <a:ln>
+            <a:tailEnd type="arrow"/>
+          </a:ln>
+        </p:spPr>
+        <p:style>
+          <a:lnRef idx="2">
+            <a:schemeClr val="accent1"/>
+          </a:lnRef>
+          <a:fillRef idx="0">
+            <a:schemeClr val="accent1"/>
+          </a:fillRef>
+          <a:effectRef idx="1">
+            <a:schemeClr val="accent1"/>
+          </a:effectRef>
+          <a:fontRef idx="minor">
+            <a:schemeClr val="tx1"/>
+          </a:fontRef>
+        </p:style>
+      </p:cxnSp>
+      <p:cxnSp>
+        <p:nvCxnSpPr>
+          <p:cNvPr id="15" name="Straight Arrow Connector 14"/>
+          <p:cNvCxnSpPr/>
+          <p:nvPr/>
+        </p:nvCxnSpPr>
+        <p:spPr>
+          <a:xfrm>
+            <a:off x="7772400" y="2590800"/>
+            <a:ext cx="0" cy="914400"/>
+          </a:xfrm>
+          <a:prstGeom prst="straightConnector1">
+            <a:avLst/>
+          </a:prstGeom>
+          <a:ln>
+            <a:tailEnd type="arrow"/>
+          </a:ln>
+        </p:spPr>
+        <p:style>
+          <a:lnRef idx="2">
+            <a:schemeClr val="accent1"/>
+          </a:lnRef>
+          <a:fillRef idx="0">
+            <a:schemeClr val="accent1"/>
+          </a:fillRef>
+          <a:effectRef idx="1">
+            <a:schemeClr val="accent1"/>
+          </a:effectRef>
+          <a:fontRef idx="minor">
+            <a:schemeClr val="tx1"/>
+          </a:fontRef>
+        </p:style>
+      </p:cxnSp>
+      <p:sp>
+        <p:nvSpPr>
+          <p:cNvPr id="16" name="TextBox 15"/>
+          <p:cNvSpPr txBox="1"/>
+          <p:nvPr/>
+        </p:nvSpPr>
+        <p:spPr>
+          <a:xfrm>
+            <a:off x="1295400" y="2209800"/>
+            <a:ext cx="704039" cy="400110"/>
+          </a:xfrm>
+          <a:prstGeom prst="rect">
+            <a:avLst/>
+          </a:prstGeom>
+          <a:noFill/>
+        </p:spPr>
+        <p:txBody>
+          <a:bodyPr wrap="none" rtlCol="0">
+            <a:spAutoFit/>
+          </a:bodyPr>
+          <a:lstStyle/>
+          <a:p>
+            <a:r>
+              <a:rPr lang="en-US" sz="2000" dirty="0" smtClean="0"/>
+              <a:t>2012</a:t>
+            </a:r>
+            <a:endParaRPr lang="en-US" dirty="0"/>
+          </a:p>
+        </p:txBody>
+      </p:sp>
+      <p:sp>
+        <p:nvSpPr>
+          <p:cNvPr id="17" name="TextBox 16"/>
+          <p:cNvSpPr txBox="1"/>
+          <p:nvPr/>
+        </p:nvSpPr>
+        <p:spPr>
+          <a:xfrm>
+            <a:off x="3810000" y="2209800"/>
+            <a:ext cx="704039" cy="400110"/>
+          </a:xfrm>
+          <a:prstGeom prst="rect">
+            <a:avLst/>
+          </a:prstGeom>
+          <a:noFill/>
+        </p:spPr>
+        <p:txBody>
+          <a:bodyPr wrap="none" rtlCol="0">
+            <a:spAutoFit/>
+          </a:bodyPr>
+          <a:lstStyle/>
+          <a:p>
+            <a:r>
+              <a:rPr lang="en-US" sz="2000" dirty="0" smtClean="0"/>
+              <a:t>2013</a:t>
+            </a:r>
+            <a:endParaRPr lang="en-US" sz="2000" dirty="0"/>
+          </a:p>
+        </p:txBody>
+      </p:sp>
+      <p:sp>
+        <p:nvSpPr>
+          <p:cNvPr id="18" name="TextBox 17"/>
+          <p:cNvSpPr txBox="1"/>
+          <p:nvPr/>
+        </p:nvSpPr>
+        <p:spPr>
+          <a:xfrm>
+            <a:off x="6248400" y="2209800"/>
+            <a:ext cx="704039" cy="400110"/>
+          </a:xfrm>
+          <a:prstGeom prst="rect">
+            <a:avLst/>
+          </a:prstGeom>
+          <a:noFill/>
+        </p:spPr>
+        <p:txBody>
+          <a:bodyPr wrap="none" rtlCol="0">
+            <a:spAutoFit/>
+          </a:bodyPr>
+          <a:lstStyle/>
+          <a:p>
+            <a:r>
+              <a:rPr lang="en-US" sz="2000" dirty="0" smtClean="0"/>
+              <a:t>2014</a:t>
+            </a:r>
+            <a:endParaRPr lang="en-US" dirty="0"/>
+          </a:p>
+        </p:txBody>
+      </p:sp>
+      <p:sp>
+        <p:nvSpPr>
+          <p:cNvPr id="19" name="TextBox 18"/>
+          <p:cNvSpPr txBox="1"/>
+          <p:nvPr/>
+        </p:nvSpPr>
+        <p:spPr>
+          <a:xfrm>
+            <a:off x="7045520" y="2020669"/>
+            <a:ext cx="879280" cy="646331"/>
+          </a:xfrm>
+          <a:prstGeom prst="rect">
+            <a:avLst/>
+          </a:prstGeom>
+          <a:noFill/>
+        </p:spPr>
+        <p:txBody>
+          <a:bodyPr wrap="none" rtlCol="0">
+            <a:spAutoFit/>
+          </a:bodyPr>
+          <a:lstStyle/>
+          <a:p>
+            <a:r>
+              <a:rPr lang="en-US" dirty="0" smtClean="0"/>
+              <a:t>12 </a:t>
+            </a:r>
+            <a:r>
+              <a:rPr lang="en-US" dirty="0" smtClean="0"/>
+              <a:t>May</a:t>
+            </a:r>
+          </a:p>
+          <a:p>
+            <a:r>
+              <a:rPr lang="en-US" dirty="0" smtClean="0"/>
+              <a:t> </a:t>
+            </a:r>
+            <a:r>
+              <a:rPr lang="en-US" dirty="0" smtClean="0"/>
+              <a:t>2014</a:t>
+            </a:r>
+            <a:endParaRPr lang="en-US" dirty="0"/>
+          </a:p>
+        </p:txBody>
+      </p:sp>
+      <p:sp>
+        <p:nvSpPr>
+          <p:cNvPr id="20" name="TextBox 19"/>
+          <p:cNvSpPr txBox="1"/>
+          <p:nvPr/>
+        </p:nvSpPr>
+        <p:spPr>
+          <a:xfrm>
+            <a:off x="7754622" y="2438400"/>
+            <a:ext cx="932178" cy="646331"/>
+          </a:xfrm>
+          <a:prstGeom prst="rect">
+            <a:avLst/>
+          </a:prstGeom>
+          <a:noFill/>
+        </p:spPr>
+        <p:txBody>
+          <a:bodyPr wrap="none" rtlCol="0">
+            <a:spAutoFit/>
+          </a:bodyPr>
+          <a:lstStyle/>
+          <a:p>
+            <a:r>
+              <a:rPr lang="en-US" dirty="0" smtClean="0"/>
+              <a:t>15 May </a:t>
+            </a:r>
+            <a:endParaRPr lang="en-US" sz="2000" dirty="0" smtClean="0"/>
+          </a:p>
+          <a:p>
+            <a:r>
+              <a:rPr lang="en-US" dirty="0" smtClean="0"/>
+              <a:t>2014</a:t>
+            </a:r>
+            <a:endParaRPr lang="en-US" dirty="0"/>
+          </a:p>
+        </p:txBody>
+      </p:sp>
+      <p:cxnSp>
+        <p:nvCxnSpPr>
+          <p:cNvPr id="22" name="Straight Arrow Connector 21"/>
+          <p:cNvCxnSpPr/>
+          <p:nvPr/>
+        </p:nvCxnSpPr>
+        <p:spPr>
+          <a:xfrm>
+            <a:off x="1524000" y="4038600"/>
+            <a:ext cx="5029200" cy="0"/>
+          </a:xfrm>
+          <a:prstGeom prst="straightConnector1">
+            <a:avLst/>
+          </a:prstGeom>
+          <a:ln>
+            <a:solidFill>
+              <a:srgbClr val="FF0000"/>
+            </a:solidFill>
+            <a:headEnd type="arrow"/>
+            <a:tailEnd type="arrow"/>
+          </a:ln>
+        </p:spPr>
+        <p:style>
+          <a:lnRef idx="2">
+            <a:schemeClr val="accent1"/>
+          </a:lnRef>
+          <a:fillRef idx="0">
+            <a:schemeClr val="accent1"/>
+          </a:fillRef>
+          <a:effectRef idx="1">
+            <a:schemeClr val="accent1"/>
+          </a:effectRef>
+          <a:fontRef idx="minor">
+            <a:schemeClr val="tx1"/>
+          </a:fontRef>
+        </p:style>
+      </p:cxnSp>
+      <p:cxnSp>
+        <p:nvCxnSpPr>
+          <p:cNvPr id="24" name="Straight Arrow Connector 23"/>
+          <p:cNvCxnSpPr/>
+          <p:nvPr/>
+        </p:nvCxnSpPr>
+        <p:spPr>
+          <a:xfrm>
+            <a:off x="7543800" y="4038600"/>
+            <a:ext cx="304800" cy="0"/>
+          </a:xfrm>
+          <a:prstGeom prst="straightConnector1">
+            <a:avLst/>
+          </a:prstGeom>
+          <a:ln>
+            <a:solidFill>
+              <a:srgbClr val="00B050"/>
+            </a:solidFill>
+            <a:headEnd type="arrow"/>
+            <a:tailEnd type="arrow"/>
+          </a:ln>
+        </p:spPr>
+        <p:style>
+          <a:lnRef idx="2">
+            <a:schemeClr val="accent1"/>
+          </a:lnRef>
+          <a:fillRef idx="0">
+            <a:schemeClr val="accent1"/>
+          </a:fillRef>
+          <a:effectRef idx="1">
+            <a:schemeClr val="accent1"/>
+          </a:effectRef>
+          <a:fontRef idx="minor">
+            <a:schemeClr val="tx1"/>
+          </a:fontRef>
+        </p:style>
+      </p:cxnSp>
+      <p:sp>
+        <p:nvSpPr>
+          <p:cNvPr id="26" name="TextBox 25"/>
+          <p:cNvSpPr txBox="1"/>
+          <p:nvPr/>
+        </p:nvSpPr>
+        <p:spPr>
+          <a:xfrm>
+            <a:off x="1143000" y="5715000"/>
+            <a:ext cx="4460645" cy="461665"/>
+          </a:xfrm>
+          <a:prstGeom prst="rect">
+            <a:avLst/>
+          </a:prstGeom>
+          <a:noFill/>
+        </p:spPr>
+        <p:txBody>
+          <a:bodyPr wrap="none" rtlCol="0">
+            <a:spAutoFit/>
+          </a:bodyPr>
+          <a:lstStyle/>
+          <a:p>
+            <a:r>
+              <a:rPr lang="en-US" sz="2400" dirty="0" smtClean="0">
+                <a:solidFill>
+                  <a:srgbClr val="0070C0"/>
+                </a:solidFill>
+              </a:rPr>
+              <a:t>*Based </a:t>
+            </a:r>
+            <a:r>
+              <a:rPr lang="en-US" sz="2400" dirty="0" smtClean="0">
+                <a:solidFill>
+                  <a:srgbClr val="0070C0"/>
+                </a:solidFill>
+              </a:rPr>
+              <a:t>on clue from Kaggle forum</a:t>
+            </a:r>
+            <a:endParaRPr lang="en-US" sz="2400" dirty="0">
+              <a:solidFill>
+                <a:srgbClr val="0070C0"/>
+              </a:solidFill>
+            </a:endParaRPr>
+          </a:p>
+        </p:txBody>
+      </p:sp>
+      <p:cxnSp>
+        <p:nvCxnSpPr>
+          <p:cNvPr id="32" name="Straight Arrow Connector 31"/>
+          <p:cNvCxnSpPr/>
+          <p:nvPr/>
+        </p:nvCxnSpPr>
+        <p:spPr>
+          <a:xfrm>
+            <a:off x="6553200" y="4038600"/>
+            <a:ext cx="1066800" cy="0"/>
+          </a:xfrm>
+          <a:prstGeom prst="straightConnector1">
+            <a:avLst/>
+          </a:prstGeom>
+          <a:ln>
+            <a:solidFill>
+              <a:srgbClr val="FF0000"/>
+            </a:solidFill>
+            <a:headEnd type="arrow"/>
+            <a:tailEnd type="arrow"/>
+          </a:ln>
+        </p:spPr>
+        <p:style>
+          <a:lnRef idx="2">
+            <a:schemeClr val="accent1"/>
+          </a:lnRef>
+          <a:fillRef idx="0">
+            <a:schemeClr val="accent1"/>
+          </a:fillRef>
+          <a:effectRef idx="1">
+            <a:schemeClr val="accent1"/>
+          </a:effectRef>
+          <a:fontRef idx="minor">
+            <a:schemeClr val="tx1"/>
+          </a:fontRef>
+        </p:style>
+      </p:cxnSp>
+      <p:sp>
+        <p:nvSpPr>
+          <p:cNvPr id="34" name="TextBox 33"/>
+          <p:cNvSpPr txBox="1"/>
+          <p:nvPr/>
+        </p:nvSpPr>
+        <p:spPr>
+          <a:xfrm>
+            <a:off x="2895600" y="4114800"/>
+            <a:ext cx="1676400" cy="400110"/>
+          </a:xfrm>
+          <a:prstGeom prst="rect">
+            <a:avLst/>
+          </a:prstGeom>
+          <a:noFill/>
+        </p:spPr>
+        <p:txBody>
+          <a:bodyPr wrap="square" rtlCol="0">
+            <a:spAutoFit/>
+          </a:bodyPr>
+          <a:lstStyle/>
+          <a:p>
+            <a:r>
+              <a:rPr lang="en-US" sz="2000" b="1" dirty="0" smtClean="0"/>
+              <a:t>Training Data</a:t>
+            </a:r>
+            <a:endParaRPr lang="en-US" sz="2000" b="1" dirty="0"/>
+          </a:p>
+        </p:txBody>
+      </p:sp>
+      <p:sp>
+        <p:nvSpPr>
+          <p:cNvPr id="35" name="TextBox 34"/>
+          <p:cNvSpPr txBox="1"/>
+          <p:nvPr/>
+        </p:nvSpPr>
+        <p:spPr>
+          <a:xfrm>
+            <a:off x="6324600" y="4114800"/>
+            <a:ext cx="1981200" cy="369332"/>
+          </a:xfrm>
+          <a:prstGeom prst="rect">
+            <a:avLst/>
+          </a:prstGeom>
+          <a:noFill/>
+        </p:spPr>
+        <p:txBody>
+          <a:bodyPr wrap="square" rtlCol="0">
+            <a:spAutoFit/>
+          </a:bodyPr>
+          <a:lstStyle/>
+          <a:p>
+            <a:pPr algn="ctr"/>
+            <a:r>
+              <a:rPr lang="en-US" b="1" dirty="0" smtClean="0"/>
+              <a:t>Test Data </a:t>
+            </a:r>
+            <a:endParaRPr lang="en-US" b="1" dirty="0"/>
+          </a:p>
+        </p:txBody>
+      </p:sp>
+    </p:spTree>
+    <p:extLst>
+      <p:ext uri="{BB962C8B-B14F-4D97-AF65-F5344CB8AC3E}">
+        <p14:creationId xmlns:p14="http://schemas.microsoft.com/office/powerpoint/2010/main" xmlns="" val="4019537156"/>
+      </p:ext>
+    </p:extLst>
+  </p:cSld>
+  <p:clrMapOvr>
+    <a:masterClrMapping/>
+  </p:clrMapOvr>
+  <p:timing>
+    <p:tnLst>
+      <p:par>
+        <p:cTn id="1" dur="indefinite" restart="never" nodeType="tmRoot">
+          <p:childTnLst>
+            <p:seq concurrent="1" nextAc="seek">
+              <p:cTn id="2" dur="indefinite" nodeType="mainSeq">
+                <p:childTnLst>
+                  <p:par>
+                    <p:cTn id="3" fill="hold">
+                      <p:stCondLst>
+                        <p:cond delay="indefinite"/>
+                      </p:stCondLst>
+                      <p:childTnLst>
+                        <p:par>
+                          <p:cTn id="4" fill="hold">
+                            <p:stCondLst>
+                              <p:cond delay="0"/>
+                            </p:stCondLst>
+                            <p:childTnLst>
+                              <p:par>
+                                <p:cTn id="5" presetID="22" presetClass="entr" presetSubtype="1" fill="hold" nodeType="clickEffect">
+                                  <p:stCondLst>
+                                    <p:cond delay="0"/>
+                                  </p:stCondLst>
+                                  <p:childTnLst>
+                                    <p:set>
+                                      <p:cBhvr>
+                                        <p:cTn id="6" dur="1" fill="hold">
+                                          <p:stCondLst>
+                                            <p:cond delay="0"/>
+                                          </p:stCondLst>
+                                        </p:cTn>
+                                        <p:tgtEl>
+                                          <p:spTgt spid="11"/>
+                                        </p:tgtEl>
+                                        <p:attrNameLst>
+                                          <p:attrName>style.visibility</p:attrName>
+                                        </p:attrNameLst>
+                                      </p:cBhvr>
+                                      <p:to>
+                                        <p:strVal val="visible"/>
+                                      </p:to>
+                                    </p:set>
+                                    <p:animEffect transition="in" filter="wipe(up)">
+                                      <p:cBhvr>
+                                        <p:cTn id="7" dur="500"/>
+                                        <p:tgtEl>
+                                          <p:spTgt spid="11"/>
+                                        </p:tgtEl>
+                                      </p:cBhvr>
+                                    </p:animEffect>
+                                  </p:childTnLst>
+                                </p:cTn>
+                              </p:par>
+                              <p:par>
+                                <p:cTn id="8" presetID="22" presetClass="entr" presetSubtype="1" fill="hold" nodeType="withEffect">
+                                  <p:stCondLst>
+                                    <p:cond delay="0"/>
+                                  </p:stCondLst>
+                                  <p:childTnLst>
+                                    <p:set>
+                                      <p:cBhvr>
+                                        <p:cTn id="9" dur="1" fill="hold">
+                                          <p:stCondLst>
+                                            <p:cond delay="0"/>
+                                          </p:stCondLst>
+                                        </p:cTn>
+                                        <p:tgtEl>
+                                          <p:spTgt spid="12"/>
+                                        </p:tgtEl>
+                                        <p:attrNameLst>
+                                          <p:attrName>style.visibility</p:attrName>
+                                        </p:attrNameLst>
+                                      </p:cBhvr>
+                                      <p:to>
+                                        <p:strVal val="visible"/>
+                                      </p:to>
+                                    </p:set>
+                                    <p:animEffect transition="in" filter="wipe(up)">
+                                      <p:cBhvr>
+                                        <p:cTn id="10" dur="500"/>
+                                        <p:tgtEl>
+                                          <p:spTgt spid="12"/>
+                                        </p:tgtEl>
+                                      </p:cBhvr>
+                                    </p:animEffect>
+                                  </p:childTnLst>
+                                </p:cTn>
+                              </p:par>
+                              <p:par>
+                                <p:cTn id="11" presetID="22" presetClass="entr" presetSubtype="1" fill="hold" nodeType="withEffect">
+                                  <p:stCondLst>
+                                    <p:cond delay="0"/>
+                                  </p:stCondLst>
+                                  <p:childTnLst>
+                                    <p:set>
+                                      <p:cBhvr>
+                                        <p:cTn id="12" dur="1" fill="hold">
+                                          <p:stCondLst>
+                                            <p:cond delay="0"/>
+                                          </p:stCondLst>
+                                        </p:cTn>
+                                        <p:tgtEl>
+                                          <p:spTgt spid="13"/>
+                                        </p:tgtEl>
+                                        <p:attrNameLst>
+                                          <p:attrName>style.visibility</p:attrName>
+                                        </p:attrNameLst>
+                                      </p:cBhvr>
+                                      <p:to>
+                                        <p:strVal val="visible"/>
+                                      </p:to>
+                                    </p:set>
+                                    <p:animEffect transition="in" filter="wipe(up)">
+                                      <p:cBhvr>
+                                        <p:cTn id="13" dur="500"/>
+                                        <p:tgtEl>
+                                          <p:spTgt spid="13"/>
+                                        </p:tgtEl>
+                                      </p:cBhvr>
+                                    </p:animEffect>
+                                  </p:childTnLst>
+                                </p:cTn>
+                              </p:par>
+                              <p:par>
+                                <p:cTn id="14" presetID="22" presetClass="entr" presetSubtype="1" fill="hold" nodeType="withEffect">
+                                  <p:stCondLst>
+                                    <p:cond delay="0"/>
+                                  </p:stCondLst>
+                                  <p:childTnLst>
+                                    <p:set>
+                                      <p:cBhvr>
+                                        <p:cTn id="15" dur="1" fill="hold">
+                                          <p:stCondLst>
+                                            <p:cond delay="0"/>
+                                          </p:stCondLst>
+                                        </p:cTn>
+                                        <p:tgtEl>
+                                          <p:spTgt spid="14"/>
+                                        </p:tgtEl>
+                                        <p:attrNameLst>
+                                          <p:attrName>style.visibility</p:attrName>
+                                        </p:attrNameLst>
+                                      </p:cBhvr>
+                                      <p:to>
+                                        <p:strVal val="visible"/>
+                                      </p:to>
+                                    </p:set>
+                                    <p:animEffect transition="in" filter="wipe(up)">
+                                      <p:cBhvr>
+                                        <p:cTn id="16" dur="500"/>
+                                        <p:tgtEl>
+                                          <p:spTgt spid="14"/>
+                                        </p:tgtEl>
+                                      </p:cBhvr>
+                                    </p:animEffect>
+                                  </p:childTnLst>
+                                </p:cTn>
+                              </p:par>
+                              <p:par>
+                                <p:cTn id="17" presetID="22" presetClass="entr" presetSubtype="1" fill="hold" nodeType="withEffect">
+                                  <p:stCondLst>
+                                    <p:cond delay="0"/>
+                                  </p:stCondLst>
+                                  <p:childTnLst>
+                                    <p:set>
+                                      <p:cBhvr>
+                                        <p:cTn id="18" dur="1" fill="hold">
+                                          <p:stCondLst>
+                                            <p:cond delay="0"/>
+                                          </p:stCondLst>
+                                        </p:cTn>
+                                        <p:tgtEl>
+                                          <p:spTgt spid="15"/>
+                                        </p:tgtEl>
+                                        <p:attrNameLst>
+                                          <p:attrName>style.visibility</p:attrName>
+                                        </p:attrNameLst>
+                                      </p:cBhvr>
+                                      <p:to>
+                                        <p:strVal val="visible"/>
+                                      </p:to>
+                                    </p:set>
+                                    <p:animEffect transition="in" filter="wipe(up)">
+                                      <p:cBhvr>
+                                        <p:cTn id="19" dur="500"/>
+                                        <p:tgtEl>
+                                          <p:spTgt spid="15"/>
+                                        </p:tgtEl>
+                                      </p:cBhvr>
+                                    </p:animEffect>
+                                  </p:childTnLst>
+                                </p:cTn>
+                              </p:par>
+                            </p:childTnLst>
+                          </p:cTn>
+                        </p:par>
+                        <p:par>
+                          <p:cTn id="20" fill="hold">
+                            <p:stCondLst>
+                              <p:cond delay="500"/>
+                            </p:stCondLst>
+                            <p:childTnLst>
+                              <p:par>
+                                <p:cTn id="21" presetID="1" presetClass="entr" presetSubtype="0" fill="hold" grpId="0" nodeType="afterEffect">
+                                  <p:stCondLst>
+                                    <p:cond delay="0"/>
+                                  </p:stCondLst>
+                                  <p:childTnLst>
+                                    <p:set>
+                                      <p:cBhvr>
+                                        <p:cTn id="22" dur="1" fill="hold">
+                                          <p:stCondLst>
+                                            <p:cond delay="0"/>
+                                          </p:stCondLst>
+                                        </p:cTn>
+                                        <p:tgtEl>
+                                          <p:spTgt spid="16"/>
+                                        </p:tgtEl>
+                                        <p:attrNameLst>
+                                          <p:attrName>style.visibility</p:attrName>
+                                        </p:attrNameLst>
+                                      </p:cBhvr>
+                                      <p:to>
+                                        <p:strVal val="visible"/>
+                                      </p:to>
+                                    </p:set>
+                                  </p:childTnLst>
+                                </p:cTn>
+                              </p:par>
+                            </p:childTnLst>
+                          </p:cTn>
+                        </p:par>
+                        <p:par>
+                          <p:cTn id="23" fill="hold">
+                            <p:stCondLst>
+                              <p:cond delay="500"/>
+                            </p:stCondLst>
+                            <p:childTnLst>
+                              <p:par>
+                                <p:cTn id="24" presetID="1" presetClass="entr" presetSubtype="0" fill="hold" grpId="0" nodeType="afterEffect">
+                                  <p:stCondLst>
+                                    <p:cond delay="0"/>
+                                  </p:stCondLst>
+                                  <p:childTnLst>
+                                    <p:set>
+                                      <p:cBhvr>
+                                        <p:cTn id="25" dur="1" fill="hold">
+                                          <p:stCondLst>
+                                            <p:cond delay="0"/>
+                                          </p:stCondLst>
+                                        </p:cTn>
+                                        <p:tgtEl>
+                                          <p:spTgt spid="17"/>
+                                        </p:tgtEl>
+                                        <p:attrNameLst>
+                                          <p:attrName>style.visibility</p:attrName>
+                                        </p:attrNameLst>
+                                      </p:cBhvr>
+                                      <p:to>
+                                        <p:strVal val="visible"/>
+                                      </p:to>
+                                    </p:set>
+                                  </p:childTnLst>
+                                </p:cTn>
+                              </p:par>
+                            </p:childTnLst>
+                          </p:cTn>
+                        </p:par>
+                        <p:par>
+                          <p:cTn id="26" fill="hold">
+                            <p:stCondLst>
+                              <p:cond delay="500"/>
+                            </p:stCondLst>
+                            <p:childTnLst>
+                              <p:par>
+                                <p:cTn id="27" presetID="1" presetClass="entr" presetSubtype="0" fill="hold" grpId="0" nodeType="afterEffect">
+                                  <p:stCondLst>
+                                    <p:cond delay="0"/>
+                                  </p:stCondLst>
+                                  <p:childTnLst>
+                                    <p:set>
+                                      <p:cBhvr>
+                                        <p:cTn id="28" dur="1" fill="hold">
+                                          <p:stCondLst>
+                                            <p:cond delay="0"/>
+                                          </p:stCondLst>
+                                        </p:cTn>
+                                        <p:tgtEl>
+                                          <p:spTgt spid="18"/>
+                                        </p:tgtEl>
+                                        <p:attrNameLst>
+                                          <p:attrName>style.visibility</p:attrName>
+                                        </p:attrNameLst>
+                                      </p:cBhvr>
+                                      <p:to>
+                                        <p:strVal val="visible"/>
+                                      </p:to>
+                                    </p:set>
+                                  </p:childTnLst>
+                                </p:cTn>
+                              </p:par>
+                            </p:childTnLst>
+                          </p:cTn>
+                        </p:par>
+                        <p:par>
+                          <p:cTn id="29" fill="hold">
+                            <p:stCondLst>
+                              <p:cond delay="500"/>
+                            </p:stCondLst>
+                            <p:childTnLst>
+                              <p:par>
+                                <p:cTn id="30" presetID="1" presetClass="entr" presetSubtype="0" fill="hold" grpId="0" nodeType="afterEffect">
+                                  <p:stCondLst>
+                                    <p:cond delay="0"/>
+                                  </p:stCondLst>
+                                  <p:childTnLst>
+                                    <p:set>
+                                      <p:cBhvr>
+                                        <p:cTn id="31" dur="1" fill="hold">
+                                          <p:stCondLst>
+                                            <p:cond delay="0"/>
+                                          </p:stCondLst>
+                                        </p:cTn>
+                                        <p:tgtEl>
+                                          <p:spTgt spid="19"/>
+                                        </p:tgtEl>
+                                        <p:attrNameLst>
+                                          <p:attrName>style.visibility</p:attrName>
+                                        </p:attrNameLst>
+                                      </p:cBhvr>
+                                      <p:to>
+                                        <p:strVal val="visible"/>
+                                      </p:to>
+                                    </p:set>
+                                  </p:childTnLst>
+                                </p:cTn>
+                              </p:par>
+                            </p:childTnLst>
+                          </p:cTn>
+                        </p:par>
+                        <p:par>
+                          <p:cTn id="32" fill="hold">
+                            <p:stCondLst>
+                              <p:cond delay="500"/>
+                            </p:stCondLst>
+                            <p:childTnLst>
+                              <p:par>
+                                <p:cTn id="33" presetID="1" presetClass="entr" presetSubtype="0" fill="hold" grpId="0" nodeType="afterEffect">
+                                  <p:stCondLst>
+                                    <p:cond delay="0"/>
+                                  </p:stCondLst>
+                                  <p:childTnLst>
+                                    <p:set>
+                                      <p:cBhvr>
+                                        <p:cTn id="34" dur="1" fill="hold">
+                                          <p:stCondLst>
+                                            <p:cond delay="0"/>
+                                          </p:stCondLst>
+                                        </p:cTn>
+                                        <p:tgtEl>
+                                          <p:spTgt spid="20"/>
+                                        </p:tgtEl>
+                                        <p:attrNameLst>
+                                          <p:attrName>style.visibility</p:attrName>
+                                        </p:attrNameLst>
+                                      </p:cBhvr>
+                                      <p:to>
+                                        <p:strVal val="visible"/>
+                                      </p:to>
+                                    </p:set>
+                                  </p:childTnLst>
+                                </p:cTn>
+                              </p:par>
+                            </p:childTnLst>
+                          </p:cTn>
+                        </p:par>
+                      </p:childTnLst>
+                    </p:cTn>
+                  </p:par>
+                  <p:par>
+                    <p:cTn id="35" fill="hold">
+                      <p:stCondLst>
+                        <p:cond delay="indefinite"/>
+                      </p:stCondLst>
+                      <p:childTnLst>
+                        <p:par>
+                          <p:cTn id="36" fill="hold">
+                            <p:stCondLst>
+                              <p:cond delay="0"/>
+                            </p:stCondLst>
+                            <p:childTnLst>
+                              <p:par>
+                                <p:cTn id="37" presetID="1" presetClass="entr" presetSubtype="0" fill="hold" nodeType="clickEffect">
+                                  <p:stCondLst>
+                                    <p:cond delay="0"/>
+                                  </p:stCondLst>
+                                  <p:childTnLst>
+                                    <p:set>
+                                      <p:cBhvr>
+                                        <p:cTn id="38" dur="1" fill="hold">
+                                          <p:stCondLst>
+                                            <p:cond delay="0"/>
+                                          </p:stCondLst>
+                                        </p:cTn>
+                                        <p:tgtEl>
+                                          <p:spTgt spid="22"/>
+                                        </p:tgtEl>
+                                        <p:attrNameLst>
+                                          <p:attrName>style.visibility</p:attrName>
+                                        </p:attrNameLst>
+                                      </p:cBhvr>
+                                      <p:to>
+                                        <p:strVal val="visible"/>
+                                      </p:to>
+                                    </p:set>
+                                  </p:childTnLst>
+                                </p:cTn>
+                              </p:par>
+                              <p:par>
+                                <p:cTn id="39" presetID="1" presetClass="entr" presetSubtype="0" fill="hold" grpId="0" nodeType="withEffect">
+                                  <p:stCondLst>
+                                    <p:cond delay="0"/>
+                                  </p:stCondLst>
+                                  <p:childTnLst>
+                                    <p:set>
+                                      <p:cBhvr>
+                                        <p:cTn id="40" dur="1" fill="hold">
+                                          <p:stCondLst>
+                                            <p:cond delay="0"/>
+                                          </p:stCondLst>
+                                        </p:cTn>
+                                        <p:tgtEl>
+                                          <p:spTgt spid="34"/>
+                                        </p:tgtEl>
+                                        <p:attrNameLst>
+                                          <p:attrName>style.visibility</p:attrName>
+                                        </p:attrNameLst>
+                                      </p:cBhvr>
+                                      <p:to>
+                                        <p:strVal val="visible"/>
+                                      </p:to>
+                                    </p:set>
+                                  </p:childTnLst>
+                                </p:cTn>
+                              </p:par>
+                            </p:childTnLst>
+                          </p:cTn>
+                        </p:par>
+                      </p:childTnLst>
+                    </p:cTn>
+                  </p:par>
+                  <p:par>
+                    <p:cTn id="41" fill="hold">
+                      <p:stCondLst>
+                        <p:cond delay="indefinite"/>
+                      </p:stCondLst>
+                      <p:childTnLst>
+                        <p:par>
+                          <p:cTn id="42" fill="hold">
+                            <p:stCondLst>
+                              <p:cond delay="0"/>
+                            </p:stCondLst>
+                            <p:childTnLst>
+                              <p:par>
+                                <p:cTn id="43" presetID="1" presetClass="entr" presetSubtype="0" fill="hold" nodeType="clickEffect">
+                                  <p:stCondLst>
+                                    <p:cond delay="0"/>
+                                  </p:stCondLst>
+                                  <p:childTnLst>
+                                    <p:set>
+                                      <p:cBhvr>
+                                        <p:cTn id="44" dur="1" fill="hold">
+                                          <p:stCondLst>
+                                            <p:cond delay="0"/>
+                                          </p:stCondLst>
+                                        </p:cTn>
+                                        <p:tgtEl>
+                                          <p:spTgt spid="32"/>
+                                        </p:tgtEl>
+                                        <p:attrNameLst>
+                                          <p:attrName>style.visibility</p:attrName>
+                                        </p:attrNameLst>
+                                      </p:cBhvr>
+                                      <p:to>
+                                        <p:strVal val="visible"/>
+                                      </p:to>
+                                    </p:set>
+                                  </p:childTnLst>
+                                </p:cTn>
+                              </p:par>
+                              <p:par>
+                                <p:cTn id="45" presetID="1" presetClass="entr" presetSubtype="0" fill="hold" grpId="0" nodeType="withEffect">
+                                  <p:stCondLst>
+                                    <p:cond delay="0"/>
+                                  </p:stCondLst>
+                                  <p:childTnLst>
+                                    <p:set>
+                                      <p:cBhvr>
+                                        <p:cTn id="46" dur="1" fill="hold">
+                                          <p:stCondLst>
+                                            <p:cond delay="0"/>
+                                          </p:stCondLst>
+                                        </p:cTn>
+                                        <p:tgtEl>
+                                          <p:spTgt spid="35"/>
+                                        </p:tgtEl>
+                                        <p:attrNameLst>
+                                          <p:attrName>style.visibility</p:attrName>
+                                        </p:attrNameLst>
+                                      </p:cBhvr>
+                                      <p:to>
+                                        <p:strVal val="visible"/>
+                                      </p:to>
+                                    </p:set>
+                                  </p:childTnLst>
+                                </p:cTn>
+                              </p:par>
+                            </p:childTnLst>
+                          </p:cTn>
+                        </p:par>
+                      </p:childTnLst>
+                    </p:cTn>
+                  </p:par>
+                  <p:par>
+                    <p:cTn id="47" fill="hold">
+                      <p:stCondLst>
+                        <p:cond delay="indefinite"/>
+                      </p:stCondLst>
+                      <p:childTnLst>
+                        <p:par>
+                          <p:cTn id="48" fill="hold">
+                            <p:stCondLst>
+                              <p:cond delay="0"/>
+                            </p:stCondLst>
+                            <p:childTnLst>
+                              <p:par>
+                                <p:cTn id="49" presetID="1" presetClass="entr" presetSubtype="0" fill="hold" nodeType="clickEffect">
+                                  <p:stCondLst>
+                                    <p:cond delay="0"/>
+                                  </p:stCondLst>
+                                  <p:childTnLst>
+                                    <p:set>
+                                      <p:cBhvr>
+                                        <p:cTn id="50" dur="1" fill="hold">
+                                          <p:stCondLst>
+                                            <p:cond delay="0"/>
+                                          </p:stCondLst>
+                                        </p:cTn>
+                                        <p:tgtEl>
+                                          <p:spTgt spid="24"/>
+                                        </p:tgtEl>
+                                        <p:attrNameLst>
+                                          <p:attrName>style.visibility</p:attrName>
+                                        </p:attrNameLst>
+                                      </p:cBhvr>
+                                      <p:to>
+                                        <p:strVal val="visible"/>
+                                      </p:to>
+                                    </p:set>
+                                  </p:childTnLst>
+                                </p:cTn>
+                              </p:par>
+                            </p:childTnLst>
+                          </p:cTn>
+                        </p:par>
+                      </p:childTnLst>
+                    </p:cTn>
+                  </p:par>
+                </p:childTnLst>
+              </p:cTn>
+              <p:prevCondLst>
+                <p:cond evt="onPrev" delay="0">
+                  <p:tgtEl>
+                    <p:sldTgt/>
+                  </p:tgtEl>
+                </p:cond>
+              </p:prevCondLst>
+              <p:nextCondLst>
+                <p:cond evt="onNext" delay="0">
+                  <p:tgtEl>
+                    <p:sldTgt/>
+                  </p:tgtEl>
+                </p:cond>
+              </p:nextCondLst>
+            </p:seq>
+          </p:childTnLst>
+        </p:cTn>
+      </p:par>
+    </p:tnLst>
+    <p:bldLst>
+      <p:bldP spid="16" grpId="0"/>
+      <p:bldP spid="17" grpId="0"/>
+      <p:bldP spid="18" grpId="0"/>
+      <p:bldP spid="19" grpId="0"/>
+      <p:bldP spid="20" grpId="0"/>
+      <p:bldP spid="34" grpId="0"/>
+      <p:bldP spid="35" grpId="0"/>
+    </p:bldLst>
+  </p:timing>
+</p:sld>
+</file>
+
+<file path=ppt/slides/slide23.xml><?xml version="1.0" encoding="utf-8"?>
+<p:sld xmlns:a="http://schemas.openxmlformats.org/drawingml/2006/main" xmlns:r="http://schemas.openxmlformats.org/officeDocument/2006/relationships" xmlns:p="http://schemas.openxmlformats.org/presentationml/2006/main">
+  <p:cSld>
+    <p:spTree>
+      <p:nvGrpSpPr>
+        <p:cNvPr id="1" name=""/>
+        <p:cNvGrpSpPr/>
+        <p:nvPr/>
+      </p:nvGrpSpPr>
+      <p:grpSpPr>
+        <a:xfrm>
+          <a:off x="0" y="0"/>
+          <a:ext cx="0" cy="0"/>
+          <a:chOff x="0" y="0"/>
+          <a:chExt cx="0" cy="0"/>
+        </a:xfrm>
+      </p:grpSpPr>
+      <p:sp>
+        <p:nvSpPr>
+          <p:cNvPr id="2" name="Title 1"/>
+          <p:cNvSpPr>
+            <a:spLocks noGrp="1"/>
+          </p:cNvSpPr>
+          <p:nvPr>
+            <p:ph type="title"/>
+          </p:nvPr>
+        </p:nvSpPr>
+        <p:spPr/>
+        <p:txBody>
+          <a:bodyPr>
+            <a:normAutofit fontScale="90000"/>
+          </a:bodyPr>
+          <a:lstStyle/>
+          <a:p>
+            <a:pPr algn="l"/>
+            <a:r>
+              <a:rPr lang="en-US" dirty="0" smtClean="0"/>
+              <a:t>Late submission has low </a:t>
+            </a:r>
+            <a:r>
+              <a:rPr lang="en-US" dirty="0" smtClean="0"/>
+              <a:t>impact : </a:t>
+            </a:r>
+            <a:r>
+              <a:rPr lang="en-US" sz="4000" dirty="0" smtClean="0"/>
+              <a:t>Discount </a:t>
+            </a:r>
+            <a:r>
+              <a:rPr lang="en-US" sz="4000" dirty="0" smtClean="0"/>
+              <a:t>Function</a:t>
+            </a:r>
+            <a:endParaRPr lang="en-US" dirty="0"/>
+          </a:p>
+        </p:txBody>
+      </p:sp>
+      <p:pic>
+        <p:nvPicPr>
+          <p:cNvPr id="7" name="Content Placeholder 6" descr="discount.png"/>
+          <p:cNvPicPr>
+            <a:picLocks noGrp="1" noChangeAspect="1"/>
+          </p:cNvPicPr>
+          <p:nvPr>
+            <p:ph idx="1"/>
+          </p:nvPr>
+        </p:nvPicPr>
+        <p:blipFill>
+          <a:blip r:embed="rId2" cstate="print">
+            <a:extLst>
+              <a:ext uri="{28A0092B-C50C-407E-A947-70E740481C1C}">
+                <a14:useLocalDpi xmlns:a14="http://schemas.microsoft.com/office/drawing/2010/main" xmlns="" val="0"/>
+              </a:ext>
+            </a:extLst>
+          </a:blip>
+          <a:srcRect t="-39675" b="-39675"/>
+          <a:stretch>
+            <a:fillRect/>
+          </a:stretch>
+        </p:blipFill>
+        <p:spPr/>
+      </p:pic>
+      <p:sp>
+        <p:nvSpPr>
+          <p:cNvPr id="4" name="Date Placeholder 3"/>
+          <p:cNvSpPr>
+            <a:spLocks noGrp="1"/>
+          </p:cNvSpPr>
+          <p:nvPr>
+            <p:ph type="dt" sz="half" idx="10"/>
+          </p:nvPr>
+        </p:nvSpPr>
+        <p:spPr/>
+        <p:txBody>
+          <a:bodyPr/>
+          <a:lstStyle/>
+          <a:p>
+            <a:fld id="{67982E54-CFC6-46DC-BEF3-B3681CD4B600}" type="datetime3">
+              <a:rPr lang="en-US" smtClean="0"/>
+              <a:pPr/>
+              <a:t>3 November 2014</a:t>
+            </a:fld>
+            <a:endParaRPr lang="en-US"/>
+          </a:p>
+        </p:txBody>
+      </p:sp>
+      <p:sp>
+        <p:nvSpPr>
+          <p:cNvPr id="5" name="Footer Placeholder 4"/>
+          <p:cNvSpPr>
+            <a:spLocks noGrp="1"/>
+          </p:cNvSpPr>
+          <p:nvPr>
+            <p:ph type="ftr" sz="quarter" idx="11"/>
+          </p:nvPr>
+        </p:nvSpPr>
+        <p:spPr/>
+        <p:txBody>
+          <a:bodyPr/>
+          <a:lstStyle/>
+          <a:p>
+            <a:r>
+              <a:rPr lang="en-US" smtClean="0"/>
+              <a:t>CS 5228 - Knowledge Discovery &amp; Data Mining</a:t>
+            </a:r>
+            <a:endParaRPr lang="en-US"/>
+          </a:p>
+        </p:txBody>
+      </p:sp>
+      <p:sp>
+        <p:nvSpPr>
+          <p:cNvPr id="6" name="Slide Number Placeholder 5"/>
+          <p:cNvSpPr>
+            <a:spLocks noGrp="1"/>
+          </p:cNvSpPr>
+          <p:nvPr>
+            <p:ph type="sldNum" sz="quarter" idx="12"/>
+          </p:nvPr>
+        </p:nvSpPr>
+        <p:spPr/>
+        <p:txBody>
+          <a:bodyPr/>
+          <a:lstStyle/>
+          <a:p>
+            <a:fld id="{B6F15528-21DE-4FAA-801E-634DDDAF4B2B}" type="slidenum">
+              <a:rPr lang="en-US" smtClean="0"/>
+              <a:pPr/>
+              <a:t>23</a:t>
+            </a:fld>
+            <a:endParaRPr lang="en-US"/>
+          </a:p>
+        </p:txBody>
+      </p:sp>
+    </p:spTree>
+    <p:extLst>
+      <p:ext uri="{BB962C8B-B14F-4D97-AF65-F5344CB8AC3E}">
+        <p14:creationId xmlns:p14="http://schemas.microsoft.com/office/powerpoint/2010/main" xmlns="" val="2548220371"/>
+      </p:ext>
+    </p:extLst>
+  </p:cSld>
+  <p:clrMapOvr>
+    <a:masterClrMapping/>
+  </p:clrMapOvr>
+  <p:timing>
+    <p:tnLst>
+      <p:par>
+        <p:cTn id="1" dur="indefinite" restart="never" nodeType="tmRoot"/>
+      </p:par>
+    </p:tnLst>
+  </p:timing>
+</p:sld>
+</file>
+
+<file path=ppt/slides/slide24.xml><?xml version="1.0" encoding="utf-8"?>
+<p:sld xmlns:a="http://schemas.openxmlformats.org/drawingml/2006/main" xmlns:r="http://schemas.openxmlformats.org/officeDocument/2006/relationships" xmlns:p="http://schemas.openxmlformats.org/presentationml/2006/main">
+  <p:cSld>
+    <p:spTree>
+      <p:nvGrpSpPr>
+        <p:cNvPr id="1" name=""/>
+        <p:cNvGrpSpPr/>
+        <p:nvPr/>
+      </p:nvGrpSpPr>
+      <p:grpSpPr>
+        <a:xfrm>
+          <a:off x="0" y="0"/>
+          <a:ext cx="0" cy="0"/>
+          <a:chOff x="0" y="0"/>
+          <a:chExt cx="0" cy="0"/>
+        </a:xfrm>
+      </p:grpSpPr>
+      <p:sp>
+        <p:nvSpPr>
+          <p:cNvPr id="2" name="Title 1"/>
+          <p:cNvSpPr>
+            <a:spLocks noGrp="1"/>
+          </p:cNvSpPr>
+          <p:nvPr>
+            <p:ph type="title"/>
+          </p:nvPr>
+        </p:nvSpPr>
+        <p:spPr/>
+        <p:txBody>
+          <a:bodyPr/>
+          <a:lstStyle/>
+          <a:p>
+            <a:r>
+              <a:rPr lang="en-US" dirty="0" smtClean="0"/>
+              <a:t>Late submission has low </a:t>
+            </a:r>
+            <a:r>
+              <a:rPr lang="en-US" dirty="0" smtClean="0"/>
+              <a:t>impact*</a:t>
+            </a:r>
+            <a:endParaRPr lang="en-US" dirty="0"/>
+          </a:p>
+        </p:txBody>
+      </p:sp>
+      <p:sp>
+        <p:nvSpPr>
+          <p:cNvPr id="4" name="Date Placeholder 3"/>
+          <p:cNvSpPr>
+            <a:spLocks noGrp="1"/>
+          </p:cNvSpPr>
+          <p:nvPr>
+            <p:ph type="dt" sz="half" idx="10"/>
+          </p:nvPr>
+        </p:nvSpPr>
+        <p:spPr/>
+        <p:txBody>
+          <a:bodyPr/>
+          <a:lstStyle/>
+          <a:p>
+            <a:fld id="{67982E54-CFC6-46DC-BEF3-B3681CD4B600}" type="datetime3">
+              <a:rPr lang="en-US" smtClean="0"/>
+              <a:pPr/>
+              <a:t>3 November 2014</a:t>
+            </a:fld>
+            <a:endParaRPr lang="en-US"/>
+          </a:p>
+        </p:txBody>
+      </p:sp>
+      <p:sp>
+        <p:nvSpPr>
+          <p:cNvPr id="5" name="Footer Placeholder 4"/>
+          <p:cNvSpPr>
+            <a:spLocks noGrp="1"/>
+          </p:cNvSpPr>
+          <p:nvPr>
+            <p:ph type="ftr" sz="quarter" idx="11"/>
+          </p:nvPr>
+        </p:nvSpPr>
+        <p:spPr/>
+        <p:txBody>
+          <a:bodyPr/>
+          <a:lstStyle/>
+          <a:p>
+            <a:r>
+              <a:rPr lang="en-US" smtClean="0"/>
+              <a:t>CS 5228 - Knowledge Discovery &amp; Data Mining</a:t>
+            </a:r>
+            <a:endParaRPr lang="en-US"/>
+          </a:p>
+        </p:txBody>
+      </p:sp>
+      <p:sp>
+        <p:nvSpPr>
+          <p:cNvPr id="6" name="Slide Number Placeholder 5"/>
+          <p:cNvSpPr>
+            <a:spLocks noGrp="1"/>
+          </p:cNvSpPr>
+          <p:nvPr>
+            <p:ph type="sldNum" sz="quarter" idx="12"/>
+          </p:nvPr>
+        </p:nvSpPr>
+        <p:spPr/>
+        <p:txBody>
+          <a:bodyPr/>
+          <a:lstStyle/>
+          <a:p>
+            <a:fld id="{B6F15528-21DE-4FAA-801E-634DDDAF4B2B}" type="slidenum">
+              <a:rPr lang="en-US" smtClean="0"/>
+              <a:pPr/>
+              <a:t>24</a:t>
+            </a:fld>
+            <a:endParaRPr lang="en-US"/>
+          </a:p>
+        </p:txBody>
+      </p:sp>
+      <p:cxnSp>
+        <p:nvCxnSpPr>
+          <p:cNvPr id="8" name="Straight Arrow Connector 7"/>
+          <p:cNvCxnSpPr/>
+          <p:nvPr/>
+        </p:nvCxnSpPr>
+        <p:spPr>
+          <a:xfrm flipV="1">
+            <a:off x="990600" y="3657600"/>
+            <a:ext cx="7391400" cy="2309"/>
           </a:xfrm>
           <a:prstGeom prst="straightConnector1">
             <a:avLst/>
@@ -8401,7 +11873,7 @@
         <p:spPr>
           <a:xfrm>
             <a:off x="1295400" y="2209800"/>
-            <a:ext cx="652643" cy="369332"/>
+            <a:ext cx="704039" cy="400110"/>
           </a:xfrm>
           <a:prstGeom prst="rect">
             <a:avLst/>
@@ -8415,7 +11887,7 @@
           <a:lstStyle/>
           <a:p>
             <a:r>
-              <a:rPr lang="en-US" dirty="0" smtClean="0"/>
+              <a:rPr lang="en-US" sz="2000" dirty="0" smtClean="0"/>
               <a:t>2012</a:t>
             </a:r>
             <a:endParaRPr lang="en-US" dirty="0"/>
@@ -8431,7 +11903,7 @@
         <p:spPr>
           <a:xfrm>
             <a:off x="3810000" y="2209800"/>
-            <a:ext cx="652643" cy="369332"/>
+            <a:ext cx="704039" cy="400110"/>
           </a:xfrm>
           <a:prstGeom prst="rect">
             <a:avLst/>
@@ -8445,10 +11917,10 @@
           <a:lstStyle/>
           <a:p>
             <a:r>
-              <a:rPr lang="en-US" dirty="0" smtClean="0"/>
+              <a:rPr lang="en-US" sz="2000" dirty="0" smtClean="0"/>
               <a:t>2013</a:t>
             </a:r>
-            <a:endParaRPr lang="en-US" dirty="0"/>
+            <a:endParaRPr lang="en-US" sz="2000" dirty="0"/>
           </a:p>
         </p:txBody>
       </p:sp>
@@ -8461,7 +11933,7 @@
         <p:spPr>
           <a:xfrm>
             <a:off x="6248400" y="2209800"/>
-            <a:ext cx="652643" cy="369332"/>
+            <a:ext cx="704039" cy="400110"/>
           </a:xfrm>
           <a:prstGeom prst="rect">
             <a:avLst/>
@@ -8475,7 +11947,7 @@
           <a:lstStyle/>
           <a:p>
             <a:r>
-              <a:rPr lang="en-US" dirty="0" smtClean="0"/>
+              <a:rPr lang="en-US" sz="2000" dirty="0" smtClean="0"/>
               <a:t>2014</a:t>
             </a:r>
             <a:endParaRPr lang="en-US" dirty="0"/>
@@ -8490,8 +11962,8 @@
         </p:nvSpPr>
         <p:spPr>
           <a:xfrm>
-            <a:off x="7043557" y="2221468"/>
-            <a:ext cx="1403412" cy="369332"/>
+            <a:off x="6934200" y="1905000"/>
+            <a:ext cx="879280" cy="646331"/>
           </a:xfrm>
           <a:prstGeom prst="rect">
             <a:avLst/>
@@ -8506,7 +11978,21 @@
           <a:p>
             <a:r>
               <a:rPr lang="en-US" dirty="0" smtClean="0"/>
-              <a:t>12 May 2014</a:t>
+              <a:t>12 </a:t>
+            </a:r>
+            <a:r>
+              <a:rPr lang="en-US" dirty="0" smtClean="0"/>
+              <a:t>May</a:t>
+            </a:r>
+          </a:p>
+          <a:p>
+            <a:r>
+              <a:rPr lang="en-US" dirty="0" smtClean="0"/>
+              <a:t> </a:t>
+            </a:r>
+            <a:r>
+              <a:rPr lang="en-US" dirty="0" smtClean="0"/>
+              <a:t>2014</a:t>
             </a:r>
             <a:endParaRPr lang="en-US" dirty="0"/>
           </a:p>
@@ -8520,8 +12006,8 @@
         </p:nvSpPr>
         <p:spPr>
           <a:xfrm>
-            <a:off x="7162800" y="1828800"/>
-            <a:ext cx="1403412" cy="369332"/>
+            <a:off x="7754622" y="2438400"/>
+            <a:ext cx="932178" cy="646331"/>
           </a:xfrm>
           <a:prstGeom prst="rect">
             <a:avLst/>
@@ -8536,7 +12022,14 @@
           <a:p>
             <a:r>
               <a:rPr lang="en-US" dirty="0" smtClean="0"/>
-              <a:t>15 May 2014</a:t>
+              <a:t>15 May </a:t>
+            </a:r>
+            <a:endParaRPr lang="en-US" sz="2000" dirty="0" smtClean="0"/>
+          </a:p>
+          <a:p>
+            <a:r>
+              <a:rPr lang="en-US" dirty="0" smtClean="0"/>
+              <a:t>2014</a:t>
             </a:r>
             <a:endParaRPr lang="en-US" dirty="0"/>
           </a:p>
@@ -8550,13 +12043,16 @@
         </p:nvCxnSpPr>
         <p:spPr>
           <a:xfrm>
-            <a:off x="1600200" y="4191000"/>
-            <a:ext cx="6248400" cy="0"/>
+            <a:off x="1524000" y="4038600"/>
+            <a:ext cx="5029200" cy="0"/>
           </a:xfrm>
           <a:prstGeom prst="straightConnector1">
             <a:avLst/>
           </a:prstGeom>
           <a:ln>
+            <a:solidFill>
+              <a:srgbClr val="FF0000"/>
+            </a:solidFill>
             <a:headEnd type="arrow"/>
             <a:tailEnd type="arrow"/>
           </a:ln>
@@ -8584,13 +12080,16 @@
         </p:nvCxnSpPr>
         <p:spPr>
           <a:xfrm>
-            <a:off x="7391400" y="4648200"/>
+            <a:off x="7391400" y="4038600"/>
             <a:ext cx="457200" cy="0"/>
           </a:xfrm>
           <a:prstGeom prst="straightConnector1">
             <a:avLst/>
           </a:prstGeom>
           <a:ln>
+            <a:solidFill>
+              <a:srgbClr val="00B050"/>
+            </a:solidFill>
             <a:headEnd type="arrow"/>
             <a:tailEnd type="arrow"/>
           </a:ln>
@@ -8618,8 +12117,8 @@
         </p:nvSpPr>
         <p:spPr>
           <a:xfrm>
-            <a:off x="1981200" y="5257800"/>
-            <a:ext cx="5053011" cy="523220"/>
+            <a:off x="1143000" y="5715000"/>
+            <a:ext cx="4460645" cy="461665"/>
           </a:xfrm>
           <a:prstGeom prst="rect">
             <a:avLst/>
@@ -8633,25 +12132,130 @@
           <a:lstStyle/>
           <a:p>
             <a:r>
-              <a:rPr lang="en-US" sz="2800" dirty="0" smtClean="0"/>
-              <a:t>Based on clue from </a:t>
-            </a:r>
-            <a:r>
-              <a:rPr lang="en-US" sz="2800" dirty="0" err="1" smtClean="0"/>
-              <a:t>Kaggle</a:t>
-            </a:r>
-            <a:r>
-              <a:rPr lang="en-US" sz="2800" dirty="0" smtClean="0"/>
-              <a:t> forum</a:t>
-            </a:r>
-            <a:endParaRPr lang="en-US" sz="2800" dirty="0"/>
+              <a:rPr lang="en-US" sz="2400" dirty="0" smtClean="0">
+                <a:solidFill>
+                  <a:srgbClr val="0070C0"/>
+                </a:solidFill>
+              </a:rPr>
+              <a:t>*Based </a:t>
+            </a:r>
+            <a:r>
+              <a:rPr lang="en-US" sz="2400" dirty="0" smtClean="0">
+                <a:solidFill>
+                  <a:srgbClr val="0070C0"/>
+                </a:solidFill>
+              </a:rPr>
+              <a:t>on clue from Kaggle forum</a:t>
+            </a:r>
+            <a:endParaRPr lang="en-US" sz="2400" dirty="0">
+              <a:solidFill>
+                <a:srgbClr val="0070C0"/>
+              </a:solidFill>
+            </a:endParaRPr>
+          </a:p>
+        </p:txBody>
+      </p:sp>
+      <p:cxnSp>
+        <p:nvCxnSpPr>
+          <p:cNvPr id="32" name="Straight Arrow Connector 31"/>
+          <p:cNvCxnSpPr/>
+          <p:nvPr/>
+        </p:nvCxnSpPr>
+        <p:spPr>
+          <a:xfrm>
+            <a:off x="6553200" y="4038600"/>
+            <a:ext cx="838200" cy="0"/>
+          </a:xfrm>
+          <a:prstGeom prst="straightConnector1">
+            <a:avLst/>
+          </a:prstGeom>
+          <a:ln>
+            <a:solidFill>
+              <a:srgbClr val="FF0000"/>
+            </a:solidFill>
+            <a:headEnd type="arrow"/>
+            <a:tailEnd type="arrow"/>
+          </a:ln>
+        </p:spPr>
+        <p:style>
+          <a:lnRef idx="2">
+            <a:schemeClr val="accent1"/>
+          </a:lnRef>
+          <a:fillRef idx="0">
+            <a:schemeClr val="accent1"/>
+          </a:fillRef>
+          <a:effectRef idx="1">
+            <a:schemeClr val="accent1"/>
+          </a:effectRef>
+          <a:fontRef idx="minor">
+            <a:schemeClr val="tx1"/>
+          </a:fontRef>
+        </p:style>
+      </p:cxnSp>
+      <p:sp>
+        <p:nvSpPr>
+          <p:cNvPr id="34" name="TextBox 33"/>
+          <p:cNvSpPr txBox="1"/>
+          <p:nvPr/>
+        </p:nvSpPr>
+        <p:spPr>
+          <a:xfrm>
+            <a:off x="1676400" y="4267200"/>
+            <a:ext cx="3886200" cy="369332"/>
+          </a:xfrm>
+          <a:prstGeom prst="rect">
+            <a:avLst/>
+          </a:prstGeom>
+          <a:noFill/>
+        </p:spPr>
+        <p:txBody>
+          <a:bodyPr wrap="square" rtlCol="0">
+            <a:spAutoFit/>
+          </a:bodyPr>
+          <a:lstStyle/>
+          <a:p>
+            <a:r>
+              <a:rPr lang="en-US" b="1" dirty="0" smtClean="0"/>
+              <a:t>Training Data – No discounts applied</a:t>
+            </a:r>
+            <a:endParaRPr lang="en-US" b="1" dirty="0"/>
+          </a:p>
+        </p:txBody>
+      </p:sp>
+      <p:sp>
+        <p:nvSpPr>
+          <p:cNvPr id="35" name="TextBox 34"/>
+          <p:cNvSpPr txBox="1"/>
+          <p:nvPr/>
+        </p:nvSpPr>
+        <p:spPr>
+          <a:xfrm>
+            <a:off x="6553200" y="4191000"/>
+            <a:ext cx="1981200" cy="1219200"/>
+          </a:xfrm>
+          <a:prstGeom prst="rect">
+            <a:avLst/>
+          </a:prstGeom>
+          <a:noFill/>
+        </p:spPr>
+        <p:txBody>
+          <a:bodyPr wrap="square" rtlCol="0">
+            <a:spAutoFit/>
+          </a:bodyPr>
+          <a:lstStyle/>
+          <a:p>
+            <a:r>
+              <a:rPr lang="en-US" b="1" dirty="0" smtClean="0"/>
+              <a:t>Test Data –Discounted from 10 Feb 2014 onwards</a:t>
+            </a:r>
+            <a:endParaRPr lang="en-US" b="1" dirty="0"/>
           </a:p>
         </p:txBody>
       </p:sp>
     </p:spTree>
     <p:extLst>
       <p:ext uri="{BB962C8B-B14F-4D97-AF65-F5344CB8AC3E}">
-        <p14:creationId xmlns:p14="http://schemas.microsoft.com/office/powerpoint/2010/main" val="4019537156"/>
+        <p14:creationId xmlns:p14="http://schemas.microsoft.com/office/powerpoint/2010/main" xmlns="" val="4019537156"/>
       </p:ext>
     </p:extLst>
   </p:cSld>
@@ -8661,14 +12265,113 @@
   <p:timing>
     <p:tnLst>
       <p:par>
-        <p:cTn xmlns:p14="http://schemas.microsoft.com/office/powerpoint/2010/main" id="1" dur="indefinite" restart="never" nodeType="tmRoot"/>
+        <p:cTn id="1" dur="indefinite" restart="never" nodeType="tmRoot">
+          <p:childTnLst>
+            <p:seq concurrent="1" nextAc="seek">
+              <p:cTn id="2" dur="indefinite" nodeType="mainSeq">
+                <p:childTnLst>
+                  <p:par>
+                    <p:cTn id="3" fill="hold">
+                      <p:stCondLst>
+                        <p:cond delay="indefinite"/>
+                      </p:stCondLst>
+                      <p:childTnLst>
+                        <p:par>
+                          <p:cTn id="4" fill="hold">
+                            <p:stCondLst>
+                              <p:cond delay="0"/>
+                            </p:stCondLst>
+                            <p:childTnLst>
+                              <p:par>
+                                <p:cTn id="5" presetID="1" presetClass="entr" presetSubtype="0" fill="hold" grpId="0" nodeType="clickEffect">
+                                  <p:stCondLst>
+                                    <p:cond delay="0"/>
+                                  </p:stCondLst>
+                                  <p:childTnLst>
+                                    <p:set>
+                                      <p:cBhvr>
+                                        <p:cTn id="6" dur="1" fill="hold">
+                                          <p:stCondLst>
+                                            <p:cond delay="0"/>
+                                          </p:stCondLst>
+                                        </p:cTn>
+                                        <p:tgtEl>
+                                          <p:spTgt spid="34"/>
+                                        </p:tgtEl>
+                                        <p:attrNameLst>
+                                          <p:attrName>style.visibility</p:attrName>
+                                        </p:attrNameLst>
+                                      </p:cBhvr>
+                                      <p:to>
+                                        <p:strVal val="visible"/>
+                                      </p:to>
+                                    </p:set>
+                                  </p:childTnLst>
+                                </p:cTn>
+                              </p:par>
+                              <p:par>
+                                <p:cTn id="7" presetID="1" presetClass="entr" presetSubtype="0" fill="hold" grpId="0" nodeType="withEffect">
+                                  <p:stCondLst>
+                                    <p:cond delay="0"/>
+                                  </p:stCondLst>
+                                  <p:childTnLst>
+                                    <p:set>
+                                      <p:cBhvr>
+                                        <p:cTn id="8" dur="1" fill="hold">
+                                          <p:stCondLst>
+                                            <p:cond delay="0"/>
+                                          </p:stCondLst>
+                                        </p:cTn>
+                                        <p:tgtEl>
+                                          <p:spTgt spid="35"/>
+                                        </p:tgtEl>
+                                        <p:attrNameLst>
+                                          <p:attrName>style.visibility</p:attrName>
+                                        </p:attrNameLst>
+                                      </p:cBhvr>
+                                      <p:to>
+                                        <p:strVal val="visible"/>
+                                      </p:to>
+                                    </p:set>
+                                  </p:childTnLst>
+                                </p:cTn>
+                              </p:par>
+                            </p:childTnLst>
+                          </p:cTn>
+                        </p:par>
+                      </p:childTnLst>
+                    </p:cTn>
+                  </p:par>
+                </p:childTnLst>
+              </p:cTn>
+              <p:prevCondLst>
+                <p:cond evt="onPrev" delay="0">
+                  <p:tgtEl>
+                    <p:sldTgt/>
+                  </p:tgtEl>
+                </p:cond>
+              </p:prevCondLst>
+              <p:nextCondLst>
+                <p:cond evt="onNext" delay="0">
+                  <p:tgtEl>
+                    <p:sldTgt/>
+                  </p:tgtEl>
+                </p:cond>
+              </p:nextCondLst>
+            </p:seq>
+          </p:childTnLst>
+        </p:cTn>
       </p:par>
     </p:tnLst>
+    <p:bldLst>
+      <p:bldP spid="34" grpId="0"/>
+      <p:bldP spid="35" grpId="0"/>
+    </p:bldLst>
   </p:timing>
 </p:sld>
 </file>
 
-<file path=ppt/slides/slide21.xml><?xml version="1.0" encoding="utf-8"?>
+<file path=ppt/slides/slide25.xml><?xml version="1.0" encoding="utf-8"?>
 <p:sld xmlns:a="http://schemas.openxmlformats.org/drawingml/2006/main" xmlns:r="http://schemas.openxmlformats.org/officeDocument/2006/relationships" xmlns:p="http://schemas.openxmlformats.org/presentationml/2006/main">
   <p:cSld>
     <p:spTree>
@@ -8700,157 +12403,10 @@
           <a:bodyPr/>
           <a:lstStyle/>
           <a:p>
-            <a:endParaRPr lang="en-US" dirty="0"/>
-          </a:p>
-        </p:txBody>
-      </p:sp>
-      <p:pic>
-        <p:nvPicPr>
-          <p:cNvPr id="7" name="Content Placeholder 6" descr="discount.png"/>
-          <p:cNvPicPr>
-            <a:picLocks noGrp="1" noChangeAspect="1"/>
-          </p:cNvPicPr>
-          <p:nvPr>
-            <p:ph idx="1"/>
-          </p:nvPr>
-        </p:nvPicPr>
-        <p:blipFill>
-          <a:blip r:embed="rId2">
-            <a:extLst>
-              <a:ext uri="{28A0092B-C50C-407E-A947-70E740481C1C}">
-                <a14:useLocalDpi xmlns:a14="http://schemas.microsoft.com/office/drawing/2010/main" val="0"/>
-              </a:ext>
-            </a:extLst>
-          </a:blip>
-          <a:srcRect t="-39675" b="-39675"/>
-          <a:stretch>
-            <a:fillRect/>
-          </a:stretch>
-        </p:blipFill>
-        <p:spPr/>
-      </p:pic>
-      <p:sp>
-        <p:nvSpPr>
-          <p:cNvPr id="4" name="Date Placeholder 3"/>
-          <p:cNvSpPr>
-            <a:spLocks noGrp="1"/>
-          </p:cNvSpPr>
-          <p:nvPr>
-            <p:ph type="dt" sz="half" idx="10"/>
-          </p:nvPr>
-        </p:nvSpPr>
-        <p:spPr/>
-        <p:txBody>
-          <a:bodyPr/>
-          <a:lstStyle/>
-          <a:p>
-            <a:fld id="{67982E54-CFC6-46DC-BEF3-B3681CD4B600}" type="datetime3">
-              <a:rPr lang="en-US" smtClean="0"/>
-              <a:t>3 November 2014</a:t>
-            </a:fld>
-            <a:endParaRPr lang="en-US"/>
-          </a:p>
-        </p:txBody>
-      </p:sp>
-      <p:sp>
-        <p:nvSpPr>
-          <p:cNvPr id="5" name="Footer Placeholder 4"/>
-          <p:cNvSpPr>
-            <a:spLocks noGrp="1"/>
-          </p:cNvSpPr>
-          <p:nvPr>
-            <p:ph type="ftr" sz="quarter" idx="11"/>
-          </p:nvPr>
-        </p:nvSpPr>
-        <p:spPr/>
-        <p:txBody>
-          <a:bodyPr/>
-          <a:lstStyle/>
-          <a:p>
-            <a:r>
-              <a:rPr lang="en-US" smtClean="0"/>
-              <a:t>CS 5228 - Knowledge Discovery &amp; Data Mining</a:t>
-            </a:r>
-            <a:endParaRPr lang="en-US"/>
-          </a:p>
-        </p:txBody>
-      </p:sp>
-      <p:sp>
-        <p:nvSpPr>
-          <p:cNvPr id="6" name="Slide Number Placeholder 5"/>
-          <p:cNvSpPr>
-            <a:spLocks noGrp="1"/>
-          </p:cNvSpPr>
-          <p:nvPr>
-            <p:ph type="sldNum" sz="quarter" idx="12"/>
-          </p:nvPr>
-        </p:nvSpPr>
-        <p:spPr/>
-        <p:txBody>
-          <a:bodyPr/>
-          <a:lstStyle/>
-          <a:p>
-            <a:fld id="{B6F15528-21DE-4FAA-801E-634DDDAF4B2B}" type="slidenum">
-              <a:rPr lang="en-US" smtClean="0"/>
-              <a:pPr/>
-              <a:t>21</a:t>
-            </a:fld>
-            <a:endParaRPr lang="en-US"/>
-          </a:p>
-        </p:txBody>
-      </p:sp>
-    </p:spTree>
-    <p:extLst>
-      <p:ext uri="{BB962C8B-B14F-4D97-AF65-F5344CB8AC3E}">
-        <p14:creationId xmlns:p14="http://schemas.microsoft.com/office/powerpoint/2010/main" val="2548220371"/>
-      </p:ext>
-    </p:extLst>
-  </p:cSld>
-  <p:clrMapOvr>
-    <a:masterClrMapping/>
-  </p:clrMapOvr>
-  <p:timing>
-    <p:tnLst>
-      <p:par>
-        <p:cTn xmlns:p14="http://schemas.microsoft.com/office/powerpoint/2010/main" id="1" dur="indefinite" restart="never" nodeType="tmRoot"/>
-      </p:par>
-    </p:tnLst>
-  </p:timing>
-</p:sld>
-</file>
-
-<file path=ppt/slides/slide22.xml><?xml version="1.0" encoding="utf-8"?>
-<p:sld xmlns:a="http://schemas.openxmlformats.org/drawingml/2006/main" xmlns:r="http://schemas.openxmlformats.org/officeDocument/2006/relationships" xmlns:p="http://schemas.openxmlformats.org/presentationml/2006/main">
-  <p:cSld>
-    <p:spTree>
-      <p:nvGrpSpPr>
-        <p:cNvPr id="1" name=""/>
-        <p:cNvGrpSpPr/>
-        <p:nvPr/>
-      </p:nvGrpSpPr>
-      <p:grpSpPr>
-        <a:xfrm>
-          <a:off x="0" y="0"/>
-          <a:ext cx="0" cy="0"/>
-          <a:chOff x="0" y="0"/>
-          <a:chExt cx="0" cy="0"/>
-        </a:xfrm>
-      </p:grpSpPr>
-      <p:sp>
-        <p:nvSpPr>
-          <p:cNvPr id="2" name="Title 1"/>
-          <p:cNvSpPr>
-            <a:spLocks noGrp="1"/>
-          </p:cNvSpPr>
-          <p:nvPr>
-            <p:ph type="title"/>
-          </p:nvPr>
-        </p:nvSpPr>
-        <p:spPr/>
-        <p:txBody>
-          <a:bodyPr/>
-          <a:lstStyle/>
-          <a:p>
+            <a:r>
+              <a:rPr lang="en-US" dirty="0" smtClean="0"/>
+              <a:t>Late submission has low impact</a:t>
+            </a:r>
             <a:endParaRPr lang="en-US" dirty="0"/>
           </a:p>
         </p:txBody>
@@ -8865,24 +12421,24 @@
             <p:ph idx="1"/>
             <p:extLst>
               <p:ext uri="{D42A27DB-BD31-4B8C-83A1-F6EECF244321}">
-                <p14:modId xmlns:p14="http://schemas.microsoft.com/office/powerpoint/2010/main" val="3643233867"/>
+                <p14:modId xmlns:p14="http://schemas.microsoft.com/office/powerpoint/2010/main" xmlns="" val="3643233867"/>
               </p:ext>
             </p:extLst>
           </p:nvPr>
         </p:nvGraphicFramePr>
         <p:xfrm>
           <a:off x="457200" y="2042161"/>
-          <a:ext cx="8229600" cy="3520439"/>
+          <a:ext cx="8229600" cy="3721419"/>
         </p:xfrm>
         <a:graphic>
           <a:graphicData uri="http://schemas.openxmlformats.org/drawingml/2006/table">
             <a:tbl>
               <a:tblPr firstRow="1" bandRow="1">
-                <a:tableStyleId>{5940675A-B579-460E-94D1-54222C63F5DA}</a:tableStyleId>
+                <a:tableStyleId>{68D230F3-CF80-4859-8CE7-A43EE81993B5}</a:tableStyleId>
               </a:tblPr>
               <a:tblGrid>
-                <a:gridCol w="2743200"/>
-                <a:gridCol w="2743200"/>
+                <a:gridCol w="2514600"/>
+                <a:gridCol w="2971800"/>
                 <a:gridCol w="2743200"/>
               </a:tblGrid>
               <a:tr h="812800">
@@ -8931,12 +12487,43 @@
                         </a:spcAft>
                       </a:pPr>
                       <a:r>
-                        <a:rPr lang="en-US" sz="2800">
+                        <a:rPr lang="en-US" sz="2800" dirty="0">
                           <a:effectLst/>
                         </a:rPr>
-                        <a:t>Kaggle Public Leaderboard Score</a:t>
+                        <a:t>Kaggle Public </a:t>
                       </a:r>
-                      <a:endParaRPr lang="en-US" sz="2800">
+                      <a:r>
+                        <a:rPr lang="en-US" sz="2800" dirty="0" err="1">
+                          <a:effectLst/>
+                        </a:rPr>
+                        <a:t>Leaderboard</a:t>
+                      </a:r>
+                      <a:r>
+                        <a:rPr lang="en-US" sz="2800" dirty="0">
+                          <a:effectLst/>
+                        </a:rPr>
+                        <a:t> </a:t>
+                      </a:r>
+                      <a:endParaRPr lang="en-US" sz="2800" dirty="0" smtClean="0">
+                        <a:effectLst/>
+                      </a:endParaRPr>
+                    </a:p>
+                    <a:p>
+                      <a:pPr>
+                        <a:lnSpc>
+                          <a:spcPct val="115000"/>
+                        </a:lnSpc>
+                        <a:spcAft>
+                          <a:spcPts val="0"/>
+                        </a:spcAft>
+                      </a:pPr>
+                      <a:r>
+                        <a:rPr lang="en-US" sz="2800" dirty="0" smtClean="0">
+                          <a:effectLst/>
+                        </a:rPr>
+                        <a:t>Score</a:t>
+                      </a:r>
+                      <a:endParaRPr lang="en-US" sz="2800" dirty="0">
                         <a:solidFill>
                           <a:srgbClr val="000000"/>
                         </a:solidFill>
@@ -8962,12 +12549,24 @@
                         </a:spcAft>
                       </a:pPr>
                       <a:r>
-                        <a:rPr lang="en-US" sz="2800">
+                        <a:rPr lang="en-US" sz="2800" dirty="0">
                           <a:effectLst/>
                         </a:rPr>
-                        <a:t>Kaggle Private Leaderboard Score</a:t>
+                        <a:t>Kaggle Private </a:t>
                       </a:r>
-                      <a:endParaRPr lang="en-US" sz="2800">
+                      <a:r>
+                        <a:rPr lang="en-US" sz="2800" dirty="0" err="1">
+                          <a:effectLst/>
+                        </a:rPr>
+                        <a:t>Leaderboard</a:t>
+                      </a:r>
+                      <a:r>
+                        <a:rPr lang="en-US" sz="2800" dirty="0">
+                          <a:effectLst/>
+                        </a:rPr>
+                        <a:t> Score</a:t>
+                      </a:r>
+                      <a:endParaRPr lang="en-US" sz="2800" dirty="0">
                         <a:solidFill>
                           <a:srgbClr val="000000"/>
                         </a:solidFill>
@@ -8995,12 +12594,18 @@
                         </a:spcAft>
                       </a:pPr>
                       <a:r>
-                        <a:rPr lang="en-US" sz="2800">
+                        <a:rPr lang="en-US" sz="2800" dirty="0" smtClean="0">
                           <a:effectLst/>
                         </a:rPr>
-                        <a:t>without discounting</a:t>
+                        <a:t>Without </a:t>
                       </a:r>
-                      <a:endParaRPr lang="en-US" sz="2800">
+                      <a:r>
+                        <a:rPr lang="en-US" sz="2800" dirty="0">
+                          <a:effectLst/>
+                        </a:rPr>
+                        <a:t>discounting</a:t>
+                      </a:r>
+                      <a:endParaRPr lang="en-US" sz="2800" dirty="0">
                         <a:solidFill>
                           <a:srgbClr val="000000"/>
                         </a:solidFill>
@@ -9010,7 +12615,13 @@
                       </a:endParaRPr>
                     </a:p>
                   </a:txBody>
-                  <a:tcPr marL="63500" marR="63500" marT="63500" marB="63500"/>
+                  <a:tcPr marL="63500" marR="63500" marT="63500" marB="63500">
+                    <a:solidFill>
+                      <a:schemeClr val="bg1">
+                        <a:alpha val="20000"/>
+                      </a:schemeClr>
+                    </a:solidFill>
+                  </a:tcPr>
                 </a:tc>
                 <a:tc>
                   <a:txBody>
@@ -9026,7 +12637,7 @@
                         </a:spcAft>
                       </a:pPr>
                       <a:r>
-                        <a:rPr lang="en-US" sz="2800">
+                        <a:rPr lang="en-US" sz="2800" dirty="0">
                           <a:effectLst/>
                           <a:highlight>
                             <a:srgbClr val="FFFFFF"/>
@@ -9034,7 +12645,7 @@
                         </a:rPr>
                         <a:t>0.59803</a:t>
                       </a:r>
-                      <a:endParaRPr lang="en-US" sz="2800">
+                      <a:endParaRPr lang="en-US" sz="2800" dirty="0">
                         <a:solidFill>
                           <a:srgbClr val="000000"/>
                         </a:solidFill>
@@ -9044,7 +12655,13 @@
                       </a:endParaRPr>
                     </a:p>
                   </a:txBody>
-                  <a:tcPr marL="63500" marR="63500" marT="63500" marB="63500"/>
+                  <a:tcPr marL="63500" marR="63500" marT="63500" marB="63500">
+                    <a:solidFill>
+                      <a:schemeClr val="bg1">
+                        <a:alpha val="20000"/>
+                      </a:schemeClr>
+                    </a:solidFill>
+                  </a:tcPr>
                 </a:tc>
                 <a:tc>
                   <a:txBody>
@@ -9060,7 +12677,7 @@
                         </a:spcAft>
                       </a:pPr>
                       <a:r>
-                        <a:rPr lang="en-US" sz="2800">
+                        <a:rPr lang="en-US" sz="2800" dirty="0">
                           <a:effectLst/>
                           <a:highlight>
                             <a:srgbClr val="FFFFFF"/>
@@ -9068,7 +12685,7 @@
                         </a:rPr>
                         <a:t>0.60173</a:t>
                       </a:r>
-                      <a:endParaRPr lang="en-US" sz="2800">
+                      <a:endParaRPr lang="en-US" sz="2800" dirty="0">
                         <a:solidFill>
                           <a:srgbClr val="000000"/>
                         </a:solidFill>
@@ -9078,7 +12695,13 @@
                       </a:endParaRPr>
                     </a:p>
                   </a:txBody>
-                  <a:tcPr marL="63500" marR="63500" marT="63500" marB="63500"/>
+                  <a:tcPr marL="63500" marR="63500" marT="63500" marB="63500">
+                    <a:solidFill>
+                      <a:schemeClr val="bg1">
+                        <a:alpha val="20000"/>
+                      </a:schemeClr>
+                    </a:solidFill>
+                  </a:tcPr>
                 </a:tc>
               </a:tr>
               <a:tr h="812800">
@@ -9096,10 +12719,16 @@
                         </a:spcAft>
                       </a:pPr>
                       <a:r>
+                        <a:rPr lang="en-US" sz="2800" dirty="0" smtClean="0">
+                          <a:effectLst/>
+                        </a:rPr>
+                        <a:t>With </a:t>
+                      </a:r>
+                      <a:r>
                         <a:rPr lang="en-US" sz="2800" dirty="0">
                           <a:effectLst/>
                         </a:rPr>
-                        <a:t>with discounting</a:t>
+                        <a:t>discounting</a:t>
                       </a:r>
                       <a:endParaRPr lang="en-US" sz="2800" dirty="0">
                         <a:solidFill>
@@ -9111,7 +12740,14 @@
                       </a:endParaRPr>
                     </a:p>
                   </a:txBody>
-                  <a:tcPr marL="63500" marR="63500" marT="63500" marB="63500"/>
+                  <a:tcPr marL="63500" marR="63500" marT="63500" marB="63500">
+                    <a:solidFill>
+                      <a:schemeClr val="accent6">
+                        <a:lumMod val="20000"/>
+                        <a:lumOff val="80000"/>
+                      </a:schemeClr>
+                    </a:solidFill>
+                  </a:tcPr>
                 </a:tc>
                 <a:tc>
                   <a:txBody>
@@ -9127,12 +12763,12 @@
                         </a:spcAft>
                       </a:pPr>
                       <a:r>
-                        <a:rPr lang="en-US" sz="2800">
+                        <a:rPr lang="en-US" sz="2800" dirty="0">
                           <a:effectLst/>
                         </a:rPr>
                         <a:t>0.60818	</a:t>
                       </a:r>
-                      <a:endParaRPr lang="en-US" sz="2800">
+                      <a:endParaRPr lang="en-US" sz="2800" dirty="0">
                         <a:solidFill>
                           <a:srgbClr val="000000"/>
                         </a:solidFill>
@@ -9142,7 +12778,14 @@
                       </a:endParaRPr>
                     </a:p>
                   </a:txBody>
-                  <a:tcPr marL="63500" marR="63500" marT="63500" marB="63500"/>
+                  <a:tcPr marL="63500" marR="63500" marT="63500" marB="63500">
+                    <a:solidFill>
+                      <a:schemeClr val="accent6">
+                        <a:lumMod val="20000"/>
+                        <a:lumOff val="80000"/>
+                      </a:schemeClr>
+                    </a:solidFill>
+                  </a:tcPr>
                 </a:tc>
                 <a:tc>
                   <a:txBody>
@@ -9173,7 +12816,14 @@
                       </a:endParaRPr>
                     </a:p>
                   </a:txBody>
-                  <a:tcPr marL="63500" marR="63500" marT="63500" marB="63500"/>
+                  <a:tcPr marL="63500" marR="63500" marT="63500" marB="63500">
+                    <a:solidFill>
+                      <a:schemeClr val="accent6">
+                        <a:lumMod val="20000"/>
+                        <a:lumOff val="80000"/>
+                      </a:schemeClr>
+                    </a:solidFill>
+                  </a:tcPr>
                 </a:tc>
               </a:tr>
             </a:tbl>
@@ -9197,6 +12847,7 @@
           <a:p>
             <a:fld id="{67982E54-CFC6-46DC-BEF3-B3681CD4B600}" type="datetime3">
               <a:rPr lang="en-US" smtClean="0"/>
+              <a:pPr/>
               <a:t>3 November 2014</a:t>
             </a:fld>
             <a:endParaRPr lang="en-US"/>
@@ -9244,7 +12895,7 @@
             <a:fld id="{B6F15528-21DE-4FAA-801E-634DDDAF4B2B}" type="slidenum">
               <a:rPr lang="en-US" smtClean="0"/>
               <a:pPr/>
-              <a:t>22</a:t>
+              <a:t>25</a:t>
             </a:fld>
             <a:endParaRPr lang="en-US"/>
           </a:p>
@@ -9253,7 +12904,7 @@
     </p:spTree>
     <p:extLst>
       <p:ext uri="{BB962C8B-B14F-4D97-AF65-F5344CB8AC3E}">
-        <p14:creationId xmlns:p14="http://schemas.microsoft.com/office/powerpoint/2010/main" val="1416712265"/>
+        <p14:creationId xmlns:p14="http://schemas.microsoft.com/office/powerpoint/2010/main" xmlns="" val="1416712265"/>
       </p:ext>
     </p:extLst>
   </p:cSld>
@@ -9263,14 +12914,14 @@
   <p:timing>
     <p:tnLst>
       <p:par>
-        <p:cTn xmlns:p14="http://schemas.microsoft.com/office/powerpoint/2010/main" id="1" dur="indefinite" restart="never" nodeType="tmRoot"/>
+        <p:cTn id="1" dur="indefinite" restart="never" nodeType="tmRoot"/>
       </p:par>
     </p:tnLst>
   </p:timing>
 </p:sld>
 </file>
 
-<file path=ppt/slides/slide23.xml><?xml version="1.0" encoding="utf-8"?>
+<file path=ppt/slides/slide26.xml><?xml version="1.0" encoding="utf-8"?>
 <p:sld xmlns:a="http://schemas.openxmlformats.org/drawingml/2006/main" xmlns:r="http://schemas.openxmlformats.org/officeDocument/2006/relationships" xmlns:p="http://schemas.openxmlformats.org/presentationml/2006/main">
   <p:cSld>
     <p:spTree>
@@ -9304,267 +12955,6 @@
           <a:p>
             <a:r>
               <a:rPr lang="en-US" dirty="0" smtClean="0"/>
-              <a:t>Outline</a:t>
-            </a:r>
-            <a:endParaRPr lang="en-US" dirty="0"/>
-          </a:p>
-        </p:txBody>
-      </p:sp>
-      <p:sp>
-        <p:nvSpPr>
-          <p:cNvPr id="3" name="Content Placeholder 2"/>
-          <p:cNvSpPr>
-            <a:spLocks noGrp="1"/>
-          </p:cNvSpPr>
-          <p:nvPr>
-            <p:ph idx="1"/>
-          </p:nvPr>
-        </p:nvSpPr>
-        <p:spPr/>
-        <p:txBody>
-          <a:bodyPr>
-            <a:normAutofit/>
-          </a:bodyPr>
-          <a:lstStyle/>
-          <a:p>
-            <a:r>
-              <a:rPr lang="en-US" sz="3000" dirty="0" smtClean="0">
-                <a:solidFill>
-                  <a:schemeClr val="bg1">
-                    <a:lumMod val="50000"/>
-                  </a:schemeClr>
-                </a:solidFill>
-                <a:latin typeface="Helvetica" panose="020B0604020202020204" pitchFamily="34" charset="0"/>
-                <a:cs typeface="Helvetica" panose="020B0604020202020204" pitchFamily="34" charset="0"/>
-              </a:rPr>
-              <a:t>Problem Statement</a:t>
-            </a:r>
-          </a:p>
-          <a:p>
-            <a:r>
-              <a:rPr lang="en-US" sz="3000" dirty="0" smtClean="0">
-                <a:solidFill>
-                  <a:schemeClr val="bg1">
-                    <a:lumMod val="50000"/>
-                  </a:schemeClr>
-                </a:solidFill>
-                <a:latin typeface="Helvetica" panose="020B0604020202020204" pitchFamily="34" charset="0"/>
-                <a:cs typeface="Helvetica" panose="020B0604020202020204" pitchFamily="34" charset="0"/>
-              </a:rPr>
-              <a:t>Data</a:t>
-            </a:r>
-          </a:p>
-          <a:p>
-            <a:r>
-              <a:rPr lang="en-US" sz="3000" dirty="0" smtClean="0">
-                <a:solidFill>
-                  <a:schemeClr val="bg1">
-                    <a:lumMod val="50000"/>
-                  </a:schemeClr>
-                </a:solidFill>
-                <a:latin typeface="Helvetica" panose="020B0604020202020204" pitchFamily="34" charset="0"/>
-                <a:cs typeface="Helvetica" panose="020B0604020202020204" pitchFamily="34" charset="0"/>
-              </a:rPr>
-              <a:t>Data preprocessing</a:t>
-            </a:r>
-          </a:p>
-          <a:p>
-            <a:r>
-              <a:rPr lang="en-US" sz="3000" dirty="0" smtClean="0">
-                <a:solidFill>
-                  <a:schemeClr val="bg1">
-                    <a:lumMod val="50000"/>
-                  </a:schemeClr>
-                </a:solidFill>
-                <a:latin typeface="Helvetica" panose="020B0604020202020204" pitchFamily="34" charset="0"/>
-                <a:cs typeface="Helvetica" panose="020B0604020202020204" pitchFamily="34" charset="0"/>
-              </a:rPr>
-              <a:t>Predictive Model</a:t>
-            </a:r>
-          </a:p>
-          <a:p>
-            <a:pPr lvl="1"/>
-            <a:r>
-              <a:rPr lang="en-US" sz="2600" dirty="0" smtClean="0">
-                <a:solidFill>
-                  <a:schemeClr val="bg1">
-                    <a:lumMod val="50000"/>
-                  </a:schemeClr>
-                </a:solidFill>
-                <a:latin typeface="Helvetica" panose="020B0604020202020204" pitchFamily="34" charset="0"/>
-                <a:cs typeface="Helvetica" panose="020B0604020202020204" pitchFamily="34" charset="0"/>
-              </a:rPr>
-              <a:t>Features</a:t>
-            </a:r>
-          </a:p>
-          <a:p>
-            <a:pPr lvl="1"/>
-            <a:r>
-              <a:rPr lang="en-US" sz="2600" dirty="0" smtClean="0">
-                <a:solidFill>
-                  <a:schemeClr val="bg1">
-                    <a:lumMod val="50000"/>
-                  </a:schemeClr>
-                </a:solidFill>
-                <a:latin typeface="Helvetica" panose="020B0604020202020204" pitchFamily="34" charset="0"/>
-                <a:cs typeface="Helvetica" panose="020B0604020202020204" pitchFamily="34" charset="0"/>
-              </a:rPr>
-              <a:t>Learning algorithm: Max-Ent</a:t>
-            </a:r>
-          </a:p>
-          <a:p>
-            <a:r>
-              <a:rPr lang="en-US" sz="3000" dirty="0" smtClean="0">
-                <a:latin typeface="Helvetica" panose="020B0604020202020204" pitchFamily="34" charset="0"/>
-                <a:cs typeface="Helvetica" panose="020B0604020202020204" pitchFamily="34" charset="0"/>
-              </a:rPr>
-              <a:t>Experiments and Results</a:t>
-            </a:r>
-          </a:p>
-          <a:p>
-            <a:r>
-              <a:rPr lang="en-US" sz="3000" dirty="0" smtClean="0">
-                <a:latin typeface="Helvetica" panose="020B0604020202020204" pitchFamily="34" charset="0"/>
-                <a:cs typeface="Helvetica" panose="020B0604020202020204" pitchFamily="34" charset="0"/>
-              </a:rPr>
-              <a:t>Conclusions</a:t>
-            </a:r>
-          </a:p>
-          <a:p>
-            <a:endParaRPr lang="en-US" dirty="0" smtClean="0"/>
-          </a:p>
-          <a:p>
-            <a:endParaRPr lang="en-US" dirty="0" smtClean="0"/>
-          </a:p>
-          <a:p>
-            <a:endParaRPr lang="en-US" dirty="0" smtClean="0"/>
-          </a:p>
-        </p:txBody>
-      </p:sp>
-      <p:sp>
-        <p:nvSpPr>
-          <p:cNvPr id="5" name="Date Placeholder 4"/>
-          <p:cNvSpPr>
-            <a:spLocks noGrp="1"/>
-          </p:cNvSpPr>
-          <p:nvPr>
-            <p:ph type="dt" sz="half" idx="10"/>
-          </p:nvPr>
-        </p:nvSpPr>
-        <p:spPr/>
-        <p:txBody>
-          <a:bodyPr/>
-          <a:lstStyle/>
-          <a:p>
-            <a:fld id="{28AC1232-105D-4AA5-B548-5832548E2317}" type="datetime3">
-              <a:rPr lang="en-US" smtClean="0"/>
-              <a:t>3 November 2014</a:t>
-            </a:fld>
-            <a:endParaRPr lang="en-US"/>
-          </a:p>
-        </p:txBody>
-      </p:sp>
-      <p:sp>
-        <p:nvSpPr>
-          <p:cNvPr id="6" name="Footer Placeholder 5"/>
-          <p:cNvSpPr>
-            <a:spLocks noGrp="1"/>
-          </p:cNvSpPr>
-          <p:nvPr>
-            <p:ph type="ftr" sz="quarter" idx="11"/>
-          </p:nvPr>
-        </p:nvSpPr>
-        <p:spPr/>
-        <p:txBody>
-          <a:bodyPr/>
-          <a:lstStyle/>
-          <a:p>
-            <a:r>
-              <a:rPr lang="en-US" smtClean="0"/>
-              <a:t>CS 5228 - Knowledge Discovery &amp; Data Mining</a:t>
-            </a:r>
-            <a:endParaRPr lang="en-US"/>
-          </a:p>
-        </p:txBody>
-      </p:sp>
-      <p:sp>
-        <p:nvSpPr>
-          <p:cNvPr id="7" name="Slide Number Placeholder 6"/>
-          <p:cNvSpPr>
-            <a:spLocks noGrp="1"/>
-          </p:cNvSpPr>
-          <p:nvPr>
-            <p:ph type="sldNum" sz="quarter" idx="12"/>
-          </p:nvPr>
-        </p:nvSpPr>
-        <p:spPr/>
-        <p:txBody>
-          <a:bodyPr/>
-          <a:lstStyle/>
-          <a:p>
-            <a:fld id="{B6F15528-21DE-4FAA-801E-634DDDAF4B2B}" type="slidenum">
-              <a:rPr lang="en-US" smtClean="0"/>
-              <a:pPr/>
-              <a:t>23</a:t>
-            </a:fld>
-            <a:endParaRPr lang="en-US"/>
-          </a:p>
-        </p:txBody>
-      </p:sp>
-    </p:spTree>
-    <p:extLst>
-      <p:ext uri="{BB962C8B-B14F-4D97-AF65-F5344CB8AC3E}">
-        <p14:creationId xmlns:p14="http://schemas.microsoft.com/office/powerpoint/2010/main" val="3958692799"/>
-      </p:ext>
-    </p:extLst>
-  </p:cSld>
-  <p:clrMapOvr>
-    <a:masterClrMapping/>
-  </p:clrMapOvr>
-  <p:timing>
-    <p:tnLst>
-      <p:par>
-        <p:cTn xmlns:p14="http://schemas.microsoft.com/office/powerpoint/2010/main" id="1" dur="indefinite" restart="never" nodeType="tmRoot"/>
-      </p:par>
-    </p:tnLst>
-  </p:timing>
-</p:sld>
-</file>
-
-<file path=ppt/slides/slide24.xml><?xml version="1.0" encoding="utf-8"?>
-<p:sld xmlns:a="http://schemas.openxmlformats.org/drawingml/2006/main" xmlns:r="http://schemas.openxmlformats.org/officeDocument/2006/relationships" xmlns:p="http://schemas.openxmlformats.org/presentationml/2006/main">
-  <p:cSld>
-    <p:spTree>
-      <p:nvGrpSpPr>
-        <p:cNvPr id="1" name=""/>
-        <p:cNvGrpSpPr/>
-        <p:nvPr/>
-      </p:nvGrpSpPr>
-      <p:grpSpPr>
-        <a:xfrm>
-          <a:off x="0" y="0"/>
-          <a:ext cx="0" cy="0"/>
-          <a:chOff x="0" y="0"/>
-          <a:chExt cx="0" cy="0"/>
-        </a:xfrm>
-      </p:grpSpPr>
-      <p:sp>
-        <p:nvSpPr>
-          <p:cNvPr id="2" name="Title 1"/>
-          <p:cNvSpPr>
-            <a:spLocks noGrp="1"/>
-          </p:cNvSpPr>
-          <p:nvPr>
-            <p:ph type="title"/>
-          </p:nvPr>
-        </p:nvSpPr>
-        <p:spPr/>
-        <p:txBody>
-          <a:bodyPr/>
-          <a:lstStyle/>
-          <a:p>
-            <a:r>
-              <a:rPr lang="en-US" dirty="0" smtClean="0"/>
               <a:t>Why are we ranked 7</a:t>
             </a:r>
             <a:r>
@@ -9589,7 +12979,7 @@
             <p:ph idx="1"/>
             <p:extLst>
               <p:ext uri="{D42A27DB-BD31-4B8C-83A1-F6EECF244321}">
-                <p14:modId xmlns:p14="http://schemas.microsoft.com/office/powerpoint/2010/main" val="227594793"/>
+                <p14:modId xmlns:p14="http://schemas.microsoft.com/office/powerpoint/2010/main" xmlns="" val="227594793"/>
               </p:ext>
             </p:extLst>
           </p:nvPr>
@@ -9687,12 +13077,24 @@
                         </a:spcAft>
                       </a:pPr>
                       <a:r>
-                        <a:rPr lang="en-US" sz="2000">
+                        <a:rPr lang="en-US" sz="2000" dirty="0">
                           <a:effectLst/>
                         </a:rPr>
-                        <a:t>Kaggle Public Leaderboard Score</a:t>
+                        <a:t>Kaggle Public </a:t>
                       </a:r>
-                      <a:endParaRPr lang="en-US" sz="2000">
+                      <a:r>
+                        <a:rPr lang="en-US" sz="2000" dirty="0" err="1">
+                          <a:effectLst/>
+                        </a:rPr>
+                        <a:t>Leaderboard</a:t>
+                      </a:r>
+                      <a:r>
+                        <a:rPr lang="en-US" sz="2000" dirty="0">
+                          <a:effectLst/>
+                        </a:rPr>
+                        <a:t> Score</a:t>
+                      </a:r>
+                      <a:endParaRPr lang="en-US" sz="2000" dirty="0">
                         <a:solidFill>
                           <a:srgbClr val="000000"/>
                         </a:solidFill>
@@ -9718,12 +13120,24 @@
                         </a:spcAft>
                       </a:pPr>
                       <a:r>
-                        <a:rPr lang="en-US" sz="2000">
+                        <a:rPr lang="en-US" sz="2000" dirty="0">
                           <a:effectLst/>
                         </a:rPr>
-                        <a:t>Kaggle Private Leaderboard Score</a:t>
+                        <a:t>Kaggle Private </a:t>
                       </a:r>
-                      <a:endParaRPr lang="en-US" sz="2000">
+                      <a:r>
+                        <a:rPr lang="en-US" sz="2000" dirty="0" err="1">
+                          <a:effectLst/>
+                        </a:rPr>
+                        <a:t>Leaderboard</a:t>
+                      </a:r>
+                      <a:r>
+                        <a:rPr lang="en-US" sz="2000" dirty="0">
+                          <a:effectLst/>
+                        </a:rPr>
+                        <a:t> Score</a:t>
+                      </a:r>
+                      <a:endParaRPr lang="en-US" sz="2000" dirty="0">
                         <a:solidFill>
                           <a:srgbClr val="000000"/>
                         </a:solidFill>
@@ -9782,12 +13196,12 @@
                         </a:spcAft>
                       </a:pPr>
                       <a:r>
-                        <a:rPr lang="en-US" sz="2000">
+                        <a:rPr lang="en-US" sz="2000" dirty="0">
                           <a:effectLst/>
                         </a:rPr>
                         <a:t>0.55554</a:t>
                       </a:r>
-                      <a:endParaRPr lang="en-US" sz="2000">
+                      <a:endParaRPr lang="en-US" sz="2000" dirty="0">
                         <a:solidFill>
                           <a:srgbClr val="000000"/>
                         </a:solidFill>
@@ -9912,12 +13326,12 @@
                         </a:spcAft>
                       </a:pPr>
                       <a:r>
-                        <a:rPr lang="en-US" sz="2000">
+                        <a:rPr lang="en-US" sz="2000" dirty="0">
                           <a:effectLst/>
                         </a:rPr>
                         <a:t>0.56524</a:t>
                       </a:r>
-                      <a:endParaRPr lang="en-US" sz="2000">
+                      <a:endParaRPr lang="en-US" sz="2000" dirty="0">
                         <a:solidFill>
                           <a:srgbClr val="000000"/>
                         </a:solidFill>
@@ -10042,12 +13456,12 @@
                         </a:spcAft>
                       </a:pPr>
                       <a:r>
-                        <a:rPr lang="en-US" sz="2000">
+                        <a:rPr lang="en-US" sz="2000" dirty="0">
                           <a:effectLst/>
                         </a:rPr>
                         <a:t>0.65185</a:t>
                       </a:r>
-                      <a:endParaRPr lang="en-US" sz="2000">
+                      <a:endParaRPr lang="en-US" sz="2000" dirty="0">
                         <a:solidFill>
                           <a:srgbClr val="000000"/>
                         </a:solidFill>
@@ -10172,12 +13586,12 @@
                         </a:spcAft>
                       </a:pPr>
                       <a:r>
-                        <a:rPr lang="en-US" sz="2000">
+                        <a:rPr lang="en-US" sz="2000" dirty="0">
                           <a:effectLst/>
                         </a:rPr>
                         <a:t>0.65856</a:t>
                       </a:r>
-                      <a:endParaRPr lang="en-US" sz="2000">
+                      <a:endParaRPr lang="en-US" sz="2000" dirty="0">
                         <a:solidFill>
                           <a:srgbClr val="000000"/>
                         </a:solidFill>
@@ -10296,12 +13710,12 @@
                         </a:spcAft>
                       </a:pPr>
                       <a:r>
-                        <a:rPr lang="en-US" sz="2000">
+                        <a:rPr lang="en-US" sz="2000" dirty="0">
                           <a:effectLst/>
                         </a:rPr>
                         <a:t>0.65882</a:t>
                       </a:r>
-                      <a:endParaRPr lang="en-US" sz="2000">
+                      <a:endParaRPr lang="en-US" sz="2000" dirty="0">
                         <a:solidFill>
                           <a:srgbClr val="000000"/>
                         </a:solidFill>
@@ -10327,12 +13741,12 @@
                         </a:spcAft>
                       </a:pPr>
                       <a:r>
-                        <a:rPr lang="en-US" sz="2000">
+                        <a:rPr lang="en-US" sz="2000" dirty="0">
                           <a:effectLst/>
                         </a:rPr>
                         <a:t>0.60818	</a:t>
                       </a:r>
-                      <a:endParaRPr lang="en-US" sz="2000">
+                      <a:endParaRPr lang="en-US" sz="2000" dirty="0">
                         <a:solidFill>
                           <a:srgbClr val="000000"/>
                         </a:solidFill>
@@ -10397,6 +13811,7 @@
           <a:p>
             <a:fld id="{67982E54-CFC6-46DC-BEF3-B3681CD4B600}" type="datetime3">
               <a:rPr lang="en-US" smtClean="0"/>
+              <a:pPr/>
               <a:t>3 November 2014</a:t>
             </a:fld>
             <a:endParaRPr lang="en-US"/>
@@ -10444,8 +13859,100 @@
             <a:fld id="{B6F15528-21DE-4FAA-801E-634DDDAF4B2B}" type="slidenum">
               <a:rPr lang="en-US" smtClean="0"/>
               <a:pPr/>
-              <a:t>24</a:t>
+              <a:t>26</a:t>
             </a:fld>
+            <a:endParaRPr lang="en-US"/>
+          </a:p>
+        </p:txBody>
+      </p:sp>
+      <p:sp>
+        <p:nvSpPr>
+          <p:cNvPr id="7" name="Rounded Rectangle 6"/>
+          <p:cNvSpPr/>
+          <p:nvPr/>
+        </p:nvSpPr>
+        <p:spPr>
+          <a:xfrm>
+            <a:off x="2514600" y="1447800"/>
+            <a:ext cx="1905000" cy="4724400"/>
+          </a:xfrm>
+          <a:prstGeom prst="roundRect">
+            <a:avLst/>
+          </a:prstGeom>
+          <a:noFill/>
+          <a:ln>
+            <a:solidFill>
+              <a:srgbClr val="FF0000"/>
+            </a:solidFill>
+          </a:ln>
+        </p:spPr>
+        <p:style>
+          <a:lnRef idx="2">
+            <a:schemeClr val="accent1">
+              <a:shade val="50000"/>
+            </a:schemeClr>
+          </a:lnRef>
+          <a:fillRef idx="1">
+            <a:schemeClr val="accent1"/>
+          </a:fillRef>
+          <a:effectRef idx="0">
+            <a:schemeClr val="accent1"/>
+          </a:effectRef>
+          <a:fontRef idx="minor">
+            <a:schemeClr val="lt1"/>
+          </a:fontRef>
+        </p:style>
+        <p:txBody>
+          <a:bodyPr rtlCol="0" anchor="ctr"/>
+          <a:lstStyle/>
+          <a:p>
+            <a:pPr algn="ctr"/>
+            <a:endParaRPr lang="en-US"/>
+          </a:p>
+        </p:txBody>
+      </p:sp>
+      <p:sp>
+        <p:nvSpPr>
+          <p:cNvPr id="9" name="Rounded Rectangle 8"/>
+          <p:cNvSpPr/>
+          <p:nvPr/>
+        </p:nvSpPr>
+        <p:spPr>
+          <a:xfrm>
+            <a:off x="4495800" y="1447800"/>
+            <a:ext cx="4419600" cy="4876800"/>
+          </a:xfrm>
+          <a:prstGeom prst="roundRect">
+            <a:avLst/>
+          </a:prstGeom>
+          <a:noFill/>
+          <a:ln>
+            <a:solidFill>
+              <a:srgbClr val="FF0000"/>
+            </a:solidFill>
+          </a:ln>
+        </p:spPr>
+        <p:style>
+          <a:lnRef idx="2">
+            <a:schemeClr val="accent1">
+              <a:shade val="50000"/>
+            </a:schemeClr>
+          </a:lnRef>
+          <a:fillRef idx="1">
+            <a:schemeClr val="accent1"/>
+          </a:fillRef>
+          <a:effectRef idx="0">
+            <a:schemeClr val="accent1"/>
+          </a:effectRef>
+          <a:fontRef idx="minor">
+            <a:schemeClr val="lt1"/>
+          </a:fontRef>
+        </p:style>
+        <p:txBody>
+          <a:bodyPr rtlCol="0" anchor="ctr"/>
+          <a:lstStyle/>
+          <a:p>
+            <a:pPr algn="ctr"/>
             <a:endParaRPr lang="en-US"/>
           </a:p>
         </p:txBody>
@@ -10453,7 +13960,7 @@
     </p:spTree>
     <p:extLst>
       <p:ext uri="{BB962C8B-B14F-4D97-AF65-F5344CB8AC3E}">
-        <p14:creationId xmlns:p14="http://schemas.microsoft.com/office/powerpoint/2010/main" val="1951864690"/>
+        <p14:creationId xmlns:p14="http://schemas.microsoft.com/office/powerpoint/2010/main" xmlns="" val="1951864690"/>
       </p:ext>
     </p:extLst>
   </p:cSld>
@@ -10463,9 +13970,640 @@
   <p:timing>
     <p:tnLst>
       <p:par>
-        <p:cTn xmlns:p14="http://schemas.microsoft.com/office/powerpoint/2010/main" id="1" dur="indefinite" restart="never" nodeType="tmRoot"/>
+        <p:cTn id="1" dur="indefinite" restart="never" nodeType="tmRoot">
+          <p:childTnLst>
+            <p:seq concurrent="1" nextAc="seek">
+              <p:cTn id="2" dur="indefinite" nodeType="mainSeq">
+                <p:childTnLst>
+                  <p:par>
+                    <p:cTn id="3" fill="hold">
+                      <p:stCondLst>
+                        <p:cond delay="indefinite"/>
+                      </p:stCondLst>
+                      <p:childTnLst>
+                        <p:par>
+                          <p:cTn id="4" fill="hold">
+                            <p:stCondLst>
+                              <p:cond delay="0"/>
+                            </p:stCondLst>
+                            <p:childTnLst>
+                              <p:par>
+                                <p:cTn id="5" presetID="1" presetClass="exit" presetSubtype="0" fill="hold" grpId="1" nodeType="clickEffect">
+                                  <p:stCondLst>
+                                    <p:cond delay="0"/>
+                                  </p:stCondLst>
+                                  <p:childTnLst>
+                                    <p:set>
+                                      <p:cBhvr>
+                                        <p:cTn id="6" dur="1" fill="hold">
+                                          <p:stCondLst>
+                                            <p:cond delay="0"/>
+                                          </p:stCondLst>
+                                        </p:cTn>
+                                        <p:tgtEl>
+                                          <p:spTgt spid="7"/>
+                                        </p:tgtEl>
+                                        <p:attrNameLst>
+                                          <p:attrName>style.visibility</p:attrName>
+                                        </p:attrNameLst>
+                                      </p:cBhvr>
+                                      <p:to>
+                                        <p:strVal val="hidden"/>
+                                      </p:to>
+                                    </p:set>
+                                  </p:childTnLst>
+                                </p:cTn>
+                              </p:par>
+                              <p:par>
+                                <p:cTn id="7" presetID="1" presetClass="entr" presetSubtype="0" fill="hold" grpId="0" nodeType="withEffect">
+                                  <p:stCondLst>
+                                    <p:cond delay="0"/>
+                                  </p:stCondLst>
+                                  <p:childTnLst>
+                                    <p:set>
+                                      <p:cBhvr>
+                                        <p:cTn id="8" dur="1" fill="hold">
+                                          <p:stCondLst>
+                                            <p:cond delay="0"/>
+                                          </p:stCondLst>
+                                        </p:cTn>
+                                        <p:tgtEl>
+                                          <p:spTgt spid="9"/>
+                                        </p:tgtEl>
+                                        <p:attrNameLst>
+                                          <p:attrName>style.visibility</p:attrName>
+                                        </p:attrNameLst>
+                                      </p:cBhvr>
+                                      <p:to>
+                                        <p:strVal val="visible"/>
+                                      </p:to>
+                                    </p:set>
+                                  </p:childTnLst>
+                                </p:cTn>
+                              </p:par>
+                            </p:childTnLst>
+                          </p:cTn>
+                        </p:par>
+                      </p:childTnLst>
+                    </p:cTn>
+                  </p:par>
+                </p:childTnLst>
+              </p:cTn>
+              <p:prevCondLst>
+                <p:cond evt="onPrev" delay="0">
+                  <p:tgtEl>
+                    <p:sldTgt/>
+                  </p:tgtEl>
+                </p:cond>
+              </p:prevCondLst>
+              <p:nextCondLst>
+                <p:cond evt="onNext" delay="0">
+                  <p:tgtEl>
+                    <p:sldTgt/>
+                  </p:tgtEl>
+                </p:cond>
+              </p:nextCondLst>
+            </p:seq>
+          </p:childTnLst>
+        </p:cTn>
       </p:par>
     </p:tnLst>
+    <p:bldLst>
+      <p:bldP spid="7" grpId="1" animBg="1"/>
+      <p:bldP spid="9" grpId="0" animBg="1"/>
+    </p:bldLst>
+  </p:timing>
+</p:sld>
+</file>
+
+<file path=ppt/slides/slide27.xml><?xml version="1.0" encoding="utf-8"?>
+<p:sld xmlns:a="http://schemas.openxmlformats.org/drawingml/2006/main" xmlns:r="http://schemas.openxmlformats.org/officeDocument/2006/relationships" xmlns:p="http://schemas.openxmlformats.org/presentationml/2006/main">
+  <p:cSld>
+    <p:spTree>
+      <p:nvGrpSpPr>
+        <p:cNvPr id="1" name=""/>
+        <p:cNvGrpSpPr/>
+        <p:nvPr/>
+      </p:nvGrpSpPr>
+      <p:grpSpPr>
+        <a:xfrm>
+          <a:off x="0" y="0"/>
+          <a:ext cx="0" cy="0"/>
+          <a:chOff x="0" y="0"/>
+          <a:chExt cx="0" cy="0"/>
+        </a:xfrm>
+      </p:grpSpPr>
+      <p:pic>
+        <p:nvPicPr>
+          <p:cNvPr id="19458" name="Picture 2" descr="https://lh5.googleusercontent.com/WopXCnUInPxUBvIcFFuCKKf5cXOpEfGqXc1e-NTdNfycjwtF9g5BDPTfyjmBby3hlnbdPiQ_ggdHLavHUWP6cMqEas2KJYTiQlLRwE3ujO34RaydP7VswIQZMT2UOUMLiw"/>
+          <p:cNvPicPr>
+            <a:picLocks noChangeAspect="1" noChangeArrowheads="1"/>
+          </p:cNvPicPr>
+          <p:nvPr/>
+        </p:nvPicPr>
+        <p:blipFill>
+          <a:blip r:embed="rId2" cstate="print"/>
+          <a:srcRect/>
+          <a:stretch>
+            <a:fillRect/>
+          </a:stretch>
+        </p:blipFill>
+        <p:spPr bwMode="auto">
+          <a:xfrm>
+            <a:off x="73319" y="-457200"/>
+            <a:ext cx="8994481" cy="7419976"/>
+          </a:xfrm>
+          <a:prstGeom prst="rect">
+            <a:avLst/>
+          </a:prstGeom>
+          <a:noFill/>
+        </p:spPr>
+      </p:pic>
+      <p:sp>
+        <p:nvSpPr>
+          <p:cNvPr id="2" name="Title 1"/>
+          <p:cNvSpPr>
+            <a:spLocks noGrp="1"/>
+          </p:cNvSpPr>
+          <p:nvPr>
+            <p:ph type="title"/>
+          </p:nvPr>
+        </p:nvSpPr>
+        <p:spPr>
+          <a:xfrm>
+            <a:off x="304800" y="5410200"/>
+            <a:ext cx="8686800" cy="685800"/>
+          </a:xfrm>
+          <a:solidFill>
+            <a:schemeClr val="accent1">
+              <a:lumMod val="40000"/>
+              <a:lumOff val="60000"/>
+            </a:schemeClr>
+          </a:solidFill>
+        </p:spPr>
+        <p:txBody>
+          <a:bodyPr>
+            <a:normAutofit fontScale="90000"/>
+          </a:bodyPr>
+          <a:lstStyle/>
+          <a:p>
+            <a:r>
+              <a:rPr lang="en-US" dirty="0" smtClean="0">
+                <a:solidFill>
+                  <a:srgbClr val="FF0000"/>
+                </a:solidFill>
+                <a:latin typeface="Helvetica" pitchFamily="34" charset="0"/>
+                <a:cs typeface="Helvetica" pitchFamily="34" charset="0"/>
+              </a:rPr>
+              <a:t>Ours is the 7</a:t>
+            </a:r>
+            <a:r>
+              <a:rPr lang="en-US" baseline="30000" dirty="0" smtClean="0">
+                <a:solidFill>
+                  <a:srgbClr val="FF0000"/>
+                </a:solidFill>
+                <a:latin typeface="Helvetica" pitchFamily="34" charset="0"/>
+                <a:cs typeface="Helvetica" pitchFamily="34" charset="0"/>
+              </a:rPr>
+              <a:t>th</a:t>
+            </a:r>
+            <a:r>
+              <a:rPr lang="en-US" dirty="0" smtClean="0">
+                <a:solidFill>
+                  <a:srgbClr val="FF0000"/>
+                </a:solidFill>
+                <a:latin typeface="Helvetica" pitchFamily="34" charset="0"/>
+                <a:cs typeface="Helvetica" pitchFamily="34" charset="0"/>
+              </a:rPr>
+              <a:t> best Solution</a:t>
+            </a:r>
+            <a:endParaRPr lang="en-US" dirty="0">
+              <a:solidFill>
+                <a:srgbClr val="FF0000"/>
+              </a:solidFill>
+              <a:latin typeface="Helvetica" pitchFamily="34" charset="0"/>
+              <a:cs typeface="Helvetica" pitchFamily="34" charset="0"/>
+            </a:endParaRPr>
+          </a:p>
+        </p:txBody>
+      </p:sp>
+      <p:sp>
+        <p:nvSpPr>
+          <p:cNvPr id="7" name="Slide Number Placeholder 6"/>
+          <p:cNvSpPr>
+            <a:spLocks noGrp="1"/>
+          </p:cNvSpPr>
+          <p:nvPr>
+            <p:ph type="sldNum" sz="quarter" idx="12"/>
+          </p:nvPr>
+        </p:nvSpPr>
+        <p:spPr/>
+        <p:txBody>
+          <a:bodyPr/>
+          <a:lstStyle/>
+          <a:p>
+            <a:fld id="{B6F15528-21DE-4FAA-801E-634DDDAF4B2B}" type="slidenum">
+              <a:rPr lang="en-US" smtClean="0"/>
+              <a:pPr/>
+              <a:t>27</a:t>
+            </a:fld>
+            <a:endParaRPr lang="en-US" dirty="0"/>
+          </a:p>
+        </p:txBody>
+      </p:sp>
+      <p:sp>
+        <p:nvSpPr>
+          <p:cNvPr id="5" name="Title 1"/>
+          <p:cNvSpPr txBox="1">
+            <a:spLocks/>
+          </p:cNvSpPr>
+          <p:nvPr/>
+        </p:nvSpPr>
+        <p:spPr>
+          <a:xfrm>
+            <a:off x="228600" y="1752600"/>
+            <a:ext cx="8686800" cy="609600"/>
+          </a:xfrm>
+          <a:prstGeom prst="rect">
+            <a:avLst/>
+          </a:prstGeom>
+          <a:solidFill>
+            <a:schemeClr val="accent1">
+              <a:lumMod val="40000"/>
+              <a:lumOff val="60000"/>
+            </a:schemeClr>
+          </a:solidFill>
+        </p:spPr>
+        <p:txBody>
+          <a:bodyPr vert="horz" lIns="91440" tIns="45720" rIns="91440" bIns="45720" rtlCol="0" anchor="ctr">
+            <a:normAutofit fontScale="90000" lnSpcReduction="20000"/>
+          </a:bodyPr>
+          <a:lstStyle/>
+          <a:p>
+            <a:pPr marL="0" marR="0" lvl="0" indent="0" algn="ctr" defTabSz="914400" rtl="0" eaLnBrk="1" fontAlgn="auto" latinLnBrk="0" hangingPunct="1">
+              <a:lnSpc>
+                <a:spcPct val="100000"/>
+              </a:lnSpc>
+              <a:spcBef>
+                <a:spcPct val="0"/>
+              </a:spcBef>
+              <a:spcAft>
+                <a:spcPts val="0"/>
+              </a:spcAft>
+              <a:buClrTx/>
+              <a:buSzTx/>
+              <a:buFontTx/>
+              <a:buNone/>
+              <a:tabLst/>
+              <a:defRPr/>
+            </a:pPr>
+            <a:r>
+              <a:rPr lang="en-US" sz="4400" dirty="0" smtClean="0">
+                <a:solidFill>
+                  <a:srgbClr val="FF0000"/>
+                </a:solidFill>
+                <a:latin typeface="Helvetica" pitchFamily="34" charset="0"/>
+                <a:ea typeface="+mj-ea"/>
+                <a:cs typeface="Helvetica" pitchFamily="34" charset="0"/>
+              </a:rPr>
+              <a:t>Thank you! Questions?</a:t>
+            </a:r>
+            <a:endParaRPr kumimoji="0" lang="en-US" sz="4400" b="0" i="0" u="none" strike="noStrike" kern="1200" cap="none" spc="0" normalizeH="0" baseline="0" noProof="0" dirty="0">
+              <a:ln>
+                <a:noFill/>
+              </a:ln>
+              <a:solidFill>
+                <a:srgbClr val="FF0000"/>
+              </a:solidFill>
+              <a:effectLst/>
+              <a:uLnTx/>
+              <a:uFillTx/>
+              <a:latin typeface="Helvetica" pitchFamily="34" charset="0"/>
+              <a:ea typeface="+mj-ea"/>
+              <a:cs typeface="Helvetica" pitchFamily="34" charset="0"/>
+            </a:endParaRPr>
+          </a:p>
+        </p:txBody>
+      </p:sp>
+      <p:pic>
+        <p:nvPicPr>
+          <p:cNvPr id="38914" name="Picture 2" descr="C:\Users\Muthukumar C\Downloads\Kooroshication-Panda.jpg"/>
+          <p:cNvPicPr>
+            <a:picLocks noChangeAspect="1" noChangeArrowheads="1"/>
+          </p:cNvPicPr>
+          <p:nvPr/>
+        </p:nvPicPr>
+        <p:blipFill>
+          <a:blip r:embed="rId3" cstate="print"/>
+          <a:srcRect/>
+          <a:stretch>
+            <a:fillRect/>
+          </a:stretch>
+        </p:blipFill>
+        <p:spPr bwMode="auto">
+          <a:xfrm>
+            <a:off x="5410200" y="2743200"/>
+            <a:ext cx="3657600" cy="2286000"/>
+          </a:xfrm>
+          <a:prstGeom prst="rect">
+            <a:avLst/>
+          </a:prstGeom>
+          <a:noFill/>
+        </p:spPr>
+      </p:pic>
+      <p:sp>
+        <p:nvSpPr>
+          <p:cNvPr id="8" name="TextBox 7"/>
+          <p:cNvSpPr txBox="1"/>
+          <p:nvPr/>
+        </p:nvSpPr>
+        <p:spPr>
+          <a:xfrm>
+            <a:off x="5791200" y="4648201"/>
+            <a:ext cx="2971800" cy="304800"/>
+          </a:xfrm>
+          <a:prstGeom prst="rect">
+            <a:avLst/>
+          </a:prstGeom>
+          <a:noFill/>
+        </p:spPr>
+        <p:txBody>
+          <a:bodyPr wrap="square" rtlCol="0">
+            <a:spAutoFit/>
+          </a:bodyPr>
+          <a:lstStyle/>
+          <a:p>
+            <a:r>
+              <a:rPr lang="en-US" sz="1400" dirty="0" smtClean="0">
+                <a:solidFill>
+                  <a:srgbClr val="0070C0"/>
+                </a:solidFill>
+              </a:rPr>
+              <a:t>Photo credits : </a:t>
+            </a:r>
+            <a:r>
+              <a:rPr lang="en-US" sz="1400" dirty="0" err="1" smtClean="0">
+                <a:solidFill>
+                  <a:srgbClr val="0070C0"/>
+                </a:solidFill>
+              </a:rPr>
+              <a:t>Kooroshication</a:t>
+            </a:r>
+            <a:r>
+              <a:rPr lang="en-US" sz="1400" dirty="0" smtClean="0">
+                <a:solidFill>
+                  <a:srgbClr val="0070C0"/>
+                </a:solidFill>
+              </a:rPr>
+              <a:t> @</a:t>
+            </a:r>
+            <a:r>
+              <a:rPr lang="en-US" sz="1400" dirty="0" err="1" smtClean="0">
+                <a:solidFill>
+                  <a:srgbClr val="0070C0"/>
+                </a:solidFill>
+              </a:rPr>
+              <a:t>flickr</a:t>
+            </a:r>
+            <a:endParaRPr lang="en-US" sz="2000" dirty="0">
+              <a:solidFill>
+                <a:srgbClr val="0070C0"/>
+              </a:solidFill>
+            </a:endParaRPr>
+          </a:p>
+        </p:txBody>
+      </p:sp>
+    </p:spTree>
+    <p:extLst>
+      <p:ext uri="{BB962C8B-B14F-4D97-AF65-F5344CB8AC3E}">
+        <p14:creationId xmlns:p14="http://schemas.microsoft.com/office/powerpoint/2010/main" xmlns="" val="106250200"/>
+      </p:ext>
+    </p:extLst>
+  </p:cSld>
+  <p:clrMapOvr>
+    <a:masterClrMapping/>
+  </p:clrMapOvr>
+  <p:timing>
+    <p:tnLst>
+      <p:par>
+        <p:cTn id="1" dur="indefinite" restart="never" nodeType="tmRoot">
+          <p:childTnLst>
+            <p:seq concurrent="1" nextAc="seek">
+              <p:cTn id="2" dur="indefinite" nodeType="mainSeq">
+                <p:childTnLst>
+                  <p:par>
+                    <p:cTn id="3" fill="hold">
+                      <p:stCondLst>
+                        <p:cond delay="indefinite"/>
+                      </p:stCondLst>
+                      <p:childTnLst>
+                        <p:par>
+                          <p:cTn id="4" fill="hold">
+                            <p:stCondLst>
+                              <p:cond delay="0"/>
+                            </p:stCondLst>
+                            <p:childTnLst>
+                              <p:par>
+                                <p:cTn id="5" presetID="49" presetClass="entr" presetSubtype="0" decel="100000" fill="hold" nodeType="clickEffect">
+                                  <p:stCondLst>
+                                    <p:cond delay="0"/>
+                                  </p:stCondLst>
+                                  <p:iterate type="lt">
+                                    <p:tmPct val="0"/>
+                                  </p:iterate>
+                                  <p:childTnLst>
+                                    <p:set>
+                                      <p:cBhvr>
+                                        <p:cTn id="6" dur="1" fill="hold">
+                                          <p:stCondLst>
+                                            <p:cond delay="0"/>
+                                          </p:stCondLst>
+                                        </p:cTn>
+                                        <p:tgtEl>
+                                          <p:spTgt spid="38914"/>
+                                        </p:tgtEl>
+                                        <p:attrNameLst>
+                                          <p:attrName>style.visibility</p:attrName>
+                                        </p:attrNameLst>
+                                      </p:cBhvr>
+                                      <p:to>
+                                        <p:strVal val="visible"/>
+                                      </p:to>
+                                    </p:set>
+                                    <p:anim calcmode="lin" valueType="num">
+                                      <p:cBhvr>
+                                        <p:cTn id="7" dur="500" fill="hold"/>
+                                        <p:tgtEl>
+                                          <p:spTgt spid="38914"/>
+                                        </p:tgtEl>
+                                        <p:attrNameLst>
+                                          <p:attrName>ppt_w</p:attrName>
+                                        </p:attrNameLst>
+                                      </p:cBhvr>
+                                      <p:tavLst>
+                                        <p:tav tm="0">
+                                          <p:val>
+                                            <p:fltVal val="0"/>
+                                          </p:val>
+                                        </p:tav>
+                                        <p:tav tm="100000">
+                                          <p:val>
+                                            <p:strVal val="#ppt_w"/>
+                                          </p:val>
+                                        </p:tav>
+                                      </p:tavLst>
+                                    </p:anim>
+                                    <p:anim calcmode="lin" valueType="num">
+                                      <p:cBhvr>
+                                        <p:cTn id="8" dur="500" fill="hold"/>
+                                        <p:tgtEl>
+                                          <p:spTgt spid="38914"/>
+                                        </p:tgtEl>
+                                        <p:attrNameLst>
+                                          <p:attrName>ppt_h</p:attrName>
+                                        </p:attrNameLst>
+                                      </p:cBhvr>
+                                      <p:tavLst>
+                                        <p:tav tm="0">
+                                          <p:val>
+                                            <p:fltVal val="0"/>
+                                          </p:val>
+                                        </p:tav>
+                                        <p:tav tm="100000">
+                                          <p:val>
+                                            <p:strVal val="#ppt_h"/>
+                                          </p:val>
+                                        </p:tav>
+                                      </p:tavLst>
+                                    </p:anim>
+                                    <p:anim calcmode="lin" valueType="num">
+                                      <p:cBhvr>
+                                        <p:cTn id="9" dur="500" fill="hold"/>
+                                        <p:tgtEl>
+                                          <p:spTgt spid="38914"/>
+                                        </p:tgtEl>
+                                        <p:attrNameLst>
+                                          <p:attrName>style.rotation</p:attrName>
+                                        </p:attrNameLst>
+                                      </p:cBhvr>
+                                      <p:tavLst>
+                                        <p:tav tm="0">
+                                          <p:val>
+                                            <p:fltVal val="360"/>
+                                          </p:val>
+                                        </p:tav>
+                                        <p:tav tm="100000">
+                                          <p:val>
+                                            <p:fltVal val="0"/>
+                                          </p:val>
+                                        </p:tav>
+                                      </p:tavLst>
+                                    </p:anim>
+                                    <p:animEffect transition="in" filter="fade">
+                                      <p:cBhvr>
+                                        <p:cTn id="10" dur="500"/>
+                                        <p:tgtEl>
+                                          <p:spTgt spid="38914"/>
+                                        </p:tgtEl>
+                                      </p:cBhvr>
+                                    </p:animEffect>
+                                  </p:childTnLst>
+                                </p:cTn>
+                              </p:par>
+                            </p:childTnLst>
+                          </p:cTn>
+                        </p:par>
+                        <p:par>
+                          <p:cTn id="11" fill="hold">
+                            <p:stCondLst>
+                              <p:cond delay="500"/>
+                            </p:stCondLst>
+                            <p:childTnLst>
+                              <p:par>
+                                <p:cTn id="12" presetID="1" presetClass="entr" presetSubtype="0" fill="hold" grpId="0" nodeType="afterEffect">
+                                  <p:stCondLst>
+                                    <p:cond delay="0"/>
+                                  </p:stCondLst>
+                                  <p:childTnLst>
+                                    <p:set>
+                                      <p:cBhvr>
+                                        <p:cTn id="13" dur="1" fill="hold">
+                                          <p:stCondLst>
+                                            <p:cond delay="0"/>
+                                          </p:stCondLst>
+                                        </p:cTn>
+                                        <p:tgtEl>
+                                          <p:spTgt spid="2"/>
+                                        </p:tgtEl>
+                                        <p:attrNameLst>
+                                          <p:attrName>style.visibility</p:attrName>
+                                        </p:attrNameLst>
+                                      </p:cBhvr>
+                                      <p:to>
+                                        <p:strVal val="visible"/>
+                                      </p:to>
+                                    </p:set>
+                                  </p:childTnLst>
+                                </p:cTn>
+                              </p:par>
+                              <p:par>
+                                <p:cTn id="14" presetID="1" presetClass="entr" presetSubtype="0" fill="hold" grpId="0" nodeType="withEffect">
+                                  <p:stCondLst>
+                                    <p:cond delay="0"/>
+                                  </p:stCondLst>
+                                  <p:childTnLst>
+                                    <p:set>
+                                      <p:cBhvr>
+                                        <p:cTn id="15" dur="1" fill="hold">
+                                          <p:stCondLst>
+                                            <p:cond delay="0"/>
+                                          </p:stCondLst>
+                                        </p:cTn>
+                                        <p:tgtEl>
+                                          <p:spTgt spid="8"/>
+                                        </p:tgtEl>
+                                        <p:attrNameLst>
+                                          <p:attrName>style.visibility</p:attrName>
+                                        </p:attrNameLst>
+                                      </p:cBhvr>
+                                      <p:to>
+                                        <p:strVal val="visible"/>
+                                      </p:to>
+                                    </p:set>
+                                  </p:childTnLst>
+                                </p:cTn>
+                              </p:par>
+                            </p:childTnLst>
+                          </p:cTn>
+                        </p:par>
+                      </p:childTnLst>
+                    </p:cTn>
+                  </p:par>
+                </p:childTnLst>
+              </p:cTn>
+              <p:prevCondLst>
+                <p:cond evt="onPrev" delay="0">
+                  <p:tgtEl>
+                    <p:sldTgt/>
+                  </p:tgtEl>
+                </p:cond>
+              </p:prevCondLst>
+              <p:nextCondLst>
+                <p:cond evt="onNext" delay="0">
+                  <p:tgtEl>
+                    <p:sldTgt/>
+                  </p:tgtEl>
+                </p:cond>
+              </p:nextCondLst>
+            </p:seq>
+          </p:childTnLst>
+        </p:cTn>
+      </p:par>
+    </p:tnLst>
+    <p:bldLst>
+      <p:bldP spid="2" grpId="0" animBg="1"/>
+      <p:bldP spid="8" grpId="0"/>
+    </p:bldLst>
   </p:timing>
 </p:sld>
 </file>
@@ -10504,6 +14642,7 @@
           <a:p>
             <a:fld id="{52EA87DE-C1F2-4EE8-8C8A-52BA35B8EB91}" type="datetime3">
               <a:rPr lang="en-US" smtClean="0"/>
+              <a:pPr/>
               <a:t>3 November 2014</a:t>
             </a:fld>
             <a:endParaRPr lang="en-US"/>
@@ -10566,10 +14705,10 @@
           <p:nvPr/>
         </p:nvPicPr>
         <p:blipFill>
-          <a:blip r:embed="rId2">
+          <a:blip r:embed="rId2" cstate="print">
             <a:extLst>
               <a:ext uri="{28A0092B-C50C-407E-A947-70E740481C1C}">
-                <a14:useLocalDpi xmlns:a14="http://schemas.microsoft.com/office/drawing/2010/main" val="0"/>
+                <a14:useLocalDpi xmlns:a14="http://schemas.microsoft.com/office/drawing/2010/main" xmlns="" val="0"/>
               </a:ext>
             </a:extLst>
           </a:blip>
@@ -10589,7 +14728,7 @@
           <a:noFill/>
           <a:extLst>
             <a:ext uri="{909E8E84-426E-40dd-AFC4-6F175D3DCCD1}">
-              <a14:hiddenFill xmlns:a14="http://schemas.microsoft.com/office/drawing/2010/main">
+              <a14:hiddenFill xmlns:a14="http://schemas.microsoft.com/office/drawing/2010/main" xmlns="">
                 <a:solidFill>
                   <a:srgbClr val="FFFFFF"/>
                 </a:solidFill>
@@ -10607,10 +14746,10 @@
           <p:nvPr/>
         </p:nvPicPr>
         <p:blipFill>
-          <a:blip r:embed="rId3">
+          <a:blip r:embed="rId3" cstate="print">
             <a:extLst>
               <a:ext uri="{28A0092B-C50C-407E-A947-70E740481C1C}">
-                <a14:useLocalDpi xmlns:a14="http://schemas.microsoft.com/office/drawing/2010/main" val="0"/>
+                <a14:useLocalDpi xmlns:a14="http://schemas.microsoft.com/office/drawing/2010/main" xmlns="" val="0"/>
               </a:ext>
             </a:extLst>
           </a:blip>
@@ -10633,14 +14772,14 @@
           </a:ln>
           <a:extLst>
             <a:ext uri="{909E8E84-426E-40dd-AFC4-6F175D3DCCD1}">
-              <a14:hiddenFill xmlns:a14="http://schemas.microsoft.com/office/drawing/2010/main">
+              <a14:hiddenFill xmlns:a14="http://schemas.microsoft.com/office/drawing/2010/main" xmlns="">
                 <a:solidFill>
                   <a:schemeClr val="accent1"/>
                 </a:solidFill>
               </a14:hiddenFill>
             </a:ext>
             <a:ext uri="{91240B29-F687-4f45-9708-019B960494DF}">
-              <a14:hiddenLine xmlns:a14="http://schemas.microsoft.com/office/drawing/2010/main" w="9525">
+              <a14:hiddenLine xmlns:a14="http://schemas.microsoft.com/office/drawing/2010/main" xmlns="" w="9525">
                 <a:solidFill>
                   <a:schemeClr val="tx1"/>
                 </a:solidFill>
@@ -10739,7 +14878,7 @@
     </p:spTree>
     <p:extLst>
       <p:ext uri="{BB962C8B-B14F-4D97-AF65-F5344CB8AC3E}">
-        <p14:creationId xmlns:p14="http://schemas.microsoft.com/office/powerpoint/2010/main" val="3257724845"/>
+        <p14:creationId xmlns:p14="http://schemas.microsoft.com/office/powerpoint/2010/main" xmlns="" val="3257724845"/>
       </p:ext>
     </p:extLst>
   </p:cSld>
@@ -10749,7 +14888,7 @@
   <p:timing>
     <p:tnLst>
       <p:par>
-        <p:cTn xmlns:p14="http://schemas.microsoft.com/office/powerpoint/2010/main" id="1" dur="indefinite" restart="never" nodeType="tmRoot">
+        <p:cTn id="1" dur="indefinite" restart="never" nodeType="tmRoot">
           <p:childTnLst>
             <p:seq concurrent="1" nextAc="seek">
               <p:cTn id="2" dur="indefinite" nodeType="mainSeq">
@@ -11091,6 +15230,7 @@
           <a:p>
             <a:fld id="{28AC1232-105D-4AA5-B548-5832548E2317}" type="datetime3">
               <a:rPr lang="en-US" smtClean="0"/>
+              <a:pPr/>
               <a:t>3 November 2014</a:t>
             </a:fld>
             <a:endParaRPr lang="en-US"/>
@@ -11147,7 +15287,7 @@
     </p:spTree>
     <p:extLst>
       <p:ext uri="{BB962C8B-B14F-4D97-AF65-F5344CB8AC3E}">
-        <p14:creationId xmlns:p14="http://schemas.microsoft.com/office/powerpoint/2010/main" val="2865819199"/>
+        <p14:creationId xmlns:p14="http://schemas.microsoft.com/office/powerpoint/2010/main" xmlns="" val="2865819199"/>
       </p:ext>
     </p:extLst>
   </p:cSld>
@@ -11157,7 +15297,7 @@
   <p:timing>
     <p:tnLst>
       <p:par>
-        <p:cTn xmlns:p14="http://schemas.microsoft.com/office/powerpoint/2010/main" id="1" dur="indefinite" restart="never" nodeType="tmRoot"/>
+        <p:cTn id="1" dur="indefinite" restart="never" nodeType="tmRoot"/>
       </p:par>
     </p:tnLst>
   </p:timing>
@@ -11314,6 +15454,7 @@
           <a:p>
             <a:fld id="{52EA87DE-C1F2-4EE8-8C8A-52BA35B8EB91}" type="datetime3">
               <a:rPr lang="en-US" smtClean="0"/>
+              <a:pPr/>
               <a:t>3 November 2014</a:t>
             </a:fld>
             <a:endParaRPr lang="en-US"/>
@@ -11453,17 +15594,13 @@
               </a:rPr>
               <a:t>task is a binary classification problem. </a:t>
             </a:r>
-            <a:endParaRPr lang="en-US" sz="3000" dirty="0">
-              <a:latin typeface="Helvetica"/>
-              <a:cs typeface="Helvetica"/>
-            </a:endParaRPr>
           </a:p>
         </p:txBody>
       </p:sp>
     </p:spTree>
     <p:extLst>
       <p:ext uri="{BB962C8B-B14F-4D97-AF65-F5344CB8AC3E}">
-        <p14:creationId xmlns:p14="http://schemas.microsoft.com/office/powerpoint/2010/main" val="1271128215"/>
+        <p14:creationId xmlns:p14="http://schemas.microsoft.com/office/powerpoint/2010/main" xmlns="" val="1271128215"/>
       </p:ext>
     </p:extLst>
   </p:cSld>
@@ -11473,7 +15610,7 @@
   <p:timing>
     <p:tnLst>
       <p:par>
-        <p:cTn xmlns:p14="http://schemas.microsoft.com/office/powerpoint/2010/main" id="1" dur="indefinite" restart="never" nodeType="tmRoot"/>
+        <p:cTn id="1" dur="indefinite" restart="never" nodeType="tmRoot"/>
       </p:par>
     </p:tnLst>
   </p:timing>
@@ -11497,6 +15634,32 @@
           <a:chExt cx="0" cy="0"/>
         </a:xfrm>
       </p:grpSpPr>
+      <p:pic>
+        <p:nvPicPr>
+          <p:cNvPr id="19458" name="Picture 2" descr="https://lh5.googleusercontent.com/WopXCnUInPxUBvIcFFuCKKf5cXOpEfGqXc1e-NTdNfycjwtF9g5BDPTfyjmBby3hlnbdPiQ_ggdHLavHUWP6cMqEas2KJYTiQlLRwE3ujO34RaydP7VswIQZMT2UOUMLiw"/>
+          <p:cNvPicPr>
+            <a:picLocks noChangeAspect="1" noChangeArrowheads="1"/>
+          </p:cNvPicPr>
+          <p:nvPr/>
+        </p:nvPicPr>
+        <p:blipFill>
+          <a:blip r:embed="rId2" cstate="print"/>
+          <a:srcRect/>
+          <a:stretch>
+            <a:fillRect/>
+          </a:stretch>
+        </p:blipFill>
+        <p:spPr bwMode="auto">
+          <a:xfrm>
+            <a:off x="73319" y="-457200"/>
+            <a:ext cx="8994481" cy="7419976"/>
+          </a:xfrm>
+          <a:prstGeom prst="rect">
+            <a:avLst/>
+          </a:prstGeom>
+          <a:noFill/>
+        </p:spPr>
+      </p:pic>
       <p:sp>
         <p:nvSpPr>
           <p:cNvPr id="2" name="Title 1"/>
@@ -11507,70 +15670,61 @@
             <p:ph type="title"/>
           </p:nvPr>
         </p:nvSpPr>
-        <p:spPr/>
-        <p:txBody>
-          <a:bodyPr/>
-          <a:lstStyle/>
-          <a:p>
-            <a:r>
-              <a:rPr lang="en-US" dirty="0" smtClean="0"/>
+        <p:spPr>
+          <a:xfrm>
+            <a:off x="304800" y="5410200"/>
+            <a:ext cx="8686800" cy="685800"/>
+          </a:xfrm>
+          <a:solidFill>
+            <a:schemeClr val="accent1">
+              <a:lumMod val="40000"/>
+              <a:lumOff val="60000"/>
+            </a:schemeClr>
+          </a:solidFill>
+        </p:spPr>
+        <p:txBody>
+          <a:bodyPr>
+            <a:normAutofit fontScale="90000"/>
+          </a:bodyPr>
+          <a:lstStyle/>
+          <a:p>
+            <a:r>
+              <a:rPr lang="en-US" dirty="0" smtClean="0">
+                <a:solidFill>
+                  <a:srgbClr val="FF0000"/>
+                </a:solidFill>
+                <a:latin typeface="Helvetica" pitchFamily="34" charset="0"/>
+                <a:cs typeface="Helvetica" pitchFamily="34" charset="0"/>
+              </a:rPr>
               <a:t>Ours is the 7</a:t>
             </a:r>
             <a:r>
-              <a:rPr lang="en-US" baseline="30000" dirty="0" smtClean="0"/>
+              <a:rPr lang="en-US" baseline="30000" dirty="0" smtClean="0">
+                <a:solidFill>
+                  <a:srgbClr val="FF0000"/>
+                </a:solidFill>
+                <a:latin typeface="Helvetica" pitchFamily="34" charset="0"/>
+                <a:cs typeface="Helvetica" pitchFamily="34" charset="0"/>
+              </a:rPr>
               <a:t>th</a:t>
             </a:r>
             <a:r>
-              <a:rPr lang="en-US" dirty="0" smtClean="0"/>
+              <a:rPr lang="en-US" dirty="0" smtClean="0">
+                <a:solidFill>
+                  <a:srgbClr val="FF0000"/>
+                </a:solidFill>
+                <a:latin typeface="Helvetica" pitchFamily="34" charset="0"/>
+                <a:cs typeface="Helvetica" pitchFamily="34" charset="0"/>
+              </a:rPr>
               <a:t> best Solution</a:t>
             </a:r>
-            <a:endParaRPr lang="en-US" dirty="0"/>
-          </a:p>
-        </p:txBody>
-      </p:sp>
-      <p:sp>
-        <p:nvSpPr>
-          <p:cNvPr id="5" name="Date Placeholder 4"/>
-          <p:cNvSpPr>
-            <a:spLocks noGrp="1"/>
-          </p:cNvSpPr>
-          <p:nvPr>
-            <p:ph type="dt" sz="half" idx="10"/>
-          </p:nvPr>
-        </p:nvSpPr>
-        <p:spPr/>
-        <p:txBody>
-          <a:bodyPr/>
-          <a:lstStyle/>
-          <a:p>
-            <a:fld id="{52EA87DE-C1F2-4EE8-8C8A-52BA35B8EB91}" type="datetime3">
-              <a:rPr lang="en-US" smtClean="0"/>
-              <a:t>3 November 2014</a:t>
-            </a:fld>
-            <a:endParaRPr lang="en-US"/>
-          </a:p>
-        </p:txBody>
-      </p:sp>
-      <p:sp>
-        <p:nvSpPr>
-          <p:cNvPr id="6" name="Footer Placeholder 5"/>
-          <p:cNvSpPr>
-            <a:spLocks noGrp="1"/>
-          </p:cNvSpPr>
-          <p:nvPr>
-            <p:ph type="ftr" sz="quarter" idx="11"/>
-          </p:nvPr>
-        </p:nvSpPr>
-        <p:spPr/>
-        <p:txBody>
-          <a:bodyPr/>
-          <a:lstStyle/>
-          <a:p>
-            <a:r>
-              <a:rPr lang="en-US" smtClean="0"/>
-              <a:t>CS 5228 - Knowledge Discovery &amp; Data Mining</a:t>
-            </a:r>
-            <a:endParaRPr lang="en-US"/>
+            <a:endParaRPr lang="en-US" dirty="0">
+              <a:solidFill>
+                <a:srgbClr val="FF0000"/>
+              </a:solidFill>
+              <a:latin typeface="Helvetica" pitchFamily="34" charset="0"/>
+              <a:cs typeface="Helvetica" pitchFamily="34" charset="0"/>
+            </a:endParaRPr>
           </a:p>
         </p:txBody>
       </p:sp>
@@ -11594,14 +15748,14 @@
               <a:pPr/>
               <a:t>6</a:t>
             </a:fld>
-            <a:endParaRPr lang="en-US"/>
+            <a:endParaRPr lang="en-US" dirty="0"/>
           </a:p>
         </p:txBody>
       </p:sp>
     </p:spTree>
     <p:extLst>
       <p:ext uri="{BB962C8B-B14F-4D97-AF65-F5344CB8AC3E}">
-        <p14:creationId xmlns:p14="http://schemas.microsoft.com/office/powerpoint/2010/main" val="106250200"/>
+        <p14:creationId xmlns:p14="http://schemas.microsoft.com/office/powerpoint/2010/main" xmlns="" val="106250200"/>
       </p:ext>
     </p:extLst>
   </p:cSld>
@@ -11611,7 +15765,7 @@
   <p:timing>
     <p:tnLst>
       <p:par>
-        <p:cTn xmlns:p14="http://schemas.microsoft.com/office/powerpoint/2010/main" id="1" dur="indefinite" restart="never" nodeType="tmRoot"/>
+        <p:cTn id="1" dur="indefinite" restart="never" nodeType="tmRoot"/>
       </p:par>
     </p:tnLst>
   </p:timing>
@@ -11652,11 +15806,7 @@
           <a:p>
             <a:r>
               <a:rPr lang="en-US" dirty="0" smtClean="0"/>
-              <a:t>Data provisioned by </a:t>
-            </a:r>
-            <a:r>
-              <a:rPr lang="en-US" dirty="0" err="1" smtClean="0"/>
-              <a:t>Kaggle</a:t>
+              <a:t>Data provisioned by Kaggle</a:t>
             </a:r>
             <a:endParaRPr lang="en-US" dirty="0"/>
           </a:p>
@@ -11679,6 +15829,7 @@
           <a:p>
             <a:fld id="{C568B7B7-A507-48A0-B22F-AA1D52CB5AA0}" type="datetime3">
               <a:rPr lang="en-US" smtClean="0"/>
+              <a:pPr/>
               <a:t>3 November 2014</a:t>
             </a:fld>
             <a:endParaRPr lang="en-US"/>
@@ -12089,7 +16240,7 @@
     </p:spTree>
     <p:extLst>
       <p:ext uri="{BB962C8B-B14F-4D97-AF65-F5344CB8AC3E}">
-        <p14:creationId xmlns:p14="http://schemas.microsoft.com/office/powerpoint/2010/main" val="3508389179"/>
+        <p14:creationId xmlns:p14="http://schemas.microsoft.com/office/powerpoint/2010/main" xmlns="" val="3508389179"/>
       </p:ext>
     </p:extLst>
   </p:cSld>
@@ -12099,7 +16250,7 @@
   <p:timing>
     <p:tnLst>
       <p:par>
-        <p:cTn xmlns:p14="http://schemas.microsoft.com/office/powerpoint/2010/main" id="1" dur="indefinite" restart="never" nodeType="tmRoot"/>
+        <p:cTn id="1" dur="indefinite" restart="never" nodeType="tmRoot"/>
       </p:par>
     </p:tnLst>
   </p:timing>
@@ -12140,11 +16291,7 @@
           <a:p>
             <a:r>
               <a:rPr lang="en-US" dirty="0" smtClean="0"/>
-              <a:t>Data provisioned by </a:t>
-            </a:r>
-            <a:r>
-              <a:rPr lang="en-US" dirty="0" err="1" smtClean="0"/>
-              <a:t>Kaggle</a:t>
+              <a:t>Data provisioned by Kaggle</a:t>
             </a:r>
             <a:endParaRPr lang="en-US" dirty="0"/>
           </a:p>
@@ -12167,6 +16314,7 @@
           <a:p>
             <a:fld id="{C568B7B7-A507-48A0-B22F-AA1D52CB5AA0}" type="datetime3">
               <a:rPr lang="en-US" smtClean="0"/>
+              <a:pPr/>
               <a:t>3 November 2014</a:t>
             </a:fld>
             <a:endParaRPr lang="en-US"/>
@@ -12235,24 +16383,110 @@
           <a:bodyPr/>
           <a:lstStyle/>
           <a:p>
-            <a:r>
-              <a:rPr lang="en-US" dirty="0" smtClean="0"/>
-              <a:t>Training: &lt; 1 January 2014</a:t>
-            </a:r>
-          </a:p>
-          <a:p>
-            <a:r>
-              <a:rPr lang="en-US" dirty="0" smtClean="0"/>
-              <a:t>Test: &gt;= 1 January 2014</a:t>
-            </a:r>
-            <a:endParaRPr lang="en-US" dirty="0"/>
+            <a:pPr>
+              <a:buNone/>
+            </a:pPr>
+            <a:r>
+              <a:rPr lang="en-US" sz="4000" dirty="0" smtClean="0"/>
+              <a:t>Training</a:t>
+            </a:r>
+            <a:r>
+              <a:rPr lang="en-US" sz="4000" dirty="0" smtClean="0"/>
+              <a:t>:</a:t>
+            </a:r>
+            <a:r>
+              <a:rPr lang="en-US" sz="3600" dirty="0" smtClean="0"/>
+              <a:t> </a:t>
+            </a:r>
+            <a:endParaRPr lang="en-US" sz="3600" dirty="0" smtClean="0"/>
+          </a:p>
+          <a:p>
+            <a:pPr lvl="1">
+              <a:buNone/>
+            </a:pPr>
+            <a:r>
+              <a:rPr lang="en-US" sz="3200" b="1" dirty="0" smtClean="0">
+                <a:solidFill>
+                  <a:srgbClr val="FF0000"/>
+                </a:solidFill>
+              </a:rPr>
+              <a:t>	</a:t>
+            </a:r>
+            <a:r>
+              <a:rPr lang="en-US" sz="3200" b="1" dirty="0" smtClean="0">
+                <a:solidFill>
+                  <a:srgbClr val="FF0000"/>
+                </a:solidFill>
+              </a:rPr>
+              <a:t>		</a:t>
+            </a:r>
+            <a:r>
+              <a:rPr lang="en-US" sz="4400" b="1" dirty="0" smtClean="0">
+                <a:solidFill>
+                  <a:srgbClr val="FF0000"/>
+                </a:solidFill>
+              </a:rPr>
+              <a:t>&lt;  1 </a:t>
+            </a:r>
+            <a:r>
+              <a:rPr lang="en-US" sz="4400" b="1" dirty="0" smtClean="0">
+                <a:solidFill>
+                  <a:srgbClr val="FF0000"/>
+                </a:solidFill>
+              </a:rPr>
+              <a:t>January 2014</a:t>
+            </a:r>
+          </a:p>
+          <a:p>
+            <a:pPr>
+              <a:buNone/>
+            </a:pPr>
+            <a:r>
+              <a:rPr lang="en-US" sz="4000" dirty="0" smtClean="0"/>
+              <a:t>Test: </a:t>
+            </a:r>
+            <a:endParaRPr lang="en-US" sz="4000" dirty="0" smtClean="0"/>
+          </a:p>
+          <a:p>
+            <a:pPr>
+              <a:buNone/>
+            </a:pPr>
+            <a:r>
+              <a:rPr lang="en-US" b="1" dirty="0" smtClean="0">
+                <a:solidFill>
+                  <a:srgbClr val="00B0F0"/>
+                </a:solidFill>
+              </a:rPr>
+              <a:t>			</a:t>
+            </a:r>
+            <a:r>
+              <a:rPr lang="en-US" sz="4400" b="1" dirty="0" smtClean="0">
+                <a:solidFill>
+                  <a:srgbClr val="00B0F0"/>
+                </a:solidFill>
+              </a:rPr>
+              <a:t>&gt;= 1 </a:t>
+            </a:r>
+            <a:r>
+              <a:rPr lang="en-US" sz="4400" b="1" dirty="0" smtClean="0">
+                <a:solidFill>
+                  <a:srgbClr val="00B0F0"/>
+                </a:solidFill>
+              </a:rPr>
+              <a:t>January 2014</a:t>
+            </a:r>
+            <a:endParaRPr lang="en-US" sz="4400" b="1" dirty="0">
+              <a:solidFill>
+                <a:srgbClr val="00B0F0"/>
+              </a:solidFill>
+            </a:endParaRPr>
           </a:p>
         </p:txBody>
       </p:sp>
     </p:spTree>
     <p:extLst>
       <p:ext uri="{BB962C8B-B14F-4D97-AF65-F5344CB8AC3E}">
-        <p14:creationId xmlns:p14="http://schemas.microsoft.com/office/powerpoint/2010/main" val="3431364994"/>
+        <p14:creationId xmlns:p14="http://schemas.microsoft.com/office/powerpoint/2010/main" xmlns="" val="3431364994"/>
       </p:ext>
     </p:extLst>
   </p:cSld>
@@ -12262,7 +16496,7 @@
   <p:timing>
     <p:tnLst>
       <p:par>
-        <p:cTn xmlns:p14="http://schemas.microsoft.com/office/powerpoint/2010/main" id="1" dur="indefinite" restart="never" nodeType="tmRoot"/>
+        <p:cTn id="1" dur="indefinite" restart="never" nodeType="tmRoot"/>
       </p:par>
     </p:tnLst>
   </p:timing>
@@ -12318,29 +16552,29 @@
             <p:ph idx="1"/>
             <p:extLst>
               <p:ext uri="{D42A27DB-BD31-4B8C-83A1-F6EECF244321}">
-                <p14:modId xmlns:p14="http://schemas.microsoft.com/office/powerpoint/2010/main" val="3561828059"/>
+                <p14:modId xmlns:p14="http://schemas.microsoft.com/office/powerpoint/2010/main" xmlns="" val="3561828059"/>
               </p:ext>
             </p:extLst>
           </p:nvPr>
         </p:nvGraphicFramePr>
         <p:xfrm>
-          <a:off x="457200" y="2133600"/>
-          <a:ext cx="8229600" cy="3505200"/>
+          <a:off x="381000" y="1676400"/>
+          <a:ext cx="8305800" cy="3962400"/>
         </p:xfrm>
         <a:graphic>
           <a:graphicData uri="http://schemas.openxmlformats.org/drawingml/2006/table">
             <a:tbl>
               <a:tblPr firstRow="1" bandRow="1">
-                <a:tableStyleId>{3B4B98B0-60AC-42C2-AFA5-B58CD77FA1E5}</a:tableStyleId>
+                <a:tableStyleId>{68D230F3-CF80-4859-8CE7-A43EE81993B5}</a:tableStyleId>
               </a:tblPr>
               <a:tblGrid>
-                <a:gridCol w="1645920"/>
-                <a:gridCol w="1645920"/>
-                <a:gridCol w="1645920"/>
-                <a:gridCol w="1645920"/>
-                <a:gridCol w="1645920"/>
+                <a:gridCol w="1661160"/>
+                <a:gridCol w="1661160"/>
+                <a:gridCol w="1661160"/>
+                <a:gridCol w="1661160"/>
+                <a:gridCol w="1661160"/>
               </a:tblGrid>
-              <a:tr h="1094092">
+              <a:tr h="1236800">
                 <a:tc>
                   <a:txBody>
                     <a:bodyPr/>
@@ -12355,12 +16589,12 @@
                         </a:spcAft>
                       </a:pPr>
                       <a:r>
-                        <a:rPr lang="en-US" sz="1200" dirty="0">
+                        <a:rPr lang="en-US" sz="1800" dirty="0">
                           <a:effectLst/>
                         </a:rPr>
                         <a:t>Training set Start date</a:t>
                       </a:r>
-                      <a:endParaRPr lang="en-US" sz="1100" dirty="0">
+                      <a:endParaRPr lang="en-US" sz="1800" dirty="0">
                         <a:solidFill>
                           <a:srgbClr val="000000"/>
                         </a:solidFill>
@@ -12387,12 +16621,12 @@
                         </a:spcAft>
                       </a:pPr>
                       <a:r>
-                        <a:rPr lang="en-US" sz="1200">
+                        <a:rPr lang="en-US" sz="1800">
                           <a:effectLst/>
                         </a:rPr>
                         <a:t>Training Set Size (# projects)</a:t>
                       </a:r>
-                      <a:endParaRPr lang="en-US" sz="1100">
+                      <a:endParaRPr lang="en-US" sz="1800">
                         <a:solidFill>
                           <a:srgbClr val="000000"/>
                         </a:solidFill>
@@ -12419,12 +16653,12 @@
                         </a:spcAft>
                       </a:pPr>
                       <a:r>
-                        <a:rPr lang="en-US" sz="1200" dirty="0">
+                        <a:rPr lang="en-US" sz="1800" dirty="0">
                           <a:effectLst/>
                         </a:rPr>
                         <a:t>3-fold CV Over Training Data</a:t>
                       </a:r>
-                      <a:endParaRPr lang="en-US" sz="1100" dirty="0">
+                      <a:endParaRPr lang="en-US" sz="1800" dirty="0">
                         <a:solidFill>
                           <a:srgbClr val="000000"/>
                         </a:solidFill>
@@ -12451,12 +16685,24 @@
                         </a:spcAft>
                       </a:pPr>
                       <a:r>
-                        <a:rPr lang="en-US" sz="1200">
+                        <a:rPr lang="en-US" sz="1800" dirty="0">
                           <a:effectLst/>
                         </a:rPr>
-                        <a:t>Kaggle public leaderboard score</a:t>
+                        <a:t>Kaggle public </a:t>
                       </a:r>
-                      <a:endParaRPr lang="en-US" sz="1100">
+                      <a:r>
+                        <a:rPr lang="en-US" sz="1800" dirty="0" err="1">
+                          <a:effectLst/>
+                        </a:rPr>
+                        <a:t>leaderboard</a:t>
+                      </a:r>
+                      <a:r>
+                        <a:rPr lang="en-US" sz="1800" dirty="0">
+                          <a:effectLst/>
+                        </a:rPr>
+                        <a:t> score</a:t>
+                      </a:r>
+                      <a:endParaRPr lang="en-US" sz="1800" dirty="0">
                         <a:solidFill>
                           <a:srgbClr val="000000"/>
                         </a:solidFill>
@@ -12483,20 +16729,11 @@
                         </a:spcAft>
                       </a:pPr>
                       <a:r>
-                        <a:rPr lang="en-US" sz="1200" dirty="0" err="1">
+                        <a:rPr lang="en-US" sz="1800" dirty="0">
                           <a:effectLst/>
                         </a:rPr>
-                        <a:t>Kaggle</a:t>
+                        <a:t>Kaggle private leaderboard</a:t>
                       </a:r>
-                      <a:r>
-                        <a:rPr lang="en-US" sz="1200" dirty="0">
-                          <a:effectLst/>
-                        </a:rPr>
-                        <a:t> private leaderboard</a:t>
-                      </a:r>
-                      <a:endParaRPr lang="en-US" sz="1100" dirty="0">
-                        <a:effectLst/>
-                      </a:endParaRPr>
                     </a:p>
                     <a:p>
                       <a:pPr>
@@ -12508,12 +16745,12 @@
                         </a:spcAft>
                       </a:pPr>
                       <a:r>
-                        <a:rPr lang="en-US" sz="1200" dirty="0">
+                        <a:rPr lang="en-US" sz="1800" dirty="0">
                           <a:effectLst/>
                         </a:rPr>
                         <a:t>score</a:t>
                       </a:r>
-                      <a:endParaRPr lang="en-US" sz="1100" dirty="0">
+                      <a:endParaRPr lang="en-US" sz="1800" dirty="0">
                         <a:solidFill>
                           <a:srgbClr val="000000"/>
                         </a:solidFill>
@@ -12527,7 +16764,7 @@
                   <a:tcPr marL="63500" marR="63500" marT="63500" marB="63500"/>
                 </a:tc>
               </a:tr>
-              <a:tr h="670241">
+              <a:tr h="757664">
                 <a:tc>
                   <a:txBody>
                     <a:bodyPr/>
@@ -12542,12 +16779,204 @@
                         </a:spcAft>
                       </a:pPr>
                       <a:r>
-                        <a:rPr lang="en-US" sz="1200" dirty="0">
+                        <a:rPr lang="en-US" sz="1800" dirty="0">
                           <a:effectLst/>
                         </a:rPr>
                         <a:t>All</a:t>
                       </a:r>
-                      <a:endParaRPr lang="en-US" sz="1100" dirty="0">
+                      <a:endParaRPr lang="en-US" sz="1800" dirty="0">
+                        <a:solidFill>
+                          <a:srgbClr val="000000"/>
+                        </a:solidFill>
+                        <a:effectLst/>
+                        <a:latin typeface="Arial"/>
+                        <a:ea typeface="Arial"/>
+                        <a:cs typeface="Arial"/>
+                      </a:endParaRPr>
+                    </a:p>
+                  </a:txBody>
+                  <a:tcPr marL="63500" marR="63500" marT="63500" marB="63500">
+                    <a:solidFill>
+                      <a:schemeClr val="bg1">
+                        <a:alpha val="20000"/>
+                      </a:schemeClr>
+                    </a:solidFill>
+                  </a:tcPr>
+                </a:tc>
+                <a:tc>
+                  <a:txBody>
+                    <a:bodyPr/>
+                    <a:lstStyle/>
+                    <a:p>
+                      <a:pPr>
+                        <a:lnSpc>
+                          <a:spcPct val="115000"/>
+                        </a:lnSpc>
+                        <a:spcAft>
+                          <a:spcPts val="0"/>
+                        </a:spcAft>
+                      </a:pPr>
+                      <a:r>
+                        <a:rPr lang="en-US" sz="1800" dirty="0">
+                          <a:effectLst/>
+                        </a:rPr>
+                        <a:t>619,326</a:t>
+                      </a:r>
+                      <a:endParaRPr lang="en-US" sz="1800" dirty="0">
+                        <a:solidFill>
+                          <a:srgbClr val="000000"/>
+                        </a:solidFill>
+                        <a:effectLst/>
+                        <a:latin typeface="Arial"/>
+                        <a:ea typeface="Arial"/>
+                        <a:cs typeface="Arial"/>
+                      </a:endParaRPr>
+                    </a:p>
+                  </a:txBody>
+                  <a:tcPr marL="63500" marR="63500" marT="63500" marB="63500">
+                    <a:solidFill>
+                      <a:schemeClr val="bg1">
+                        <a:alpha val="20000"/>
+                      </a:schemeClr>
+                    </a:solidFill>
+                  </a:tcPr>
+                </a:tc>
+                <a:tc>
+                  <a:txBody>
+                    <a:bodyPr/>
+                    <a:lstStyle/>
+                    <a:p>
+                      <a:pPr>
+                        <a:lnSpc>
+                          <a:spcPct val="115000"/>
+                        </a:lnSpc>
+                        <a:spcAft>
+                          <a:spcPts val="0"/>
+                        </a:spcAft>
+                      </a:pPr>
+                      <a:r>
+                        <a:rPr lang="en-US" sz="1800">
+                          <a:effectLst/>
+                        </a:rPr>
+                        <a:t>0.76894</a:t>
+                      </a:r>
+                      <a:endParaRPr lang="en-US" sz="1800">
+                        <a:solidFill>
+                          <a:srgbClr val="000000"/>
+                        </a:solidFill>
+                        <a:effectLst/>
+                        <a:latin typeface="Arial"/>
+                        <a:ea typeface="Arial"/>
+                        <a:cs typeface="Arial"/>
+                      </a:endParaRPr>
+                    </a:p>
+                  </a:txBody>
+                  <a:tcPr marL="63500" marR="63500" marT="63500" marB="63500">
+                    <a:solidFill>
+                      <a:schemeClr val="bg1">
+                        <a:alpha val="20000"/>
+                      </a:schemeClr>
+                    </a:solidFill>
+                  </a:tcPr>
+                </a:tc>
+                <a:tc>
+                  <a:txBody>
+                    <a:bodyPr/>
+                    <a:lstStyle/>
+                    <a:p>
+                      <a:pPr>
+                        <a:lnSpc>
+                          <a:spcPct val="115000"/>
+                        </a:lnSpc>
+                        <a:spcAft>
+                          <a:spcPts val="0"/>
+                        </a:spcAft>
+                      </a:pPr>
+                      <a:r>
+                        <a:rPr lang="en-US" sz="1800" dirty="0">
+                          <a:effectLst/>
+                        </a:rPr>
+                        <a:t>0.58110</a:t>
+                      </a:r>
+                      <a:endParaRPr lang="en-US" sz="1800" dirty="0">
+                        <a:solidFill>
+                          <a:srgbClr val="000000"/>
+                        </a:solidFill>
+                        <a:effectLst/>
+                        <a:latin typeface="Arial"/>
+                        <a:ea typeface="Arial"/>
+                        <a:cs typeface="Arial"/>
+                      </a:endParaRPr>
+                    </a:p>
+                  </a:txBody>
+                  <a:tcPr marL="63500" marR="63500" marT="127000" marB="127000">
+                    <a:solidFill>
+                      <a:schemeClr val="bg1">
+                        <a:alpha val="20000"/>
+                      </a:schemeClr>
+                    </a:solidFill>
+                  </a:tcPr>
+                </a:tc>
+                <a:tc>
+                  <a:txBody>
+                    <a:bodyPr/>
+                    <a:lstStyle/>
+                    <a:p>
+                      <a:pPr>
+                        <a:lnSpc>
+                          <a:spcPct val="115000"/>
+                        </a:lnSpc>
+                        <a:spcAft>
+                          <a:spcPts val="0"/>
+                        </a:spcAft>
+                      </a:pPr>
+                      <a:r>
+                        <a:rPr lang="en-US" sz="1800" dirty="0">
+                          <a:effectLst/>
+                        </a:rPr>
+                        <a:t>0.63825</a:t>
+                      </a:r>
+                      <a:endParaRPr lang="en-US" sz="1800" dirty="0">
+                        <a:solidFill>
+                          <a:srgbClr val="000000"/>
+                        </a:solidFill>
+                        <a:effectLst/>
+                        <a:latin typeface="Arial"/>
+                        <a:ea typeface="Arial"/>
+                        <a:cs typeface="Arial"/>
+                      </a:endParaRPr>
+                    </a:p>
+                  </a:txBody>
+                  <a:tcPr marL="63500" marR="63500" marT="127000" marB="127000">
+                    <a:solidFill>
+                      <a:schemeClr val="bg1">
+                        <a:alpha val="20000"/>
+                      </a:schemeClr>
+                    </a:solidFill>
+                  </a:tcPr>
+                </a:tc>
+              </a:tr>
+              <a:tr h="757664">
+                <a:tc>
+                  <a:txBody>
+                    <a:bodyPr/>
+                    <a:lstStyle/>
+                    <a:p>
+                      <a:pPr>
+                        <a:lnSpc>
+                          <a:spcPct val="115000"/>
+                        </a:lnSpc>
+                        <a:spcAft>
+                          <a:spcPts val="0"/>
+                        </a:spcAft>
+                      </a:pPr>
+                      <a:r>
+                        <a:rPr lang="en-US" sz="1800">
+                          <a:effectLst/>
+                        </a:rPr>
+                        <a:t>January 2012</a:t>
+                      </a:r>
+                      <a:endParaRPr lang="en-US" sz="1800">
                         <a:solidFill>
                           <a:srgbClr val="000000"/>
                         </a:solidFill>
@@ -12574,12 +17003,12 @@
                         </a:spcAft>
                       </a:pPr>
                       <a:r>
-                        <a:rPr lang="en-US" sz="1200">
+                        <a:rPr lang="en-US" sz="1800">
                           <a:effectLst/>
                         </a:rPr>
-                        <a:t>619,326</a:t>
+                        <a:t>248,955</a:t>
                       </a:r>
-                      <a:endParaRPr lang="en-US" sz="1100">
+                      <a:endParaRPr lang="en-US" sz="1800">
                         <a:solidFill>
                           <a:srgbClr val="000000"/>
                         </a:solidFill>
@@ -12606,12 +17035,12 @@
                         </a:spcAft>
                       </a:pPr>
                       <a:r>
-                        <a:rPr lang="en-US" sz="1200">
+                        <a:rPr lang="en-US" sz="1800" dirty="0">
                           <a:effectLst/>
                         </a:rPr>
-                        <a:t>0.76894</a:t>
+                        <a:t>0.67067</a:t>
                       </a:r>
-                      <a:endParaRPr lang="en-US" sz="1100">
+                      <a:endParaRPr lang="en-US" sz="1800" dirty="0">
                         <a:solidFill>
                           <a:srgbClr val="000000"/>
                         </a:solidFill>
@@ -12638,12 +17067,12 @@
                         </a:spcAft>
                       </a:pPr>
                       <a:r>
-                        <a:rPr lang="en-US" sz="1200">
+                        <a:rPr lang="en-US" sz="1800" dirty="0">
                           <a:effectLst/>
                         </a:rPr>
-                        <a:t>0.58110</a:t>
+                        <a:t>0.60727</a:t>
                       </a:r>
-                      <a:endParaRPr lang="en-US" sz="1100">
+                      <a:endParaRPr lang="en-US" sz="1800" dirty="0">
                         <a:solidFill>
                           <a:srgbClr val="000000"/>
                         </a:solidFill>
@@ -12670,12 +17099,12 @@
                         </a:spcAft>
                       </a:pPr>
                       <a:r>
-                        <a:rPr lang="en-US" sz="1200">
+                        <a:rPr lang="en-US" sz="1800" dirty="0">
                           <a:effectLst/>
                         </a:rPr>
-                        <a:t>0.63825</a:t>
+                        <a:t>0.65418</a:t>
                       </a:r>
-                      <a:endParaRPr lang="en-US" sz="1100">
+                      <a:endParaRPr lang="en-US" sz="1800" dirty="0">
                         <a:solidFill>
                           <a:srgbClr val="000000"/>
                         </a:solidFill>
@@ -12689,7 +17118,7 @@
                   <a:tcPr marL="63500" marR="63500" marT="127000" marB="127000"/>
                 </a:tc>
               </a:tr>
-              <a:tr h="670241">
+              <a:tr h="605136">
                 <a:tc>
                   <a:txBody>
                     <a:bodyPr/>
@@ -12704,12 +17133,12 @@
                         </a:spcAft>
                       </a:pPr>
                       <a:r>
-                        <a:rPr lang="en-US" sz="1200">
+                        <a:rPr lang="en-US" sz="1800">
                           <a:effectLst/>
                         </a:rPr>
-                        <a:t>January 2012</a:t>
+                        <a:t>July 2012</a:t>
                       </a:r>
-                      <a:endParaRPr lang="en-US" sz="1100">
+                      <a:endParaRPr lang="en-US" sz="1800">
                         <a:solidFill>
                           <a:srgbClr val="000000"/>
                         </a:solidFill>
@@ -12736,12 +17165,12 @@
                         </a:spcAft>
                       </a:pPr>
                       <a:r>
-                        <a:rPr lang="en-US" sz="1200">
+                        <a:rPr lang="en-US" sz="1800">
                           <a:effectLst/>
                         </a:rPr>
-                        <a:t>248,955</a:t>
+                        <a:t>196,770</a:t>
                       </a:r>
-                      <a:endParaRPr lang="en-US" sz="1100">
+                      <a:endParaRPr lang="en-US" sz="1800">
                         <a:solidFill>
                           <a:srgbClr val="000000"/>
                         </a:solidFill>
@@ -12768,12 +17197,12 @@
                         </a:spcAft>
                       </a:pPr>
                       <a:r>
-                        <a:rPr lang="en-US" sz="1200">
+                        <a:rPr lang="en-US" sz="1800">
                           <a:effectLst/>
                         </a:rPr>
-                        <a:t>0.67067</a:t>
+                        <a:t>0.65882</a:t>
                       </a:r>
-                      <a:endParaRPr lang="en-US" sz="1100">
+                      <a:endParaRPr lang="en-US" sz="1800">
                         <a:solidFill>
                           <a:srgbClr val="000000"/>
                         </a:solidFill>
@@ -12800,78 +17229,12 @@
                         </a:spcAft>
                       </a:pPr>
                       <a:r>
-                        <a:rPr lang="en-US" sz="1200">
+                        <a:rPr lang="en-US" sz="1800">
                           <a:effectLst/>
                         </a:rPr>
-                        <a:t>0.60727</a:t>
+                        <a:t>0.60818	</a:t>
                       </a:r>
-                      <a:endParaRPr lang="en-US" sz="1100">
-                        <a:solidFill>
-                          <a:srgbClr val="000000"/>
-                        </a:solidFill>
-                        <a:effectLst/>
-                        <a:latin typeface="Arial"/>
-                        <a:ea typeface="Arial"/>
-                        <a:cs typeface="Arial"/>
-                      </a:endParaRPr>
-                    </a:p>
-                  </a:txBody>
-                  <a:tcPr marL="63500" marR="63500" marT="127000" marB="127000"/>
-                </a:tc>
-                <a:tc>
-                  <a:txBody>
-                    <a:bodyPr/>
-                    <a:lstStyle/>
-                    <a:p>
-                      <a:pPr>
-                        <a:lnSpc>
-                          <a:spcPct val="115000"/>
-                        </a:lnSpc>
-                        <a:spcAft>
-                          <a:spcPts val="0"/>
-                        </a:spcAft>
-                      </a:pPr>
-                      <a:r>
-                        <a:rPr lang="en-US" sz="1200">
-                          <a:effectLst/>
-                        </a:rPr>
-                        <a:t>0.65418</a:t>
-                      </a:r>
-                      <a:endParaRPr lang="en-US" sz="1100">
-                        <a:solidFill>
-                          <a:srgbClr val="000000"/>
-                        </a:solidFill>
-                        <a:effectLst/>
-                        <a:latin typeface="Arial"/>
-                        <a:ea typeface="Arial"/>
-                        <a:cs typeface="Arial"/>
-                      </a:endParaRPr>
-                    </a:p>
-                  </a:txBody>
-                  <a:tcPr marL="63500" marR="63500" marT="127000" marB="127000"/>
-                </a:tc>
-              </a:tr>
-              <a:tr h="535313">
-                <a:tc>
-                  <a:txBody>
-                    <a:bodyPr/>
-                    <a:lstStyle/>
-                    <a:p>
-                      <a:pPr>
-                        <a:lnSpc>
-                          <a:spcPct val="115000"/>
-                        </a:lnSpc>
-                        <a:spcAft>
-                          <a:spcPts val="0"/>
-                        </a:spcAft>
-                      </a:pPr>
-                      <a:r>
-                        <a:rPr lang="en-US" sz="1200">
-                          <a:effectLst/>
-                        </a:rPr>
-                        <a:t>July 2012</a:t>
-                      </a:r>
-                      <a:endParaRPr lang="en-US" sz="1100">
+                      <a:endParaRPr lang="en-US" sz="1800">
                         <a:solidFill>
                           <a:srgbClr val="000000"/>
                         </a:solidFill>
@@ -12898,12 +17261,46 @@
                         </a:spcAft>
                       </a:pPr>
                       <a:r>
-                        <a:rPr lang="en-US" sz="1200">
+                        <a:rPr lang="en-US" sz="1800" dirty="0">
                           <a:effectLst/>
                         </a:rPr>
-                        <a:t>196,770</a:t>
+                        <a:t>0.65557</a:t>
                       </a:r>
-                      <a:endParaRPr lang="en-US" sz="1100">
+                      <a:endParaRPr lang="en-US" sz="1800" dirty="0">
+                        <a:solidFill>
+                          <a:srgbClr val="000000"/>
+                        </a:solidFill>
+                        <a:effectLst/>
+                        <a:latin typeface="Arial"/>
+                        <a:ea typeface="Arial"/>
+                        <a:cs typeface="Arial"/>
+                      </a:endParaRPr>
+                    </a:p>
+                  </a:txBody>
+                  <a:tcPr marL="63500" marR="63500" marT="63500" marB="63500"/>
+                </a:tc>
+              </a:tr>
+              <a:tr h="605136">
+                <a:tc>
+                  <a:txBody>
+                    <a:bodyPr/>
+                    <a:lstStyle/>
+                    <a:p>
+                      <a:pPr>
+                        <a:lnSpc>
+                          <a:spcPct val="115000"/>
+                        </a:lnSpc>
+                        <a:spcAft>
+                          <a:spcPts val="0"/>
+                        </a:spcAft>
+                      </a:pPr>
+                      <a:r>
+                        <a:rPr lang="en-US" sz="1800" dirty="0">
+                          <a:effectLst/>
+                        </a:rPr>
+                        <a:t>January 2013</a:t>
+                      </a:r>
+                      <a:endParaRPr lang="en-US" sz="1800" dirty="0">
                         <a:solidFill>
                           <a:srgbClr val="000000"/>
                         </a:solidFill>
@@ -12930,12 +17327,12 @@
                         </a:spcAft>
                       </a:pPr>
                       <a:r>
-                        <a:rPr lang="en-US" sz="1200">
+                        <a:rPr lang="en-US" sz="1800">
                           <a:effectLst/>
                         </a:rPr>
-                        <a:t>0.65882</a:t>
+                        <a:t>131,329</a:t>
                       </a:r>
-                      <a:endParaRPr lang="en-US" sz="1100">
+                      <a:endParaRPr lang="en-US" sz="1800">
                         <a:solidFill>
                           <a:srgbClr val="000000"/>
                         </a:solidFill>
@@ -12962,12 +17359,12 @@
                         </a:spcAft>
                       </a:pPr>
                       <a:r>
-                        <a:rPr lang="en-US" sz="1200">
+                        <a:rPr lang="en-US" sz="1800">
                           <a:effectLst/>
                         </a:rPr>
-                        <a:t>0.60818	</a:t>
+                        <a:t>0.64538</a:t>
                       </a:r>
-                      <a:endParaRPr lang="en-US" sz="1100">
+                      <a:endParaRPr lang="en-US" sz="1800">
                         <a:solidFill>
                           <a:srgbClr val="000000"/>
                         </a:solidFill>
@@ -12994,46 +17391,15 @@
                         </a:spcAft>
                       </a:pPr>
                       <a:r>
-                        <a:rPr lang="en-US" sz="1200">
+                        <a:rPr lang="en-US" sz="1800">
                           <a:effectLst/>
+                          <a:highlight>
+                            <a:srgbClr val="FFFFFF"/>
+                          </a:highlight>
                         </a:rPr>
-                        <a:t>0.65557</a:t>
+                        <a:t>0.60417</a:t>
                       </a:r>
-                      <a:endParaRPr lang="en-US" sz="1100">
-                        <a:solidFill>
-                          <a:srgbClr val="000000"/>
-                        </a:solidFill>
-                        <a:effectLst/>
-                        <a:latin typeface="Arial"/>
-                        <a:ea typeface="Arial"/>
-                        <a:cs typeface="Arial"/>
-                      </a:endParaRPr>
-                    </a:p>
-                  </a:txBody>
-                  <a:tcPr marL="63500" marR="63500" marT="63500" marB="63500"/>
-                </a:tc>
-              </a:tr>
-              <a:tr h="535313">
-                <a:tc>
-                  <a:txBody>
-                    <a:bodyPr/>
-                    <a:lstStyle/>
-                    <a:p>
-                      <a:pPr>
-                        <a:lnSpc>
-                          <a:spcPct val="115000"/>
-                        </a:lnSpc>
-                        <a:spcAft>
-                          <a:spcPts val="0"/>
-                        </a:spcAft>
-                      </a:pPr>
-                      <a:r>
-                        <a:rPr lang="en-US" sz="1200">
-                          <a:effectLst/>
-                        </a:rPr>
-                        <a:t>January 2013</a:t>
-                      </a:r>
-                      <a:endParaRPr lang="en-US" sz="1100">
+                      <a:endParaRPr lang="en-US" sz="1800">
                         <a:solidFill>
                           <a:srgbClr val="000000"/>
                         </a:solidFill>
@@ -13060,111 +17426,12 @@
                         </a:spcAft>
                       </a:pPr>
                       <a:r>
-                        <a:rPr lang="en-US" sz="1200">
-                          <a:effectLst/>
-                        </a:rPr>
-                        <a:t>131,329</a:t>
-                      </a:r>
-                      <a:endParaRPr lang="en-US" sz="1100">
-                        <a:solidFill>
-                          <a:srgbClr val="000000"/>
-                        </a:solidFill>
-                        <a:effectLst/>
-                        <a:latin typeface="Arial"/>
-                        <a:ea typeface="Arial"/>
-                        <a:cs typeface="Arial"/>
-                      </a:endParaRPr>
-                    </a:p>
-                  </a:txBody>
-                  <a:tcPr marL="63500" marR="63500" marT="63500" marB="63500"/>
-                </a:tc>
-                <a:tc>
-                  <a:txBody>
-                    <a:bodyPr/>
-                    <a:lstStyle/>
-                    <a:p>
-                      <a:pPr>
-                        <a:lnSpc>
-                          <a:spcPct val="115000"/>
-                        </a:lnSpc>
-                        <a:spcAft>
-                          <a:spcPts val="0"/>
-                        </a:spcAft>
-                      </a:pPr>
-                      <a:r>
-                        <a:rPr lang="en-US" sz="1200">
-                          <a:effectLst/>
-                        </a:rPr>
-                        <a:t>0.64538</a:t>
-                      </a:r>
-                      <a:endParaRPr lang="en-US" sz="1100">
-                        <a:solidFill>
-                          <a:srgbClr val="000000"/>
-                        </a:solidFill>
-                        <a:effectLst/>
-                        <a:latin typeface="Arial"/>
-                        <a:ea typeface="Arial"/>
-                        <a:cs typeface="Arial"/>
-                      </a:endParaRPr>
-                    </a:p>
-                  </a:txBody>
-                  <a:tcPr marL="63500" marR="63500" marT="63500" marB="63500"/>
-                </a:tc>
-                <a:tc>
-                  <a:txBody>
-                    <a:bodyPr/>
-                    <a:lstStyle/>
-                    <a:p>
-                      <a:pPr>
-                        <a:lnSpc>
-                          <a:spcPct val="115000"/>
-                        </a:lnSpc>
-                        <a:spcAft>
-                          <a:spcPts val="0"/>
-                        </a:spcAft>
-                      </a:pPr>
-                      <a:r>
-                        <a:rPr lang="en-US" sz="1100">
-                          <a:effectLst/>
-                          <a:highlight>
-                            <a:srgbClr val="FFFFFF"/>
-                          </a:highlight>
-                        </a:rPr>
-                        <a:t>0.60417</a:t>
-                      </a:r>
-                      <a:endParaRPr lang="en-US" sz="1100">
-                        <a:solidFill>
-                          <a:srgbClr val="000000"/>
-                        </a:solidFill>
-                        <a:effectLst/>
-                        <a:latin typeface="Arial"/>
-                        <a:ea typeface="Arial"/>
-                        <a:cs typeface="Arial"/>
-                      </a:endParaRPr>
-                    </a:p>
-                  </a:txBody>
-                  <a:tcPr marL="63500" marR="63500" marT="63500" marB="63500"/>
-                </a:tc>
-                <a:tc>
-                  <a:txBody>
-                    <a:bodyPr/>
-                    <a:lstStyle/>
-                    <a:p>
-                      <a:pPr>
-                        <a:lnSpc>
-                          <a:spcPct val="115000"/>
-                        </a:lnSpc>
-                        <a:spcAft>
-                          <a:spcPts val="0"/>
-                        </a:spcAft>
-                      </a:pPr>
-                      <a:r>
-                        <a:rPr lang="en-US" sz="1200" dirty="0">
+                        <a:rPr lang="en-US" sz="1800" dirty="0">
                           <a:effectLst/>
                         </a:rPr>
                         <a:t>0.63495</a:t>
                       </a:r>
-                      <a:endParaRPr lang="en-US" sz="1100" dirty="0">
+                      <a:endParaRPr lang="en-US" sz="1800" dirty="0">
                         <a:solidFill>
                           <a:srgbClr val="000000"/>
                         </a:solidFill>
@@ -13199,6 +17466,7 @@
           <a:p>
             <a:fld id="{67982E54-CFC6-46DC-BEF3-B3681CD4B600}" type="datetime3">
               <a:rPr lang="en-US" smtClean="0"/>
+              <a:pPr/>
               <a:t>3 November 2014</a:t>
             </a:fld>
             <a:endParaRPr lang="en-US"/>
@@ -13252,10 +17520,102 @@
           </a:p>
         </p:txBody>
       </p:sp>
+      <p:sp>
+        <p:nvSpPr>
+          <p:cNvPr id="7" name="Rounded Rectangle 6"/>
+          <p:cNvSpPr/>
+          <p:nvPr/>
+        </p:nvSpPr>
+        <p:spPr>
+          <a:xfrm>
+            <a:off x="304800" y="2971800"/>
+            <a:ext cx="8458200" cy="762000"/>
+          </a:xfrm>
+          <a:prstGeom prst="roundRect">
+            <a:avLst/>
+          </a:prstGeom>
+          <a:noFill/>
+          <a:ln>
+            <a:solidFill>
+              <a:srgbClr val="FF0000"/>
+            </a:solidFill>
+          </a:ln>
+        </p:spPr>
+        <p:style>
+          <a:lnRef idx="2">
+            <a:schemeClr val="accent1">
+              <a:shade val="50000"/>
+            </a:schemeClr>
+          </a:lnRef>
+          <a:fillRef idx="1">
+            <a:schemeClr val="accent1"/>
+          </a:fillRef>
+          <a:effectRef idx="0">
+            <a:schemeClr val="accent1"/>
+          </a:effectRef>
+          <a:fontRef idx="minor">
+            <a:schemeClr val="lt1"/>
+          </a:fontRef>
+        </p:style>
+        <p:txBody>
+          <a:bodyPr rtlCol="0" anchor="ctr"/>
+          <a:lstStyle/>
+          <a:p>
+            <a:pPr algn="ctr"/>
+            <a:endParaRPr lang="en-US"/>
+          </a:p>
+        </p:txBody>
+      </p:sp>
+      <p:sp>
+        <p:nvSpPr>
+          <p:cNvPr id="8" name="Rounded Rectangle 7"/>
+          <p:cNvSpPr/>
+          <p:nvPr/>
+        </p:nvSpPr>
+        <p:spPr>
+          <a:xfrm>
+            <a:off x="228600" y="4343400"/>
+            <a:ext cx="8458200" cy="762000"/>
+          </a:xfrm>
+          <a:prstGeom prst="roundRect">
+            <a:avLst/>
+          </a:prstGeom>
+          <a:noFill/>
+          <a:ln>
+            <a:solidFill>
+              <a:srgbClr val="FF0000"/>
+            </a:solidFill>
+          </a:ln>
+        </p:spPr>
+        <p:style>
+          <a:lnRef idx="2">
+            <a:schemeClr val="accent1">
+              <a:shade val="50000"/>
+            </a:schemeClr>
+          </a:lnRef>
+          <a:fillRef idx="1">
+            <a:schemeClr val="accent1"/>
+          </a:fillRef>
+          <a:effectRef idx="0">
+            <a:schemeClr val="accent1"/>
+          </a:effectRef>
+          <a:fontRef idx="minor">
+            <a:schemeClr val="lt1"/>
+          </a:fontRef>
+        </p:style>
+        <p:txBody>
+          <a:bodyPr rtlCol="0" anchor="ctr"/>
+          <a:lstStyle/>
+          <a:p>
+            <a:pPr algn="ctr"/>
+            <a:endParaRPr lang="en-US"/>
+          </a:p>
+        </p:txBody>
+      </p:sp>
     </p:spTree>
     <p:extLst>
       <p:ext uri="{BB962C8B-B14F-4D97-AF65-F5344CB8AC3E}">
-        <p14:creationId xmlns:p14="http://schemas.microsoft.com/office/powerpoint/2010/main" val="2673462739"/>
+        <p14:creationId xmlns:p14="http://schemas.microsoft.com/office/powerpoint/2010/main" xmlns="" val="2673462739"/>
       </p:ext>
     </p:extLst>
   </p:cSld>
@@ -13265,9 +17625,154 @@
   <p:timing>
     <p:tnLst>
       <p:par>
-        <p:cTn xmlns:p14="http://schemas.microsoft.com/office/powerpoint/2010/main" id="1" dur="indefinite" restart="never" nodeType="tmRoot"/>
+        <p:cTn id="1" dur="indefinite" restart="never" nodeType="tmRoot">
+          <p:childTnLst>
+            <p:seq concurrent="1" nextAc="seek">
+              <p:cTn id="2" dur="indefinite" nodeType="mainSeq">
+                <p:childTnLst>
+                  <p:par>
+                    <p:cTn id="3" fill="hold">
+                      <p:stCondLst>
+                        <p:cond delay="indefinite"/>
+                      </p:stCondLst>
+                      <p:childTnLst>
+                        <p:par>
+                          <p:cTn id="4" fill="hold">
+                            <p:stCondLst>
+                              <p:cond delay="0"/>
+                            </p:stCondLst>
+                            <p:childTnLst>
+                              <p:par>
+                                <p:cTn id="5" presetID="1" presetClass="entr" presetSubtype="0" fill="hold" grpId="0" nodeType="clickEffect">
+                                  <p:stCondLst>
+                                    <p:cond delay="0"/>
+                                  </p:stCondLst>
+                                  <p:childTnLst>
+                                    <p:set>
+                                      <p:cBhvr>
+                                        <p:cTn id="6" dur="1" fill="hold">
+                                          <p:stCondLst>
+                                            <p:cond delay="0"/>
+                                          </p:stCondLst>
+                                        </p:cTn>
+                                        <p:tgtEl>
+                                          <p:spTgt spid="7"/>
+                                        </p:tgtEl>
+                                        <p:attrNameLst>
+                                          <p:attrName>style.visibility</p:attrName>
+                                        </p:attrNameLst>
+                                      </p:cBhvr>
+                                      <p:to>
+                                        <p:strVal val="visible"/>
+                                      </p:to>
+                                    </p:set>
+                                  </p:childTnLst>
+                                </p:cTn>
+                              </p:par>
+                            </p:childTnLst>
+                          </p:cTn>
+                        </p:par>
+                      </p:childTnLst>
+                    </p:cTn>
+                  </p:par>
+                  <p:par>
+                    <p:cTn id="7" fill="hold">
+                      <p:stCondLst>
+                        <p:cond delay="indefinite"/>
+                      </p:stCondLst>
+                      <p:childTnLst>
+                        <p:par>
+                          <p:cTn id="8" fill="hold">
+                            <p:stCondLst>
+                              <p:cond delay="0"/>
+                            </p:stCondLst>
+                            <p:childTnLst>
+                              <p:par>
+                                <p:cTn id="9" presetID="1" presetClass="exit" presetSubtype="0" fill="hold" grpId="1" nodeType="clickEffect">
+                                  <p:stCondLst>
+                                    <p:cond delay="0"/>
+                                  </p:stCondLst>
+                                  <p:childTnLst>
+                                    <p:set>
+                                      <p:cBhvr>
+                                        <p:cTn id="10" dur="1" fill="hold">
+                                          <p:stCondLst>
+                                            <p:cond delay="0"/>
+                                          </p:stCondLst>
+                                        </p:cTn>
+                                        <p:tgtEl>
+                                          <p:spTgt spid="7"/>
+                                        </p:tgtEl>
+                                        <p:attrNameLst>
+                                          <p:attrName>style.visibility</p:attrName>
+                                        </p:attrNameLst>
+                                      </p:cBhvr>
+                                      <p:to>
+                                        <p:strVal val="hidden"/>
+                                      </p:to>
+                                    </p:set>
+                                  </p:childTnLst>
+                                </p:cTn>
+                              </p:par>
+                              <p:par>
+                                <p:cTn id="11" presetID="1" presetClass="entr" presetSubtype="0" fill="hold" grpId="0" nodeType="withEffect">
+                                  <p:stCondLst>
+                                    <p:cond delay="0"/>
+                                  </p:stCondLst>
+                                  <p:childTnLst>
+                                    <p:set>
+                                      <p:cBhvr>
+                                        <p:cTn id="12" dur="1" fill="hold">
+                                          <p:stCondLst>
+                                            <p:cond delay="0"/>
+                                          </p:stCondLst>
+                                        </p:cTn>
+                                        <p:tgtEl>
+                                          <p:spTgt spid="8"/>
+                                        </p:tgtEl>
+                                        <p:attrNameLst>
+                                          <p:attrName>style.visibility</p:attrName>
+                                        </p:attrNameLst>
+                                      </p:cBhvr>
+                                      <p:to>
+                                        <p:strVal val="visible"/>
+                                      </p:to>
+                                    </p:set>
+                                  </p:childTnLst>
+                                </p:cTn>
+                              </p:par>
+                            </p:childTnLst>
+                          </p:cTn>
+                        </p:par>
+                      </p:childTnLst>
+                    </p:cTn>
+                  </p:par>
+                </p:childTnLst>
+              </p:cTn>
+              <p:prevCondLst>
+                <p:cond evt="onPrev" delay="0">
+                  <p:tgtEl>
+                    <p:sldTgt/>
+                  </p:tgtEl>
+                </p:cond>
+              </p:prevCondLst>
+              <p:nextCondLst>
+                <p:cond evt="onNext" delay="0">
+                  <p:tgtEl>
+                    <p:sldTgt/>
+                  </p:tgtEl>
+                </p:cond>
+              </p:nextCondLst>
+            </p:seq>
+          </p:childTnLst>
+        </p:cTn>
       </p:par>
     </p:tnLst>
+    <p:bldLst>
+      <p:bldP spid="7" grpId="0" animBg="1"/>
+      <p:bldP spid="7" grpId="1" animBg="1"/>
+      <p:bldP spid="8" grpId="0" animBg="1"/>
+    </p:bldLst>
   </p:timing>
 </p:sld>
 </file>

--- a/doc/2014_Nov_04.pptx
+++ b/doc/2014_Nov_04.pptx
@@ -388,7 +388,7 @@
     </p:spTree>
     <p:extLst>
       <p:ext uri="{BB962C8B-B14F-4D97-AF65-F5344CB8AC3E}">
-        <p14:creationId xmlns:p14="http://schemas.microsoft.com/office/powerpoint/2010/main" xmlns="" val="3353880773"/>
+        <p14:creationId xmlns:p14="http://schemas.microsoft.com/office/powerpoint/2010/main" val="3353880773"/>
       </p:ext>
     </p:extLst>
   </p:cSld>
@@ -488,6 +488,91 @@
 </p:notesMaster>
 </file>
 
+<file path=ppt/notesSlides/notesSlide1.xml><?xml version="1.0" encoding="utf-8"?>
+<p:notes xmlns:a="http://schemas.openxmlformats.org/drawingml/2006/main" xmlns:r="http://schemas.openxmlformats.org/officeDocument/2006/relationships" xmlns:p="http://schemas.openxmlformats.org/presentationml/2006/main">
+  <p:cSld>
+    <p:spTree>
+      <p:nvGrpSpPr>
+        <p:cNvPr id="1" name=""/>
+        <p:cNvGrpSpPr/>
+        <p:nvPr/>
+      </p:nvGrpSpPr>
+      <p:grpSpPr>
+        <a:xfrm>
+          <a:off x="0" y="0"/>
+          <a:ext cx="0" cy="0"/>
+          <a:chOff x="0" y="0"/>
+          <a:chExt cx="0" cy="0"/>
+        </a:xfrm>
+      </p:grpSpPr>
+      <p:sp>
+        <p:nvSpPr>
+          <p:cNvPr id="2" name="Slide Image Placeholder 1"/>
+          <p:cNvSpPr>
+            <a:spLocks noGrp="1" noRot="1" noChangeAspect="1"/>
+          </p:cNvSpPr>
+          <p:nvPr>
+            <p:ph type="sldImg"/>
+          </p:nvPr>
+        </p:nvSpPr>
+        <p:spPr/>
+      </p:sp>
+      <p:sp>
+        <p:nvSpPr>
+          <p:cNvPr id="3" name="Notes Placeholder 2"/>
+          <p:cNvSpPr>
+            <a:spLocks noGrp="1"/>
+          </p:cNvSpPr>
+          <p:nvPr>
+            <p:ph type="body" idx="1"/>
+          </p:nvPr>
+        </p:nvSpPr>
+        <p:spPr/>
+        <p:txBody>
+          <a:bodyPr/>
+          <a:lstStyle/>
+          <a:p>
+            <a:endParaRPr lang="en-US"/>
+          </a:p>
+        </p:txBody>
+      </p:sp>
+      <p:sp>
+        <p:nvSpPr>
+          <p:cNvPr id="4" name="Slide Number Placeholder 3"/>
+          <p:cNvSpPr>
+            <a:spLocks noGrp="1"/>
+          </p:cNvSpPr>
+          <p:nvPr>
+            <p:ph type="sldNum" sz="quarter" idx="10"/>
+          </p:nvPr>
+        </p:nvSpPr>
+        <p:spPr/>
+        <p:txBody>
+          <a:bodyPr/>
+          <a:lstStyle/>
+          <a:p>
+            <a:fld id="{BC4343D8-FBB9-4402-A05E-BA0EFF501ACD}" type="slidenum">
+              <a:rPr lang="en-US" smtClean="0"/>
+              <a:pPr/>
+              <a:t>1</a:t>
+            </a:fld>
+            <a:endParaRPr lang="en-US"/>
+          </a:p>
+        </p:txBody>
+      </p:sp>
+    </p:spTree>
+    <p:extLst>
+      <p:ext uri="{BB962C8B-B14F-4D97-AF65-F5344CB8AC3E}">
+        <p14:creationId xmlns:p14="http://schemas.microsoft.com/office/powerpoint/2010/main" val="1546814828"/>
+      </p:ext>
+    </p:extLst>
+  </p:cSld>
+  <p:clrMapOvr>
+    <a:masterClrMapping/>
+  </p:clrMapOvr>
+</p:notes>
+</file>
+
 <file path=ppt/slideLayouts/slideLayout1.xml><?xml version="1.0" encoding="utf-8"?>
 <p:sldLayout xmlns:a="http://schemas.openxmlformats.org/drawingml/2006/main" xmlns:r="http://schemas.openxmlformats.org/officeDocument/2006/relationships" xmlns:p="http://schemas.openxmlformats.org/presentationml/2006/main" type="title" preserve="1">
   <p:cSld name="Title Slide">
@@ -672,11 +757,10 @@
           </a:lstStyle>
           <a:p>
             <a:pPr algn="ctr"/>
-            <a:fld id="{A6788142-61EA-4A77-806B-3600FC0BAF2E}" type="datetime3">
+            <a:r>
               <a:rPr lang="en-US" smtClean="0"/>
-              <a:pPr algn="ctr"/>
-              <a:t>3 November 2014</a:t>
-            </a:fld>
+              <a:t>Fall 2014, NUS</a:t>
+            </a:r>
             <a:endParaRPr lang="en-US" dirty="0"/>
           </a:p>
         </p:txBody>
@@ -870,14 +954,31 @@
         <p:spPr/>
         <p:txBody>
           <a:bodyPr/>
-          <a:lstStyle/>
-          <a:p>
-            <a:fld id="{F306D2A5-E6F9-43DB-9261-F23730E178D4}" type="datetime3">
+          <a:lstStyle>
+            <a:lvl1pPr marL="0" marR="0" indent="0" algn="l" defTabSz="914400" rtl="0" eaLnBrk="1" fontAlgn="auto" latinLnBrk="0" hangingPunct="1">
+              <a:lnSpc>
+                <a:spcPct val="100000"/>
+              </a:lnSpc>
+              <a:spcBef>
+                <a:spcPts val="0"/>
+              </a:spcBef>
+              <a:spcAft>
+                <a:spcPts val="0"/>
+              </a:spcAft>
+              <a:buClrTx/>
+              <a:buSzTx/>
+              <a:buFontTx/>
+              <a:buNone/>
+              <a:tabLst/>
+              <a:defRPr/>
+            </a:lvl1pPr>
+          </a:lstStyle>
+          <a:p>
+            <a:r>
               <a:rPr lang="en-US" smtClean="0"/>
-              <a:pPr/>
-              <a:t>3 November 2014</a:t>
-            </a:fld>
-            <a:endParaRPr lang="en-US"/>
+              <a:t>Fall 2014, NUS</a:t>
+            </a:r>
+            <a:endParaRPr lang="en-US" dirty="0" smtClean="0"/>
           </a:p>
         </p:txBody>
       </p:sp>
@@ -933,6 +1034,13 @@
   <p:clrMapOvr>
     <a:masterClrMapping/>
   </p:clrMapOvr>
+  <p:timing>
+    <p:tnLst>
+      <p:par>
+        <p:cTn id="1" dur="indefinite" restart="never" nodeType="tmRoot"/>
+      </p:par>
+    </p:tnLst>
+  </p:timing>
 </p:sldLayout>
 </file>
 
@@ -1051,14 +1159,31 @@
         <p:spPr/>
         <p:txBody>
           <a:bodyPr/>
-          <a:lstStyle/>
-          <a:p>
-            <a:fld id="{CFA561C2-E5FC-4E05-BB70-53F9C5063D0B}" type="datetime3">
+          <a:lstStyle>
+            <a:lvl1pPr marL="0" marR="0" indent="0" algn="l" defTabSz="914400" rtl="0" eaLnBrk="1" fontAlgn="auto" latinLnBrk="0" hangingPunct="1">
+              <a:lnSpc>
+                <a:spcPct val="100000"/>
+              </a:lnSpc>
+              <a:spcBef>
+                <a:spcPts val="0"/>
+              </a:spcBef>
+              <a:spcAft>
+                <a:spcPts val="0"/>
+              </a:spcAft>
+              <a:buClrTx/>
+              <a:buSzTx/>
+              <a:buFontTx/>
+              <a:buNone/>
+              <a:tabLst/>
+              <a:defRPr/>
+            </a:lvl1pPr>
+          </a:lstStyle>
+          <a:p>
+            <a:r>
               <a:rPr lang="en-US" smtClean="0"/>
-              <a:pPr/>
-              <a:t>3 November 2014</a:t>
-            </a:fld>
-            <a:endParaRPr lang="en-US"/>
+              <a:t>Fall 2014, NUS</a:t>
+            </a:r>
+            <a:endParaRPr lang="en-US" dirty="0" smtClean="0"/>
           </a:p>
         </p:txBody>
       </p:sp>
@@ -1114,6 +1239,13 @@
   <p:clrMapOvr>
     <a:masterClrMapping/>
   </p:clrMapOvr>
+  <p:timing>
+    <p:tnLst>
+      <p:par>
+        <p:cTn id="1" dur="indefinite" restart="never" nodeType="tmRoot"/>
+      </p:par>
+    </p:tnLst>
+  </p:timing>
 </p:sldLayout>
 </file>
 
@@ -1222,14 +1354,31 @@
         <p:spPr/>
         <p:txBody>
           <a:bodyPr/>
-          <a:lstStyle/>
-          <a:p>
-            <a:fld id="{67982E54-CFC6-46DC-BEF3-B3681CD4B600}" type="datetime3">
+          <a:lstStyle>
+            <a:lvl1pPr marL="0" marR="0" indent="0" algn="l" defTabSz="914400" rtl="0" eaLnBrk="1" fontAlgn="auto" latinLnBrk="0" hangingPunct="1">
+              <a:lnSpc>
+                <a:spcPct val="100000"/>
+              </a:lnSpc>
+              <a:spcBef>
+                <a:spcPts val="0"/>
+              </a:spcBef>
+              <a:spcAft>
+                <a:spcPts val="0"/>
+              </a:spcAft>
+              <a:buClrTx/>
+              <a:buSzTx/>
+              <a:buFontTx/>
+              <a:buNone/>
+              <a:tabLst/>
+              <a:defRPr/>
+            </a:lvl1pPr>
+          </a:lstStyle>
+          <a:p>
+            <a:r>
               <a:rPr lang="en-US" smtClean="0"/>
-              <a:pPr/>
-              <a:t>3 November 2014</a:t>
-            </a:fld>
-            <a:endParaRPr lang="en-US"/>
+              <a:t>Fall 2014, NUS</a:t>
+            </a:r>
+            <a:endParaRPr lang="en-US" dirty="0" smtClean="0"/>
           </a:p>
         </p:txBody>
       </p:sp>
@@ -1285,6 +1434,13 @@
   <p:clrMapOvr>
     <a:masterClrMapping/>
   </p:clrMapOvr>
+  <p:timing>
+    <p:tnLst>
+      <p:par>
+        <p:cTn id="1" dur="indefinite" restart="never" nodeType="tmRoot"/>
+      </p:par>
+    </p:tnLst>
+  </p:timing>
 </p:sldLayout>
 </file>
 
@@ -1469,14 +1625,31 @@
         <p:spPr/>
         <p:txBody>
           <a:bodyPr/>
-          <a:lstStyle/>
-          <a:p>
-            <a:fld id="{D620725C-E79B-4BC8-9A0E-945B5D5A98D0}" type="datetime3">
+          <a:lstStyle>
+            <a:lvl1pPr marL="0" marR="0" indent="0" algn="l" defTabSz="914400" rtl="0" eaLnBrk="1" fontAlgn="auto" latinLnBrk="0" hangingPunct="1">
+              <a:lnSpc>
+                <a:spcPct val="100000"/>
+              </a:lnSpc>
+              <a:spcBef>
+                <a:spcPts val="0"/>
+              </a:spcBef>
+              <a:spcAft>
+                <a:spcPts val="0"/>
+              </a:spcAft>
+              <a:buClrTx/>
+              <a:buSzTx/>
+              <a:buFontTx/>
+              <a:buNone/>
+              <a:tabLst/>
+              <a:defRPr/>
+            </a:lvl1pPr>
+          </a:lstStyle>
+          <a:p>
+            <a:r>
               <a:rPr lang="en-US" smtClean="0"/>
-              <a:pPr/>
-              <a:t>3 November 2014</a:t>
-            </a:fld>
-            <a:endParaRPr lang="en-US"/>
+              <a:t>Fall 2014, NUS</a:t>
+            </a:r>
+            <a:endParaRPr lang="en-US" dirty="0" smtClean="0"/>
           </a:p>
         </p:txBody>
       </p:sp>
@@ -1532,6 +1705,13 @@
   <p:clrMapOvr>
     <a:masterClrMapping/>
   </p:clrMapOvr>
+  <p:timing>
+    <p:tnLst>
+      <p:par>
+        <p:cTn id="1" dur="indefinite" restart="never" nodeType="tmRoot"/>
+      </p:par>
+    </p:tnLst>
+  </p:timing>
 </p:sldLayout>
 </file>
 
@@ -1758,14 +1938,31 @@
         <p:spPr/>
         <p:txBody>
           <a:bodyPr/>
-          <a:lstStyle/>
-          <a:p>
-            <a:fld id="{EBA3B823-ED87-4C2E-BC4C-F739004D6C8E}" type="datetime3">
+          <a:lstStyle>
+            <a:lvl1pPr marL="0" marR="0" indent="0" algn="l" defTabSz="914400" rtl="0" eaLnBrk="1" fontAlgn="auto" latinLnBrk="0" hangingPunct="1">
+              <a:lnSpc>
+                <a:spcPct val="100000"/>
+              </a:lnSpc>
+              <a:spcBef>
+                <a:spcPts val="0"/>
+              </a:spcBef>
+              <a:spcAft>
+                <a:spcPts val="0"/>
+              </a:spcAft>
+              <a:buClrTx/>
+              <a:buSzTx/>
+              <a:buFontTx/>
+              <a:buNone/>
+              <a:tabLst/>
+              <a:defRPr/>
+            </a:lvl1pPr>
+          </a:lstStyle>
+          <a:p>
+            <a:r>
               <a:rPr lang="en-US" smtClean="0"/>
-              <a:pPr/>
-              <a:t>3 November 2014</a:t>
-            </a:fld>
-            <a:endParaRPr lang="en-US"/>
+              <a:t>Fall 2014, NUS</a:t>
+            </a:r>
+            <a:endParaRPr lang="en-US" dirty="0" smtClean="0"/>
           </a:p>
         </p:txBody>
       </p:sp>
@@ -1821,6 +2018,13 @@
   <p:clrMapOvr>
     <a:masterClrMapping/>
   </p:clrMapOvr>
+  <p:timing>
+    <p:tnLst>
+      <p:par>
+        <p:cTn id="1" dur="indefinite" restart="never" nodeType="tmRoot"/>
+      </p:par>
+    </p:tnLst>
+  </p:timing>
 </p:sldLayout>
 </file>
 
@@ -2181,14 +2385,31 @@
         <p:spPr/>
         <p:txBody>
           <a:bodyPr/>
-          <a:lstStyle/>
-          <a:p>
-            <a:fld id="{207206CC-1D30-45FA-9419-466496975421}" type="datetime3">
+          <a:lstStyle>
+            <a:lvl1pPr marL="0" marR="0" indent="0" algn="l" defTabSz="914400" rtl="0" eaLnBrk="1" fontAlgn="auto" latinLnBrk="0" hangingPunct="1">
+              <a:lnSpc>
+                <a:spcPct val="100000"/>
+              </a:lnSpc>
+              <a:spcBef>
+                <a:spcPts val="0"/>
+              </a:spcBef>
+              <a:spcAft>
+                <a:spcPts val="0"/>
+              </a:spcAft>
+              <a:buClrTx/>
+              <a:buSzTx/>
+              <a:buFontTx/>
+              <a:buNone/>
+              <a:tabLst/>
+              <a:defRPr/>
+            </a:lvl1pPr>
+          </a:lstStyle>
+          <a:p>
+            <a:r>
               <a:rPr lang="en-US" smtClean="0"/>
-              <a:pPr/>
-              <a:t>3 November 2014</a:t>
-            </a:fld>
-            <a:endParaRPr lang="en-US"/>
+              <a:t>Fall 2014, NUS</a:t>
+            </a:r>
+            <a:endParaRPr lang="en-US" dirty="0" smtClean="0"/>
           </a:p>
         </p:txBody>
       </p:sp>
@@ -2244,6 +2465,13 @@
   <p:clrMapOvr>
     <a:masterClrMapping/>
   </p:clrMapOvr>
+  <p:timing>
+    <p:tnLst>
+      <p:par>
+        <p:cTn id="1" dur="indefinite" restart="never" nodeType="tmRoot"/>
+      </p:par>
+    </p:tnLst>
+  </p:timing>
 </p:sldLayout>
 </file>
 
@@ -2300,14 +2528,31 @@
         <p:spPr/>
         <p:txBody>
           <a:bodyPr/>
-          <a:lstStyle/>
-          <a:p>
-            <a:fld id="{89B0F834-2950-4EB8-B4E8-CB25395AA053}" type="datetime3">
+          <a:lstStyle>
+            <a:lvl1pPr marL="0" marR="0" indent="0" algn="l" defTabSz="914400" rtl="0" eaLnBrk="1" fontAlgn="auto" latinLnBrk="0" hangingPunct="1">
+              <a:lnSpc>
+                <a:spcPct val="100000"/>
+              </a:lnSpc>
+              <a:spcBef>
+                <a:spcPts val="0"/>
+              </a:spcBef>
+              <a:spcAft>
+                <a:spcPts val="0"/>
+              </a:spcAft>
+              <a:buClrTx/>
+              <a:buSzTx/>
+              <a:buFontTx/>
+              <a:buNone/>
+              <a:tabLst/>
+              <a:defRPr/>
+            </a:lvl1pPr>
+          </a:lstStyle>
+          <a:p>
+            <a:r>
               <a:rPr lang="en-US" smtClean="0"/>
-              <a:pPr/>
-              <a:t>3 November 2014</a:t>
-            </a:fld>
-            <a:endParaRPr lang="en-US"/>
+              <a:t>Fall 2014, NUS</a:t>
+            </a:r>
+            <a:endParaRPr lang="en-US" dirty="0" smtClean="0"/>
           </a:p>
         </p:txBody>
       </p:sp>
@@ -2363,6 +2608,13 @@
   <p:clrMapOvr>
     <a:masterClrMapping/>
   </p:clrMapOvr>
+  <p:timing>
+    <p:tnLst>
+      <p:par>
+        <p:cTn id="1" dur="indefinite" restart="never" nodeType="tmRoot"/>
+      </p:par>
+    </p:tnLst>
+  </p:timing>
 </p:sldLayout>
 </file>
 
@@ -2396,14 +2648,31 @@
         <p:spPr/>
         <p:txBody>
           <a:bodyPr/>
-          <a:lstStyle/>
-          <a:p>
-            <a:fld id="{D4CBAEC4-F895-4E8A-AA45-BDB4C332AA6A}" type="datetime3">
+          <a:lstStyle>
+            <a:lvl1pPr marL="0" marR="0" indent="0" algn="l" defTabSz="914400" rtl="0" eaLnBrk="1" fontAlgn="auto" latinLnBrk="0" hangingPunct="1">
+              <a:lnSpc>
+                <a:spcPct val="100000"/>
+              </a:lnSpc>
+              <a:spcBef>
+                <a:spcPts val="0"/>
+              </a:spcBef>
+              <a:spcAft>
+                <a:spcPts val="0"/>
+              </a:spcAft>
+              <a:buClrTx/>
+              <a:buSzTx/>
+              <a:buFontTx/>
+              <a:buNone/>
+              <a:tabLst/>
+              <a:defRPr/>
+            </a:lvl1pPr>
+          </a:lstStyle>
+          <a:p>
+            <a:r>
               <a:rPr lang="en-US" smtClean="0"/>
-              <a:pPr/>
-              <a:t>3 November 2014</a:t>
-            </a:fld>
-            <a:endParaRPr lang="en-US"/>
+              <a:t>Fall 2014, NUS</a:t>
+            </a:r>
+            <a:endParaRPr lang="en-US" dirty="0" smtClean="0"/>
           </a:p>
         </p:txBody>
       </p:sp>
@@ -2459,6 +2728,13 @@
   <p:clrMapOvr>
     <a:masterClrMapping/>
   </p:clrMapOvr>
+  <p:timing>
+    <p:tnLst>
+      <p:par>
+        <p:cTn id="1" dur="indefinite" restart="never" nodeType="tmRoot"/>
+      </p:par>
+    </p:tnLst>
+  </p:timing>
 </p:sldLayout>
 </file>
 
@@ -2674,14 +2950,31 @@
         <p:spPr/>
         <p:txBody>
           <a:bodyPr/>
-          <a:lstStyle/>
-          <a:p>
-            <a:fld id="{B7BE2F4A-08D9-4EF2-B38A-918A8F06D151}" type="datetime3">
+          <a:lstStyle>
+            <a:lvl1pPr marL="0" marR="0" indent="0" algn="l" defTabSz="914400" rtl="0" eaLnBrk="1" fontAlgn="auto" latinLnBrk="0" hangingPunct="1">
+              <a:lnSpc>
+                <a:spcPct val="100000"/>
+              </a:lnSpc>
+              <a:spcBef>
+                <a:spcPts val="0"/>
+              </a:spcBef>
+              <a:spcAft>
+                <a:spcPts val="0"/>
+              </a:spcAft>
+              <a:buClrTx/>
+              <a:buSzTx/>
+              <a:buFontTx/>
+              <a:buNone/>
+              <a:tabLst/>
+              <a:defRPr/>
+            </a:lvl1pPr>
+          </a:lstStyle>
+          <a:p>
+            <a:r>
               <a:rPr lang="en-US" smtClean="0"/>
-              <a:pPr/>
-              <a:t>3 November 2014</a:t>
-            </a:fld>
-            <a:endParaRPr lang="en-US"/>
+              <a:t>Fall 2014, NUS</a:t>
+            </a:r>
+            <a:endParaRPr lang="en-US" dirty="0" smtClean="0"/>
           </a:p>
         </p:txBody>
       </p:sp>
@@ -2737,6 +3030,13 @@
   <p:clrMapOvr>
     <a:masterClrMapping/>
   </p:clrMapOvr>
+  <p:timing>
+    <p:tnLst>
+      <p:par>
+        <p:cTn id="1" dur="indefinite" restart="never" nodeType="tmRoot"/>
+      </p:par>
+    </p:tnLst>
+  </p:timing>
 </p:sldLayout>
 </file>
 
@@ -2928,14 +3228,31 @@
         <p:spPr/>
         <p:txBody>
           <a:bodyPr/>
-          <a:lstStyle/>
-          <a:p>
-            <a:fld id="{3F4A2EF1-9A18-4B4E-92EF-AF0830BE31FD}" type="datetime3">
+          <a:lstStyle>
+            <a:lvl1pPr marL="0" marR="0" indent="0" algn="l" defTabSz="914400" rtl="0" eaLnBrk="1" fontAlgn="auto" latinLnBrk="0" hangingPunct="1">
+              <a:lnSpc>
+                <a:spcPct val="100000"/>
+              </a:lnSpc>
+              <a:spcBef>
+                <a:spcPts val="0"/>
+              </a:spcBef>
+              <a:spcAft>
+                <a:spcPts val="0"/>
+              </a:spcAft>
+              <a:buClrTx/>
+              <a:buSzTx/>
+              <a:buFontTx/>
+              <a:buNone/>
+              <a:tabLst/>
+              <a:defRPr/>
+            </a:lvl1pPr>
+          </a:lstStyle>
+          <a:p>
+            <a:r>
               <a:rPr lang="en-US" smtClean="0"/>
-              <a:pPr/>
-              <a:t>3 November 2014</a:t>
-            </a:fld>
-            <a:endParaRPr lang="en-US"/>
+              <a:t>Fall 2014, NUS</a:t>
+            </a:r>
+            <a:endParaRPr lang="en-US" dirty="0" smtClean="0"/>
           </a:p>
         </p:txBody>
       </p:sp>
@@ -2991,6 +3308,13 @@
   <p:clrMapOvr>
     <a:masterClrMapping/>
   </p:clrMapOvr>
+  <p:timing>
+    <p:tnLst>
+      <p:par>
+        <p:cTn id="1" dur="indefinite" restart="never" nodeType="tmRoot"/>
+      </p:par>
+    </p:tnLst>
+  </p:timing>
 </p:sldLayout>
 </file>
 
@@ -3144,11 +3468,10 @@
             </a:lvl1pPr>
           </a:lstStyle>
           <a:p>
-            <a:fld id="{8F549DA9-A275-48C3-B914-32F48F053414}" type="datetime3">
+            <a:r>
               <a:rPr lang="en-US" smtClean="0"/>
-              <a:pPr/>
-              <a:t>3 November 2014</a:t>
-            </a:fld>
+              <a:t>Fall 2014, NUS</a:t>
+            </a:r>
             <a:endParaRPr lang="en-US"/>
           </a:p>
         </p:txBody>
@@ -3611,85 +3934,10 @@
           </a:p>
         </p:txBody>
       </p:sp>
-      <p:sp>
-        <p:nvSpPr>
-          <p:cNvPr id="4" name="Date Placeholder 3"/>
-          <p:cNvSpPr>
-            <a:spLocks noGrp="1"/>
-          </p:cNvSpPr>
-          <p:nvPr>
-            <p:ph type="dt" sz="half" idx="10"/>
-          </p:nvPr>
-        </p:nvSpPr>
-        <p:spPr/>
-        <p:txBody>
-          <a:bodyPr/>
-          <a:lstStyle/>
-          <a:p>
-            <a:fld id="{D0AE0544-8F65-4393-9227-C3F2E95FAC36}" type="datetime3">
-              <a:rPr lang="en-US" smtClean="0"/>
-              <a:pPr/>
-              <a:t>3 November 2014</a:t>
-            </a:fld>
-            <a:endParaRPr lang="en-US"/>
-          </a:p>
-        </p:txBody>
-      </p:sp>
-      <p:sp>
-        <p:nvSpPr>
-          <p:cNvPr id="5" name="Footer Placeholder 4"/>
-          <p:cNvSpPr>
-            <a:spLocks noGrp="1"/>
-          </p:cNvSpPr>
-          <p:nvPr>
-            <p:ph type="ftr" sz="quarter" idx="11"/>
-          </p:nvPr>
-        </p:nvSpPr>
-        <p:spPr/>
-        <p:txBody>
-          <a:bodyPr/>
-          <a:lstStyle/>
-          <a:p>
-            <a:r>
-              <a:rPr lang="en-US" dirty="0" smtClean="0"/>
-              <a:t>CS 5228 - Knowledge Discovery &amp; Data Mining</a:t>
-            </a:r>
-            <a:endParaRPr lang="en-US" dirty="0"/>
-          </a:p>
-        </p:txBody>
-      </p:sp>
-      <p:sp>
-        <p:nvSpPr>
-          <p:cNvPr id="6" name="Slide Number Placeholder 5"/>
-          <p:cNvSpPr>
-            <a:spLocks noGrp="1"/>
-          </p:cNvSpPr>
-          <p:nvPr>
-            <p:ph type="sldNum" sz="quarter" idx="12"/>
-          </p:nvPr>
-        </p:nvSpPr>
-        <p:spPr>
-          <a:xfrm>
-            <a:off x="6781800" y="6356350"/>
-            <a:ext cx="2133600" cy="365125"/>
-          </a:xfrm>
-        </p:spPr>
-        <p:txBody>
-          <a:bodyPr/>
-          <a:lstStyle/>
-          <a:p>
-            <a:pPr algn="ctr"/>
-            <a:r>
-              <a:rPr lang="en-US" dirty="0" smtClean="0"/>
-              <a:t>NUS, Singapore</a:t>
-            </a:r>
-          </a:p>
-        </p:txBody>
-      </p:sp>
     </p:spTree>
     <p:extLst>
       <p:ext uri="{BB962C8B-B14F-4D97-AF65-F5344CB8AC3E}">
-        <p14:creationId xmlns:p14="http://schemas.microsoft.com/office/powerpoint/2010/main" xmlns="" val="2992275291"/>
+        <p14:creationId xmlns:p14="http://schemas.microsoft.com/office/powerpoint/2010/main" val="2992275291"/>
       </p:ext>
     </p:extLst>
   </p:cSld>
@@ -3756,7 +4004,7 @@
             <p:ph idx="1"/>
             <p:extLst>
               <p:ext uri="{D42A27DB-BD31-4B8C-83A1-F6EECF244321}">
-                <p14:modId xmlns:p14="http://schemas.microsoft.com/office/powerpoint/2010/main" xmlns="" val="1622543864"/>
+                <p14:modId xmlns:p14="http://schemas.microsoft.com/office/powerpoint/2010/main" val="1622543864"/>
               </p:ext>
             </p:extLst>
           </p:nvPr>
@@ -4043,11 +4291,10 @@
           <a:bodyPr/>
           <a:lstStyle/>
           <a:p>
-            <a:fld id="{67982E54-CFC6-46DC-BEF3-B3681CD4B600}" type="datetime3">
+            <a:r>
               <a:rPr lang="en-US" smtClean="0"/>
-              <a:pPr/>
-              <a:t>3 November 2014</a:t>
-            </a:fld>
+              <a:t>Fall 2014, NUS</a:t>
+            </a:r>
             <a:endParaRPr lang="en-US"/>
           </a:p>
         </p:txBody>
@@ -4102,7 +4349,7 @@
     </p:spTree>
     <p:extLst>
       <p:ext uri="{BB962C8B-B14F-4D97-AF65-F5344CB8AC3E}">
-        <p14:creationId xmlns:p14="http://schemas.microsoft.com/office/powerpoint/2010/main" xmlns="" val="1688763854"/>
+        <p14:creationId xmlns:p14="http://schemas.microsoft.com/office/powerpoint/2010/main" val="1688763854"/>
       </p:ext>
     </p:extLst>
   </p:cSld>
@@ -4290,11 +4537,10 @@
           <a:bodyPr/>
           <a:lstStyle/>
           <a:p>
-            <a:fld id="{28AC1232-105D-4AA5-B548-5832548E2317}" type="datetime3">
+            <a:r>
               <a:rPr lang="en-US" smtClean="0"/>
-              <a:pPr/>
-              <a:t>3 November 2014</a:t>
-            </a:fld>
+              <a:t>Fall 2014, NUS</a:t>
+            </a:r>
             <a:endParaRPr lang="en-US"/>
           </a:p>
         </p:txBody>
@@ -4349,7 +4595,7 @@
     </p:spTree>
     <p:extLst>
       <p:ext uri="{BB962C8B-B14F-4D97-AF65-F5344CB8AC3E}">
-        <p14:creationId xmlns:p14="http://schemas.microsoft.com/office/powerpoint/2010/main" xmlns="" val="2142217672"/>
+        <p14:creationId xmlns:p14="http://schemas.microsoft.com/office/powerpoint/2010/main" val="2142217672"/>
       </p:ext>
     </p:extLst>
   </p:cSld>
@@ -4421,11 +4667,10 @@
           <a:bodyPr/>
           <a:lstStyle/>
           <a:p>
-            <a:fld id="{67982E54-CFC6-46DC-BEF3-B3681CD4B600}" type="datetime3">
+            <a:r>
               <a:rPr lang="en-US" smtClean="0"/>
-              <a:pPr/>
-              <a:t>3 November 2014</a:t>
-            </a:fld>
+              <a:t>Fall 2014, NUS</a:t>
+            </a:r>
             <a:endParaRPr lang="en-US"/>
           </a:p>
         </p:txBody>
@@ -4486,7 +4731,7 @@
           <p:nvPr>
             <p:extLst>
               <p:ext uri="{D42A27DB-BD31-4B8C-83A1-F6EECF244321}">
-                <p14:modId xmlns:p14="http://schemas.microsoft.com/office/powerpoint/2010/main" xmlns="" val="300050639"/>
+                <p14:modId xmlns:p14="http://schemas.microsoft.com/office/powerpoint/2010/main" val="300050639"/>
               </p:ext>
             </p:extLst>
           </p:nvPr>
@@ -5707,7 +5952,7 @@
     </p:spTree>
     <p:extLst>
       <p:ext uri="{BB962C8B-B14F-4D97-AF65-F5344CB8AC3E}">
-        <p14:creationId xmlns:p14="http://schemas.microsoft.com/office/powerpoint/2010/main" xmlns="" val="1216486764"/>
+        <p14:creationId xmlns:p14="http://schemas.microsoft.com/office/powerpoint/2010/main" val="1216486764"/>
       </p:ext>
     </p:extLst>
   </p:cSld>
@@ -5858,11 +6103,10 @@
           <a:bodyPr/>
           <a:lstStyle/>
           <a:p>
-            <a:fld id="{67982E54-CFC6-46DC-BEF3-B3681CD4B600}" type="datetime3">
+            <a:r>
               <a:rPr lang="en-US" smtClean="0"/>
-              <a:pPr/>
-              <a:t>3 November 2014</a:t>
-            </a:fld>
+              <a:t>Fall 2014, NUS</a:t>
+            </a:r>
             <a:endParaRPr lang="en-US"/>
           </a:p>
         </p:txBody>
@@ -5917,7 +6161,7 @@
     </p:spTree>
     <p:extLst>
       <p:ext uri="{BB962C8B-B14F-4D97-AF65-F5344CB8AC3E}">
-        <p14:creationId xmlns:p14="http://schemas.microsoft.com/office/powerpoint/2010/main" xmlns="" val="1888681611"/>
+        <p14:creationId xmlns:p14="http://schemas.microsoft.com/office/powerpoint/2010/main" val="1888681611"/>
       </p:ext>
     </p:extLst>
   </p:cSld>
@@ -5989,11 +6233,10 @@
           <a:bodyPr/>
           <a:lstStyle/>
           <a:p>
-            <a:fld id="{67982E54-CFC6-46DC-BEF3-B3681CD4B600}" type="datetime3">
+            <a:r>
               <a:rPr lang="en-US" smtClean="0"/>
-              <a:pPr/>
-              <a:t>3 November 2014</a:t>
-            </a:fld>
+              <a:t>Fall 2014, NUS</a:t>
+            </a:r>
             <a:endParaRPr lang="en-US"/>
           </a:p>
         </p:txBody>
@@ -6057,7 +6300,7 @@
           <a:blip r:embed="rId2" cstate="print">
             <a:extLst>
               <a:ext uri="{28A0092B-C50C-407E-A947-70E740481C1C}">
-                <a14:useLocalDpi xmlns:a14="http://schemas.microsoft.com/office/drawing/2010/main" xmlns="" val="0"/>
+                <a14:useLocalDpi xmlns:a14="http://schemas.microsoft.com/office/drawing/2010/main" val="0"/>
               </a:ext>
             </a:extLst>
           </a:blip>
@@ -6106,23 +6349,7 @@
                   <a:schemeClr val="accent2"/>
                 </a:solidFill>
               </a:rPr>
-              <a:t>It’s all about location, </a:t>
-            </a:r>
-            <a:r>
-              <a:rPr lang="en-US" sz="3600" b="1" dirty="0" smtClean="0">
-                <a:solidFill>
-                  <a:schemeClr val="accent2"/>
-                </a:solidFill>
-              </a:rPr>
-              <a:t>location, location</a:t>
-            </a:r>
-            <a:r>
-              <a:rPr lang="en-US" sz="3600" b="1" dirty="0" smtClean="0">
-                <a:solidFill>
-                  <a:schemeClr val="accent2"/>
-                </a:solidFill>
-              </a:rPr>
-              <a:t>!</a:t>
+              <a:t>It’s all about location, location, location!</a:t>
             </a:r>
             <a:endParaRPr lang="en-US" sz="3600" b="1" dirty="0">
               <a:solidFill>
@@ -6243,7 +6470,7 @@
     </p:spTree>
     <p:extLst>
       <p:ext uri="{BB962C8B-B14F-4D97-AF65-F5344CB8AC3E}">
-        <p14:creationId xmlns:p14="http://schemas.microsoft.com/office/powerpoint/2010/main" xmlns="" val="3701667366"/>
+        <p14:creationId xmlns:p14="http://schemas.microsoft.com/office/powerpoint/2010/main" val="3701667366"/>
       </p:ext>
     </p:extLst>
   </p:cSld>
@@ -6279,7 +6506,7 @@
                                     <p:tmPct val="0"/>
                                   </p:iterate>
                                   <p:childTnLst>
-                                    <p:animClr clrSpc="rgb">
+                                    <p:animClr clrSpc="rgb" dir="cw">
                                       <p:cBhvr override="childStyle">
                                         <p:cTn id="6" dur="250" autoRev="1" fill="hold"/>
                                         <p:tgtEl>
@@ -6297,7 +6524,7 @@
                                         <a:schemeClr val="bg1"/>
                                       </p:to>
                                     </p:animClr>
-                                    <p:animClr clrSpc="rgb">
+                                    <p:animClr clrSpc="rgb" dir="cw">
                                       <p:cBhvr>
                                         <p:cTn id="7" dur="250" autoRev="1" fill="hold"/>
                                         <p:tgtEl>
@@ -6416,7 +6643,7 @@
           <a:blip r:embed="rId2" cstate="print">
             <a:extLst>
               <a:ext uri="{28A0092B-C50C-407E-A947-70E740481C1C}">
-                <a14:useLocalDpi xmlns:a14="http://schemas.microsoft.com/office/drawing/2010/main" xmlns="" val="0"/>
+                <a14:useLocalDpi xmlns:a14="http://schemas.microsoft.com/office/drawing/2010/main" val="0"/>
               </a:ext>
             </a:extLst>
           </a:blip>
@@ -6446,11 +6673,10 @@
           <a:bodyPr/>
           <a:lstStyle/>
           <a:p>
-            <a:fld id="{67982E54-CFC6-46DC-BEF3-B3681CD4B600}" type="datetime3">
+            <a:r>
               <a:rPr lang="en-US" smtClean="0"/>
-              <a:pPr/>
-              <a:t>3 November 2014</a:t>
-            </a:fld>
+              <a:t>Fall 2014, NUS</a:t>
+            </a:r>
             <a:endParaRPr lang="en-US"/>
           </a:p>
         </p:txBody>
@@ -6535,7 +6761,7 @@
     </p:spTree>
     <p:extLst>
       <p:ext uri="{BB962C8B-B14F-4D97-AF65-F5344CB8AC3E}">
-        <p14:creationId xmlns:p14="http://schemas.microsoft.com/office/powerpoint/2010/main" xmlns="" val="3487132345"/>
+        <p14:creationId xmlns:p14="http://schemas.microsoft.com/office/powerpoint/2010/main" val="3487132345"/>
       </p:ext>
     </p:extLst>
   </p:cSld>
@@ -6583,7 +6809,7 @@
           <a:blip r:embed="rId2" cstate="print">
             <a:extLst>
               <a:ext uri="{28A0092B-C50C-407E-A947-70E740481C1C}">
-                <a14:useLocalDpi xmlns:a14="http://schemas.microsoft.com/office/drawing/2010/main" xmlns="" val="0"/>
+                <a14:useLocalDpi xmlns:a14="http://schemas.microsoft.com/office/drawing/2010/main" val="0"/>
               </a:ext>
             </a:extLst>
           </a:blip>
@@ -6613,11 +6839,10 @@
           <a:bodyPr/>
           <a:lstStyle/>
           <a:p>
-            <a:fld id="{67982E54-CFC6-46DC-BEF3-B3681CD4B600}" type="datetime3">
+            <a:r>
               <a:rPr lang="en-US" smtClean="0"/>
-              <a:pPr/>
-              <a:t>3 November 2014</a:t>
-            </a:fld>
+              <a:t>Fall 2014, NUS</a:t>
+            </a:r>
             <a:endParaRPr lang="en-US"/>
           </a:p>
         </p:txBody>
@@ -6693,21 +6918,13 @@
           <a:p>
             <a:r>
               <a:rPr lang="en-US" sz="3600" b="1" dirty="0" smtClean="0"/>
-              <a:t>Bag of Words from the essay</a:t>
-            </a:r>
+              <a:t>Bag of Words from the essay – </a:t>
+            </a:r>
+          </a:p>
+          <a:p>
             <a:r>
               <a:rPr lang="en-US" sz="3600" b="1" dirty="0" smtClean="0"/>
-              <a:t> – </a:t>
-            </a:r>
-          </a:p>
-          <a:p>
-            <a:r>
-              <a:rPr lang="en-US" sz="3600" b="1" dirty="0" smtClean="0"/>
-              <a:t>	</a:t>
-            </a:r>
-            <a:r>
-              <a:rPr lang="en-US" sz="3600" b="1" dirty="0" smtClean="0"/>
-              <a:t>			Part Of Speech Tags</a:t>
+              <a:t>				Part Of Speech Tags</a:t>
             </a:r>
             <a:endParaRPr lang="en-US" sz="3600" b="1" dirty="0"/>
           </a:p>
@@ -6716,7 +6933,7 @@
     </p:spTree>
     <p:extLst>
       <p:ext uri="{BB962C8B-B14F-4D97-AF65-F5344CB8AC3E}">
-        <p14:creationId xmlns:p14="http://schemas.microsoft.com/office/powerpoint/2010/main" xmlns="" val="3476184339"/>
+        <p14:creationId xmlns:p14="http://schemas.microsoft.com/office/powerpoint/2010/main" val="3476184339"/>
       </p:ext>
     </p:extLst>
   </p:cSld>
@@ -6790,11 +7007,7 @@
           <a:p>
             <a:r>
               <a:rPr lang="en-US" dirty="0" smtClean="0"/>
-              <a:t>A.K.A </a:t>
-            </a:r>
-            <a:r>
-              <a:rPr lang="en-US" dirty="0" smtClean="0"/>
-              <a:t>Logistic regression (</a:t>
+              <a:t>A.K.A Logistic regression (</a:t>
             </a:r>
             <a:r>
               <a:rPr lang="en-US" dirty="0" err="1" smtClean="0"/>
@@ -6846,11 +7059,10 @@
           <a:bodyPr/>
           <a:lstStyle/>
           <a:p>
-            <a:fld id="{67982E54-CFC6-46DC-BEF3-B3681CD4B600}" type="datetime3">
+            <a:r>
               <a:rPr lang="en-US" smtClean="0"/>
-              <a:pPr/>
-              <a:t>3 November 2014</a:t>
-            </a:fld>
+              <a:t>Fall 2014, NUS</a:t>
+            </a:r>
             <a:endParaRPr lang="en-US" dirty="0"/>
           </a:p>
         </p:txBody>
@@ -6914,7 +7126,7 @@
           <a:blip r:embed="rId2" cstate="print">
             <a:extLst>
               <a:ext uri="{28A0092B-C50C-407E-A947-70E740481C1C}">
-                <a14:useLocalDpi xmlns:a14="http://schemas.microsoft.com/office/drawing/2010/main" xmlns="" val="0"/>
+                <a14:useLocalDpi xmlns:a14="http://schemas.microsoft.com/office/drawing/2010/main" val="0"/>
               </a:ext>
             </a:extLst>
           </a:blip>
@@ -7108,7 +7320,7 @@
     </p:spTree>
     <p:extLst>
       <p:ext uri="{BB962C8B-B14F-4D97-AF65-F5344CB8AC3E}">
-        <p14:creationId xmlns:p14="http://schemas.microsoft.com/office/powerpoint/2010/main" xmlns="" val="3591305986"/>
+        <p14:creationId xmlns:p14="http://schemas.microsoft.com/office/powerpoint/2010/main" val="3591305986"/>
       </p:ext>
     </p:extLst>
   </p:cSld>
@@ -7154,7 +7366,7 @@
           <a:blip r:embed="rId2" cstate="print">
             <a:extLst>
               <a:ext uri="{28A0092B-C50C-407E-A947-70E740481C1C}">
-                <a14:useLocalDpi xmlns:a14="http://schemas.microsoft.com/office/drawing/2010/main" xmlns="" val="0"/>
+                <a14:useLocalDpi xmlns:a14="http://schemas.microsoft.com/office/drawing/2010/main" val="0"/>
               </a:ext>
             </a:extLst>
           </a:blip>
@@ -7187,11 +7399,10 @@
           <a:bodyPr/>
           <a:lstStyle/>
           <a:p>
-            <a:fld id="{67982E54-CFC6-46DC-BEF3-B3681CD4B600}" type="datetime3">
+            <a:r>
               <a:rPr lang="en-US" smtClean="0"/>
-              <a:pPr/>
-              <a:t>3 November 2014</a:t>
-            </a:fld>
+              <a:t>Fall 2014, NUS</a:t>
+            </a:r>
             <a:endParaRPr lang="en-US"/>
           </a:p>
         </p:txBody>
@@ -7246,7 +7457,7 @@
     </p:spTree>
     <p:extLst>
       <p:ext uri="{BB962C8B-B14F-4D97-AF65-F5344CB8AC3E}">
-        <p14:creationId xmlns:p14="http://schemas.microsoft.com/office/powerpoint/2010/main" xmlns="" val="1068909359"/>
+        <p14:creationId xmlns:p14="http://schemas.microsoft.com/office/powerpoint/2010/main" val="1068909359"/>
       </p:ext>
     </p:extLst>
   </p:cSld>
@@ -7318,11 +7529,10 @@
           <a:bodyPr/>
           <a:lstStyle/>
           <a:p>
-            <a:fld id="{67982E54-CFC6-46DC-BEF3-B3681CD4B600}" type="datetime3">
+            <a:r>
               <a:rPr lang="en-US" smtClean="0"/>
-              <a:pPr/>
-              <a:t>3 November 2014</a:t>
-            </a:fld>
+              <a:t>Fall 2014, NUS</a:t>
+            </a:r>
             <a:endParaRPr lang="en-US"/>
           </a:p>
         </p:txBody>
@@ -7770,7 +7980,7 @@
     </p:spTree>
     <p:extLst>
       <p:ext uri="{BB962C8B-B14F-4D97-AF65-F5344CB8AC3E}">
-        <p14:creationId xmlns:p14="http://schemas.microsoft.com/office/powerpoint/2010/main" xmlns="" val="3489886174"/>
+        <p14:creationId xmlns:p14="http://schemas.microsoft.com/office/powerpoint/2010/main" val="3489886174"/>
       </p:ext>
     </p:extLst>
   </p:cSld>
@@ -8058,12 +8268,11 @@
           <a:bodyPr/>
           <a:lstStyle/>
           <a:p>
-            <a:fld id="{52EA87DE-C1F2-4EE8-8C8A-52BA35B8EB91}" type="datetime3">
+            <a:r>
               <a:rPr lang="en-US" smtClean="0"/>
-              <a:pPr/>
-              <a:t>3 November 2014</a:t>
-            </a:fld>
-            <a:endParaRPr lang="en-US"/>
+              <a:t>Fall 2014, NUS</a:t>
+            </a:r>
+            <a:endParaRPr lang="en-US" dirty="0"/>
           </a:p>
         </p:txBody>
       </p:sp>
@@ -8077,7 +8286,12 @@
             <p:ph type="ftr" sz="quarter" idx="11"/>
           </p:nvPr>
         </p:nvSpPr>
-        <p:spPr/>
+        <p:spPr>
+          <a:xfrm>
+            <a:off x="3124200" y="6356350"/>
+            <a:ext cx="3505200" cy="365125"/>
+          </a:xfrm>
+        </p:spPr>
         <p:txBody>
           <a:bodyPr/>
           <a:lstStyle/>
@@ -8110,7 +8324,7 @@
               <a:pPr/>
               <a:t>2</a:t>
             </a:fld>
-            <a:endParaRPr lang="en-US"/>
+            <a:endParaRPr lang="en-US" dirty="0"/>
           </a:p>
         </p:txBody>
       </p:sp>
@@ -8126,7 +8340,7 @@
           <a:blip r:embed="rId2" cstate="print">
             <a:extLst>
               <a:ext uri="{28A0092B-C50C-407E-A947-70E740481C1C}">
-                <a14:useLocalDpi xmlns:a14="http://schemas.microsoft.com/office/drawing/2010/main" xmlns="" val="0"/>
+                <a14:useLocalDpi xmlns:a14="http://schemas.microsoft.com/office/drawing/2010/main" val="0"/>
               </a:ext>
             </a:extLst>
           </a:blip>
@@ -8148,15 +8362,15 @@
             <a:noFill/>
           </a:ln>
           <a:extLst>
-            <a:ext uri="{909E8E84-426E-40dd-AFC4-6F175D3DCCD1}">
-              <a14:hiddenFill xmlns:a14="http://schemas.microsoft.com/office/drawing/2010/main" xmlns="">
+            <a:ext uri="{909E8E84-426E-40DD-AFC4-6F175D3DCCD1}">
+              <a14:hiddenFill xmlns:a14="http://schemas.microsoft.com/office/drawing/2010/main">
                 <a:solidFill>
                   <a:schemeClr val="accent1"/>
                 </a:solidFill>
               </a14:hiddenFill>
             </a:ext>
-            <a:ext uri="{91240B29-F687-4f45-9708-019B960494DF}">
-              <a14:hiddenLine xmlns:a14="http://schemas.microsoft.com/office/drawing/2010/main" xmlns="" w="9525">
+            <a:ext uri="{91240B29-F687-4F45-9708-019B960494DF}">
+              <a14:hiddenLine xmlns:a14="http://schemas.microsoft.com/office/drawing/2010/main" w="9525">
                 <a:solidFill>
                   <a:schemeClr val="tx1"/>
                 </a:solidFill>
@@ -8180,7 +8394,7 @@
           <a:blip r:embed="rId3" cstate="print">
             <a:extLst>
               <a:ext uri="{28A0092B-C50C-407E-A947-70E740481C1C}">
-                <a14:useLocalDpi xmlns:a14="http://schemas.microsoft.com/office/drawing/2010/main" xmlns="" val="0"/>
+                <a14:useLocalDpi xmlns:a14="http://schemas.microsoft.com/office/drawing/2010/main" val="0"/>
               </a:ext>
             </a:extLst>
           </a:blip>
@@ -8202,15 +8416,15 @@
             <a:noFill/>
           </a:ln>
           <a:extLst>
-            <a:ext uri="{909E8E84-426E-40dd-AFC4-6F175D3DCCD1}">
-              <a14:hiddenFill xmlns:a14="http://schemas.microsoft.com/office/drawing/2010/main" xmlns="">
+            <a:ext uri="{909E8E84-426E-40DD-AFC4-6F175D3DCCD1}">
+              <a14:hiddenFill xmlns:a14="http://schemas.microsoft.com/office/drawing/2010/main">
                 <a:solidFill>
                   <a:schemeClr val="accent1"/>
                 </a:solidFill>
               </a14:hiddenFill>
             </a:ext>
-            <a:ext uri="{91240B29-F687-4f45-9708-019B960494DF}">
-              <a14:hiddenLine xmlns:a14="http://schemas.microsoft.com/office/drawing/2010/main" xmlns="" w="9525">
+            <a:ext uri="{91240B29-F687-4F45-9708-019B960494DF}">
+              <a14:hiddenLine xmlns:a14="http://schemas.microsoft.com/office/drawing/2010/main" w="9525">
                 <a:solidFill>
                   <a:schemeClr val="tx1"/>
                 </a:solidFill>
@@ -8234,7 +8448,7 @@
           <a:blip r:embed="rId4" cstate="print">
             <a:extLst>
               <a:ext uri="{28A0092B-C50C-407E-A947-70E740481C1C}">
-                <a14:useLocalDpi xmlns:a14="http://schemas.microsoft.com/office/drawing/2010/main" xmlns="" val="0"/>
+                <a14:useLocalDpi xmlns:a14="http://schemas.microsoft.com/office/drawing/2010/main" val="0"/>
               </a:ext>
             </a:extLst>
           </a:blip>
@@ -8256,15 +8470,15 @@
             <a:noFill/>
           </a:ln>
           <a:extLst>
-            <a:ext uri="{909E8E84-426E-40dd-AFC4-6F175D3DCCD1}">
-              <a14:hiddenFill xmlns:a14="http://schemas.microsoft.com/office/drawing/2010/main" xmlns="">
+            <a:ext uri="{909E8E84-426E-40DD-AFC4-6F175D3DCCD1}">
+              <a14:hiddenFill xmlns:a14="http://schemas.microsoft.com/office/drawing/2010/main">
                 <a:solidFill>
                   <a:schemeClr val="accent1"/>
                 </a:solidFill>
               </a14:hiddenFill>
             </a:ext>
-            <a:ext uri="{91240B29-F687-4f45-9708-019B960494DF}">
-              <a14:hiddenLine xmlns:a14="http://schemas.microsoft.com/office/drawing/2010/main" xmlns="" w="9525">
+            <a:ext uri="{91240B29-F687-4F45-9708-019B960494DF}">
+              <a14:hiddenLine xmlns:a14="http://schemas.microsoft.com/office/drawing/2010/main" w="9525">
                 <a:solidFill>
                   <a:schemeClr val="tx1"/>
                 </a:solidFill>
@@ -8288,7 +8502,7 @@
           <a:blip r:embed="rId5" cstate="print">
             <a:extLst>
               <a:ext uri="{28A0092B-C50C-407E-A947-70E740481C1C}">
-                <a14:useLocalDpi xmlns:a14="http://schemas.microsoft.com/office/drawing/2010/main" xmlns="" val="0"/>
+                <a14:useLocalDpi xmlns:a14="http://schemas.microsoft.com/office/drawing/2010/main" val="0"/>
               </a:ext>
             </a:extLst>
           </a:blip>
@@ -8310,15 +8524,15 @@
             <a:noFill/>
           </a:ln>
           <a:extLst>
-            <a:ext uri="{909E8E84-426E-40dd-AFC4-6F175D3DCCD1}">
-              <a14:hiddenFill xmlns:a14="http://schemas.microsoft.com/office/drawing/2010/main" xmlns="">
+            <a:ext uri="{909E8E84-426E-40DD-AFC4-6F175D3DCCD1}">
+              <a14:hiddenFill xmlns:a14="http://schemas.microsoft.com/office/drawing/2010/main">
                 <a:solidFill>
                   <a:schemeClr val="accent1"/>
                 </a:solidFill>
               </a14:hiddenFill>
             </a:ext>
-            <a:ext uri="{91240B29-F687-4f45-9708-019B960494DF}">
-              <a14:hiddenLine xmlns:a14="http://schemas.microsoft.com/office/drawing/2010/main" xmlns="" w="9525">
+            <a:ext uri="{91240B29-F687-4F45-9708-019B960494DF}">
+              <a14:hiddenLine xmlns:a14="http://schemas.microsoft.com/office/drawing/2010/main" w="9525">
                 <a:solidFill>
                   <a:schemeClr val="tx1"/>
                 </a:solidFill>
@@ -8342,7 +8556,7 @@
           <a:blip r:embed="rId6" cstate="print">
             <a:extLst>
               <a:ext uri="{28A0092B-C50C-407E-A947-70E740481C1C}">
-                <a14:useLocalDpi xmlns:a14="http://schemas.microsoft.com/office/drawing/2010/main" xmlns="" val="0"/>
+                <a14:useLocalDpi xmlns:a14="http://schemas.microsoft.com/office/drawing/2010/main" val="0"/>
               </a:ext>
             </a:extLst>
           </a:blip>
@@ -8364,15 +8578,15 @@
             <a:noFill/>
           </a:ln>
           <a:extLst>
-            <a:ext uri="{909E8E84-426E-40dd-AFC4-6F175D3DCCD1}">
-              <a14:hiddenFill xmlns:a14="http://schemas.microsoft.com/office/drawing/2010/main" xmlns="">
+            <a:ext uri="{909E8E84-426E-40DD-AFC4-6F175D3DCCD1}">
+              <a14:hiddenFill xmlns:a14="http://schemas.microsoft.com/office/drawing/2010/main">
                 <a:solidFill>
                   <a:schemeClr val="accent1"/>
                 </a:solidFill>
               </a14:hiddenFill>
             </a:ext>
-            <a:ext uri="{91240B29-F687-4f45-9708-019B960494DF}">
-              <a14:hiddenLine xmlns:a14="http://schemas.microsoft.com/office/drawing/2010/main" xmlns="" w="9525">
+            <a:ext uri="{91240B29-F687-4F45-9708-019B960494DF}">
+              <a14:hiddenLine xmlns:a14="http://schemas.microsoft.com/office/drawing/2010/main" w="9525">
                 <a:solidFill>
                   <a:schemeClr val="tx1"/>
                 </a:solidFill>
@@ -8384,10 +8598,48 @@
           </a:extLst>
         </p:spPr>
       </p:pic>
+      <p:sp>
+        <p:nvSpPr>
+          <p:cNvPr id="2" name="TextBox 1"/>
+          <p:cNvSpPr txBox="1"/>
+          <p:nvPr/>
+        </p:nvSpPr>
+        <p:spPr>
+          <a:xfrm>
+            <a:off x="26773" y="6164848"/>
+            <a:ext cx="4114800" cy="338554"/>
+          </a:xfrm>
+          <a:prstGeom prst="rect">
+            <a:avLst/>
+          </a:prstGeom>
+          <a:noFill/>
+        </p:spPr>
+        <p:txBody>
+          <a:bodyPr wrap="square" rtlCol="0">
+            <a:spAutoFit/>
+          </a:bodyPr>
+          <a:lstStyle/>
+          <a:p>
+            <a:r>
+              <a:rPr lang="en-US" sz="1600" dirty="0" smtClean="0">
+                <a:solidFill>
+                  <a:srgbClr val="00B0F0"/>
+                </a:solidFill>
+              </a:rPr>
+              <a:t>Image credits: Donorschoose.org website</a:t>
+            </a:r>
+            <a:endParaRPr lang="en-US" sz="1600" dirty="0">
+              <a:solidFill>
+                <a:srgbClr val="00B0F0"/>
+              </a:solidFill>
+            </a:endParaRPr>
+          </a:p>
+        </p:txBody>
+      </p:sp>
     </p:spTree>
     <p:extLst>
       <p:ext uri="{BB962C8B-B14F-4D97-AF65-F5344CB8AC3E}">
-        <p14:creationId xmlns:p14="http://schemas.microsoft.com/office/powerpoint/2010/main" xmlns="" val="4020910550"/>
+        <p14:creationId xmlns:p14="http://schemas.microsoft.com/office/powerpoint/2010/main" val="4020910550"/>
       </p:ext>
     </p:extLst>
   </p:cSld>
@@ -8757,6 +9009,33 @@
                                   </p:childTnLst>
                                 </p:cTn>
                               </p:par>
+                              <p:par>
+                                <p:cTn id="29" presetID="1" presetClass="entr" presetSubtype="0" fill="hold" grpId="0" nodeType="withEffect">
+                                  <p:stCondLst>
+                                    <p:cond delay="0"/>
+                                  </p:stCondLst>
+                                  <p:childTnLst>
+                                    <p:set>
+                                      <p:cBhvr>
+                                        <p:cTn id="30" dur="1" fill="hold">
+                                          <p:stCondLst>
+                                            <p:cond delay="0"/>
+                                          </p:stCondLst>
+                                        </p:cTn>
+                                        <p:tgtEl>
+                                          <p:spTgt spid="2"/>
+                                        </p:tgtEl>
+                                        <p:attrNameLst>
+                                          <p:attrName>style.visibility</p:attrName>
+                                        </p:attrNameLst>
+                                      </p:cBhvr>
+                                      <p:to>
+                                        <p:strVal val="visible"/>
+                                      </p:to>
+                                    </p:set>
+                                  </p:childTnLst>
+                                </p:cTn>
+                              </p:par>
                             </p:childTnLst>
                           </p:cTn>
                         </p:par>
@@ -8784,6 +9063,9 @@
         </p:cTn>
       </p:par>
     </p:tnLst>
+    <p:bldLst>
+      <p:bldP spid="2" grpId="0"/>
+    </p:bldLst>
   </p:timing>
 </p:sld>
 </file>
@@ -8974,11 +9256,10 @@
           <a:bodyPr/>
           <a:lstStyle/>
           <a:p>
-            <a:fld id="{28AC1232-105D-4AA5-B548-5832548E2317}" type="datetime3">
+            <a:r>
               <a:rPr lang="en-US" smtClean="0"/>
-              <a:pPr/>
-              <a:t>3 November 2014</a:t>
-            </a:fld>
+              <a:t>Fall 2014, NUS</a:t>
+            </a:r>
             <a:endParaRPr lang="en-US"/>
           </a:p>
         </p:txBody>
@@ -9033,7 +9314,7 @@
     </p:spTree>
     <p:extLst>
       <p:ext uri="{BB962C8B-B14F-4D97-AF65-F5344CB8AC3E}">
-        <p14:creationId xmlns:p14="http://schemas.microsoft.com/office/powerpoint/2010/main" xmlns="" val="3958692799"/>
+        <p14:creationId xmlns:p14="http://schemas.microsoft.com/office/powerpoint/2010/main" val="3958692799"/>
       </p:ext>
     </p:extLst>
   </p:cSld>
@@ -9108,14 +9389,14 @@
             <p:ph idx="1"/>
             <p:extLst>
               <p:ext uri="{D42A27DB-BD31-4B8C-83A1-F6EECF244321}">
-                <p14:modId xmlns:p14="http://schemas.microsoft.com/office/powerpoint/2010/main" xmlns="" val="227594793"/>
+                <p14:modId xmlns:p14="http://schemas.microsoft.com/office/powerpoint/2010/main" val="227594793"/>
               </p:ext>
             </p:extLst>
           </p:nvPr>
         </p:nvGraphicFramePr>
         <p:xfrm>
           <a:off x="457200" y="1752600"/>
-          <a:ext cx="8229600" cy="4131948"/>
+          <a:ext cx="8229600" cy="4267200"/>
         </p:xfrm>
         <a:graphic>
           <a:graphicData uri="http://schemas.openxmlformats.org/drawingml/2006/table">
@@ -9988,11 +10269,10 @@
           <a:bodyPr/>
           <a:lstStyle/>
           <a:p>
-            <a:fld id="{67982E54-CFC6-46DC-BEF3-B3681CD4B600}" type="datetime3">
+            <a:r>
               <a:rPr lang="en-US" smtClean="0"/>
-              <a:pPr/>
-              <a:t>3 November 2014</a:t>
-            </a:fld>
+              <a:t>Fall 2014, NUS</a:t>
+            </a:r>
             <a:endParaRPr lang="en-US"/>
           </a:p>
         </p:txBody>
@@ -10047,7 +10327,7 @@
     </p:spTree>
     <p:extLst>
       <p:ext uri="{BB962C8B-B14F-4D97-AF65-F5344CB8AC3E}">
-        <p14:creationId xmlns:p14="http://schemas.microsoft.com/office/powerpoint/2010/main" xmlns="" val="1951864690"/>
+        <p14:creationId xmlns:p14="http://schemas.microsoft.com/office/powerpoint/2010/main" val="1951864690"/>
       </p:ext>
     </p:extLst>
   </p:cSld>
@@ -10098,11 +10378,7 @@
           <a:p>
             <a:r>
               <a:rPr lang="en-US" dirty="0" smtClean="0"/>
-              <a:t>Late submission has low </a:t>
-            </a:r>
-            <a:r>
-              <a:rPr lang="en-US" dirty="0" smtClean="0"/>
-              <a:t>impact*</a:t>
+              <a:t>Late submission has low impact*</a:t>
             </a:r>
             <a:endParaRPr lang="en-US" dirty="0"/>
           </a:p>
@@ -10123,11 +10399,10 @@
           <a:bodyPr/>
           <a:lstStyle/>
           <a:p>
-            <a:fld id="{67982E54-CFC6-46DC-BEF3-B3681CD4B600}" type="datetime3">
+            <a:r>
               <a:rPr lang="en-US" smtClean="0"/>
-              <a:pPr/>
-              <a:t>3 November 2014</a:t>
-            </a:fld>
+              <a:t>Fall 2014, NUS</a:t>
+            </a:r>
             <a:endParaRPr lang="en-US"/>
           </a:p>
         </p:txBody>
@@ -10187,7 +10462,7 @@
         </p:nvCxnSpPr>
         <p:spPr>
           <a:xfrm flipV="1">
-            <a:off x="990600" y="3657600"/>
+            <a:off x="990600" y="4171890"/>
             <a:ext cx="7391400" cy="2309"/>
           </a:xfrm>
           <a:prstGeom prst="straightConnector1">
@@ -10220,7 +10495,7 @@
         </p:nvCxnSpPr>
         <p:spPr>
           <a:xfrm>
-            <a:off x="1600200" y="2590800"/>
+            <a:off x="1600200" y="3105090"/>
             <a:ext cx="0" cy="914400"/>
           </a:xfrm>
           <a:prstGeom prst="straightConnector1">
@@ -10253,7 +10528,7 @@
         </p:nvCxnSpPr>
         <p:spPr>
           <a:xfrm>
-            <a:off x="4114800" y="2590800"/>
+            <a:off x="4114800" y="3105090"/>
             <a:ext cx="0" cy="914400"/>
           </a:xfrm>
           <a:prstGeom prst="straightConnector1">
@@ -10286,7 +10561,7 @@
         </p:nvCxnSpPr>
         <p:spPr>
           <a:xfrm>
-            <a:off x="6553200" y="2590800"/>
+            <a:off x="6553200" y="3105090"/>
             <a:ext cx="0" cy="914400"/>
           </a:xfrm>
           <a:prstGeom prst="straightConnector1">
@@ -10319,7 +10594,7 @@
         </p:nvCxnSpPr>
         <p:spPr>
           <a:xfrm>
-            <a:off x="7620000" y="2590800"/>
+            <a:off x="7620000" y="3105090"/>
             <a:ext cx="0" cy="914400"/>
           </a:xfrm>
           <a:prstGeom prst="straightConnector1">
@@ -10352,7 +10627,7 @@
         </p:nvCxnSpPr>
         <p:spPr>
           <a:xfrm>
-            <a:off x="7772400" y="2590800"/>
+            <a:off x="7772400" y="3105090"/>
             <a:ext cx="0" cy="914400"/>
           </a:xfrm>
           <a:prstGeom prst="straightConnector1">
@@ -10385,7 +10660,7 @@
         </p:nvSpPr>
         <p:spPr>
           <a:xfrm>
-            <a:off x="1295400" y="2209800"/>
+            <a:off x="1295400" y="2724090"/>
             <a:ext cx="704039" cy="400110"/>
           </a:xfrm>
           <a:prstGeom prst="rect">
@@ -10415,7 +10690,7 @@
         </p:nvSpPr>
         <p:spPr>
           <a:xfrm>
-            <a:off x="3810000" y="2209800"/>
+            <a:off x="3810000" y="2724090"/>
             <a:ext cx="704039" cy="400110"/>
           </a:xfrm>
           <a:prstGeom prst="rect">
@@ -10445,7 +10720,7 @@
         </p:nvSpPr>
         <p:spPr>
           <a:xfrm>
-            <a:off x="6248400" y="2209800"/>
+            <a:off x="6248400" y="2724090"/>
             <a:ext cx="704039" cy="400110"/>
           </a:xfrm>
           <a:prstGeom prst="rect">
@@ -10475,7 +10750,7 @@
         </p:nvSpPr>
         <p:spPr>
           <a:xfrm>
-            <a:off x="7045520" y="2020669"/>
+            <a:off x="7045520" y="2534959"/>
             <a:ext cx="879280" cy="646331"/>
           </a:xfrm>
           <a:prstGeom prst="rect">
@@ -10491,21 +10766,13 @@
           <a:p>
             <a:r>
               <a:rPr lang="en-US" dirty="0" smtClean="0"/>
-              <a:t>12 </a:t>
-            </a:r>
+              <a:t>12 May</a:t>
+            </a:r>
+          </a:p>
+          <a:p>
             <a:r>
               <a:rPr lang="en-US" dirty="0" smtClean="0"/>
-              <a:t>May</a:t>
-            </a:r>
-          </a:p>
-          <a:p>
-            <a:r>
-              <a:rPr lang="en-US" dirty="0" smtClean="0"/>
-              <a:t> </a:t>
-            </a:r>
-            <a:r>
-              <a:rPr lang="en-US" dirty="0" smtClean="0"/>
-              <a:t>2014</a:t>
+              <a:t> 2014</a:t>
             </a:r>
             <a:endParaRPr lang="en-US" dirty="0"/>
           </a:p>
@@ -10519,7 +10786,7 @@
         </p:nvSpPr>
         <p:spPr>
           <a:xfrm>
-            <a:off x="7754622" y="2438400"/>
+            <a:off x="7754622" y="2952690"/>
             <a:ext cx="932178" cy="646331"/>
           </a:xfrm>
           <a:prstGeom prst="rect">
@@ -10556,7 +10823,7 @@
         </p:nvCxnSpPr>
         <p:spPr>
           <a:xfrm>
-            <a:off x="1524000" y="4038600"/>
+            <a:off x="1524000" y="4552890"/>
             <a:ext cx="5029200" cy="0"/>
           </a:xfrm>
           <a:prstGeom prst="straightConnector1">
@@ -10593,7 +10860,7 @@
         </p:nvCxnSpPr>
         <p:spPr>
           <a:xfrm>
-            <a:off x="7543800" y="4038600"/>
+            <a:off x="7543800" y="4343400"/>
             <a:ext cx="304800" cy="0"/>
           </a:xfrm>
           <a:prstGeom prst="straightConnector1">
@@ -10650,15 +10917,7 @@
                   <a:srgbClr val="0070C0"/>
                 </a:solidFill>
               </a:rPr>
-              <a:t>*Based </a:t>
-            </a:r>
-            <a:r>
-              <a:rPr lang="en-US" sz="2400" dirty="0" smtClean="0">
-                <a:solidFill>
-                  <a:srgbClr val="0070C0"/>
-                </a:solidFill>
-              </a:rPr>
-              <a:t>on clue from Kaggle forum</a:t>
+              <a:t>*Based on clue from Kaggle forum</a:t>
             </a:r>
             <a:endParaRPr lang="en-US" sz="2400" dirty="0">
               <a:solidFill>
@@ -10676,8 +10935,8 @@
         </p:nvCxnSpPr>
         <p:spPr>
           <a:xfrm>
-            <a:off x="6553200" y="4038600"/>
-            <a:ext cx="1066800" cy="0"/>
+            <a:off x="6553200" y="4552890"/>
+            <a:ext cx="1295400" cy="0"/>
           </a:xfrm>
           <a:prstGeom prst="straightConnector1">
             <a:avLst/>
@@ -10713,7 +10972,7 @@
         </p:nvSpPr>
         <p:spPr>
           <a:xfrm>
-            <a:off x="2895600" y="4114800"/>
+            <a:off x="2895600" y="4629090"/>
             <a:ext cx="1676400" cy="400110"/>
           </a:xfrm>
           <a:prstGeom prst="rect">
@@ -10743,8 +11002,8 @@
         </p:nvSpPr>
         <p:spPr>
           <a:xfrm>
-            <a:off x="6324600" y="4114800"/>
-            <a:ext cx="1981200" cy="369332"/>
+            <a:off x="6629400" y="4690646"/>
+            <a:ext cx="1219200" cy="338554"/>
           </a:xfrm>
           <a:prstGeom prst="rect">
             <a:avLst/>
@@ -10759,17 +11018,91 @@
           <a:p>
             <a:pPr algn="ctr"/>
             <a:r>
-              <a:rPr lang="en-US" b="1" dirty="0" smtClean="0"/>
+              <a:rPr lang="en-US" sz="1600" b="1" dirty="0" smtClean="0"/>
               <a:t>Test Data </a:t>
             </a:r>
-            <a:endParaRPr lang="en-US" b="1" dirty="0"/>
+            <a:endParaRPr lang="en-US" sz="1600" b="1" dirty="0"/>
+          </a:p>
+        </p:txBody>
+      </p:sp>
+      <p:sp>
+        <p:nvSpPr>
+          <p:cNvPr id="3" name="Right Brace 2"/>
+          <p:cNvSpPr/>
+          <p:nvPr/>
+        </p:nvSpPr>
+        <p:spPr>
+          <a:xfrm rot="5400000">
+            <a:off x="7195790" y="4843809"/>
+            <a:ext cx="1009710" cy="161292"/>
+          </a:xfrm>
+          <a:prstGeom prst="rightBrace">
+            <a:avLst/>
+          </a:prstGeom>
+          <a:noFill/>
+          <a:ln w="25400">
+            <a:solidFill>
+              <a:srgbClr val="C00000"/>
+            </a:solidFill>
+          </a:ln>
+        </p:spPr>
+        <p:style>
+          <a:lnRef idx="1">
+            <a:schemeClr val="accent1"/>
+          </a:lnRef>
+          <a:fillRef idx="0">
+            <a:schemeClr val="accent1"/>
+          </a:fillRef>
+          <a:effectRef idx="0">
+            <a:schemeClr val="accent1"/>
+          </a:effectRef>
+          <a:fontRef idx="minor">
+            <a:schemeClr val="tx1"/>
+          </a:fontRef>
+        </p:style>
+        <p:txBody>
+          <a:bodyPr rtlCol="0" anchor="ctr"/>
+          <a:lstStyle/>
+          <a:p>
+            <a:pPr algn="ctr"/>
+            <a:endParaRPr lang="en-US"/>
+          </a:p>
+        </p:txBody>
+      </p:sp>
+      <p:sp>
+        <p:nvSpPr>
+          <p:cNvPr id="7" name="TextBox 6"/>
+          <p:cNvSpPr txBox="1"/>
+          <p:nvPr/>
+        </p:nvSpPr>
+        <p:spPr>
+          <a:xfrm>
+            <a:off x="7485160" y="5429310"/>
+            <a:ext cx="1125440" cy="369332"/>
+          </a:xfrm>
+          <a:prstGeom prst="rect">
+            <a:avLst/>
+          </a:prstGeom>
+          <a:noFill/>
+        </p:spPr>
+        <p:txBody>
+          <a:bodyPr wrap="square" rtlCol="0">
+            <a:spAutoFit/>
+          </a:bodyPr>
+          <a:lstStyle/>
+          <a:p>
+            <a:r>
+              <a:rPr lang="en-US" dirty="0" smtClean="0"/>
+              <a:t>Too late!</a:t>
+            </a:r>
+            <a:endParaRPr lang="en-US" dirty="0"/>
           </a:p>
         </p:txBody>
       </p:sp>
     </p:spTree>
     <p:extLst>
       <p:ext uri="{BB962C8B-B14F-4D97-AF65-F5344CB8AC3E}">
-        <p14:creationId xmlns:p14="http://schemas.microsoft.com/office/powerpoint/2010/main" xmlns="" val="4019537156"/>
+        <p14:creationId xmlns:p14="http://schemas.microsoft.com/office/powerpoint/2010/main" val="4019537156"/>
       </p:ext>
     </p:extLst>
   </p:cSld>
@@ -11346,6 +11679,78 @@
                       </p:childTnLst>
                     </p:cTn>
                   </p:par>
+                  <p:par>
+                    <p:cTn id="51" fill="hold">
+                      <p:stCondLst>
+                        <p:cond delay="indefinite"/>
+                      </p:stCondLst>
+                      <p:childTnLst>
+                        <p:par>
+                          <p:cTn id="52" fill="hold">
+                            <p:stCondLst>
+                              <p:cond delay="0"/>
+                            </p:stCondLst>
+                            <p:childTnLst>
+                              <p:par>
+                                <p:cTn id="53" presetID="1" presetClass="entr" presetSubtype="0" fill="hold" grpId="0" nodeType="clickEffect">
+                                  <p:stCondLst>
+                                    <p:cond delay="0"/>
+                                  </p:stCondLst>
+                                  <p:childTnLst>
+                                    <p:set>
+                                      <p:cBhvr>
+                                        <p:cTn id="54" dur="1" fill="hold">
+                                          <p:stCondLst>
+                                            <p:cond delay="0"/>
+                                          </p:stCondLst>
+                                        </p:cTn>
+                                        <p:tgtEl>
+                                          <p:spTgt spid="3"/>
+                                        </p:tgtEl>
+                                        <p:attrNameLst>
+                                          <p:attrName>style.visibility</p:attrName>
+                                        </p:attrNameLst>
+                                      </p:cBhvr>
+                                      <p:to>
+                                        <p:strVal val="visible"/>
+                                      </p:to>
+                                    </p:set>
+                                  </p:childTnLst>
+                                </p:cTn>
+                              </p:par>
+                              <p:par>
+                                <p:cTn id="55" presetID="1" presetClass="entr" presetSubtype="0" fill="hold" grpId="0" nodeType="withEffect">
+                                  <p:stCondLst>
+                                    <p:cond delay="0"/>
+                                  </p:stCondLst>
+                                  <p:childTnLst>
+                                    <p:set>
+                                      <p:cBhvr>
+                                        <p:cTn id="56" dur="1" fill="hold">
+                                          <p:stCondLst>
+                                            <p:cond delay="0"/>
+                                          </p:stCondLst>
+                                        </p:cTn>
+                                        <p:tgtEl>
+                                          <p:spTgt spid="7"/>
+                                        </p:tgtEl>
+                                        <p:attrNameLst>
+                                          <p:attrName>style.visibility</p:attrName>
+                                        </p:attrNameLst>
+                                      </p:cBhvr>
+                                      <p:to>
+                                        <p:strVal val="visible"/>
+                                      </p:to>
+                                    </p:set>
+                                  </p:childTnLst>
+                                </p:cTn>
+                              </p:par>
+                            </p:childTnLst>
+                          </p:cTn>
+                        </p:par>
+                      </p:childTnLst>
+                    </p:cTn>
+                  </p:par>
                 </p:childTnLst>
               </p:cTn>
               <p:prevCondLst>
@@ -11375,6 +11780,8 @@
       <p:bldP spid="20" grpId="0"/>
       <p:bldP spid="34" grpId="0"/>
       <p:bldP spid="35" grpId="0"/>
+      <p:bldP spid="3" grpId="0" animBg="1"/>
+      <p:bldP spid="7" grpId="0"/>
     </p:bldLst>
   </p:timing>
 </p:sld>
@@ -11417,19 +11824,11 @@
             <a:pPr algn="l"/>
             <a:r>
               <a:rPr lang="en-US" dirty="0" smtClean="0"/>
-              <a:t>Late submission has low </a:t>
-            </a:r>
-            <a:r>
-              <a:rPr lang="en-US" dirty="0" smtClean="0"/>
-              <a:t>impact : </a:t>
+              <a:t>Late submission has low impact : </a:t>
             </a:r>
             <a:r>
               <a:rPr lang="en-US" sz="4000" dirty="0" smtClean="0"/>
-              <a:t>Discount </a:t>
-            </a:r>
-            <a:r>
-              <a:rPr lang="en-US" sz="4000" dirty="0" smtClean="0"/>
-              <a:t>Function</a:t>
+              <a:t>Discount Function</a:t>
             </a:r>
             <a:endParaRPr lang="en-US" dirty="0"/>
           </a:p>
@@ -11449,7 +11848,7 @@
           <a:blip r:embed="rId2" cstate="print">
             <a:extLst>
               <a:ext uri="{28A0092B-C50C-407E-A947-70E740481C1C}">
-                <a14:useLocalDpi xmlns:a14="http://schemas.microsoft.com/office/drawing/2010/main" xmlns="" val="0"/>
+                <a14:useLocalDpi xmlns:a14="http://schemas.microsoft.com/office/drawing/2010/main" val="0"/>
               </a:ext>
             </a:extLst>
           </a:blip>
@@ -11458,7 +11857,12 @@
             <a:fillRect/>
           </a:stretch>
         </p:blipFill>
-        <p:spPr/>
+        <p:spPr>
+          <a:xfrm>
+            <a:off x="457200" y="1447800"/>
+            <a:ext cx="8229600" cy="4525963"/>
+          </a:xfrm>
+        </p:spPr>
       </p:pic>
       <p:sp>
         <p:nvSpPr>
@@ -11475,11 +11879,10 @@
           <a:bodyPr/>
           <a:lstStyle/>
           <a:p>
-            <a:fld id="{67982E54-CFC6-46DC-BEF3-B3681CD4B600}" type="datetime3">
+            <a:r>
               <a:rPr lang="en-US" smtClean="0"/>
-              <a:pPr/>
-              <a:t>3 November 2014</a:t>
-            </a:fld>
+              <a:t>Fall 2014, NUS</a:t>
+            </a:r>
             <a:endParaRPr lang="en-US"/>
           </a:p>
         </p:txBody>
@@ -11534,7 +11937,7 @@
     </p:spTree>
     <p:extLst>
       <p:ext uri="{BB962C8B-B14F-4D97-AF65-F5344CB8AC3E}">
-        <p14:creationId xmlns:p14="http://schemas.microsoft.com/office/powerpoint/2010/main" xmlns="" val="2548220371"/>
+        <p14:creationId xmlns:p14="http://schemas.microsoft.com/office/powerpoint/2010/main" val="2548220371"/>
       </p:ext>
     </p:extLst>
   </p:cSld>
@@ -11585,11 +11988,7 @@
           <a:p>
             <a:r>
               <a:rPr lang="en-US" dirty="0" smtClean="0"/>
-              <a:t>Late submission has low </a:t>
-            </a:r>
-            <a:r>
-              <a:rPr lang="en-US" dirty="0" smtClean="0"/>
-              <a:t>impact*</a:t>
+              <a:t>Late submission has low impact*</a:t>
             </a:r>
             <a:endParaRPr lang="en-US" dirty="0"/>
           </a:p>
@@ -11610,11 +12009,10 @@
           <a:bodyPr/>
           <a:lstStyle/>
           <a:p>
-            <a:fld id="{67982E54-CFC6-46DC-BEF3-B3681CD4B600}" type="datetime3">
+            <a:r>
               <a:rPr lang="en-US" smtClean="0"/>
-              <a:pPr/>
-              <a:t>3 November 2014</a:t>
-            </a:fld>
+              <a:t>Fall 2014, NUS</a:t>
+            </a:r>
             <a:endParaRPr lang="en-US"/>
           </a:p>
         </p:txBody>
@@ -11806,7 +12204,7 @@
         </p:nvCxnSpPr>
         <p:spPr>
           <a:xfrm>
-            <a:off x="7391400" y="2590800"/>
+            <a:off x="7578920" y="2590800"/>
             <a:ext cx="0" cy="914400"/>
           </a:xfrm>
           <a:prstGeom prst="straightConnector1">
@@ -11962,7 +12360,7 @@
         </p:nvSpPr>
         <p:spPr>
           <a:xfrm>
-            <a:off x="6934200" y="1905000"/>
+            <a:off x="7121720" y="1905000"/>
             <a:ext cx="879280" cy="646331"/>
           </a:xfrm>
           <a:prstGeom prst="rect">
@@ -11978,21 +12376,13 @@
           <a:p>
             <a:r>
               <a:rPr lang="en-US" dirty="0" smtClean="0"/>
-              <a:t>12 </a:t>
-            </a:r>
+              <a:t>12 May</a:t>
+            </a:r>
+          </a:p>
+          <a:p>
             <a:r>
               <a:rPr lang="en-US" dirty="0" smtClean="0"/>
-              <a:t>May</a:t>
-            </a:r>
-          </a:p>
-          <a:p>
-            <a:r>
-              <a:rPr lang="en-US" dirty="0" smtClean="0"/>
-              <a:t> </a:t>
-            </a:r>
-            <a:r>
-              <a:rPr lang="en-US" dirty="0" smtClean="0"/>
-              <a:t>2014</a:t>
+              <a:t> 2014</a:t>
             </a:r>
             <a:endParaRPr lang="en-US" dirty="0"/>
           </a:p>
@@ -12043,7 +12433,7 @@
         </p:nvCxnSpPr>
         <p:spPr>
           <a:xfrm>
-            <a:off x="1524000" y="4038600"/>
+            <a:off x="1524000" y="3962400"/>
             <a:ext cx="5029200" cy="0"/>
           </a:xfrm>
           <a:prstGeom prst="straightConnector1">
@@ -12080,8 +12470,8 @@
         </p:nvCxnSpPr>
         <p:spPr>
           <a:xfrm>
-            <a:off x="7391400" y="4038600"/>
-            <a:ext cx="457200" cy="0"/>
+            <a:off x="7543800" y="3810000"/>
+            <a:ext cx="304800" cy="0"/>
           </a:xfrm>
           <a:prstGeom prst="straightConnector1">
             <a:avLst/>
@@ -12137,15 +12527,7 @@
                   <a:srgbClr val="0070C0"/>
                 </a:solidFill>
               </a:rPr>
-              <a:t>*Based </a:t>
-            </a:r>
-            <a:r>
-              <a:rPr lang="en-US" sz="2400" dirty="0" smtClean="0">
-                <a:solidFill>
-                  <a:srgbClr val="0070C0"/>
-                </a:solidFill>
-              </a:rPr>
-              <a:t>on clue from Kaggle forum</a:t>
+              <a:t>*Based on clue from Kaggle forum</a:t>
             </a:r>
             <a:endParaRPr lang="en-US" sz="2400" dirty="0">
               <a:solidFill>
@@ -12163,8 +12545,8 @@
         </p:nvCxnSpPr>
         <p:spPr>
           <a:xfrm>
-            <a:off x="6553200" y="4038600"/>
-            <a:ext cx="838200" cy="0"/>
+            <a:off x="6553200" y="3962400"/>
+            <a:ext cx="1371600" cy="0"/>
           </a:xfrm>
           <a:prstGeom prst="straightConnector1">
             <a:avLst/>
@@ -12200,7 +12582,7 @@
         </p:nvSpPr>
         <p:spPr>
           <a:xfrm>
-            <a:off x="1676400" y="4267200"/>
+            <a:off x="1676400" y="4191000"/>
             <a:ext cx="3886200" cy="369332"/>
           </a:xfrm>
           <a:prstGeom prst="rect">
@@ -12230,7 +12612,7 @@
         </p:nvSpPr>
         <p:spPr>
           <a:xfrm>
-            <a:off x="6553200" y="4191000"/>
+            <a:off x="6553200" y="4114800"/>
             <a:ext cx="1981200" cy="1219200"/>
           </a:xfrm>
           <a:prstGeom prst="rect">
@@ -12255,7 +12637,7 @@
     </p:spTree>
     <p:extLst>
       <p:ext uri="{BB962C8B-B14F-4D97-AF65-F5344CB8AC3E}">
-        <p14:creationId xmlns:p14="http://schemas.microsoft.com/office/powerpoint/2010/main" xmlns="" val="4019537156"/>
+        <p14:creationId xmlns:p14="http://schemas.microsoft.com/office/powerpoint/2010/main" val="4019537156"/>
       </p:ext>
     </p:extLst>
   </p:cSld>
@@ -12421,14 +12803,14 @@
             <p:ph idx="1"/>
             <p:extLst>
               <p:ext uri="{D42A27DB-BD31-4B8C-83A1-F6EECF244321}">
-                <p14:modId xmlns:p14="http://schemas.microsoft.com/office/powerpoint/2010/main" xmlns="" val="3643233867"/>
+                <p14:modId xmlns:p14="http://schemas.microsoft.com/office/powerpoint/2010/main" val="3643233867"/>
               </p:ext>
             </p:extLst>
           </p:nvPr>
         </p:nvGraphicFramePr>
         <p:xfrm>
           <a:off x="457200" y="2042161"/>
-          <a:ext cx="8229600" cy="3721419"/>
+          <a:ext cx="8229600" cy="3816096"/>
         </p:xfrm>
         <a:graphic>
           <a:graphicData uri="http://schemas.openxmlformats.org/drawingml/2006/table">
@@ -12845,11 +13227,10 @@
           <a:bodyPr/>
           <a:lstStyle/>
           <a:p>
-            <a:fld id="{67982E54-CFC6-46DC-BEF3-B3681CD4B600}" type="datetime3">
+            <a:r>
               <a:rPr lang="en-US" smtClean="0"/>
-              <a:pPr/>
-              <a:t>3 November 2014</a:t>
-            </a:fld>
+              <a:t>Fall 2014, NUS</a:t>
+            </a:r>
             <a:endParaRPr lang="en-US"/>
           </a:p>
         </p:txBody>
@@ -12904,7 +13285,7 @@
     </p:spTree>
     <p:extLst>
       <p:ext uri="{BB962C8B-B14F-4D97-AF65-F5344CB8AC3E}">
-        <p14:creationId xmlns:p14="http://schemas.microsoft.com/office/powerpoint/2010/main" xmlns="" val="1416712265"/>
+        <p14:creationId xmlns:p14="http://schemas.microsoft.com/office/powerpoint/2010/main" val="1416712265"/>
       </p:ext>
     </p:extLst>
   </p:cSld>
@@ -12979,7 +13360,7 @@
             <p:ph idx="1"/>
             <p:extLst>
               <p:ext uri="{D42A27DB-BD31-4B8C-83A1-F6EECF244321}">
-                <p14:modId xmlns:p14="http://schemas.microsoft.com/office/powerpoint/2010/main" xmlns="" val="227594793"/>
+                <p14:modId xmlns:p14="http://schemas.microsoft.com/office/powerpoint/2010/main" val="227594793"/>
               </p:ext>
             </p:extLst>
           </p:nvPr>
@@ -13809,11 +14190,10 @@
           <a:bodyPr/>
           <a:lstStyle/>
           <a:p>
-            <a:fld id="{67982E54-CFC6-46DC-BEF3-B3681CD4B600}" type="datetime3">
+            <a:r>
               <a:rPr lang="en-US" smtClean="0"/>
-              <a:pPr/>
-              <a:t>3 November 2014</a:t>
-            </a:fld>
+              <a:t>Fall 2014, NUS</a:t>
+            </a:r>
             <a:endParaRPr lang="en-US"/>
           </a:p>
         </p:txBody>
@@ -13960,7 +14340,7 @@
     </p:spTree>
     <p:extLst>
       <p:ext uri="{BB962C8B-B14F-4D97-AF65-F5344CB8AC3E}">
-        <p14:creationId xmlns:p14="http://schemas.microsoft.com/office/powerpoint/2010/main" xmlns="" val="1951864690"/>
+        <p14:creationId xmlns:p14="http://schemas.microsoft.com/office/powerpoint/2010/main" val="1951864690"/>
       </p:ext>
     </p:extLst>
   </p:cSld>
@@ -14373,10 +14753,56 @@
           </a:p>
         </p:txBody>
       </p:sp>
+      <p:sp>
+        <p:nvSpPr>
+          <p:cNvPr id="3" name="Date Placeholder 2"/>
+          <p:cNvSpPr>
+            <a:spLocks noGrp="1"/>
+          </p:cNvSpPr>
+          <p:nvPr>
+            <p:ph type="dt" sz="half" idx="10"/>
+          </p:nvPr>
+        </p:nvSpPr>
+        <p:spPr/>
+        <p:txBody>
+          <a:bodyPr/>
+          <a:lstStyle/>
+          <a:p>
+            <a:r>
+              <a:rPr lang="en-US" smtClean="0"/>
+              <a:t>Fall 2014, NUS</a:t>
+            </a:r>
+            <a:endParaRPr lang="en-US" dirty="0" smtClean="0"/>
+          </a:p>
+        </p:txBody>
+      </p:sp>
+      <p:sp>
+        <p:nvSpPr>
+          <p:cNvPr id="4" name="Footer Placeholder 3"/>
+          <p:cNvSpPr>
+            <a:spLocks noGrp="1"/>
+          </p:cNvSpPr>
+          <p:nvPr>
+            <p:ph type="ftr" sz="quarter" idx="11"/>
+          </p:nvPr>
+        </p:nvSpPr>
+        <p:spPr/>
+        <p:txBody>
+          <a:bodyPr/>
+          <a:lstStyle/>
+          <a:p>
+            <a:r>
+              <a:rPr lang="en-US" smtClean="0"/>
+              <a:t>CS 5228 - Knowledge Discovery &amp; Data Mining</a:t>
+            </a:r>
+            <a:endParaRPr lang="en-US"/>
+          </a:p>
+        </p:txBody>
+      </p:sp>
     </p:spTree>
     <p:extLst>
       <p:ext uri="{BB962C8B-B14F-4D97-AF65-F5344CB8AC3E}">
-        <p14:creationId xmlns:p14="http://schemas.microsoft.com/office/powerpoint/2010/main" xmlns="" val="106250200"/>
+        <p14:creationId xmlns:p14="http://schemas.microsoft.com/office/powerpoint/2010/main" val="106250200"/>
       </p:ext>
     </p:extLst>
   </p:cSld>
@@ -14625,80 +15051,9 @@
           <a:chExt cx="0" cy="0"/>
         </a:xfrm>
       </p:grpSpPr>
-      <p:sp>
-        <p:nvSpPr>
-          <p:cNvPr id="5" name="Date Placeholder 4"/>
-          <p:cNvSpPr>
-            <a:spLocks noGrp="1"/>
-          </p:cNvSpPr>
-          <p:nvPr>
-            <p:ph type="dt" sz="half" idx="10"/>
-          </p:nvPr>
-        </p:nvSpPr>
-        <p:spPr/>
-        <p:txBody>
-          <a:bodyPr/>
-          <a:lstStyle/>
-          <a:p>
-            <a:fld id="{52EA87DE-C1F2-4EE8-8C8A-52BA35B8EB91}" type="datetime3">
-              <a:rPr lang="en-US" smtClean="0"/>
-              <a:pPr/>
-              <a:t>3 November 2014</a:t>
-            </a:fld>
-            <a:endParaRPr lang="en-US"/>
-          </a:p>
-        </p:txBody>
-      </p:sp>
-      <p:sp>
-        <p:nvSpPr>
-          <p:cNvPr id="6" name="Footer Placeholder 5"/>
-          <p:cNvSpPr>
-            <a:spLocks noGrp="1"/>
-          </p:cNvSpPr>
-          <p:nvPr>
-            <p:ph type="ftr" sz="quarter" idx="11"/>
-          </p:nvPr>
-        </p:nvSpPr>
-        <p:spPr/>
-        <p:txBody>
-          <a:bodyPr/>
-          <a:lstStyle/>
-          <a:p>
-            <a:r>
-              <a:rPr lang="en-US" dirty="0" smtClean="0"/>
-              <a:t>CS 5228 - Knowledge Discovery &amp; Data Mining</a:t>
-            </a:r>
-            <a:endParaRPr lang="en-US" dirty="0"/>
-          </a:p>
-        </p:txBody>
-      </p:sp>
-      <p:sp>
-        <p:nvSpPr>
-          <p:cNvPr id="7" name="Slide Number Placeholder 6"/>
-          <p:cNvSpPr>
-            <a:spLocks noGrp="1"/>
-          </p:cNvSpPr>
-          <p:nvPr>
-            <p:ph type="sldNum" sz="quarter" idx="12"/>
-          </p:nvPr>
-        </p:nvSpPr>
-        <p:spPr/>
-        <p:txBody>
-          <a:bodyPr/>
-          <a:lstStyle/>
-          <a:p>
-            <a:fld id="{B6F15528-21DE-4FAA-801E-634DDDAF4B2B}" type="slidenum">
-              <a:rPr lang="en-US" smtClean="0"/>
-              <a:pPr/>
-              <a:t>3</a:t>
-            </a:fld>
-            <a:endParaRPr lang="en-US"/>
-          </a:p>
-        </p:txBody>
-      </p:sp>
       <p:pic>
         <p:nvPicPr>
-          <p:cNvPr id="2052" name="Picture 4" descr="http://cdn.donorschoose.net/docs/DonorsChoose-org-logo.jpg"/>
+          <p:cNvPr id="2054" name="Picture 6"/>
           <p:cNvPicPr>
             <a:picLocks noChangeAspect="1" noChangeArrowheads="1"/>
           </p:cNvPicPr>
@@ -14708,48 +15063,7 @@
           <a:blip r:embed="rId2" cstate="print">
             <a:extLst>
               <a:ext uri="{28A0092B-C50C-407E-A947-70E740481C1C}">
-                <a14:useLocalDpi xmlns:a14="http://schemas.microsoft.com/office/drawing/2010/main" xmlns="" val="0"/>
-              </a:ext>
-            </a:extLst>
-          </a:blip>
-          <a:srcRect/>
-          <a:stretch>
-            <a:fillRect/>
-          </a:stretch>
-        </p:blipFill>
-        <p:spPr bwMode="auto">
-          <a:xfrm>
-            <a:off x="457200" y="457200"/>
-            <a:ext cx="7153275" cy="1800225"/>
-          </a:xfrm>
-          <a:prstGeom prst="rect">
-            <a:avLst/>
-          </a:prstGeom>
-          <a:noFill/>
-          <a:extLst>
-            <a:ext uri="{909E8E84-426E-40dd-AFC4-6F175D3DCCD1}">
-              <a14:hiddenFill xmlns:a14="http://schemas.microsoft.com/office/drawing/2010/main" xmlns="">
-                <a:solidFill>
-                  <a:srgbClr val="FFFFFF"/>
-                </a:solidFill>
-              </a14:hiddenFill>
-            </a:ext>
-          </a:extLst>
-        </p:spPr>
-      </p:pic>
-      <p:pic>
-        <p:nvPicPr>
-          <p:cNvPr id="2054" name="Picture 6"/>
-          <p:cNvPicPr>
-            <a:picLocks noChangeAspect="1" noChangeArrowheads="1"/>
-          </p:cNvPicPr>
-          <p:nvPr/>
-        </p:nvPicPr>
-        <p:blipFill>
-          <a:blip r:embed="rId3" cstate="print">
-            <a:extLst>
-              <a:ext uri="{28A0092B-C50C-407E-A947-70E740481C1C}">
-                <a14:useLocalDpi xmlns:a14="http://schemas.microsoft.com/office/drawing/2010/main" xmlns="" val="0"/>
+                <a14:useLocalDpi xmlns:a14="http://schemas.microsoft.com/office/drawing/2010/main" val="0"/>
               </a:ext>
             </a:extLst>
           </a:blip>
@@ -14771,15 +15085,15 @@
             <a:noFill/>
           </a:ln>
           <a:extLst>
-            <a:ext uri="{909E8E84-426E-40dd-AFC4-6F175D3DCCD1}">
-              <a14:hiddenFill xmlns:a14="http://schemas.microsoft.com/office/drawing/2010/main" xmlns="">
+            <a:ext uri="{909E8E84-426E-40DD-AFC4-6F175D3DCCD1}">
+              <a14:hiddenFill xmlns:a14="http://schemas.microsoft.com/office/drawing/2010/main">
                 <a:solidFill>
                   <a:schemeClr val="accent1"/>
                 </a:solidFill>
               </a14:hiddenFill>
             </a:ext>
-            <a:ext uri="{91240B29-F687-4f45-9708-019B960494DF}">
-              <a14:hiddenLine xmlns:a14="http://schemas.microsoft.com/office/drawing/2010/main" xmlns="" w="9525">
+            <a:ext uri="{91240B29-F687-4F45-9708-019B960494DF}">
+              <a14:hiddenLine xmlns:a14="http://schemas.microsoft.com/office/drawing/2010/main" w="9525">
                 <a:solidFill>
                   <a:schemeClr val="tx1"/>
                 </a:solidFill>
@@ -14787,6 +15101,117 @@
                 <a:headEnd/>
                 <a:tailEnd/>
               </a14:hiddenLine>
+            </a:ext>
+          </a:extLst>
+        </p:spPr>
+      </p:pic>
+      <p:sp>
+        <p:nvSpPr>
+          <p:cNvPr id="5" name="Date Placeholder 4"/>
+          <p:cNvSpPr>
+            <a:spLocks noGrp="1"/>
+          </p:cNvSpPr>
+          <p:nvPr>
+            <p:ph type="dt" sz="half" idx="10"/>
+          </p:nvPr>
+        </p:nvSpPr>
+        <p:spPr/>
+        <p:txBody>
+          <a:bodyPr/>
+          <a:lstStyle/>
+          <a:p>
+            <a:r>
+              <a:rPr lang="en-US" smtClean="0"/>
+              <a:t>Fall 2014, NUS</a:t>
+            </a:r>
+            <a:endParaRPr lang="en-US"/>
+          </a:p>
+        </p:txBody>
+      </p:sp>
+      <p:sp>
+        <p:nvSpPr>
+          <p:cNvPr id="6" name="Footer Placeholder 5"/>
+          <p:cNvSpPr>
+            <a:spLocks noGrp="1"/>
+          </p:cNvSpPr>
+          <p:nvPr>
+            <p:ph type="ftr" sz="quarter" idx="11"/>
+          </p:nvPr>
+        </p:nvSpPr>
+        <p:spPr/>
+        <p:txBody>
+          <a:bodyPr/>
+          <a:lstStyle/>
+          <a:p>
+            <a:r>
+              <a:rPr lang="en-US" dirty="0" smtClean="0"/>
+              <a:t>CS 5228 - Knowledge Discovery &amp; Data Mining</a:t>
+            </a:r>
+            <a:endParaRPr lang="en-US" dirty="0"/>
+          </a:p>
+        </p:txBody>
+      </p:sp>
+      <p:sp>
+        <p:nvSpPr>
+          <p:cNvPr id="7" name="Slide Number Placeholder 6"/>
+          <p:cNvSpPr>
+            <a:spLocks noGrp="1"/>
+          </p:cNvSpPr>
+          <p:nvPr>
+            <p:ph type="sldNum" sz="quarter" idx="12"/>
+          </p:nvPr>
+        </p:nvSpPr>
+        <p:spPr/>
+        <p:txBody>
+          <a:bodyPr/>
+          <a:lstStyle/>
+          <a:p>
+            <a:fld id="{B6F15528-21DE-4FAA-801E-634DDDAF4B2B}" type="slidenum">
+              <a:rPr lang="en-US" smtClean="0"/>
+              <a:pPr/>
+              <a:t>3</a:t>
+            </a:fld>
+            <a:endParaRPr lang="en-US"/>
+          </a:p>
+        </p:txBody>
+      </p:sp>
+      <p:pic>
+        <p:nvPicPr>
+          <p:cNvPr id="2052" name="Picture 4" descr="http://cdn.donorschoose.net/docs/DonorsChoose-org-logo.jpg"/>
+          <p:cNvPicPr>
+            <a:picLocks noChangeAspect="1" noChangeArrowheads="1"/>
+          </p:cNvPicPr>
+          <p:nvPr/>
+        </p:nvPicPr>
+        <p:blipFill>
+          <a:blip r:embed="rId3" cstate="print">
+            <a:extLst>
+              <a:ext uri="{28A0092B-C50C-407E-A947-70E740481C1C}">
+                <a14:useLocalDpi xmlns:a14="http://schemas.microsoft.com/office/drawing/2010/main" val="0"/>
+              </a:ext>
+            </a:extLst>
+          </a:blip>
+          <a:srcRect/>
+          <a:stretch>
+            <a:fillRect/>
+          </a:stretch>
+        </p:blipFill>
+        <p:spPr bwMode="auto">
+          <a:xfrm>
+            <a:off x="457200" y="457200"/>
+            <a:ext cx="7153275" cy="1800225"/>
+          </a:xfrm>
+          <a:prstGeom prst="rect">
+            <a:avLst/>
+          </a:prstGeom>
+          <a:noFill/>
+          <a:extLst>
+            <a:ext uri="{909E8E84-426E-40DD-AFC4-6F175D3DCCD1}">
+              <a14:hiddenFill xmlns:a14="http://schemas.microsoft.com/office/drawing/2010/main">
+                <a:solidFill>
+                  <a:srgbClr val="FFFFFF"/>
+                </a:solidFill>
+              </a14:hiddenFill>
             </a:ext>
           </a:extLst>
         </p:spPr>
@@ -14878,7 +15303,7 @@
     </p:spTree>
     <p:extLst>
       <p:ext uri="{BB962C8B-B14F-4D97-AF65-F5344CB8AC3E}">
-        <p14:creationId xmlns:p14="http://schemas.microsoft.com/office/powerpoint/2010/main" xmlns="" val="3257724845"/>
+        <p14:creationId xmlns:p14="http://schemas.microsoft.com/office/powerpoint/2010/main" val="3257724845"/>
       </p:ext>
     </p:extLst>
   </p:cSld>
@@ -15228,11 +15653,10 @@
           <a:bodyPr/>
           <a:lstStyle/>
           <a:p>
-            <a:fld id="{28AC1232-105D-4AA5-B548-5832548E2317}" type="datetime3">
+            <a:r>
               <a:rPr lang="en-US" smtClean="0"/>
-              <a:pPr/>
-              <a:t>3 November 2014</a:t>
-            </a:fld>
+              <a:t>Fall 2014, NUS</a:t>
+            </a:r>
             <a:endParaRPr lang="en-US"/>
           </a:p>
         </p:txBody>
@@ -15287,7 +15711,7 @@
     </p:spTree>
     <p:extLst>
       <p:ext uri="{BB962C8B-B14F-4D97-AF65-F5344CB8AC3E}">
-        <p14:creationId xmlns:p14="http://schemas.microsoft.com/office/powerpoint/2010/main" xmlns="" val="2865819199"/>
+        <p14:creationId xmlns:p14="http://schemas.microsoft.com/office/powerpoint/2010/main" val="2865819199"/>
       </p:ext>
     </p:extLst>
   </p:cSld>
@@ -15452,11 +15876,10 @@
           <a:bodyPr/>
           <a:lstStyle/>
           <a:p>
-            <a:fld id="{52EA87DE-C1F2-4EE8-8C8A-52BA35B8EB91}" type="datetime3">
+            <a:r>
               <a:rPr lang="en-US" smtClean="0"/>
-              <a:pPr/>
-              <a:t>3 November 2014</a:t>
-            </a:fld>
+              <a:t>Fall 2014, NUS</a:t>
+            </a:r>
             <a:endParaRPr lang="en-US"/>
           </a:p>
         </p:txBody>
@@ -15600,7 +16023,7 @@
     </p:spTree>
     <p:extLst>
       <p:ext uri="{BB962C8B-B14F-4D97-AF65-F5344CB8AC3E}">
-        <p14:creationId xmlns:p14="http://schemas.microsoft.com/office/powerpoint/2010/main" xmlns="" val="1271128215"/>
+        <p14:creationId xmlns:p14="http://schemas.microsoft.com/office/powerpoint/2010/main" val="1271128215"/>
       </p:ext>
     </p:extLst>
   </p:cSld>
@@ -15752,10 +16175,56 @@
           </a:p>
         </p:txBody>
       </p:sp>
+      <p:sp>
+        <p:nvSpPr>
+          <p:cNvPr id="3" name="Date Placeholder 2"/>
+          <p:cNvSpPr>
+            <a:spLocks noGrp="1"/>
+          </p:cNvSpPr>
+          <p:nvPr>
+            <p:ph type="dt" sz="half" idx="10"/>
+          </p:nvPr>
+        </p:nvSpPr>
+        <p:spPr/>
+        <p:txBody>
+          <a:bodyPr/>
+          <a:lstStyle/>
+          <a:p>
+            <a:r>
+              <a:rPr lang="en-US" smtClean="0"/>
+              <a:t>Fall 2014, NUS</a:t>
+            </a:r>
+            <a:endParaRPr lang="en-US" dirty="0" smtClean="0"/>
+          </a:p>
+        </p:txBody>
+      </p:sp>
+      <p:sp>
+        <p:nvSpPr>
+          <p:cNvPr id="4" name="Footer Placeholder 3"/>
+          <p:cNvSpPr>
+            <a:spLocks noGrp="1"/>
+          </p:cNvSpPr>
+          <p:nvPr>
+            <p:ph type="ftr" sz="quarter" idx="11"/>
+          </p:nvPr>
+        </p:nvSpPr>
+        <p:spPr/>
+        <p:txBody>
+          <a:bodyPr/>
+          <a:lstStyle/>
+          <a:p>
+            <a:r>
+              <a:rPr lang="en-US" smtClean="0"/>
+              <a:t>CS 5228 - Knowledge Discovery &amp; Data Mining</a:t>
+            </a:r>
+            <a:endParaRPr lang="en-US"/>
+          </a:p>
+        </p:txBody>
+      </p:sp>
     </p:spTree>
     <p:extLst>
       <p:ext uri="{BB962C8B-B14F-4D97-AF65-F5344CB8AC3E}">
-        <p14:creationId xmlns:p14="http://schemas.microsoft.com/office/powerpoint/2010/main" xmlns="" val="106250200"/>
+        <p14:creationId xmlns:p14="http://schemas.microsoft.com/office/powerpoint/2010/main" val="106250200"/>
       </p:ext>
     </p:extLst>
   </p:cSld>
@@ -15827,11 +16296,10 @@
           <a:bodyPr/>
           <a:lstStyle/>
           <a:p>
-            <a:fld id="{C568B7B7-A507-48A0-B22F-AA1D52CB5AA0}" type="datetime3">
+            <a:r>
               <a:rPr lang="en-US" smtClean="0"/>
-              <a:pPr/>
-              <a:t>3 November 2014</a:t>
-            </a:fld>
+              <a:t>Fall 2014, NUS</a:t>
+            </a:r>
             <a:endParaRPr lang="en-US"/>
           </a:p>
         </p:txBody>
@@ -15985,8 +16453,8 @@
         </p:nvSpPr>
         <p:spPr>
           <a:xfrm>
-            <a:off x="228600" y="1447800"/>
-            <a:ext cx="4038600" cy="4648200"/>
+            <a:off x="457200" y="1447800"/>
+            <a:ext cx="3810000" cy="4648200"/>
           </a:xfrm>
           <a:prstGeom prst="rect">
             <a:avLst/>
@@ -16240,7 +16708,7 @@
     </p:spTree>
     <p:extLst>
       <p:ext uri="{BB962C8B-B14F-4D97-AF65-F5344CB8AC3E}">
-        <p14:creationId xmlns:p14="http://schemas.microsoft.com/office/powerpoint/2010/main" xmlns="" val="3508389179"/>
+        <p14:creationId xmlns:p14="http://schemas.microsoft.com/office/powerpoint/2010/main" val="3508389179"/>
       </p:ext>
     </p:extLst>
   </p:cSld>
@@ -16312,11 +16780,10 @@
           <a:bodyPr/>
           <a:lstStyle/>
           <a:p>
-            <a:fld id="{C568B7B7-A507-48A0-B22F-AA1D52CB5AA0}" type="datetime3">
+            <a:r>
               <a:rPr lang="en-US" smtClean="0"/>
-              <a:pPr/>
-              <a:t>3 November 2014</a:t>
-            </a:fld>
+              <a:t>Fall 2014, NUS</a:t>
+            </a:r>
             <a:endParaRPr lang="en-US"/>
           </a:p>
         </p:txBody>
@@ -16388,17 +16855,12 @@
             </a:pPr>
             <a:r>
               <a:rPr lang="en-US" sz="4000" dirty="0" smtClean="0"/>
-              <a:t>Training</a:t>
-            </a:r>
-            <a:r>
-              <a:rPr lang="en-US" sz="4000" dirty="0" smtClean="0"/>
-              <a:t>:</a:t>
+              <a:t>Training:</a:t>
             </a:r>
             <a:r>
               <a:rPr lang="en-US" sz="3600" dirty="0" smtClean="0"/>
               <a:t> </a:t>
             </a:r>
-            <a:endParaRPr lang="en-US" sz="3600" dirty="0" smtClean="0"/>
           </a:p>
           <a:p>
             <a:pPr lvl="1">
@@ -16410,15 +16872,7 @@
                   <a:srgbClr val="FF0000"/>
                 </a:solidFill>
               </a:rPr>
-              <a:t>	</a:t>
-            </a:r>
-            <a:r>
-              <a:rPr lang="en-US" sz="3200" b="1" dirty="0" smtClean="0">
-                <a:solidFill>
-                  <a:srgbClr val="FF0000"/>
-                </a:solidFill>
-              </a:rPr>
-              <a:t>		</a:t>
+              <a:t>			</a:t>
             </a:r>
             <a:r>
               <a:rPr lang="en-US" sz="4400" b="1" dirty="0" smtClean="0">
@@ -16426,15 +16880,7 @@
                   <a:srgbClr val="FF0000"/>
                 </a:solidFill>
               </a:rPr>
-              <a:t>&lt;  1 </a:t>
-            </a:r>
-            <a:r>
-              <a:rPr lang="en-US" sz="4400" b="1" dirty="0" smtClean="0">
-                <a:solidFill>
-                  <a:srgbClr val="FF0000"/>
-                </a:solidFill>
-              </a:rPr>
-              <a:t>January 2014</a:t>
+              <a:t>&lt;  1 January 2014</a:t>
             </a:r>
           </a:p>
           <a:p>
@@ -16445,7 +16891,6 @@
               <a:rPr lang="en-US" sz="4000" dirty="0" smtClean="0"/>
               <a:t>Test: </a:t>
             </a:r>
-            <a:endParaRPr lang="en-US" sz="4000" dirty="0" smtClean="0"/>
           </a:p>
           <a:p>
             <a:pPr>
@@ -16465,15 +16910,7 @@
                   <a:srgbClr val="00B0F0"/>
                 </a:solidFill>
               </a:rPr>
-              <a:t>&gt;= 1 </a:t>
-            </a:r>
-            <a:r>
-              <a:rPr lang="en-US" sz="4400" b="1" dirty="0" smtClean="0">
-                <a:solidFill>
-                  <a:srgbClr val="00B0F0"/>
-                </a:solidFill>
-              </a:rPr>
-              <a:t>January 2014</a:t>
+              <a:t>&gt;= 1 January 2014</a:t>
             </a:r>
             <a:endParaRPr lang="en-US" sz="4400" b="1" dirty="0">
               <a:solidFill>
@@ -16486,7 +16923,7 @@
     </p:spTree>
     <p:extLst>
       <p:ext uri="{BB962C8B-B14F-4D97-AF65-F5344CB8AC3E}">
-        <p14:creationId xmlns:p14="http://schemas.microsoft.com/office/powerpoint/2010/main" xmlns="" val="3431364994"/>
+        <p14:creationId xmlns:p14="http://schemas.microsoft.com/office/powerpoint/2010/main" val="3431364994"/>
       </p:ext>
     </p:extLst>
   </p:cSld>
@@ -16552,7 +16989,7 @@
             <p:ph idx="1"/>
             <p:extLst>
               <p:ext uri="{D42A27DB-BD31-4B8C-83A1-F6EECF244321}">
-                <p14:modId xmlns:p14="http://schemas.microsoft.com/office/powerpoint/2010/main" xmlns="" val="3561828059"/>
+                <p14:modId xmlns:p14="http://schemas.microsoft.com/office/powerpoint/2010/main" val="3561828059"/>
               </p:ext>
             </p:extLst>
           </p:nvPr>
@@ -17464,11 +17901,10 @@
           <a:bodyPr/>
           <a:lstStyle/>
           <a:p>
-            <a:fld id="{67982E54-CFC6-46DC-BEF3-B3681CD4B600}" type="datetime3">
+            <a:r>
               <a:rPr lang="en-US" smtClean="0"/>
-              <a:pPr/>
-              <a:t>3 November 2014</a:t>
-            </a:fld>
+              <a:t>Fall 2014, NUS</a:t>
+            </a:r>
             <a:endParaRPr lang="en-US"/>
           </a:p>
         </p:txBody>
@@ -17615,7 +18051,7 @@
     </p:spTree>
     <p:extLst>
       <p:ext uri="{BB962C8B-B14F-4D97-AF65-F5344CB8AC3E}">
-        <p14:creationId xmlns:p14="http://schemas.microsoft.com/office/powerpoint/2010/main" xmlns="" val="2673462739"/>
+        <p14:creationId xmlns:p14="http://schemas.microsoft.com/office/powerpoint/2010/main" val="2673462739"/>
       </p:ext>
     </p:extLst>
   </p:cSld>

--- a/doc/2014_Nov_04.pptx
+++ b/doc/2014_Nov_04.pptx
@@ -219,7 +219,7 @@
             <a:fld id="{6C4F5159-5F9A-40D9-9FA8-29356E4B5129}" type="datetimeFigureOut">
               <a:rPr lang="en-US" smtClean="0"/>
               <a:pPr/>
-              <a:t>11/3/2014</a:t>
+              <a:t>11/4/2014</a:t>
             </a:fld>
             <a:endParaRPr lang="en-US"/>
           </a:p>
@@ -6195,6 +6195,60 @@
           <a:chExt cx="0" cy="0"/>
         </a:xfrm>
       </p:grpSpPr>
+      <p:pic>
+        <p:nvPicPr>
+          <p:cNvPr id="1026" name="Picture 2"/>
+          <p:cNvPicPr>
+            <a:picLocks noChangeAspect="1" noChangeArrowheads="1"/>
+          </p:cNvPicPr>
+          <p:nvPr/>
+        </p:nvPicPr>
+        <p:blipFill>
+          <a:blip r:embed="rId2">
+            <a:extLst>
+              <a:ext uri="{28A0092B-C50C-407E-A947-70E740481C1C}">
+                <a14:useLocalDpi xmlns:a14="http://schemas.microsoft.com/office/drawing/2010/main" val="0"/>
+              </a:ext>
+            </a:extLst>
+          </a:blip>
+          <a:srcRect/>
+          <a:stretch>
+            <a:fillRect/>
+          </a:stretch>
+        </p:blipFill>
+        <p:spPr bwMode="auto">
+          <a:xfrm>
+            <a:off x="0" y="1371600"/>
+            <a:ext cx="9172575" cy="4114800"/>
+          </a:xfrm>
+          <a:prstGeom prst="rect">
+            <a:avLst/>
+          </a:prstGeom>
+          <a:noFill/>
+          <a:ln>
+            <a:noFill/>
+          </a:ln>
+          <a:extLst>
+            <a:ext uri="{909E8E84-426E-40DD-AFC4-6F175D3DCCD1}">
+              <a14:hiddenFill xmlns:a14="http://schemas.microsoft.com/office/drawing/2010/main">
+                <a:solidFill>
+                  <a:schemeClr val="accent1"/>
+                </a:solidFill>
+              </a14:hiddenFill>
+            </a:ext>
+            <a:ext uri="{91240B29-F687-4F45-9708-019B960494DF}">
+              <a14:hiddenLine xmlns:a14="http://schemas.microsoft.com/office/drawing/2010/main" w="9525">
+                <a:solidFill>
+                  <a:schemeClr val="tx1"/>
+                </a:solidFill>
+                <a:miter lim="800000"/>
+                <a:headEnd/>
+                <a:tailEnd/>
+              </a14:hiddenLine>
+            </a:ext>
+          </a:extLst>
+        </p:spPr>
+      </p:pic>
       <p:sp>
         <p:nvSpPr>
           <p:cNvPr id="2" name="Title 1"/>
@@ -6288,36 +6342,6 @@
           </a:p>
         </p:txBody>
       </p:sp>
-      <p:pic>
-        <p:nvPicPr>
-          <p:cNvPr id="7" name="Picture 6" descr="Screen Shot 2014-11-03 at 4.27.27 PM.png"/>
-          <p:cNvPicPr>
-            <a:picLocks noChangeAspect="1"/>
-          </p:cNvPicPr>
-          <p:nvPr/>
-        </p:nvPicPr>
-        <p:blipFill>
-          <a:blip r:embed="rId2" cstate="print">
-            <a:extLst>
-              <a:ext uri="{28A0092B-C50C-407E-A947-70E740481C1C}">
-                <a14:useLocalDpi xmlns:a14="http://schemas.microsoft.com/office/drawing/2010/main" val="0"/>
-              </a:ext>
-            </a:extLst>
-          </a:blip>
-          <a:stretch>
-            <a:fillRect/>
-          </a:stretch>
-        </p:blipFill>
-        <p:spPr>
-          <a:xfrm>
-            <a:off x="58577" y="1676400"/>
-            <a:ext cx="9181231" cy="4114800"/>
-          </a:xfrm>
-          <a:prstGeom prst="rect">
-            <a:avLst/>
-          </a:prstGeom>
-        </p:spPr>
-      </p:pic>
       <p:sp>
         <p:nvSpPr>
           <p:cNvPr id="3" name="Content Placeholder 2"/>
@@ -6464,6 +6488,98 @@
               </a:rPr>
               <a:t>80.063582</a:t>
             </a:r>
+          </a:p>
+        </p:txBody>
+      </p:sp>
+      <p:sp>
+        <p:nvSpPr>
+          <p:cNvPr id="10" name="TextBox 9"/>
+          <p:cNvSpPr txBox="1"/>
+          <p:nvPr/>
+        </p:nvSpPr>
+        <p:spPr>
+          <a:xfrm>
+            <a:off x="1176136" y="2140467"/>
+            <a:ext cx="836511" cy="707886"/>
+          </a:xfrm>
+          <a:prstGeom prst="rect">
+            <a:avLst/>
+          </a:prstGeom>
+          <a:noFill/>
+        </p:spPr>
+        <p:txBody>
+          <a:bodyPr wrap="none" rtlCol="0">
+            <a:spAutoFit/>
+          </a:bodyPr>
+          <a:lstStyle/>
+          <a:p>
+            <a:r>
+              <a:rPr lang="en-US" sz="4000" b="1" dirty="0" smtClean="0">
+                <a:solidFill>
+                  <a:srgbClr val="39C56E"/>
+                </a:solidFill>
+              </a:rPr>
+              <a:t>+</a:t>
+            </a:r>
+            <a:r>
+              <a:rPr lang="en-US" sz="3200" b="1" dirty="0" err="1" smtClean="0">
+                <a:solidFill>
+                  <a:srgbClr val="39C56E"/>
+                </a:solidFill>
+              </a:rPr>
+              <a:t>ve</a:t>
+            </a:r>
+            <a:endParaRPr lang="en-US" b="1" dirty="0">
+              <a:solidFill>
+                <a:srgbClr val="39C56E"/>
+              </a:solidFill>
+            </a:endParaRPr>
+          </a:p>
+        </p:txBody>
+      </p:sp>
+      <p:sp>
+        <p:nvSpPr>
+          <p:cNvPr id="11" name="TextBox 10"/>
+          <p:cNvSpPr txBox="1"/>
+          <p:nvPr/>
+        </p:nvSpPr>
+        <p:spPr>
+          <a:xfrm>
+            <a:off x="5257800" y="3577679"/>
+            <a:ext cx="854145" cy="707886"/>
+          </a:xfrm>
+          <a:prstGeom prst="rect">
+            <a:avLst/>
+          </a:prstGeom>
+          <a:noFill/>
+        </p:spPr>
+        <p:txBody>
+          <a:bodyPr wrap="none" rtlCol="0">
+            <a:spAutoFit/>
+          </a:bodyPr>
+          <a:lstStyle/>
+          <a:p>
+            <a:r>
+              <a:rPr lang="en-US" sz="4000" b="1" dirty="0" smtClean="0">
+                <a:solidFill>
+                  <a:srgbClr val="FF0000"/>
+                </a:solidFill>
+              </a:rPr>
+              <a:t>- </a:t>
+            </a:r>
+            <a:r>
+              <a:rPr lang="en-US" sz="3200" b="1" dirty="0" err="1" smtClean="0">
+                <a:solidFill>
+                  <a:srgbClr val="FF0000"/>
+                </a:solidFill>
+              </a:rPr>
+              <a:t>ve</a:t>
+            </a:r>
+            <a:endParaRPr lang="en-US" b="1" dirty="0">
+              <a:solidFill>
+                <a:srgbClr val="FF0000"/>
+              </a:solidFill>
+            </a:endParaRPr>
           </a:p>
         </p:txBody>
       </p:sp>
@@ -13336,15 +13452,11 @@
           <a:p>
             <a:r>
               <a:rPr lang="en-US" dirty="0" smtClean="0"/>
-              <a:t>Why are we ranked 7</a:t>
-            </a:r>
-            <a:r>
-              <a:rPr lang="en-US" baseline="30000" dirty="0" smtClean="0"/>
-              <a:t>th</a:t>
-            </a:r>
-            <a:r>
-              <a:rPr lang="en-US" dirty="0" smtClean="0"/>
-              <a:t>?</a:t>
+              <a:t>Discounted vs Not </a:t>
+            </a:r>
+            <a:r>
+              <a:rPr lang="en-US" dirty="0" err="1" smtClean="0"/>
+              <a:t>dicounted</a:t>
             </a:r>
             <a:endParaRPr lang="en-US" dirty="0"/>
           </a:p>
@@ -14253,7 +14365,7 @@
         </p:nvSpPr>
         <p:spPr>
           <a:xfrm>
-            <a:off x="2514600" y="1447800"/>
+            <a:off x="2514600" y="1600200"/>
             <a:ext cx="1905000" cy="4724400"/>
           </a:xfrm>
           <a:prstGeom prst="roundRect">
